--- a/Grafiken.pptx
+++ b/Grafiken.pptx
@@ -265,7 +265,7 @@
           <a:p>
             <a:fld id="{1A473A71-948F-4AE8-AF79-80443CCFF2D0}" type="datetimeFigureOut">
               <a:rPr lang="de-DE" smtClean="0"/>
-              <a:t>24.01.2020</a:t>
+              <a:t>03.02.2020</a:t>
             </a:fld>
             <a:endParaRPr lang="de-DE"/>
           </a:p>
@@ -463,7 +463,7 @@
           <a:p>
             <a:fld id="{1A473A71-948F-4AE8-AF79-80443CCFF2D0}" type="datetimeFigureOut">
               <a:rPr lang="de-DE" smtClean="0"/>
-              <a:t>24.01.2020</a:t>
+              <a:t>03.02.2020</a:t>
             </a:fld>
             <a:endParaRPr lang="de-DE"/>
           </a:p>
@@ -671,7 +671,7 @@
           <a:p>
             <a:fld id="{1A473A71-948F-4AE8-AF79-80443CCFF2D0}" type="datetimeFigureOut">
               <a:rPr lang="de-DE" smtClean="0"/>
-              <a:t>24.01.2020</a:t>
+              <a:t>03.02.2020</a:t>
             </a:fld>
             <a:endParaRPr lang="de-DE"/>
           </a:p>
@@ -869,7 +869,7 @@
           <a:p>
             <a:fld id="{1A473A71-948F-4AE8-AF79-80443CCFF2D0}" type="datetimeFigureOut">
               <a:rPr lang="de-DE" smtClean="0"/>
-              <a:t>24.01.2020</a:t>
+              <a:t>03.02.2020</a:t>
             </a:fld>
             <a:endParaRPr lang="de-DE"/>
           </a:p>
@@ -1144,7 +1144,7 @@
           <a:p>
             <a:fld id="{1A473A71-948F-4AE8-AF79-80443CCFF2D0}" type="datetimeFigureOut">
               <a:rPr lang="de-DE" smtClean="0"/>
-              <a:t>24.01.2020</a:t>
+              <a:t>03.02.2020</a:t>
             </a:fld>
             <a:endParaRPr lang="de-DE"/>
           </a:p>
@@ -1409,7 +1409,7 @@
           <a:p>
             <a:fld id="{1A473A71-948F-4AE8-AF79-80443CCFF2D0}" type="datetimeFigureOut">
               <a:rPr lang="de-DE" smtClean="0"/>
-              <a:t>24.01.2020</a:t>
+              <a:t>03.02.2020</a:t>
             </a:fld>
             <a:endParaRPr lang="de-DE"/>
           </a:p>
@@ -1821,7 +1821,7 @@
           <a:p>
             <a:fld id="{1A473A71-948F-4AE8-AF79-80443CCFF2D0}" type="datetimeFigureOut">
               <a:rPr lang="de-DE" smtClean="0"/>
-              <a:t>24.01.2020</a:t>
+              <a:t>03.02.2020</a:t>
             </a:fld>
             <a:endParaRPr lang="de-DE"/>
           </a:p>
@@ -1962,7 +1962,7 @@
           <a:p>
             <a:fld id="{1A473A71-948F-4AE8-AF79-80443CCFF2D0}" type="datetimeFigureOut">
               <a:rPr lang="de-DE" smtClean="0"/>
-              <a:t>24.01.2020</a:t>
+              <a:t>03.02.2020</a:t>
             </a:fld>
             <a:endParaRPr lang="de-DE"/>
           </a:p>
@@ -2075,7 +2075,7 @@
           <a:p>
             <a:fld id="{1A473A71-948F-4AE8-AF79-80443CCFF2D0}" type="datetimeFigureOut">
               <a:rPr lang="de-DE" smtClean="0"/>
-              <a:t>24.01.2020</a:t>
+              <a:t>03.02.2020</a:t>
             </a:fld>
             <a:endParaRPr lang="de-DE"/>
           </a:p>
@@ -2386,7 +2386,7 @@
           <a:p>
             <a:fld id="{1A473A71-948F-4AE8-AF79-80443CCFF2D0}" type="datetimeFigureOut">
               <a:rPr lang="de-DE" smtClean="0"/>
-              <a:t>24.01.2020</a:t>
+              <a:t>03.02.2020</a:t>
             </a:fld>
             <a:endParaRPr lang="de-DE"/>
           </a:p>
@@ -2674,7 +2674,7 @@
           <a:p>
             <a:fld id="{1A473A71-948F-4AE8-AF79-80443CCFF2D0}" type="datetimeFigureOut">
               <a:rPr lang="de-DE" smtClean="0"/>
-              <a:t>24.01.2020</a:t>
+              <a:t>03.02.2020</a:t>
             </a:fld>
             <a:endParaRPr lang="de-DE"/>
           </a:p>
@@ -2915,7 +2915,7 @@
           <a:p>
             <a:fld id="{1A473A71-948F-4AE8-AF79-80443CCFF2D0}" type="datetimeFigureOut">
               <a:rPr lang="de-DE" smtClean="0"/>
-              <a:t>24.01.2020</a:t>
+              <a:t>03.02.2020</a:t>
             </a:fld>
             <a:endParaRPr lang="de-DE"/>
           </a:p>
@@ -7006,6 +7006,415 @@
           </a:p>
         </p:txBody>
       </p:sp>
+      <p:sp>
+        <p:nvSpPr>
+          <p:cNvPr id="2" name="Trapezoid 1">
+            <a:extLst>
+              <a:ext uri="{FF2B5EF4-FFF2-40B4-BE49-F238E27FC236}">
+                <a16:creationId xmlns:a16="http://schemas.microsoft.com/office/drawing/2014/main" id="{4F717245-6F2B-436C-B06F-B71C4C9B7378}"/>
+              </a:ext>
+            </a:extLst>
+          </p:cNvPr>
+          <p:cNvSpPr/>
+          <p:nvPr/>
+        </p:nvSpPr>
+        <p:spPr>
+          <a:xfrm>
+            <a:off x="5652165" y="1981193"/>
+            <a:ext cx="2112212" cy="1740561"/>
+          </a:xfrm>
+          <a:prstGeom prst="trapezoid">
+            <a:avLst/>
+          </a:prstGeom>
+          <a:solidFill>
+            <a:schemeClr val="bg1"/>
+          </a:solidFill>
+          <a:ln>
+            <a:solidFill>
+              <a:schemeClr val="tx1"/>
+            </a:solidFill>
+          </a:ln>
+        </p:spPr>
+        <p:style>
+          <a:lnRef idx="2">
+            <a:schemeClr val="accent1">
+              <a:shade val="50000"/>
+            </a:schemeClr>
+          </a:lnRef>
+          <a:fillRef idx="1">
+            <a:schemeClr val="accent1"/>
+          </a:fillRef>
+          <a:effectRef idx="0">
+            <a:schemeClr val="accent1"/>
+          </a:effectRef>
+          <a:fontRef idx="minor">
+            <a:schemeClr val="lt1"/>
+          </a:fontRef>
+        </p:style>
+        <p:txBody>
+          <a:bodyPr rtlCol="0" anchor="ctr"/>
+          <a:lstStyle/>
+          <a:p>
+            <a:pPr algn="ctr"/>
+            <a:endParaRPr lang="de-DE"/>
+          </a:p>
+        </p:txBody>
+      </p:sp>
+      <p:cxnSp>
+        <p:nvCxnSpPr>
+          <p:cNvPr id="9" name="Gerade Verbindung mit Pfeil 8">
+            <a:extLst>
+              <a:ext uri="{FF2B5EF4-FFF2-40B4-BE49-F238E27FC236}">
+                <a16:creationId xmlns:a16="http://schemas.microsoft.com/office/drawing/2014/main" id="{736B5B27-66CF-44DD-84A3-BD288082062C}"/>
+              </a:ext>
+            </a:extLst>
+          </p:cNvPr>
+          <p:cNvCxnSpPr/>
+          <p:nvPr/>
+        </p:nvCxnSpPr>
+        <p:spPr>
+          <a:xfrm>
+            <a:off x="5606714" y="4002845"/>
+            <a:ext cx="426335" cy="0"/>
+          </a:xfrm>
+          <a:prstGeom prst="straightConnector1">
+            <a:avLst/>
+          </a:prstGeom>
+          <a:ln>
+            <a:headEnd type="triangle"/>
+            <a:tailEnd type="triangle"/>
+          </a:ln>
+        </p:spPr>
+        <p:style>
+          <a:lnRef idx="1">
+            <a:schemeClr val="accent1"/>
+          </a:lnRef>
+          <a:fillRef idx="0">
+            <a:schemeClr val="accent1"/>
+          </a:fillRef>
+          <a:effectRef idx="0">
+            <a:schemeClr val="accent1"/>
+          </a:effectRef>
+          <a:fontRef idx="minor">
+            <a:schemeClr val="tx1"/>
+          </a:fontRef>
+        </p:style>
+      </p:cxnSp>
+      <p:cxnSp>
+        <p:nvCxnSpPr>
+          <p:cNvPr id="16" name="Gerade Verbindung mit Pfeil 15">
+            <a:extLst>
+              <a:ext uri="{FF2B5EF4-FFF2-40B4-BE49-F238E27FC236}">
+                <a16:creationId xmlns:a16="http://schemas.microsoft.com/office/drawing/2014/main" id="{DABD9667-9DFD-4DB6-97F0-18387CAF0F38}"/>
+              </a:ext>
+            </a:extLst>
+          </p:cNvPr>
+          <p:cNvCxnSpPr>
+            <a:cxnSpLocks/>
+          </p:cNvCxnSpPr>
+          <p:nvPr/>
+        </p:nvCxnSpPr>
+        <p:spPr>
+          <a:xfrm>
+            <a:off x="6713622" y="1981200"/>
+            <a:ext cx="0" cy="1740561"/>
+          </a:xfrm>
+          <a:prstGeom prst="straightConnector1">
+            <a:avLst/>
+          </a:prstGeom>
+          <a:ln>
+            <a:prstDash val="sysDot"/>
+            <a:headEnd type="triangle"/>
+            <a:tailEnd type="triangle"/>
+          </a:ln>
+        </p:spPr>
+        <p:style>
+          <a:lnRef idx="1">
+            <a:schemeClr val="dk1"/>
+          </a:lnRef>
+          <a:fillRef idx="0">
+            <a:schemeClr val="dk1"/>
+          </a:fillRef>
+          <a:effectRef idx="0">
+            <a:schemeClr val="dk1"/>
+          </a:effectRef>
+          <a:fontRef idx="minor">
+            <a:schemeClr val="tx1"/>
+          </a:fontRef>
+        </p:style>
+      </p:cxnSp>
+      <p:cxnSp>
+        <p:nvCxnSpPr>
+          <p:cNvPr id="23" name="Gerader Verbinder 22">
+            <a:extLst>
+              <a:ext uri="{FF2B5EF4-FFF2-40B4-BE49-F238E27FC236}">
+                <a16:creationId xmlns:a16="http://schemas.microsoft.com/office/drawing/2014/main" id="{BC0D837E-7A20-4C6C-B1AF-2C945E921F4B}"/>
+              </a:ext>
+            </a:extLst>
+          </p:cNvPr>
+          <p:cNvCxnSpPr>
+            <a:cxnSpLocks/>
+          </p:cNvCxnSpPr>
+          <p:nvPr/>
+        </p:nvCxnSpPr>
+        <p:spPr>
+          <a:xfrm flipH="1">
+            <a:off x="5986802" y="793287"/>
+            <a:ext cx="410534" cy="1612674"/>
+          </a:xfrm>
+          <a:prstGeom prst="line">
+            <a:avLst/>
+          </a:prstGeom>
+          <a:ln>
+            <a:prstDash val="dash"/>
+          </a:ln>
+        </p:spPr>
+        <p:style>
+          <a:lnRef idx="1">
+            <a:schemeClr val="accent1"/>
+          </a:lnRef>
+          <a:fillRef idx="0">
+            <a:schemeClr val="accent1"/>
+          </a:fillRef>
+          <a:effectRef idx="0">
+            <a:schemeClr val="accent1"/>
+          </a:effectRef>
+          <a:fontRef idx="minor">
+            <a:schemeClr val="tx1"/>
+          </a:fontRef>
+        </p:style>
+      </p:cxnSp>
+      <p:sp>
+        <p:nvSpPr>
+          <p:cNvPr id="24" name="Textfeld 23">
+            <a:extLst>
+              <a:ext uri="{FF2B5EF4-FFF2-40B4-BE49-F238E27FC236}">
+                <a16:creationId xmlns:a16="http://schemas.microsoft.com/office/drawing/2014/main" id="{3D91693A-F571-4648-A721-AE0D77DF7B77}"/>
+              </a:ext>
+            </a:extLst>
+          </p:cNvPr>
+          <p:cNvSpPr txBox="1"/>
+          <p:nvPr/>
+        </p:nvSpPr>
+        <p:spPr>
+          <a:xfrm>
+            <a:off x="5652165" y="3677638"/>
+            <a:ext cx="296777" cy="369323"/>
+          </a:xfrm>
+          <a:prstGeom prst="rect">
+            <a:avLst/>
+          </a:prstGeom>
+          <a:noFill/>
+        </p:spPr>
+        <p:txBody>
+          <a:bodyPr wrap="square" rtlCol="0">
+            <a:spAutoFit/>
+          </a:bodyPr>
+          <a:lstStyle/>
+          <a:p>
+            <a:r>
+              <a:rPr lang="de-DE" dirty="0"/>
+              <a:t>1</a:t>
+            </a:r>
+          </a:p>
+        </p:txBody>
+      </p:sp>
+      <p:sp>
+        <p:nvSpPr>
+          <p:cNvPr id="25" name="Textfeld 24">
+            <a:extLst>
+              <a:ext uri="{FF2B5EF4-FFF2-40B4-BE49-F238E27FC236}">
+                <a16:creationId xmlns:a16="http://schemas.microsoft.com/office/drawing/2014/main" id="{9BE60142-237A-4092-9739-F5F8312D50B8}"/>
+              </a:ext>
+            </a:extLst>
+          </p:cNvPr>
+          <p:cNvSpPr txBox="1"/>
+          <p:nvPr/>
+        </p:nvSpPr>
+        <p:spPr>
+          <a:xfrm>
+            <a:off x="6289801" y="2687052"/>
+            <a:ext cx="473237" cy="646331"/>
+          </a:xfrm>
+          <a:prstGeom prst="rect">
+            <a:avLst/>
+          </a:prstGeom>
+          <a:noFill/>
+        </p:spPr>
+        <p:txBody>
+          <a:bodyPr wrap="square" rtlCol="0">
+            <a:spAutoFit/>
+          </a:bodyPr>
+          <a:lstStyle/>
+          <a:p>
+            <a:r>
+              <a:rPr lang="de-DE" dirty="0"/>
+              <a:t>50</a:t>
+            </a:r>
+          </a:p>
+          <a:p>
+            <a:endParaRPr lang="de-DE" dirty="0"/>
+          </a:p>
+        </p:txBody>
+      </p:sp>
+      <p:cxnSp>
+        <p:nvCxnSpPr>
+          <p:cNvPr id="29" name="Gerader Verbinder 28">
+            <a:extLst>
+              <a:ext uri="{FF2B5EF4-FFF2-40B4-BE49-F238E27FC236}">
+                <a16:creationId xmlns:a16="http://schemas.microsoft.com/office/drawing/2014/main" id="{788316D7-337D-431C-A45A-EBA065B78F2F}"/>
+              </a:ext>
+            </a:extLst>
+          </p:cNvPr>
+          <p:cNvCxnSpPr>
+            <a:cxnSpLocks/>
+          </p:cNvCxnSpPr>
+          <p:nvPr/>
+        </p:nvCxnSpPr>
+        <p:spPr>
+          <a:xfrm>
+            <a:off x="6096000" y="2004370"/>
+            <a:ext cx="0" cy="1717384"/>
+          </a:xfrm>
+          <a:prstGeom prst="line">
+            <a:avLst/>
+          </a:prstGeom>
+          <a:ln>
+            <a:prstDash val="dash"/>
+          </a:ln>
+        </p:spPr>
+        <p:style>
+          <a:lnRef idx="1">
+            <a:schemeClr val="accent1"/>
+          </a:lnRef>
+          <a:fillRef idx="0">
+            <a:schemeClr val="accent1"/>
+          </a:fillRef>
+          <a:effectRef idx="0">
+            <a:schemeClr val="accent1"/>
+          </a:effectRef>
+          <a:fontRef idx="minor">
+            <a:schemeClr val="tx1"/>
+          </a:fontRef>
+        </p:style>
+      </p:cxnSp>
+      <p:cxnSp>
+        <p:nvCxnSpPr>
+          <p:cNvPr id="30" name="Gerader Verbinder 29">
+            <a:extLst>
+              <a:ext uri="{FF2B5EF4-FFF2-40B4-BE49-F238E27FC236}">
+                <a16:creationId xmlns:a16="http://schemas.microsoft.com/office/drawing/2014/main" id="{F9B4F609-2AE1-4D44-AA52-2F5498C6D77E}"/>
+              </a:ext>
+            </a:extLst>
+          </p:cNvPr>
+          <p:cNvCxnSpPr>
+            <a:cxnSpLocks/>
+          </p:cNvCxnSpPr>
+          <p:nvPr/>
+        </p:nvCxnSpPr>
+        <p:spPr>
+          <a:xfrm>
+            <a:off x="7001864" y="793287"/>
+            <a:ext cx="417096" cy="1551500"/>
+          </a:xfrm>
+          <a:prstGeom prst="line">
+            <a:avLst/>
+          </a:prstGeom>
+          <a:ln>
+            <a:prstDash val="dash"/>
+          </a:ln>
+        </p:spPr>
+        <p:style>
+          <a:lnRef idx="1">
+            <a:schemeClr val="accent1"/>
+          </a:lnRef>
+          <a:fillRef idx="0">
+            <a:schemeClr val="accent1"/>
+          </a:fillRef>
+          <a:effectRef idx="0">
+            <a:schemeClr val="accent1"/>
+          </a:effectRef>
+          <a:fontRef idx="minor">
+            <a:schemeClr val="tx1"/>
+          </a:fontRef>
+        </p:style>
+      </p:cxnSp>
+      <p:cxnSp>
+        <p:nvCxnSpPr>
+          <p:cNvPr id="36" name="Gerade Verbindung mit Pfeil 35">
+            <a:extLst>
+              <a:ext uri="{FF2B5EF4-FFF2-40B4-BE49-F238E27FC236}">
+                <a16:creationId xmlns:a16="http://schemas.microsoft.com/office/drawing/2014/main" id="{9D32FDFD-A1DB-49AD-849D-CBD2A2539613}"/>
+              </a:ext>
+            </a:extLst>
+          </p:cNvPr>
+          <p:cNvCxnSpPr/>
+          <p:nvPr/>
+        </p:nvCxnSpPr>
+        <p:spPr>
+          <a:xfrm>
+            <a:off x="6289801" y="1315453"/>
+            <a:ext cx="840915" cy="0"/>
+          </a:xfrm>
+          <a:prstGeom prst="straightConnector1">
+            <a:avLst/>
+          </a:prstGeom>
+          <a:ln>
+            <a:headEnd type="triangle"/>
+            <a:tailEnd type="triangle"/>
+          </a:ln>
+        </p:spPr>
+        <p:style>
+          <a:lnRef idx="1">
+            <a:schemeClr val="accent1"/>
+          </a:lnRef>
+          <a:fillRef idx="0">
+            <a:schemeClr val="accent1"/>
+          </a:fillRef>
+          <a:effectRef idx="0">
+            <a:schemeClr val="accent1"/>
+          </a:effectRef>
+          <a:fontRef idx="minor">
+            <a:schemeClr val="tx1"/>
+          </a:fontRef>
+        </p:style>
+      </p:cxnSp>
+      <p:sp>
+        <p:nvSpPr>
+          <p:cNvPr id="42" name="Textfeld 41">
+            <a:extLst>
+              <a:ext uri="{FF2B5EF4-FFF2-40B4-BE49-F238E27FC236}">
+                <a16:creationId xmlns:a16="http://schemas.microsoft.com/office/drawing/2014/main" id="{7493AC64-15BE-4EA6-8088-C0806EB9FD43}"/>
+              </a:ext>
+            </a:extLst>
+          </p:cNvPr>
+          <p:cNvSpPr txBox="1"/>
+          <p:nvPr/>
+        </p:nvSpPr>
+        <p:spPr>
+          <a:xfrm>
+            <a:off x="6557771" y="998617"/>
+            <a:ext cx="410534" cy="369332"/>
+          </a:xfrm>
+          <a:prstGeom prst="rect">
+            <a:avLst/>
+          </a:prstGeom>
+          <a:noFill/>
+        </p:spPr>
+        <p:txBody>
+          <a:bodyPr wrap="square" rtlCol="0">
+            <a:spAutoFit/>
+          </a:bodyPr>
+          <a:lstStyle/>
+          <a:p>
+            <a:r>
+              <a:rPr lang="el-GR" dirty="0"/>
+              <a:t>α</a:t>
+            </a:r>
+            <a:endParaRPr lang="de-DE" dirty="0"/>
+          </a:p>
+        </p:txBody>
+      </p:sp>
     </p:spTree>
     <p:extLst>
       <p:ext uri="{BB962C8B-B14F-4D97-AF65-F5344CB8AC3E}">

--- a/Grafiken.pptx
+++ b/Grafiken.pptx
@@ -140,7 +140,7 @@
           <p:cNvPr id="2" name="Titel 1">
             <a:extLst>
               <a:ext uri="{FF2B5EF4-FFF2-40B4-BE49-F238E27FC236}">
-                <a16:creationId xmlns:a16="http://schemas.microsoft.com/office/drawing/2014/main" id="{D054F791-FDFE-45DB-A5DE-2DF1BE92F85B}"/>
+                <a16:creationId xmlns:a16="http://schemas.microsoft.com/office/drawing/2014/main" xmlns="" id="{D054F791-FDFE-45DB-A5DE-2DF1BE92F85B}"/>
               </a:ext>
             </a:extLst>
           </p:cNvPr>
@@ -177,7 +177,7 @@
           <p:cNvPr id="3" name="Untertitel 2">
             <a:extLst>
               <a:ext uri="{FF2B5EF4-FFF2-40B4-BE49-F238E27FC236}">
-                <a16:creationId xmlns:a16="http://schemas.microsoft.com/office/drawing/2014/main" id="{D9FC3CB6-D780-473A-92CE-B73F3B67D2C5}"/>
+                <a16:creationId xmlns:a16="http://schemas.microsoft.com/office/drawing/2014/main" xmlns="" id="{D9FC3CB6-D780-473A-92CE-B73F3B67D2C5}"/>
               </a:ext>
             </a:extLst>
           </p:cNvPr>
@@ -247,7 +247,7 @@
           <p:cNvPr id="4" name="Datumsplatzhalter 3">
             <a:extLst>
               <a:ext uri="{FF2B5EF4-FFF2-40B4-BE49-F238E27FC236}">
-                <a16:creationId xmlns:a16="http://schemas.microsoft.com/office/drawing/2014/main" id="{DA340506-398A-4D8D-BAA1-5A36402E7936}"/>
+                <a16:creationId xmlns:a16="http://schemas.microsoft.com/office/drawing/2014/main" xmlns="" id="{DA340506-398A-4D8D-BAA1-5A36402E7936}"/>
               </a:ext>
             </a:extLst>
           </p:cNvPr>
@@ -265,7 +265,7 @@
           <a:p>
             <a:fld id="{1A473A71-948F-4AE8-AF79-80443CCFF2D0}" type="datetimeFigureOut">
               <a:rPr lang="de-DE" smtClean="0"/>
-              <a:t>03.02.2020</a:t>
+              <a:t>17.02.2020</a:t>
             </a:fld>
             <a:endParaRPr lang="de-DE"/>
           </a:p>
@@ -276,7 +276,7 @@
           <p:cNvPr id="5" name="Fußzeilenplatzhalter 4">
             <a:extLst>
               <a:ext uri="{FF2B5EF4-FFF2-40B4-BE49-F238E27FC236}">
-                <a16:creationId xmlns:a16="http://schemas.microsoft.com/office/drawing/2014/main" id="{B089376D-1E61-4121-BCEF-8BA3EB26D315}"/>
+                <a16:creationId xmlns:a16="http://schemas.microsoft.com/office/drawing/2014/main" xmlns="" id="{B089376D-1E61-4121-BCEF-8BA3EB26D315}"/>
               </a:ext>
             </a:extLst>
           </p:cNvPr>
@@ -301,7 +301,7 @@
           <p:cNvPr id="6" name="Foliennummernplatzhalter 5">
             <a:extLst>
               <a:ext uri="{FF2B5EF4-FFF2-40B4-BE49-F238E27FC236}">
-                <a16:creationId xmlns:a16="http://schemas.microsoft.com/office/drawing/2014/main" id="{02DB40F9-3A50-466C-A042-FE8C85D5930A}"/>
+                <a16:creationId xmlns:a16="http://schemas.microsoft.com/office/drawing/2014/main" xmlns="" id="{02DB40F9-3A50-466C-A042-FE8C85D5930A}"/>
               </a:ext>
             </a:extLst>
           </p:cNvPr>
@@ -360,7 +360,7 @@
           <p:cNvPr id="2" name="Titel 1">
             <a:extLst>
               <a:ext uri="{FF2B5EF4-FFF2-40B4-BE49-F238E27FC236}">
-                <a16:creationId xmlns:a16="http://schemas.microsoft.com/office/drawing/2014/main" id="{75B0AD80-83E0-420E-A62C-6DFA28296E84}"/>
+                <a16:creationId xmlns:a16="http://schemas.microsoft.com/office/drawing/2014/main" xmlns="" id="{75B0AD80-83E0-420E-A62C-6DFA28296E84}"/>
               </a:ext>
             </a:extLst>
           </p:cNvPr>
@@ -388,7 +388,7 @@
           <p:cNvPr id="3" name="Vertikaler Textplatzhalter 2">
             <a:extLst>
               <a:ext uri="{FF2B5EF4-FFF2-40B4-BE49-F238E27FC236}">
-                <a16:creationId xmlns:a16="http://schemas.microsoft.com/office/drawing/2014/main" id="{90A2EC08-344C-424E-8783-267C36556823}"/>
+                <a16:creationId xmlns:a16="http://schemas.microsoft.com/office/drawing/2014/main" xmlns="" id="{90A2EC08-344C-424E-8783-267C36556823}"/>
               </a:ext>
             </a:extLst>
           </p:cNvPr>
@@ -445,7 +445,7 @@
           <p:cNvPr id="4" name="Datumsplatzhalter 3">
             <a:extLst>
               <a:ext uri="{FF2B5EF4-FFF2-40B4-BE49-F238E27FC236}">
-                <a16:creationId xmlns:a16="http://schemas.microsoft.com/office/drawing/2014/main" id="{128EC0FC-B775-4FA6-B4D8-9489D5BB93EC}"/>
+                <a16:creationId xmlns:a16="http://schemas.microsoft.com/office/drawing/2014/main" xmlns="" id="{128EC0FC-B775-4FA6-B4D8-9489D5BB93EC}"/>
               </a:ext>
             </a:extLst>
           </p:cNvPr>
@@ -463,7 +463,7 @@
           <a:p>
             <a:fld id="{1A473A71-948F-4AE8-AF79-80443CCFF2D0}" type="datetimeFigureOut">
               <a:rPr lang="de-DE" smtClean="0"/>
-              <a:t>03.02.2020</a:t>
+              <a:t>17.02.2020</a:t>
             </a:fld>
             <a:endParaRPr lang="de-DE"/>
           </a:p>
@@ -474,7 +474,7 @@
           <p:cNvPr id="5" name="Fußzeilenplatzhalter 4">
             <a:extLst>
               <a:ext uri="{FF2B5EF4-FFF2-40B4-BE49-F238E27FC236}">
-                <a16:creationId xmlns:a16="http://schemas.microsoft.com/office/drawing/2014/main" id="{412C3EAE-4FE4-4720-8D6E-F6816C8F304A}"/>
+                <a16:creationId xmlns:a16="http://schemas.microsoft.com/office/drawing/2014/main" xmlns="" id="{412C3EAE-4FE4-4720-8D6E-F6816C8F304A}"/>
               </a:ext>
             </a:extLst>
           </p:cNvPr>
@@ -499,7 +499,7 @@
           <p:cNvPr id="6" name="Foliennummernplatzhalter 5">
             <a:extLst>
               <a:ext uri="{FF2B5EF4-FFF2-40B4-BE49-F238E27FC236}">
-                <a16:creationId xmlns:a16="http://schemas.microsoft.com/office/drawing/2014/main" id="{6E23C3DA-410C-46C9-A48F-2F369138076C}"/>
+                <a16:creationId xmlns:a16="http://schemas.microsoft.com/office/drawing/2014/main" xmlns="" id="{6E23C3DA-410C-46C9-A48F-2F369138076C}"/>
               </a:ext>
             </a:extLst>
           </p:cNvPr>
@@ -558,7 +558,7 @@
           <p:cNvPr id="2" name="Vertikaler Titel 1">
             <a:extLst>
               <a:ext uri="{FF2B5EF4-FFF2-40B4-BE49-F238E27FC236}">
-                <a16:creationId xmlns:a16="http://schemas.microsoft.com/office/drawing/2014/main" id="{779DABB7-23CD-44DC-ADD7-FC700BA1902C}"/>
+                <a16:creationId xmlns:a16="http://schemas.microsoft.com/office/drawing/2014/main" xmlns="" id="{779DABB7-23CD-44DC-ADD7-FC700BA1902C}"/>
               </a:ext>
             </a:extLst>
           </p:cNvPr>
@@ -591,7 +591,7 @@
           <p:cNvPr id="3" name="Vertikaler Textplatzhalter 2">
             <a:extLst>
               <a:ext uri="{FF2B5EF4-FFF2-40B4-BE49-F238E27FC236}">
-                <a16:creationId xmlns:a16="http://schemas.microsoft.com/office/drawing/2014/main" id="{6C706723-6E5E-40B8-8F65-A3D2B7A8F634}"/>
+                <a16:creationId xmlns:a16="http://schemas.microsoft.com/office/drawing/2014/main" xmlns="" id="{6C706723-6E5E-40B8-8F65-A3D2B7A8F634}"/>
               </a:ext>
             </a:extLst>
           </p:cNvPr>
@@ -653,7 +653,7 @@
           <p:cNvPr id="4" name="Datumsplatzhalter 3">
             <a:extLst>
               <a:ext uri="{FF2B5EF4-FFF2-40B4-BE49-F238E27FC236}">
-                <a16:creationId xmlns:a16="http://schemas.microsoft.com/office/drawing/2014/main" id="{BC131E27-F41D-46A6-9C91-2D95E382E465}"/>
+                <a16:creationId xmlns:a16="http://schemas.microsoft.com/office/drawing/2014/main" xmlns="" id="{BC131E27-F41D-46A6-9C91-2D95E382E465}"/>
               </a:ext>
             </a:extLst>
           </p:cNvPr>
@@ -671,7 +671,7 @@
           <a:p>
             <a:fld id="{1A473A71-948F-4AE8-AF79-80443CCFF2D0}" type="datetimeFigureOut">
               <a:rPr lang="de-DE" smtClean="0"/>
-              <a:t>03.02.2020</a:t>
+              <a:t>17.02.2020</a:t>
             </a:fld>
             <a:endParaRPr lang="de-DE"/>
           </a:p>
@@ -682,7 +682,7 @@
           <p:cNvPr id="5" name="Fußzeilenplatzhalter 4">
             <a:extLst>
               <a:ext uri="{FF2B5EF4-FFF2-40B4-BE49-F238E27FC236}">
-                <a16:creationId xmlns:a16="http://schemas.microsoft.com/office/drawing/2014/main" id="{3EFC22C0-4A3F-48ED-AD9A-CCB249315EBC}"/>
+                <a16:creationId xmlns:a16="http://schemas.microsoft.com/office/drawing/2014/main" xmlns="" id="{3EFC22C0-4A3F-48ED-AD9A-CCB249315EBC}"/>
               </a:ext>
             </a:extLst>
           </p:cNvPr>
@@ -707,7 +707,7 @@
           <p:cNvPr id="6" name="Foliennummernplatzhalter 5">
             <a:extLst>
               <a:ext uri="{FF2B5EF4-FFF2-40B4-BE49-F238E27FC236}">
-                <a16:creationId xmlns:a16="http://schemas.microsoft.com/office/drawing/2014/main" id="{B154A3F9-67AB-4278-915D-7D40AD5497AB}"/>
+                <a16:creationId xmlns:a16="http://schemas.microsoft.com/office/drawing/2014/main" xmlns="" id="{B154A3F9-67AB-4278-915D-7D40AD5497AB}"/>
               </a:ext>
             </a:extLst>
           </p:cNvPr>
@@ -766,7 +766,7 @@
           <p:cNvPr id="2" name="Titel 1">
             <a:extLst>
               <a:ext uri="{FF2B5EF4-FFF2-40B4-BE49-F238E27FC236}">
-                <a16:creationId xmlns:a16="http://schemas.microsoft.com/office/drawing/2014/main" id="{194CD684-B8F5-462F-96F1-A1A2EAA93923}"/>
+                <a16:creationId xmlns:a16="http://schemas.microsoft.com/office/drawing/2014/main" xmlns="" id="{194CD684-B8F5-462F-96F1-A1A2EAA93923}"/>
               </a:ext>
             </a:extLst>
           </p:cNvPr>
@@ -794,7 +794,7 @@
           <p:cNvPr id="3" name="Inhaltsplatzhalter 2">
             <a:extLst>
               <a:ext uri="{FF2B5EF4-FFF2-40B4-BE49-F238E27FC236}">
-                <a16:creationId xmlns:a16="http://schemas.microsoft.com/office/drawing/2014/main" id="{2DE009A3-ADC6-4368-BF82-51F6A918072A}"/>
+                <a16:creationId xmlns:a16="http://schemas.microsoft.com/office/drawing/2014/main" xmlns="" id="{2DE009A3-ADC6-4368-BF82-51F6A918072A}"/>
               </a:ext>
             </a:extLst>
           </p:cNvPr>
@@ -851,7 +851,7 @@
           <p:cNvPr id="4" name="Datumsplatzhalter 3">
             <a:extLst>
               <a:ext uri="{FF2B5EF4-FFF2-40B4-BE49-F238E27FC236}">
-                <a16:creationId xmlns:a16="http://schemas.microsoft.com/office/drawing/2014/main" id="{EAA3C83C-1905-4AD8-9072-1E614DFF010C}"/>
+                <a16:creationId xmlns:a16="http://schemas.microsoft.com/office/drawing/2014/main" xmlns="" id="{EAA3C83C-1905-4AD8-9072-1E614DFF010C}"/>
               </a:ext>
             </a:extLst>
           </p:cNvPr>
@@ -869,7 +869,7 @@
           <a:p>
             <a:fld id="{1A473A71-948F-4AE8-AF79-80443CCFF2D0}" type="datetimeFigureOut">
               <a:rPr lang="de-DE" smtClean="0"/>
-              <a:t>03.02.2020</a:t>
+              <a:t>17.02.2020</a:t>
             </a:fld>
             <a:endParaRPr lang="de-DE"/>
           </a:p>
@@ -880,7 +880,7 @@
           <p:cNvPr id="5" name="Fußzeilenplatzhalter 4">
             <a:extLst>
               <a:ext uri="{FF2B5EF4-FFF2-40B4-BE49-F238E27FC236}">
-                <a16:creationId xmlns:a16="http://schemas.microsoft.com/office/drawing/2014/main" id="{74668DA4-1006-40BE-BF4B-64122EDAAEB2}"/>
+                <a16:creationId xmlns:a16="http://schemas.microsoft.com/office/drawing/2014/main" xmlns="" id="{74668DA4-1006-40BE-BF4B-64122EDAAEB2}"/>
               </a:ext>
             </a:extLst>
           </p:cNvPr>
@@ -905,7 +905,7 @@
           <p:cNvPr id="6" name="Foliennummernplatzhalter 5">
             <a:extLst>
               <a:ext uri="{FF2B5EF4-FFF2-40B4-BE49-F238E27FC236}">
-                <a16:creationId xmlns:a16="http://schemas.microsoft.com/office/drawing/2014/main" id="{77E97918-B9C7-48AF-B834-C298722702AD}"/>
+                <a16:creationId xmlns:a16="http://schemas.microsoft.com/office/drawing/2014/main" xmlns="" id="{77E97918-B9C7-48AF-B834-C298722702AD}"/>
               </a:ext>
             </a:extLst>
           </p:cNvPr>
@@ -964,7 +964,7 @@
           <p:cNvPr id="2" name="Titel 1">
             <a:extLst>
               <a:ext uri="{FF2B5EF4-FFF2-40B4-BE49-F238E27FC236}">
-                <a16:creationId xmlns:a16="http://schemas.microsoft.com/office/drawing/2014/main" id="{7BCE8A32-E9B6-4971-BA75-BC23D626AF9F}"/>
+                <a16:creationId xmlns:a16="http://schemas.microsoft.com/office/drawing/2014/main" xmlns="" id="{7BCE8A32-E9B6-4971-BA75-BC23D626AF9F}"/>
               </a:ext>
             </a:extLst>
           </p:cNvPr>
@@ -1001,7 +1001,7 @@
           <p:cNvPr id="3" name="Textplatzhalter 2">
             <a:extLst>
               <a:ext uri="{FF2B5EF4-FFF2-40B4-BE49-F238E27FC236}">
-                <a16:creationId xmlns:a16="http://schemas.microsoft.com/office/drawing/2014/main" id="{895911F2-3387-48CF-AF52-DE28FF068F6D}"/>
+                <a16:creationId xmlns:a16="http://schemas.microsoft.com/office/drawing/2014/main" xmlns="" id="{895911F2-3387-48CF-AF52-DE28FF068F6D}"/>
               </a:ext>
             </a:extLst>
           </p:cNvPr>
@@ -1126,7 +1126,7 @@
           <p:cNvPr id="4" name="Datumsplatzhalter 3">
             <a:extLst>
               <a:ext uri="{FF2B5EF4-FFF2-40B4-BE49-F238E27FC236}">
-                <a16:creationId xmlns:a16="http://schemas.microsoft.com/office/drawing/2014/main" id="{793E7EFC-478E-489A-88D5-2912B680477B}"/>
+                <a16:creationId xmlns:a16="http://schemas.microsoft.com/office/drawing/2014/main" xmlns="" id="{793E7EFC-478E-489A-88D5-2912B680477B}"/>
               </a:ext>
             </a:extLst>
           </p:cNvPr>
@@ -1144,7 +1144,7 @@
           <a:p>
             <a:fld id="{1A473A71-948F-4AE8-AF79-80443CCFF2D0}" type="datetimeFigureOut">
               <a:rPr lang="de-DE" smtClean="0"/>
-              <a:t>03.02.2020</a:t>
+              <a:t>17.02.2020</a:t>
             </a:fld>
             <a:endParaRPr lang="de-DE"/>
           </a:p>
@@ -1155,7 +1155,7 @@
           <p:cNvPr id="5" name="Fußzeilenplatzhalter 4">
             <a:extLst>
               <a:ext uri="{FF2B5EF4-FFF2-40B4-BE49-F238E27FC236}">
-                <a16:creationId xmlns:a16="http://schemas.microsoft.com/office/drawing/2014/main" id="{4201F9E8-FA45-4869-9C2C-20D7B1DA9711}"/>
+                <a16:creationId xmlns:a16="http://schemas.microsoft.com/office/drawing/2014/main" xmlns="" id="{4201F9E8-FA45-4869-9C2C-20D7B1DA9711}"/>
               </a:ext>
             </a:extLst>
           </p:cNvPr>
@@ -1180,7 +1180,7 @@
           <p:cNvPr id="6" name="Foliennummernplatzhalter 5">
             <a:extLst>
               <a:ext uri="{FF2B5EF4-FFF2-40B4-BE49-F238E27FC236}">
-                <a16:creationId xmlns:a16="http://schemas.microsoft.com/office/drawing/2014/main" id="{ECDB6699-79D1-4E45-A973-543AE972A0CB}"/>
+                <a16:creationId xmlns:a16="http://schemas.microsoft.com/office/drawing/2014/main" xmlns="" id="{ECDB6699-79D1-4E45-A973-543AE972A0CB}"/>
               </a:ext>
             </a:extLst>
           </p:cNvPr>
@@ -1239,7 +1239,7 @@
           <p:cNvPr id="2" name="Titel 1">
             <a:extLst>
               <a:ext uri="{FF2B5EF4-FFF2-40B4-BE49-F238E27FC236}">
-                <a16:creationId xmlns:a16="http://schemas.microsoft.com/office/drawing/2014/main" id="{5D1E23C8-25D1-4AD9-889E-C2CD479166C3}"/>
+                <a16:creationId xmlns:a16="http://schemas.microsoft.com/office/drawing/2014/main" xmlns="" id="{5D1E23C8-25D1-4AD9-889E-C2CD479166C3}"/>
               </a:ext>
             </a:extLst>
           </p:cNvPr>
@@ -1267,7 +1267,7 @@
           <p:cNvPr id="3" name="Inhaltsplatzhalter 2">
             <a:extLst>
               <a:ext uri="{FF2B5EF4-FFF2-40B4-BE49-F238E27FC236}">
-                <a16:creationId xmlns:a16="http://schemas.microsoft.com/office/drawing/2014/main" id="{7D059B41-7381-4263-9356-D85F4790208B}"/>
+                <a16:creationId xmlns:a16="http://schemas.microsoft.com/office/drawing/2014/main" xmlns="" id="{7D059B41-7381-4263-9356-D85F4790208B}"/>
               </a:ext>
             </a:extLst>
           </p:cNvPr>
@@ -1329,7 +1329,7 @@
           <p:cNvPr id="4" name="Inhaltsplatzhalter 3">
             <a:extLst>
               <a:ext uri="{FF2B5EF4-FFF2-40B4-BE49-F238E27FC236}">
-                <a16:creationId xmlns:a16="http://schemas.microsoft.com/office/drawing/2014/main" id="{FCF7CF5D-582B-45C7-9CF2-C0A89E49F53D}"/>
+                <a16:creationId xmlns:a16="http://schemas.microsoft.com/office/drawing/2014/main" xmlns="" id="{FCF7CF5D-582B-45C7-9CF2-C0A89E49F53D}"/>
               </a:ext>
             </a:extLst>
           </p:cNvPr>
@@ -1391,7 +1391,7 @@
           <p:cNvPr id="5" name="Datumsplatzhalter 4">
             <a:extLst>
               <a:ext uri="{FF2B5EF4-FFF2-40B4-BE49-F238E27FC236}">
-                <a16:creationId xmlns:a16="http://schemas.microsoft.com/office/drawing/2014/main" id="{0FCD61F8-DB42-4D35-A733-C809867FE96A}"/>
+                <a16:creationId xmlns:a16="http://schemas.microsoft.com/office/drawing/2014/main" xmlns="" id="{0FCD61F8-DB42-4D35-A733-C809867FE96A}"/>
               </a:ext>
             </a:extLst>
           </p:cNvPr>
@@ -1409,7 +1409,7 @@
           <a:p>
             <a:fld id="{1A473A71-948F-4AE8-AF79-80443CCFF2D0}" type="datetimeFigureOut">
               <a:rPr lang="de-DE" smtClean="0"/>
-              <a:t>03.02.2020</a:t>
+              <a:t>17.02.2020</a:t>
             </a:fld>
             <a:endParaRPr lang="de-DE"/>
           </a:p>
@@ -1420,7 +1420,7 @@
           <p:cNvPr id="6" name="Fußzeilenplatzhalter 5">
             <a:extLst>
               <a:ext uri="{FF2B5EF4-FFF2-40B4-BE49-F238E27FC236}">
-                <a16:creationId xmlns:a16="http://schemas.microsoft.com/office/drawing/2014/main" id="{75289BAC-A270-4992-89AF-C651CFF52F74}"/>
+                <a16:creationId xmlns:a16="http://schemas.microsoft.com/office/drawing/2014/main" xmlns="" id="{75289BAC-A270-4992-89AF-C651CFF52F74}"/>
               </a:ext>
             </a:extLst>
           </p:cNvPr>
@@ -1445,7 +1445,7 @@
           <p:cNvPr id="7" name="Foliennummernplatzhalter 6">
             <a:extLst>
               <a:ext uri="{FF2B5EF4-FFF2-40B4-BE49-F238E27FC236}">
-                <a16:creationId xmlns:a16="http://schemas.microsoft.com/office/drawing/2014/main" id="{76F233E0-21AA-4E86-AFF4-50FF420F34F9}"/>
+                <a16:creationId xmlns:a16="http://schemas.microsoft.com/office/drawing/2014/main" xmlns="" id="{76F233E0-21AA-4E86-AFF4-50FF420F34F9}"/>
               </a:ext>
             </a:extLst>
           </p:cNvPr>
@@ -1504,7 +1504,7 @@
           <p:cNvPr id="2" name="Titel 1">
             <a:extLst>
               <a:ext uri="{FF2B5EF4-FFF2-40B4-BE49-F238E27FC236}">
-                <a16:creationId xmlns:a16="http://schemas.microsoft.com/office/drawing/2014/main" id="{6B2AA633-88E7-4EE3-A2AB-512F8DA217E7}"/>
+                <a16:creationId xmlns:a16="http://schemas.microsoft.com/office/drawing/2014/main" xmlns="" id="{6B2AA633-88E7-4EE3-A2AB-512F8DA217E7}"/>
               </a:ext>
             </a:extLst>
           </p:cNvPr>
@@ -1537,7 +1537,7 @@
           <p:cNvPr id="3" name="Textplatzhalter 2">
             <a:extLst>
               <a:ext uri="{FF2B5EF4-FFF2-40B4-BE49-F238E27FC236}">
-                <a16:creationId xmlns:a16="http://schemas.microsoft.com/office/drawing/2014/main" id="{70C41C20-4431-40FE-B7B2-903A1E378899}"/>
+                <a16:creationId xmlns:a16="http://schemas.microsoft.com/office/drawing/2014/main" xmlns="" id="{70C41C20-4431-40FE-B7B2-903A1E378899}"/>
               </a:ext>
             </a:extLst>
           </p:cNvPr>
@@ -1608,7 +1608,7 @@
           <p:cNvPr id="4" name="Inhaltsplatzhalter 3">
             <a:extLst>
               <a:ext uri="{FF2B5EF4-FFF2-40B4-BE49-F238E27FC236}">
-                <a16:creationId xmlns:a16="http://schemas.microsoft.com/office/drawing/2014/main" id="{26EA8628-3D90-43BC-B92A-3EA8EE72F2A1}"/>
+                <a16:creationId xmlns:a16="http://schemas.microsoft.com/office/drawing/2014/main" xmlns="" id="{26EA8628-3D90-43BC-B92A-3EA8EE72F2A1}"/>
               </a:ext>
             </a:extLst>
           </p:cNvPr>
@@ -1670,7 +1670,7 @@
           <p:cNvPr id="5" name="Textplatzhalter 4">
             <a:extLst>
               <a:ext uri="{FF2B5EF4-FFF2-40B4-BE49-F238E27FC236}">
-                <a16:creationId xmlns:a16="http://schemas.microsoft.com/office/drawing/2014/main" id="{3D75AA0A-6638-41B2-9FE4-6928963B9230}"/>
+                <a16:creationId xmlns:a16="http://schemas.microsoft.com/office/drawing/2014/main" xmlns="" id="{3D75AA0A-6638-41B2-9FE4-6928963B9230}"/>
               </a:ext>
             </a:extLst>
           </p:cNvPr>
@@ -1741,7 +1741,7 @@
           <p:cNvPr id="6" name="Inhaltsplatzhalter 5">
             <a:extLst>
               <a:ext uri="{FF2B5EF4-FFF2-40B4-BE49-F238E27FC236}">
-                <a16:creationId xmlns:a16="http://schemas.microsoft.com/office/drawing/2014/main" id="{1C195763-A791-4A96-BEFD-614CD541D847}"/>
+                <a16:creationId xmlns:a16="http://schemas.microsoft.com/office/drawing/2014/main" xmlns="" id="{1C195763-A791-4A96-BEFD-614CD541D847}"/>
               </a:ext>
             </a:extLst>
           </p:cNvPr>
@@ -1803,7 +1803,7 @@
           <p:cNvPr id="7" name="Datumsplatzhalter 6">
             <a:extLst>
               <a:ext uri="{FF2B5EF4-FFF2-40B4-BE49-F238E27FC236}">
-                <a16:creationId xmlns:a16="http://schemas.microsoft.com/office/drawing/2014/main" id="{6BAF1489-546D-4A63-AD49-2BF65852FCE3}"/>
+                <a16:creationId xmlns:a16="http://schemas.microsoft.com/office/drawing/2014/main" xmlns="" id="{6BAF1489-546D-4A63-AD49-2BF65852FCE3}"/>
               </a:ext>
             </a:extLst>
           </p:cNvPr>
@@ -1821,7 +1821,7 @@
           <a:p>
             <a:fld id="{1A473A71-948F-4AE8-AF79-80443CCFF2D0}" type="datetimeFigureOut">
               <a:rPr lang="de-DE" smtClean="0"/>
-              <a:t>03.02.2020</a:t>
+              <a:t>17.02.2020</a:t>
             </a:fld>
             <a:endParaRPr lang="de-DE"/>
           </a:p>
@@ -1832,7 +1832,7 @@
           <p:cNvPr id="8" name="Fußzeilenplatzhalter 7">
             <a:extLst>
               <a:ext uri="{FF2B5EF4-FFF2-40B4-BE49-F238E27FC236}">
-                <a16:creationId xmlns:a16="http://schemas.microsoft.com/office/drawing/2014/main" id="{B899682B-977D-40D0-ACCB-728613E4AADF}"/>
+                <a16:creationId xmlns:a16="http://schemas.microsoft.com/office/drawing/2014/main" xmlns="" id="{B899682B-977D-40D0-ACCB-728613E4AADF}"/>
               </a:ext>
             </a:extLst>
           </p:cNvPr>
@@ -1857,7 +1857,7 @@
           <p:cNvPr id="9" name="Foliennummernplatzhalter 8">
             <a:extLst>
               <a:ext uri="{FF2B5EF4-FFF2-40B4-BE49-F238E27FC236}">
-                <a16:creationId xmlns:a16="http://schemas.microsoft.com/office/drawing/2014/main" id="{897B2334-EC81-46CD-ACE5-583C635F813E}"/>
+                <a16:creationId xmlns:a16="http://schemas.microsoft.com/office/drawing/2014/main" xmlns="" id="{897B2334-EC81-46CD-ACE5-583C635F813E}"/>
               </a:ext>
             </a:extLst>
           </p:cNvPr>
@@ -1916,7 +1916,7 @@
           <p:cNvPr id="2" name="Titel 1">
             <a:extLst>
               <a:ext uri="{FF2B5EF4-FFF2-40B4-BE49-F238E27FC236}">
-                <a16:creationId xmlns:a16="http://schemas.microsoft.com/office/drawing/2014/main" id="{60BFEE5B-1FFB-4DEE-9D07-BA63A5C16C1A}"/>
+                <a16:creationId xmlns:a16="http://schemas.microsoft.com/office/drawing/2014/main" xmlns="" id="{60BFEE5B-1FFB-4DEE-9D07-BA63A5C16C1A}"/>
               </a:ext>
             </a:extLst>
           </p:cNvPr>
@@ -1944,7 +1944,7 @@
           <p:cNvPr id="3" name="Datumsplatzhalter 2">
             <a:extLst>
               <a:ext uri="{FF2B5EF4-FFF2-40B4-BE49-F238E27FC236}">
-                <a16:creationId xmlns:a16="http://schemas.microsoft.com/office/drawing/2014/main" id="{D2AEF728-552C-4928-81E0-4F9AED16A550}"/>
+                <a16:creationId xmlns:a16="http://schemas.microsoft.com/office/drawing/2014/main" xmlns="" id="{D2AEF728-552C-4928-81E0-4F9AED16A550}"/>
               </a:ext>
             </a:extLst>
           </p:cNvPr>
@@ -1962,7 +1962,7 @@
           <a:p>
             <a:fld id="{1A473A71-948F-4AE8-AF79-80443CCFF2D0}" type="datetimeFigureOut">
               <a:rPr lang="de-DE" smtClean="0"/>
-              <a:t>03.02.2020</a:t>
+              <a:t>17.02.2020</a:t>
             </a:fld>
             <a:endParaRPr lang="de-DE"/>
           </a:p>
@@ -1973,7 +1973,7 @@
           <p:cNvPr id="4" name="Fußzeilenplatzhalter 3">
             <a:extLst>
               <a:ext uri="{FF2B5EF4-FFF2-40B4-BE49-F238E27FC236}">
-                <a16:creationId xmlns:a16="http://schemas.microsoft.com/office/drawing/2014/main" id="{F983B56B-F4E5-4E71-9029-520CE42309AB}"/>
+                <a16:creationId xmlns:a16="http://schemas.microsoft.com/office/drawing/2014/main" xmlns="" id="{F983B56B-F4E5-4E71-9029-520CE42309AB}"/>
               </a:ext>
             </a:extLst>
           </p:cNvPr>
@@ -1998,7 +1998,7 @@
           <p:cNvPr id="5" name="Foliennummernplatzhalter 4">
             <a:extLst>
               <a:ext uri="{FF2B5EF4-FFF2-40B4-BE49-F238E27FC236}">
-                <a16:creationId xmlns:a16="http://schemas.microsoft.com/office/drawing/2014/main" id="{81BCA93A-DF00-45A9-BE1A-84ABDAEAFF5A}"/>
+                <a16:creationId xmlns:a16="http://schemas.microsoft.com/office/drawing/2014/main" xmlns="" id="{81BCA93A-DF00-45A9-BE1A-84ABDAEAFF5A}"/>
               </a:ext>
             </a:extLst>
           </p:cNvPr>
@@ -2057,7 +2057,7 @@
           <p:cNvPr id="2" name="Datumsplatzhalter 1">
             <a:extLst>
               <a:ext uri="{FF2B5EF4-FFF2-40B4-BE49-F238E27FC236}">
-                <a16:creationId xmlns:a16="http://schemas.microsoft.com/office/drawing/2014/main" id="{0E104438-7910-4513-A4FD-9E4590306EC8}"/>
+                <a16:creationId xmlns:a16="http://schemas.microsoft.com/office/drawing/2014/main" xmlns="" id="{0E104438-7910-4513-A4FD-9E4590306EC8}"/>
               </a:ext>
             </a:extLst>
           </p:cNvPr>
@@ -2075,7 +2075,7 @@
           <a:p>
             <a:fld id="{1A473A71-948F-4AE8-AF79-80443CCFF2D0}" type="datetimeFigureOut">
               <a:rPr lang="de-DE" smtClean="0"/>
-              <a:t>03.02.2020</a:t>
+              <a:t>17.02.2020</a:t>
             </a:fld>
             <a:endParaRPr lang="de-DE"/>
           </a:p>
@@ -2086,7 +2086,7 @@
           <p:cNvPr id="3" name="Fußzeilenplatzhalter 2">
             <a:extLst>
               <a:ext uri="{FF2B5EF4-FFF2-40B4-BE49-F238E27FC236}">
-                <a16:creationId xmlns:a16="http://schemas.microsoft.com/office/drawing/2014/main" id="{17F14611-BAB9-4EB1-9A5B-3055FAB8B3B4}"/>
+                <a16:creationId xmlns:a16="http://schemas.microsoft.com/office/drawing/2014/main" xmlns="" id="{17F14611-BAB9-4EB1-9A5B-3055FAB8B3B4}"/>
               </a:ext>
             </a:extLst>
           </p:cNvPr>
@@ -2111,7 +2111,7 @@
           <p:cNvPr id="4" name="Foliennummernplatzhalter 3">
             <a:extLst>
               <a:ext uri="{FF2B5EF4-FFF2-40B4-BE49-F238E27FC236}">
-                <a16:creationId xmlns:a16="http://schemas.microsoft.com/office/drawing/2014/main" id="{D52F29C2-46A5-4346-9DBD-BBC114E53C7C}"/>
+                <a16:creationId xmlns:a16="http://schemas.microsoft.com/office/drawing/2014/main" xmlns="" id="{D52F29C2-46A5-4346-9DBD-BBC114E53C7C}"/>
               </a:ext>
             </a:extLst>
           </p:cNvPr>
@@ -2170,7 +2170,7 @@
           <p:cNvPr id="2" name="Titel 1">
             <a:extLst>
               <a:ext uri="{FF2B5EF4-FFF2-40B4-BE49-F238E27FC236}">
-                <a16:creationId xmlns:a16="http://schemas.microsoft.com/office/drawing/2014/main" id="{C1BBF63F-0A9F-4C8D-B39A-1FBF393077CB}"/>
+                <a16:creationId xmlns:a16="http://schemas.microsoft.com/office/drawing/2014/main" xmlns="" id="{C1BBF63F-0A9F-4C8D-B39A-1FBF393077CB}"/>
               </a:ext>
             </a:extLst>
           </p:cNvPr>
@@ -2207,7 +2207,7 @@
           <p:cNvPr id="3" name="Inhaltsplatzhalter 2">
             <a:extLst>
               <a:ext uri="{FF2B5EF4-FFF2-40B4-BE49-F238E27FC236}">
-                <a16:creationId xmlns:a16="http://schemas.microsoft.com/office/drawing/2014/main" id="{CC0BA02F-2358-4BE3-9263-12AFB01C7440}"/>
+                <a16:creationId xmlns:a16="http://schemas.microsoft.com/office/drawing/2014/main" xmlns="" id="{CC0BA02F-2358-4BE3-9263-12AFB01C7440}"/>
               </a:ext>
             </a:extLst>
           </p:cNvPr>
@@ -2297,7 +2297,7 @@
           <p:cNvPr id="4" name="Textplatzhalter 3">
             <a:extLst>
               <a:ext uri="{FF2B5EF4-FFF2-40B4-BE49-F238E27FC236}">
-                <a16:creationId xmlns:a16="http://schemas.microsoft.com/office/drawing/2014/main" id="{6BB9EA18-FEDB-4248-80B9-8137979A1979}"/>
+                <a16:creationId xmlns:a16="http://schemas.microsoft.com/office/drawing/2014/main" xmlns="" id="{6BB9EA18-FEDB-4248-80B9-8137979A1979}"/>
               </a:ext>
             </a:extLst>
           </p:cNvPr>
@@ -2368,7 +2368,7 @@
           <p:cNvPr id="5" name="Datumsplatzhalter 4">
             <a:extLst>
               <a:ext uri="{FF2B5EF4-FFF2-40B4-BE49-F238E27FC236}">
-                <a16:creationId xmlns:a16="http://schemas.microsoft.com/office/drawing/2014/main" id="{E7BEF15C-25A5-4075-B7B6-DDD9C635AB90}"/>
+                <a16:creationId xmlns:a16="http://schemas.microsoft.com/office/drawing/2014/main" xmlns="" id="{E7BEF15C-25A5-4075-B7B6-DDD9C635AB90}"/>
               </a:ext>
             </a:extLst>
           </p:cNvPr>
@@ -2386,7 +2386,7 @@
           <a:p>
             <a:fld id="{1A473A71-948F-4AE8-AF79-80443CCFF2D0}" type="datetimeFigureOut">
               <a:rPr lang="de-DE" smtClean="0"/>
-              <a:t>03.02.2020</a:t>
+              <a:t>17.02.2020</a:t>
             </a:fld>
             <a:endParaRPr lang="de-DE"/>
           </a:p>
@@ -2397,7 +2397,7 @@
           <p:cNvPr id="6" name="Fußzeilenplatzhalter 5">
             <a:extLst>
               <a:ext uri="{FF2B5EF4-FFF2-40B4-BE49-F238E27FC236}">
-                <a16:creationId xmlns:a16="http://schemas.microsoft.com/office/drawing/2014/main" id="{C7D0D9B6-96E0-470D-82E2-37080BACE716}"/>
+                <a16:creationId xmlns:a16="http://schemas.microsoft.com/office/drawing/2014/main" xmlns="" id="{C7D0D9B6-96E0-470D-82E2-37080BACE716}"/>
               </a:ext>
             </a:extLst>
           </p:cNvPr>
@@ -2422,7 +2422,7 @@
           <p:cNvPr id="7" name="Foliennummernplatzhalter 6">
             <a:extLst>
               <a:ext uri="{FF2B5EF4-FFF2-40B4-BE49-F238E27FC236}">
-                <a16:creationId xmlns:a16="http://schemas.microsoft.com/office/drawing/2014/main" id="{1E2AAA02-713E-4FAF-9DA2-D45BB22BDF5A}"/>
+                <a16:creationId xmlns:a16="http://schemas.microsoft.com/office/drawing/2014/main" xmlns="" id="{1E2AAA02-713E-4FAF-9DA2-D45BB22BDF5A}"/>
               </a:ext>
             </a:extLst>
           </p:cNvPr>
@@ -2481,7 +2481,7 @@
           <p:cNvPr id="2" name="Titel 1">
             <a:extLst>
               <a:ext uri="{FF2B5EF4-FFF2-40B4-BE49-F238E27FC236}">
-                <a16:creationId xmlns:a16="http://schemas.microsoft.com/office/drawing/2014/main" id="{5BFB5D39-2519-429E-BCE6-6431ECAB345B}"/>
+                <a16:creationId xmlns:a16="http://schemas.microsoft.com/office/drawing/2014/main" xmlns="" id="{5BFB5D39-2519-429E-BCE6-6431ECAB345B}"/>
               </a:ext>
             </a:extLst>
           </p:cNvPr>
@@ -2518,7 +2518,7 @@
           <p:cNvPr id="3" name="Bildplatzhalter 2">
             <a:extLst>
               <a:ext uri="{FF2B5EF4-FFF2-40B4-BE49-F238E27FC236}">
-                <a16:creationId xmlns:a16="http://schemas.microsoft.com/office/drawing/2014/main" id="{1FD63C97-E3C2-4D42-90CB-C724C06D50A3}"/>
+                <a16:creationId xmlns:a16="http://schemas.microsoft.com/office/drawing/2014/main" xmlns="" id="{1FD63C97-E3C2-4D42-90CB-C724C06D50A3}"/>
               </a:ext>
             </a:extLst>
           </p:cNvPr>
@@ -2585,7 +2585,7 @@
           <p:cNvPr id="4" name="Textplatzhalter 3">
             <a:extLst>
               <a:ext uri="{FF2B5EF4-FFF2-40B4-BE49-F238E27FC236}">
-                <a16:creationId xmlns:a16="http://schemas.microsoft.com/office/drawing/2014/main" id="{FD916F31-6E71-442A-9EBC-EE6BFB374565}"/>
+                <a16:creationId xmlns:a16="http://schemas.microsoft.com/office/drawing/2014/main" xmlns="" id="{FD916F31-6E71-442A-9EBC-EE6BFB374565}"/>
               </a:ext>
             </a:extLst>
           </p:cNvPr>
@@ -2656,7 +2656,7 @@
           <p:cNvPr id="5" name="Datumsplatzhalter 4">
             <a:extLst>
               <a:ext uri="{FF2B5EF4-FFF2-40B4-BE49-F238E27FC236}">
-                <a16:creationId xmlns:a16="http://schemas.microsoft.com/office/drawing/2014/main" id="{5DB9302E-5D7A-482C-B7F5-74F2C77D9D20}"/>
+                <a16:creationId xmlns:a16="http://schemas.microsoft.com/office/drawing/2014/main" xmlns="" id="{5DB9302E-5D7A-482C-B7F5-74F2C77D9D20}"/>
               </a:ext>
             </a:extLst>
           </p:cNvPr>
@@ -2674,7 +2674,7 @@
           <a:p>
             <a:fld id="{1A473A71-948F-4AE8-AF79-80443CCFF2D0}" type="datetimeFigureOut">
               <a:rPr lang="de-DE" smtClean="0"/>
-              <a:t>03.02.2020</a:t>
+              <a:t>17.02.2020</a:t>
             </a:fld>
             <a:endParaRPr lang="de-DE"/>
           </a:p>
@@ -2685,7 +2685,7 @@
           <p:cNvPr id="6" name="Fußzeilenplatzhalter 5">
             <a:extLst>
               <a:ext uri="{FF2B5EF4-FFF2-40B4-BE49-F238E27FC236}">
-                <a16:creationId xmlns:a16="http://schemas.microsoft.com/office/drawing/2014/main" id="{C150407C-9396-4D0B-8570-ED95DD30979A}"/>
+                <a16:creationId xmlns:a16="http://schemas.microsoft.com/office/drawing/2014/main" xmlns="" id="{C150407C-9396-4D0B-8570-ED95DD30979A}"/>
               </a:ext>
             </a:extLst>
           </p:cNvPr>
@@ -2710,7 +2710,7 @@
           <p:cNvPr id="7" name="Foliennummernplatzhalter 6">
             <a:extLst>
               <a:ext uri="{FF2B5EF4-FFF2-40B4-BE49-F238E27FC236}">
-                <a16:creationId xmlns:a16="http://schemas.microsoft.com/office/drawing/2014/main" id="{9448B357-7506-45AC-9B90-BA7CE7781D5A}"/>
+                <a16:creationId xmlns:a16="http://schemas.microsoft.com/office/drawing/2014/main" xmlns="" id="{9448B357-7506-45AC-9B90-BA7CE7781D5A}"/>
               </a:ext>
             </a:extLst>
           </p:cNvPr>
@@ -2774,7 +2774,7 @@
           <p:cNvPr id="2" name="Titelplatzhalter 1">
             <a:extLst>
               <a:ext uri="{FF2B5EF4-FFF2-40B4-BE49-F238E27FC236}">
-                <a16:creationId xmlns:a16="http://schemas.microsoft.com/office/drawing/2014/main" id="{9FA877A1-6E5C-4773-87C2-8ACD351CF551}"/>
+                <a16:creationId xmlns:a16="http://schemas.microsoft.com/office/drawing/2014/main" xmlns="" id="{9FA877A1-6E5C-4773-87C2-8ACD351CF551}"/>
               </a:ext>
             </a:extLst>
           </p:cNvPr>
@@ -2812,7 +2812,7 @@
           <p:cNvPr id="3" name="Textplatzhalter 2">
             <a:extLst>
               <a:ext uri="{FF2B5EF4-FFF2-40B4-BE49-F238E27FC236}">
-                <a16:creationId xmlns:a16="http://schemas.microsoft.com/office/drawing/2014/main" id="{C112C717-CE3E-4B70-9323-4EF3D016BE6E}"/>
+                <a16:creationId xmlns:a16="http://schemas.microsoft.com/office/drawing/2014/main" xmlns="" id="{C112C717-CE3E-4B70-9323-4EF3D016BE6E}"/>
               </a:ext>
             </a:extLst>
           </p:cNvPr>
@@ -2879,7 +2879,7 @@
           <p:cNvPr id="4" name="Datumsplatzhalter 3">
             <a:extLst>
               <a:ext uri="{FF2B5EF4-FFF2-40B4-BE49-F238E27FC236}">
-                <a16:creationId xmlns:a16="http://schemas.microsoft.com/office/drawing/2014/main" id="{A4A9F7DC-057C-461A-96C3-5E7DCD8A44AB}"/>
+                <a16:creationId xmlns:a16="http://schemas.microsoft.com/office/drawing/2014/main" xmlns="" id="{A4A9F7DC-057C-461A-96C3-5E7DCD8A44AB}"/>
               </a:ext>
             </a:extLst>
           </p:cNvPr>
@@ -2915,7 +2915,7 @@
           <a:p>
             <a:fld id="{1A473A71-948F-4AE8-AF79-80443CCFF2D0}" type="datetimeFigureOut">
               <a:rPr lang="de-DE" smtClean="0"/>
-              <a:t>03.02.2020</a:t>
+              <a:t>17.02.2020</a:t>
             </a:fld>
             <a:endParaRPr lang="de-DE"/>
           </a:p>
@@ -2926,7 +2926,7 @@
           <p:cNvPr id="5" name="Fußzeilenplatzhalter 4">
             <a:extLst>
               <a:ext uri="{FF2B5EF4-FFF2-40B4-BE49-F238E27FC236}">
-                <a16:creationId xmlns:a16="http://schemas.microsoft.com/office/drawing/2014/main" id="{8FCC5EDA-E7B3-4E4C-A67D-00B6563032AC}"/>
+                <a16:creationId xmlns:a16="http://schemas.microsoft.com/office/drawing/2014/main" xmlns="" id="{8FCC5EDA-E7B3-4E4C-A67D-00B6563032AC}"/>
               </a:ext>
             </a:extLst>
           </p:cNvPr>
@@ -2969,7 +2969,7 @@
           <p:cNvPr id="6" name="Foliennummernplatzhalter 5">
             <a:extLst>
               <a:ext uri="{FF2B5EF4-FFF2-40B4-BE49-F238E27FC236}">
-                <a16:creationId xmlns:a16="http://schemas.microsoft.com/office/drawing/2014/main" id="{3197C0FD-ED17-4341-8625-38DDB48F61B7}"/>
+                <a16:creationId xmlns:a16="http://schemas.microsoft.com/office/drawing/2014/main" xmlns="" id="{3197C0FD-ED17-4341-8625-38DDB48F61B7}"/>
               </a:ext>
             </a:extLst>
           </p:cNvPr>
@@ -3337,7 +3337,7 @@
           <p:cNvPr id="2" name="Titel 1">
             <a:extLst>
               <a:ext uri="{FF2B5EF4-FFF2-40B4-BE49-F238E27FC236}">
-                <a16:creationId xmlns:a16="http://schemas.microsoft.com/office/drawing/2014/main" id="{2121EE81-C787-40A4-9746-C94978F7F541}"/>
+                <a16:creationId xmlns:a16="http://schemas.microsoft.com/office/drawing/2014/main" xmlns="" id="{2121EE81-C787-40A4-9746-C94978F7F541}"/>
               </a:ext>
             </a:extLst>
           </p:cNvPr>
@@ -3362,7 +3362,7 @@
           <p:cNvPr id="3" name="Untertitel 2">
             <a:extLst>
               <a:ext uri="{FF2B5EF4-FFF2-40B4-BE49-F238E27FC236}">
-                <a16:creationId xmlns:a16="http://schemas.microsoft.com/office/drawing/2014/main" id="{01DE6B12-0540-4420-9A5E-70C062DEC222}"/>
+                <a16:creationId xmlns:a16="http://schemas.microsoft.com/office/drawing/2014/main" xmlns="" id="{01DE6B12-0540-4420-9A5E-70C062DEC222}"/>
               </a:ext>
             </a:extLst>
           </p:cNvPr>
@@ -3417,7 +3417,7 @@
           <p:cNvPr id="2" name="Rechteck 1">
             <a:extLst>
               <a:ext uri="{FF2B5EF4-FFF2-40B4-BE49-F238E27FC236}">
-                <a16:creationId xmlns:a16="http://schemas.microsoft.com/office/drawing/2014/main" id="{D144D94C-2289-4013-A9D0-E50B76235F78}"/>
+                <a16:creationId xmlns:a16="http://schemas.microsoft.com/office/drawing/2014/main" xmlns="" id="{D144D94C-2289-4013-A9D0-E50B76235F78}"/>
               </a:ext>
             </a:extLst>
           </p:cNvPr>
@@ -3469,7 +3469,7 @@
           <p:cNvPr id="4" name="Gerade Verbindung mit Pfeil 3">
             <a:extLst>
               <a:ext uri="{FF2B5EF4-FFF2-40B4-BE49-F238E27FC236}">
-                <a16:creationId xmlns:a16="http://schemas.microsoft.com/office/drawing/2014/main" id="{4505AB64-DC1C-4AEE-AD57-F2CA0E3FA2E9}"/>
+                <a16:creationId xmlns:a16="http://schemas.microsoft.com/office/drawing/2014/main" xmlns="" id="{4505AB64-DC1C-4AEE-AD57-F2CA0E3FA2E9}"/>
               </a:ext>
             </a:extLst>
           </p:cNvPr>
@@ -3513,7 +3513,7 @@
           <p:cNvPr id="8" name="Gerade Verbindung mit Pfeil 7">
             <a:extLst>
               <a:ext uri="{FF2B5EF4-FFF2-40B4-BE49-F238E27FC236}">
-                <a16:creationId xmlns:a16="http://schemas.microsoft.com/office/drawing/2014/main" id="{B5B15429-6E3F-4F11-BD32-07D58259D622}"/>
+                <a16:creationId xmlns:a16="http://schemas.microsoft.com/office/drawing/2014/main" xmlns="" id="{B5B15429-6E3F-4F11-BD32-07D58259D622}"/>
               </a:ext>
             </a:extLst>
           </p:cNvPr>
@@ -3557,7 +3557,7 @@
           <p:cNvPr id="16" name="Gerade Verbindung mit Pfeil 15">
             <a:extLst>
               <a:ext uri="{FF2B5EF4-FFF2-40B4-BE49-F238E27FC236}">
-                <a16:creationId xmlns:a16="http://schemas.microsoft.com/office/drawing/2014/main" id="{B1487A4C-D5C8-449F-A12B-5A5CAA93DE59}"/>
+                <a16:creationId xmlns:a16="http://schemas.microsoft.com/office/drawing/2014/main" xmlns="" id="{B1487A4C-D5C8-449F-A12B-5A5CAA93DE59}"/>
               </a:ext>
             </a:extLst>
           </p:cNvPr>
@@ -3599,7 +3599,7 @@
           <p:cNvPr id="18" name="Gerade Verbindung mit Pfeil 17">
             <a:extLst>
               <a:ext uri="{FF2B5EF4-FFF2-40B4-BE49-F238E27FC236}">
-                <a16:creationId xmlns:a16="http://schemas.microsoft.com/office/drawing/2014/main" id="{EFAA1BE7-4B70-4DAF-802D-BCB4141E7E5F}"/>
+                <a16:creationId xmlns:a16="http://schemas.microsoft.com/office/drawing/2014/main" xmlns="" id="{EFAA1BE7-4B70-4DAF-802D-BCB4141E7E5F}"/>
               </a:ext>
             </a:extLst>
           </p:cNvPr>
@@ -3641,7 +3641,7 @@
           <p:cNvPr id="20" name="Gerade Verbindung mit Pfeil 19">
             <a:extLst>
               <a:ext uri="{FF2B5EF4-FFF2-40B4-BE49-F238E27FC236}">
-                <a16:creationId xmlns:a16="http://schemas.microsoft.com/office/drawing/2014/main" id="{7ACA4C1C-ECE5-44D0-9F38-2282B9102AF8}"/>
+                <a16:creationId xmlns:a16="http://schemas.microsoft.com/office/drawing/2014/main" xmlns="" id="{7ACA4C1C-ECE5-44D0-9F38-2282B9102AF8}"/>
               </a:ext>
             </a:extLst>
           </p:cNvPr>
@@ -3683,7 +3683,7 @@
           <p:cNvPr id="5" name="Gruppieren 4">
             <a:extLst>
               <a:ext uri="{FF2B5EF4-FFF2-40B4-BE49-F238E27FC236}">
-                <a16:creationId xmlns:a16="http://schemas.microsoft.com/office/drawing/2014/main" id="{BCFB85C1-C4B1-4E5E-A3BB-FA9706001FA8}"/>
+                <a16:creationId xmlns:a16="http://schemas.microsoft.com/office/drawing/2014/main" xmlns="" id="{BCFB85C1-C4B1-4E5E-A3BB-FA9706001FA8}"/>
               </a:ext>
             </a:extLst>
           </p:cNvPr>
@@ -3703,7 +3703,7 @@
             <p:cNvPr id="3" name="Gruppieren 2">
               <a:extLst>
                 <a:ext uri="{FF2B5EF4-FFF2-40B4-BE49-F238E27FC236}">
-                  <a16:creationId xmlns:a16="http://schemas.microsoft.com/office/drawing/2014/main" id="{154378B4-0281-4001-908D-1C186E31E567}"/>
+                  <a16:creationId xmlns:a16="http://schemas.microsoft.com/office/drawing/2014/main" xmlns="" id="{154378B4-0281-4001-908D-1C186E31E567}"/>
                 </a:ext>
               </a:extLst>
             </p:cNvPr>
@@ -3723,7 +3723,7 @@
               <p:cNvPr id="24" name="Gerade Verbindung mit Pfeil 23">
                 <a:extLst>
                   <a:ext uri="{FF2B5EF4-FFF2-40B4-BE49-F238E27FC236}">
-                    <a16:creationId xmlns:a16="http://schemas.microsoft.com/office/drawing/2014/main" id="{310442C6-9E91-4C86-A911-88EF52519BA8}"/>
+                    <a16:creationId xmlns:a16="http://schemas.microsoft.com/office/drawing/2014/main" xmlns="" id="{310442C6-9E91-4C86-A911-88EF52519BA8}"/>
                   </a:ext>
                 </a:extLst>
               </p:cNvPr>
@@ -3762,7 +3762,7 @@
               <p:cNvPr id="26" name="Gerade Verbindung mit Pfeil 25">
                 <a:extLst>
                   <a:ext uri="{FF2B5EF4-FFF2-40B4-BE49-F238E27FC236}">
-                    <a16:creationId xmlns:a16="http://schemas.microsoft.com/office/drawing/2014/main" id="{410FEC98-82F4-4707-84F3-E2A3A8FD521B}"/>
+                    <a16:creationId xmlns:a16="http://schemas.microsoft.com/office/drawing/2014/main" xmlns="" id="{410FEC98-82F4-4707-84F3-E2A3A8FD521B}"/>
                   </a:ext>
                 </a:extLst>
               </p:cNvPr>
@@ -3803,7 +3803,7 @@
               <p:cNvPr id="28" name="Textfeld 27">
                 <a:extLst>
                   <a:ext uri="{FF2B5EF4-FFF2-40B4-BE49-F238E27FC236}">
-                    <a16:creationId xmlns:a16="http://schemas.microsoft.com/office/drawing/2014/main" id="{18DD6999-5CFE-4405-B945-25C14D02FEF5}"/>
+                    <a16:creationId xmlns:a16="http://schemas.microsoft.com/office/drawing/2014/main" xmlns="" id="{18DD6999-5CFE-4405-B945-25C14D02FEF5}"/>
                   </a:ext>
                 </a:extLst>
               </p:cNvPr>
@@ -3839,7 +3839,7 @@
             <p:cNvPr id="29" name="Textfeld 28">
               <a:extLst>
                 <a:ext uri="{FF2B5EF4-FFF2-40B4-BE49-F238E27FC236}">
-                  <a16:creationId xmlns:a16="http://schemas.microsoft.com/office/drawing/2014/main" id="{72E3181E-BA35-4B43-8E82-5492F61E06FB}"/>
+                  <a16:creationId xmlns:a16="http://schemas.microsoft.com/office/drawing/2014/main" xmlns="" id="{72E3181E-BA35-4B43-8E82-5492F61E06FB}"/>
                 </a:ext>
               </a:extLst>
             </p:cNvPr>
@@ -3875,7 +3875,7 @@
           <p:cNvPr id="30" name="Textfeld 29">
             <a:extLst>
               <a:ext uri="{FF2B5EF4-FFF2-40B4-BE49-F238E27FC236}">
-                <a16:creationId xmlns:a16="http://schemas.microsoft.com/office/drawing/2014/main" id="{9B4D3990-7E7B-4EAE-ABDF-87D303B99CB3}"/>
+                <a16:creationId xmlns:a16="http://schemas.microsoft.com/office/drawing/2014/main" xmlns="" id="{9B4D3990-7E7B-4EAE-ABDF-87D303B99CB3}"/>
               </a:ext>
             </a:extLst>
           </p:cNvPr>
@@ -3914,7 +3914,7 @@
           <p:cNvPr id="31" name="Textfeld 30">
             <a:extLst>
               <a:ext uri="{FF2B5EF4-FFF2-40B4-BE49-F238E27FC236}">
-                <a16:creationId xmlns:a16="http://schemas.microsoft.com/office/drawing/2014/main" id="{0E3472A2-C2A7-48F3-A218-B7D8ECF2FE50}"/>
+                <a16:creationId xmlns:a16="http://schemas.microsoft.com/office/drawing/2014/main" xmlns="" id="{0E3472A2-C2A7-48F3-A218-B7D8ECF2FE50}"/>
               </a:ext>
             </a:extLst>
           </p:cNvPr>
@@ -3953,7 +3953,7 @@
           <p:cNvPr id="32" name="Textfeld 31">
             <a:extLst>
               <a:ext uri="{FF2B5EF4-FFF2-40B4-BE49-F238E27FC236}">
-                <a16:creationId xmlns:a16="http://schemas.microsoft.com/office/drawing/2014/main" id="{6FB5C9B1-05AD-42F6-8D07-F962E1DBBC09}"/>
+                <a16:creationId xmlns:a16="http://schemas.microsoft.com/office/drawing/2014/main" xmlns="" id="{6FB5C9B1-05AD-42F6-8D07-F962E1DBBC09}"/>
               </a:ext>
             </a:extLst>
           </p:cNvPr>
@@ -3992,7 +3992,7 @@
           <p:cNvPr id="34" name="Textfeld 33">
             <a:extLst>
               <a:ext uri="{FF2B5EF4-FFF2-40B4-BE49-F238E27FC236}">
-                <a16:creationId xmlns:a16="http://schemas.microsoft.com/office/drawing/2014/main" id="{BF4B2FAD-B656-4F08-B9E4-344801DB9BC4}"/>
+                <a16:creationId xmlns:a16="http://schemas.microsoft.com/office/drawing/2014/main" xmlns="" id="{BF4B2FAD-B656-4F08-B9E4-344801DB9BC4}"/>
               </a:ext>
             </a:extLst>
           </p:cNvPr>
@@ -4041,7 +4041,7 @@
           <p:cNvPr id="35" name="Textfeld 34">
             <a:extLst>
               <a:ext uri="{FF2B5EF4-FFF2-40B4-BE49-F238E27FC236}">
-                <a16:creationId xmlns:a16="http://schemas.microsoft.com/office/drawing/2014/main" id="{865E304E-5C43-45D5-9D95-071105971C78}"/>
+                <a16:creationId xmlns:a16="http://schemas.microsoft.com/office/drawing/2014/main" xmlns="" id="{865E304E-5C43-45D5-9D95-071105971C78}"/>
               </a:ext>
             </a:extLst>
           </p:cNvPr>
@@ -4086,7 +4086,7 @@
           <p:cNvPr id="10" name="Gerade Verbindung mit Pfeil 9">
             <a:extLst>
               <a:ext uri="{FF2B5EF4-FFF2-40B4-BE49-F238E27FC236}">
-                <a16:creationId xmlns:a16="http://schemas.microsoft.com/office/drawing/2014/main" id="{096441BA-10BC-4E6B-A8CE-7C308E190311}"/>
+                <a16:creationId xmlns:a16="http://schemas.microsoft.com/office/drawing/2014/main" xmlns="" id="{096441BA-10BC-4E6B-A8CE-7C308E190311}"/>
               </a:ext>
             </a:extLst>
           </p:cNvPr>
@@ -4130,7 +4130,7 @@
           <p:cNvPr id="37" name="Textfeld 36">
             <a:extLst>
               <a:ext uri="{FF2B5EF4-FFF2-40B4-BE49-F238E27FC236}">
-                <a16:creationId xmlns:a16="http://schemas.microsoft.com/office/drawing/2014/main" id="{7E1C5C5F-9B91-48A4-93FF-0F95B1D00285}"/>
+                <a16:creationId xmlns:a16="http://schemas.microsoft.com/office/drawing/2014/main" xmlns="" id="{7E1C5C5F-9B91-48A4-93FF-0F95B1D00285}"/>
               </a:ext>
             </a:extLst>
           </p:cNvPr>
@@ -4175,7 +4175,7 @@
           <p:cNvPr id="11" name="Gerade Verbindung mit Pfeil 10">
             <a:extLst>
               <a:ext uri="{FF2B5EF4-FFF2-40B4-BE49-F238E27FC236}">
-                <a16:creationId xmlns:a16="http://schemas.microsoft.com/office/drawing/2014/main" id="{D44F33DC-7A48-45C8-BFAD-B0E912C6822E}"/>
+                <a16:creationId xmlns:a16="http://schemas.microsoft.com/office/drawing/2014/main" xmlns="" id="{D44F33DC-7A48-45C8-BFAD-B0E912C6822E}"/>
               </a:ext>
             </a:extLst>
           </p:cNvPr>
@@ -4219,7 +4219,7 @@
           <p:cNvPr id="38" name="Textfeld 37">
             <a:extLst>
               <a:ext uri="{FF2B5EF4-FFF2-40B4-BE49-F238E27FC236}">
-                <a16:creationId xmlns:a16="http://schemas.microsoft.com/office/drawing/2014/main" id="{C1555B31-4C6F-4514-9994-54536E4FE13B}"/>
+                <a16:creationId xmlns:a16="http://schemas.microsoft.com/office/drawing/2014/main" xmlns="" id="{C1555B31-4C6F-4514-9994-54536E4FE13B}"/>
               </a:ext>
             </a:extLst>
           </p:cNvPr>
@@ -4268,7 +4268,7 @@
           <p:cNvPr id="40" name="Gerader Verbinder 39">
             <a:extLst>
               <a:ext uri="{FF2B5EF4-FFF2-40B4-BE49-F238E27FC236}">
-                <a16:creationId xmlns:a16="http://schemas.microsoft.com/office/drawing/2014/main" id="{8EF695A0-2CBC-4393-A369-3119AB7B7113}"/>
+                <a16:creationId xmlns:a16="http://schemas.microsoft.com/office/drawing/2014/main" xmlns="" id="{8EF695A0-2CBC-4393-A369-3119AB7B7113}"/>
               </a:ext>
             </a:extLst>
           </p:cNvPr>
@@ -4339,7 +4339,7 @@
           <p:cNvPr id="2" name="Ellipse 1">
             <a:extLst>
               <a:ext uri="{FF2B5EF4-FFF2-40B4-BE49-F238E27FC236}">
-                <a16:creationId xmlns:a16="http://schemas.microsoft.com/office/drawing/2014/main" id="{2B3ACD3A-7C75-4673-944A-464045A0E9AF}"/>
+                <a16:creationId xmlns:a16="http://schemas.microsoft.com/office/drawing/2014/main" xmlns="" id="{2B3ACD3A-7C75-4673-944A-464045A0E9AF}"/>
               </a:ext>
             </a:extLst>
           </p:cNvPr>
@@ -4391,7 +4391,7 @@
           <p:cNvPr id="3" name="Ellipse 2">
             <a:extLst>
               <a:ext uri="{FF2B5EF4-FFF2-40B4-BE49-F238E27FC236}">
-                <a16:creationId xmlns:a16="http://schemas.microsoft.com/office/drawing/2014/main" id="{53536759-76CE-456C-8E16-C111C37F543C}"/>
+                <a16:creationId xmlns:a16="http://schemas.microsoft.com/office/drawing/2014/main" xmlns="" id="{53536759-76CE-456C-8E16-C111C37F543C}"/>
               </a:ext>
             </a:extLst>
           </p:cNvPr>
@@ -4443,7 +4443,7 @@
           <p:cNvPr id="5" name="Gerade Verbindung mit Pfeil 4">
             <a:extLst>
               <a:ext uri="{FF2B5EF4-FFF2-40B4-BE49-F238E27FC236}">
-                <a16:creationId xmlns:a16="http://schemas.microsoft.com/office/drawing/2014/main" id="{47DE6D7F-60A5-4A28-A8CA-E13D0B9C2E93}"/>
+                <a16:creationId xmlns:a16="http://schemas.microsoft.com/office/drawing/2014/main" xmlns="" id="{47DE6D7F-60A5-4A28-A8CA-E13D0B9C2E93}"/>
               </a:ext>
             </a:extLst>
           </p:cNvPr>
@@ -4487,7 +4487,7 @@
           <p:cNvPr id="6" name="Gerade Verbindung mit Pfeil 5">
             <a:extLst>
               <a:ext uri="{FF2B5EF4-FFF2-40B4-BE49-F238E27FC236}">
-                <a16:creationId xmlns:a16="http://schemas.microsoft.com/office/drawing/2014/main" id="{E56190AA-57A3-466B-ABA5-709E934C055F}"/>
+                <a16:creationId xmlns:a16="http://schemas.microsoft.com/office/drawing/2014/main" xmlns="" id="{E56190AA-57A3-466B-ABA5-709E934C055F}"/>
               </a:ext>
             </a:extLst>
           </p:cNvPr>
@@ -4531,7 +4531,7 @@
           <p:cNvPr id="8" name="Gerade Verbindung mit Pfeil 7">
             <a:extLst>
               <a:ext uri="{FF2B5EF4-FFF2-40B4-BE49-F238E27FC236}">
-                <a16:creationId xmlns:a16="http://schemas.microsoft.com/office/drawing/2014/main" id="{D0AD2803-AA4F-431C-893E-AB6D0ECAAAED}"/>
+                <a16:creationId xmlns:a16="http://schemas.microsoft.com/office/drawing/2014/main" xmlns="" id="{D0AD2803-AA4F-431C-893E-AB6D0ECAAAED}"/>
               </a:ext>
             </a:extLst>
           </p:cNvPr>
@@ -4576,7 +4576,7 @@
           <p:cNvPr id="12" name="Gerader Verbinder 11">
             <a:extLst>
               <a:ext uri="{FF2B5EF4-FFF2-40B4-BE49-F238E27FC236}">
-                <a16:creationId xmlns:a16="http://schemas.microsoft.com/office/drawing/2014/main" id="{E42A6C69-946F-4FFD-942F-6C5F21981703}"/>
+                <a16:creationId xmlns:a16="http://schemas.microsoft.com/office/drawing/2014/main" xmlns="" id="{E42A6C69-946F-4FFD-942F-6C5F21981703}"/>
               </a:ext>
             </a:extLst>
           </p:cNvPr>
@@ -4617,7 +4617,7 @@
           <p:cNvPr id="13" name="Gerader Verbinder 12">
             <a:extLst>
               <a:ext uri="{FF2B5EF4-FFF2-40B4-BE49-F238E27FC236}">
-                <a16:creationId xmlns:a16="http://schemas.microsoft.com/office/drawing/2014/main" id="{71EC7A47-248B-4A5E-A452-1D16387AE183}"/>
+                <a16:creationId xmlns:a16="http://schemas.microsoft.com/office/drawing/2014/main" xmlns="" id="{71EC7A47-248B-4A5E-A452-1D16387AE183}"/>
               </a:ext>
             </a:extLst>
           </p:cNvPr>
@@ -4660,7 +4660,7 @@
           <p:cNvPr id="15" name="Gerade Verbindung mit Pfeil 14">
             <a:extLst>
               <a:ext uri="{FF2B5EF4-FFF2-40B4-BE49-F238E27FC236}">
-                <a16:creationId xmlns:a16="http://schemas.microsoft.com/office/drawing/2014/main" id="{3DAEC6A3-86E3-4BC5-830E-8D3330CB90A6}"/>
+                <a16:creationId xmlns:a16="http://schemas.microsoft.com/office/drawing/2014/main" xmlns="" id="{3DAEC6A3-86E3-4BC5-830E-8D3330CB90A6}"/>
               </a:ext>
             </a:extLst>
           </p:cNvPr>
@@ -4703,7 +4703,7 @@
           <p:cNvPr id="16" name="Gerade Verbindung mit Pfeil 15">
             <a:extLst>
               <a:ext uri="{FF2B5EF4-FFF2-40B4-BE49-F238E27FC236}">
-                <a16:creationId xmlns:a16="http://schemas.microsoft.com/office/drawing/2014/main" id="{4FECAB05-93A6-4FAD-B0D7-3708DE4F1397}"/>
+                <a16:creationId xmlns:a16="http://schemas.microsoft.com/office/drawing/2014/main" xmlns="" id="{4FECAB05-93A6-4FAD-B0D7-3708DE4F1397}"/>
               </a:ext>
             </a:extLst>
           </p:cNvPr>
@@ -4746,7 +4746,7 @@
           <p:cNvPr id="21" name="Textfeld 20">
             <a:extLst>
               <a:ext uri="{FF2B5EF4-FFF2-40B4-BE49-F238E27FC236}">
-                <a16:creationId xmlns:a16="http://schemas.microsoft.com/office/drawing/2014/main" id="{90D1998D-B975-45E4-A3D8-67E1E223A28E}"/>
+                <a16:creationId xmlns:a16="http://schemas.microsoft.com/office/drawing/2014/main" xmlns="" id="{90D1998D-B975-45E4-A3D8-67E1E223A28E}"/>
               </a:ext>
             </a:extLst>
           </p:cNvPr>
@@ -4791,7 +4791,7 @@
           <p:cNvPr id="22" name="Textfeld 21">
             <a:extLst>
               <a:ext uri="{FF2B5EF4-FFF2-40B4-BE49-F238E27FC236}">
-                <a16:creationId xmlns:a16="http://schemas.microsoft.com/office/drawing/2014/main" id="{A527E15E-7A50-4642-A23F-988D1703218F}"/>
+                <a16:creationId xmlns:a16="http://schemas.microsoft.com/office/drawing/2014/main" xmlns="" id="{A527E15E-7A50-4642-A23F-988D1703218F}"/>
               </a:ext>
             </a:extLst>
           </p:cNvPr>
@@ -4836,7 +4836,7 @@
           <p:cNvPr id="23" name="Textfeld 22">
             <a:extLst>
               <a:ext uri="{FF2B5EF4-FFF2-40B4-BE49-F238E27FC236}">
-                <a16:creationId xmlns:a16="http://schemas.microsoft.com/office/drawing/2014/main" id="{A1E35C4E-9E89-4A1F-80E8-48F080D11BD8}"/>
+                <a16:creationId xmlns:a16="http://schemas.microsoft.com/office/drawing/2014/main" xmlns="" id="{A1E35C4E-9E89-4A1F-80E8-48F080D11BD8}"/>
               </a:ext>
             </a:extLst>
           </p:cNvPr>
@@ -4881,7 +4881,7 @@
           <p:cNvPr id="28" name="Gruppieren 27">
             <a:extLst>
               <a:ext uri="{FF2B5EF4-FFF2-40B4-BE49-F238E27FC236}">
-                <a16:creationId xmlns:a16="http://schemas.microsoft.com/office/drawing/2014/main" id="{627D707D-EE17-4959-9DE0-EDA36C99C0F0}"/>
+                <a16:creationId xmlns:a16="http://schemas.microsoft.com/office/drawing/2014/main" xmlns="" id="{627D707D-EE17-4959-9DE0-EDA36C99C0F0}"/>
               </a:ext>
             </a:extLst>
           </p:cNvPr>
@@ -4901,7 +4901,7 @@
             <p:cNvPr id="29" name="Gruppieren 28">
               <a:extLst>
                 <a:ext uri="{FF2B5EF4-FFF2-40B4-BE49-F238E27FC236}">
-                  <a16:creationId xmlns:a16="http://schemas.microsoft.com/office/drawing/2014/main" id="{F10D999F-9D1B-4971-BF1E-F303864FBA23}"/>
+                  <a16:creationId xmlns:a16="http://schemas.microsoft.com/office/drawing/2014/main" xmlns="" id="{F10D999F-9D1B-4971-BF1E-F303864FBA23}"/>
                 </a:ext>
               </a:extLst>
             </p:cNvPr>
@@ -4921,7 +4921,7 @@
               <p:cNvPr id="31" name="Gerade Verbindung mit Pfeil 30">
                 <a:extLst>
                   <a:ext uri="{FF2B5EF4-FFF2-40B4-BE49-F238E27FC236}">
-                    <a16:creationId xmlns:a16="http://schemas.microsoft.com/office/drawing/2014/main" id="{0CA818D9-7792-44C7-B6BA-A8E9C6A59404}"/>
+                    <a16:creationId xmlns:a16="http://schemas.microsoft.com/office/drawing/2014/main" xmlns="" id="{0CA818D9-7792-44C7-B6BA-A8E9C6A59404}"/>
                   </a:ext>
                 </a:extLst>
               </p:cNvPr>
@@ -4960,7 +4960,7 @@
               <p:cNvPr id="32" name="Gerade Verbindung mit Pfeil 31">
                 <a:extLst>
                   <a:ext uri="{FF2B5EF4-FFF2-40B4-BE49-F238E27FC236}">
-                    <a16:creationId xmlns:a16="http://schemas.microsoft.com/office/drawing/2014/main" id="{591FF2FB-363C-43E2-B972-B00AFB655C94}"/>
+                    <a16:creationId xmlns:a16="http://schemas.microsoft.com/office/drawing/2014/main" xmlns="" id="{591FF2FB-363C-43E2-B972-B00AFB655C94}"/>
                   </a:ext>
                 </a:extLst>
               </p:cNvPr>
@@ -5001,7 +5001,7 @@
               <p:cNvPr id="33" name="Textfeld 32">
                 <a:extLst>
                   <a:ext uri="{FF2B5EF4-FFF2-40B4-BE49-F238E27FC236}">
-                    <a16:creationId xmlns:a16="http://schemas.microsoft.com/office/drawing/2014/main" id="{BFD13965-230B-47AB-A7BB-FB4677A5F30F}"/>
+                    <a16:creationId xmlns:a16="http://schemas.microsoft.com/office/drawing/2014/main" xmlns="" id="{BFD13965-230B-47AB-A7BB-FB4677A5F30F}"/>
                   </a:ext>
                 </a:extLst>
               </p:cNvPr>
@@ -5037,7 +5037,7 @@
             <p:cNvPr id="30" name="Textfeld 29">
               <a:extLst>
                 <a:ext uri="{FF2B5EF4-FFF2-40B4-BE49-F238E27FC236}">
-                  <a16:creationId xmlns:a16="http://schemas.microsoft.com/office/drawing/2014/main" id="{FDEA4E00-D078-48D8-B9EF-559DCA3C9643}"/>
+                  <a16:creationId xmlns:a16="http://schemas.microsoft.com/office/drawing/2014/main" xmlns="" id="{FDEA4E00-D078-48D8-B9EF-559DCA3C9643}"/>
                 </a:ext>
               </a:extLst>
             </p:cNvPr>
@@ -5073,7 +5073,7 @@
           <p:cNvPr id="34" name="Textfeld 33">
             <a:extLst>
               <a:ext uri="{FF2B5EF4-FFF2-40B4-BE49-F238E27FC236}">
-                <a16:creationId xmlns:a16="http://schemas.microsoft.com/office/drawing/2014/main" id="{743DA5BB-4582-4BDE-B8F0-C6CB03A17BE2}"/>
+                <a16:creationId xmlns:a16="http://schemas.microsoft.com/office/drawing/2014/main" xmlns="" id="{743DA5BB-4582-4BDE-B8F0-C6CB03A17BE2}"/>
               </a:ext>
             </a:extLst>
           </p:cNvPr>
@@ -5111,7 +5111,7 @@
           <p:cNvPr id="35" name="Textfeld 34">
             <a:extLst>
               <a:ext uri="{FF2B5EF4-FFF2-40B4-BE49-F238E27FC236}">
-                <a16:creationId xmlns:a16="http://schemas.microsoft.com/office/drawing/2014/main" id="{04715C11-605F-4B8F-81A6-8B5B738C3050}"/>
+                <a16:creationId xmlns:a16="http://schemas.microsoft.com/office/drawing/2014/main" xmlns="" id="{04715C11-605F-4B8F-81A6-8B5B738C3050}"/>
               </a:ext>
             </a:extLst>
           </p:cNvPr>
@@ -5179,7 +5179,7 @@
           <p:cNvPr id="2" name="Rechteck 1">
             <a:extLst>
               <a:ext uri="{FF2B5EF4-FFF2-40B4-BE49-F238E27FC236}">
-                <a16:creationId xmlns:a16="http://schemas.microsoft.com/office/drawing/2014/main" id="{D144D94C-2289-4013-A9D0-E50B76235F78}"/>
+                <a16:creationId xmlns:a16="http://schemas.microsoft.com/office/drawing/2014/main" xmlns="" id="{D144D94C-2289-4013-A9D0-E50B76235F78}"/>
               </a:ext>
             </a:extLst>
           </p:cNvPr>
@@ -5231,7 +5231,7 @@
           <p:cNvPr id="4" name="Gerade Verbindung mit Pfeil 3">
             <a:extLst>
               <a:ext uri="{FF2B5EF4-FFF2-40B4-BE49-F238E27FC236}">
-                <a16:creationId xmlns:a16="http://schemas.microsoft.com/office/drawing/2014/main" id="{4505AB64-DC1C-4AEE-AD57-F2CA0E3FA2E9}"/>
+                <a16:creationId xmlns:a16="http://schemas.microsoft.com/office/drawing/2014/main" xmlns="" id="{4505AB64-DC1C-4AEE-AD57-F2CA0E3FA2E9}"/>
               </a:ext>
             </a:extLst>
           </p:cNvPr>
@@ -5276,7 +5276,7 @@
           <p:cNvPr id="8" name="Gerade Verbindung mit Pfeil 7">
             <a:extLst>
               <a:ext uri="{FF2B5EF4-FFF2-40B4-BE49-F238E27FC236}">
-                <a16:creationId xmlns:a16="http://schemas.microsoft.com/office/drawing/2014/main" id="{B5B15429-6E3F-4F11-BD32-07D58259D622}"/>
+                <a16:creationId xmlns:a16="http://schemas.microsoft.com/office/drawing/2014/main" xmlns="" id="{B5B15429-6E3F-4F11-BD32-07D58259D622}"/>
               </a:ext>
             </a:extLst>
           </p:cNvPr>
@@ -5320,7 +5320,7 @@
           <p:cNvPr id="9" name="Gerade Verbindung mit Pfeil 8">
             <a:extLst>
               <a:ext uri="{FF2B5EF4-FFF2-40B4-BE49-F238E27FC236}">
-                <a16:creationId xmlns:a16="http://schemas.microsoft.com/office/drawing/2014/main" id="{B66E2304-7E01-46A7-919B-5153ACF897CB}"/>
+                <a16:creationId xmlns:a16="http://schemas.microsoft.com/office/drawing/2014/main" xmlns="" id="{B66E2304-7E01-46A7-919B-5153ACF897CB}"/>
               </a:ext>
             </a:extLst>
           </p:cNvPr>
@@ -5364,7 +5364,7 @@
           <p:cNvPr id="5" name="Gruppieren 4">
             <a:extLst>
               <a:ext uri="{FF2B5EF4-FFF2-40B4-BE49-F238E27FC236}">
-                <a16:creationId xmlns:a16="http://schemas.microsoft.com/office/drawing/2014/main" id="{BCFB85C1-C4B1-4E5E-A3BB-FA9706001FA8}"/>
+                <a16:creationId xmlns:a16="http://schemas.microsoft.com/office/drawing/2014/main" xmlns="" id="{BCFB85C1-C4B1-4E5E-A3BB-FA9706001FA8}"/>
               </a:ext>
             </a:extLst>
           </p:cNvPr>
@@ -5384,7 +5384,7 @@
             <p:cNvPr id="3" name="Gruppieren 2">
               <a:extLst>
                 <a:ext uri="{FF2B5EF4-FFF2-40B4-BE49-F238E27FC236}">
-                  <a16:creationId xmlns:a16="http://schemas.microsoft.com/office/drawing/2014/main" id="{154378B4-0281-4001-908D-1C186E31E567}"/>
+                  <a16:creationId xmlns:a16="http://schemas.microsoft.com/office/drawing/2014/main" xmlns="" id="{154378B4-0281-4001-908D-1C186E31E567}"/>
                 </a:ext>
               </a:extLst>
             </p:cNvPr>
@@ -5404,7 +5404,7 @@
               <p:cNvPr id="24" name="Gerade Verbindung mit Pfeil 23">
                 <a:extLst>
                   <a:ext uri="{FF2B5EF4-FFF2-40B4-BE49-F238E27FC236}">
-                    <a16:creationId xmlns:a16="http://schemas.microsoft.com/office/drawing/2014/main" id="{310442C6-9E91-4C86-A911-88EF52519BA8}"/>
+                    <a16:creationId xmlns:a16="http://schemas.microsoft.com/office/drawing/2014/main" xmlns="" id="{310442C6-9E91-4C86-A911-88EF52519BA8}"/>
                   </a:ext>
                 </a:extLst>
               </p:cNvPr>
@@ -5443,7 +5443,7 @@
               <p:cNvPr id="26" name="Gerade Verbindung mit Pfeil 25">
                 <a:extLst>
                   <a:ext uri="{FF2B5EF4-FFF2-40B4-BE49-F238E27FC236}">
-                    <a16:creationId xmlns:a16="http://schemas.microsoft.com/office/drawing/2014/main" id="{410FEC98-82F4-4707-84F3-E2A3A8FD521B}"/>
+                    <a16:creationId xmlns:a16="http://schemas.microsoft.com/office/drawing/2014/main" xmlns="" id="{410FEC98-82F4-4707-84F3-E2A3A8FD521B}"/>
                   </a:ext>
                 </a:extLst>
               </p:cNvPr>
@@ -5484,7 +5484,7 @@
               <p:cNvPr id="28" name="Textfeld 27">
                 <a:extLst>
                   <a:ext uri="{FF2B5EF4-FFF2-40B4-BE49-F238E27FC236}">
-                    <a16:creationId xmlns:a16="http://schemas.microsoft.com/office/drawing/2014/main" id="{18DD6999-5CFE-4405-B945-25C14D02FEF5}"/>
+                    <a16:creationId xmlns:a16="http://schemas.microsoft.com/office/drawing/2014/main" xmlns="" id="{18DD6999-5CFE-4405-B945-25C14D02FEF5}"/>
                   </a:ext>
                 </a:extLst>
               </p:cNvPr>
@@ -5520,7 +5520,7 @@
             <p:cNvPr id="29" name="Textfeld 28">
               <a:extLst>
                 <a:ext uri="{FF2B5EF4-FFF2-40B4-BE49-F238E27FC236}">
-                  <a16:creationId xmlns:a16="http://schemas.microsoft.com/office/drawing/2014/main" id="{72E3181E-BA35-4B43-8E82-5492F61E06FB}"/>
+                  <a16:creationId xmlns:a16="http://schemas.microsoft.com/office/drawing/2014/main" xmlns="" id="{72E3181E-BA35-4B43-8E82-5492F61E06FB}"/>
                 </a:ext>
               </a:extLst>
             </p:cNvPr>
@@ -5556,7 +5556,7 @@
           <p:cNvPr id="6" name="Gruppieren 5">
             <a:extLst>
               <a:ext uri="{FF2B5EF4-FFF2-40B4-BE49-F238E27FC236}">
-                <a16:creationId xmlns:a16="http://schemas.microsoft.com/office/drawing/2014/main" id="{9B98FCCE-B2CE-47C2-BBB0-D6E9EC907671}"/>
+                <a16:creationId xmlns:a16="http://schemas.microsoft.com/office/drawing/2014/main" xmlns="" id="{9B98FCCE-B2CE-47C2-BBB0-D6E9EC907671}"/>
               </a:ext>
             </a:extLst>
           </p:cNvPr>
@@ -5576,7 +5576,7 @@
             <p:cNvPr id="16" name="Gerade Verbindung mit Pfeil 15">
               <a:extLst>
                 <a:ext uri="{FF2B5EF4-FFF2-40B4-BE49-F238E27FC236}">
-                  <a16:creationId xmlns:a16="http://schemas.microsoft.com/office/drawing/2014/main" id="{B1487A4C-D5C8-449F-A12B-5A5CAA93DE59}"/>
+                  <a16:creationId xmlns:a16="http://schemas.microsoft.com/office/drawing/2014/main" xmlns="" id="{B1487A4C-D5C8-449F-A12B-5A5CAA93DE59}"/>
                 </a:ext>
               </a:extLst>
             </p:cNvPr>
@@ -5618,7 +5618,7 @@
             <p:cNvPr id="18" name="Gerade Verbindung mit Pfeil 17">
               <a:extLst>
                 <a:ext uri="{FF2B5EF4-FFF2-40B4-BE49-F238E27FC236}">
-                  <a16:creationId xmlns:a16="http://schemas.microsoft.com/office/drawing/2014/main" id="{EFAA1BE7-4B70-4DAF-802D-BCB4141E7E5F}"/>
+                  <a16:creationId xmlns:a16="http://schemas.microsoft.com/office/drawing/2014/main" xmlns="" id="{EFAA1BE7-4B70-4DAF-802D-BCB4141E7E5F}"/>
                 </a:ext>
               </a:extLst>
             </p:cNvPr>
@@ -5660,7 +5660,7 @@
             <p:cNvPr id="20" name="Gerade Verbindung mit Pfeil 19">
               <a:extLst>
                 <a:ext uri="{FF2B5EF4-FFF2-40B4-BE49-F238E27FC236}">
-                  <a16:creationId xmlns:a16="http://schemas.microsoft.com/office/drawing/2014/main" id="{7ACA4C1C-ECE5-44D0-9F38-2282B9102AF8}"/>
+                  <a16:creationId xmlns:a16="http://schemas.microsoft.com/office/drawing/2014/main" xmlns="" id="{7ACA4C1C-ECE5-44D0-9F38-2282B9102AF8}"/>
                 </a:ext>
               </a:extLst>
             </p:cNvPr>
@@ -5702,7 +5702,7 @@
             <p:cNvPr id="22" name="Gerade Verbindung mit Pfeil 21">
               <a:extLst>
                 <a:ext uri="{FF2B5EF4-FFF2-40B4-BE49-F238E27FC236}">
-                  <a16:creationId xmlns:a16="http://schemas.microsoft.com/office/drawing/2014/main" id="{44927AA6-8F0D-4DAA-B895-0D7093E28BA1}"/>
+                  <a16:creationId xmlns:a16="http://schemas.microsoft.com/office/drawing/2014/main" xmlns="" id="{44927AA6-8F0D-4DAA-B895-0D7093E28BA1}"/>
                 </a:ext>
               </a:extLst>
             </p:cNvPr>
@@ -5744,7 +5744,7 @@
             <p:cNvPr id="30" name="Textfeld 29">
               <a:extLst>
                 <a:ext uri="{FF2B5EF4-FFF2-40B4-BE49-F238E27FC236}">
-                  <a16:creationId xmlns:a16="http://schemas.microsoft.com/office/drawing/2014/main" id="{9B4D3990-7E7B-4EAE-ABDF-87D303B99CB3}"/>
+                  <a16:creationId xmlns:a16="http://schemas.microsoft.com/office/drawing/2014/main" xmlns="" id="{9B4D3990-7E7B-4EAE-ABDF-87D303B99CB3}"/>
                 </a:ext>
               </a:extLst>
             </p:cNvPr>
@@ -5797,7 +5797,7 @@
             <p:cNvPr id="31" name="Textfeld 30">
               <a:extLst>
                 <a:ext uri="{FF2B5EF4-FFF2-40B4-BE49-F238E27FC236}">
-                  <a16:creationId xmlns:a16="http://schemas.microsoft.com/office/drawing/2014/main" id="{0E3472A2-C2A7-48F3-A218-B7D8ECF2FE50}"/>
+                  <a16:creationId xmlns:a16="http://schemas.microsoft.com/office/drawing/2014/main" xmlns="" id="{0E3472A2-C2A7-48F3-A218-B7D8ECF2FE50}"/>
                 </a:ext>
               </a:extLst>
             </p:cNvPr>
@@ -5850,7 +5850,7 @@
             <p:cNvPr id="32" name="Textfeld 31">
               <a:extLst>
                 <a:ext uri="{FF2B5EF4-FFF2-40B4-BE49-F238E27FC236}">
-                  <a16:creationId xmlns:a16="http://schemas.microsoft.com/office/drawing/2014/main" id="{6FB5C9B1-05AD-42F6-8D07-F962E1DBBC09}"/>
+                  <a16:creationId xmlns:a16="http://schemas.microsoft.com/office/drawing/2014/main" xmlns="" id="{6FB5C9B1-05AD-42F6-8D07-F962E1DBBC09}"/>
                 </a:ext>
               </a:extLst>
             </p:cNvPr>
@@ -5903,7 +5903,7 @@
             <p:cNvPr id="33" name="Textfeld 32">
               <a:extLst>
                 <a:ext uri="{FF2B5EF4-FFF2-40B4-BE49-F238E27FC236}">
-                  <a16:creationId xmlns:a16="http://schemas.microsoft.com/office/drawing/2014/main" id="{7FB2C589-995B-4555-A338-BF1B946E0D56}"/>
+                  <a16:creationId xmlns:a16="http://schemas.microsoft.com/office/drawing/2014/main" xmlns="" id="{7FB2C589-995B-4555-A338-BF1B946E0D56}"/>
                 </a:ext>
               </a:extLst>
             </p:cNvPr>
@@ -5957,7 +5957,7 @@
           <p:cNvPr id="34" name="Textfeld 33">
             <a:extLst>
               <a:ext uri="{FF2B5EF4-FFF2-40B4-BE49-F238E27FC236}">
-                <a16:creationId xmlns:a16="http://schemas.microsoft.com/office/drawing/2014/main" id="{BF4B2FAD-B656-4F08-B9E4-344801DB9BC4}"/>
+                <a16:creationId xmlns:a16="http://schemas.microsoft.com/office/drawing/2014/main" xmlns="" id="{BF4B2FAD-B656-4F08-B9E4-344801DB9BC4}"/>
               </a:ext>
             </a:extLst>
           </p:cNvPr>
@@ -6002,7 +6002,7 @@
           <p:cNvPr id="35" name="Textfeld 34">
             <a:extLst>
               <a:ext uri="{FF2B5EF4-FFF2-40B4-BE49-F238E27FC236}">
-                <a16:creationId xmlns:a16="http://schemas.microsoft.com/office/drawing/2014/main" id="{865E304E-5C43-45D5-9D95-071105971C78}"/>
+                <a16:creationId xmlns:a16="http://schemas.microsoft.com/office/drawing/2014/main" xmlns="" id="{865E304E-5C43-45D5-9D95-071105971C78}"/>
               </a:ext>
             </a:extLst>
           </p:cNvPr>
@@ -6047,7 +6047,7 @@
           <p:cNvPr id="36" name="Textfeld 35">
             <a:extLst>
               <a:ext uri="{FF2B5EF4-FFF2-40B4-BE49-F238E27FC236}">
-                <a16:creationId xmlns:a16="http://schemas.microsoft.com/office/drawing/2014/main" id="{607D972F-1A74-4A52-8A88-9EDC83AFC9B4}"/>
+                <a16:creationId xmlns:a16="http://schemas.microsoft.com/office/drawing/2014/main" xmlns="" id="{607D972F-1A74-4A52-8A88-9EDC83AFC9B4}"/>
               </a:ext>
             </a:extLst>
           </p:cNvPr>
@@ -6092,7 +6092,7 @@
           <p:cNvPr id="40" name="Gerader Verbinder 39">
             <a:extLst>
               <a:ext uri="{FF2B5EF4-FFF2-40B4-BE49-F238E27FC236}">
-                <a16:creationId xmlns:a16="http://schemas.microsoft.com/office/drawing/2014/main" id="{8EF695A0-2CBC-4393-A369-3119AB7B7113}"/>
+                <a16:creationId xmlns:a16="http://schemas.microsoft.com/office/drawing/2014/main" xmlns="" id="{8EF695A0-2CBC-4393-A369-3119AB7B7113}"/>
               </a:ext>
             </a:extLst>
           </p:cNvPr>
@@ -6133,7 +6133,7 @@
           <p:cNvPr id="27" name="Gerade Verbindung mit Pfeil 26">
             <a:extLst>
               <a:ext uri="{FF2B5EF4-FFF2-40B4-BE49-F238E27FC236}">
-                <a16:creationId xmlns:a16="http://schemas.microsoft.com/office/drawing/2014/main" id="{7F8DBCB3-B451-46CA-8138-8426D9998553}"/>
+                <a16:creationId xmlns:a16="http://schemas.microsoft.com/office/drawing/2014/main" xmlns="" id="{7F8DBCB3-B451-46CA-8138-8426D9998553}"/>
               </a:ext>
             </a:extLst>
           </p:cNvPr>
@@ -6176,7 +6176,7 @@
           <p:cNvPr id="37" name="Textfeld 36">
             <a:extLst>
               <a:ext uri="{FF2B5EF4-FFF2-40B4-BE49-F238E27FC236}">
-                <a16:creationId xmlns:a16="http://schemas.microsoft.com/office/drawing/2014/main" id="{9AD966CB-9CBB-4348-9AD4-A41690F519C8}"/>
+                <a16:creationId xmlns:a16="http://schemas.microsoft.com/office/drawing/2014/main" xmlns="" id="{9AD966CB-9CBB-4348-9AD4-A41690F519C8}"/>
               </a:ext>
             </a:extLst>
           </p:cNvPr>
@@ -6221,7 +6221,7 @@
           <p:cNvPr id="38" name="Gerade Verbindung mit Pfeil 37">
             <a:extLst>
               <a:ext uri="{FF2B5EF4-FFF2-40B4-BE49-F238E27FC236}">
-                <a16:creationId xmlns:a16="http://schemas.microsoft.com/office/drawing/2014/main" id="{A97DFDB0-59DD-4EED-96A1-79BD36493742}"/>
+                <a16:creationId xmlns:a16="http://schemas.microsoft.com/office/drawing/2014/main" xmlns="" id="{A97DFDB0-59DD-4EED-96A1-79BD36493742}"/>
               </a:ext>
             </a:extLst>
           </p:cNvPr>
@@ -6264,7 +6264,7 @@
           <p:cNvPr id="41" name="Textfeld 40">
             <a:extLst>
               <a:ext uri="{FF2B5EF4-FFF2-40B4-BE49-F238E27FC236}">
-                <a16:creationId xmlns:a16="http://schemas.microsoft.com/office/drawing/2014/main" id="{7F86DFD9-7A7E-41F0-9C26-CD77C1974F97}"/>
+                <a16:creationId xmlns:a16="http://schemas.microsoft.com/office/drawing/2014/main" xmlns="" id="{7F86DFD9-7A7E-41F0-9C26-CD77C1974F97}"/>
               </a:ext>
             </a:extLst>
           </p:cNvPr>
@@ -6339,7 +6339,7 @@
           <p:cNvPr id="5" name="Rechteck 4">
             <a:extLst>
               <a:ext uri="{FF2B5EF4-FFF2-40B4-BE49-F238E27FC236}">
-                <a16:creationId xmlns:a16="http://schemas.microsoft.com/office/drawing/2014/main" id="{DED36884-F986-4734-9114-90B3726D3911}"/>
+                <a16:creationId xmlns:a16="http://schemas.microsoft.com/office/drawing/2014/main" xmlns="" id="{DED36884-F986-4734-9114-90B3726D3911}"/>
               </a:ext>
             </a:extLst>
           </p:cNvPr>
@@ -6393,7 +6393,7 @@
           <p:cNvPr id="4" name="Rechteck 3">
             <a:extLst>
               <a:ext uri="{FF2B5EF4-FFF2-40B4-BE49-F238E27FC236}">
-                <a16:creationId xmlns:a16="http://schemas.microsoft.com/office/drawing/2014/main" id="{D79D1553-633E-457F-BE19-3966945D0A8F}"/>
+                <a16:creationId xmlns:a16="http://schemas.microsoft.com/office/drawing/2014/main" xmlns="" id="{D79D1553-633E-457F-BE19-3966945D0A8F}"/>
               </a:ext>
             </a:extLst>
           </p:cNvPr>
@@ -6447,7 +6447,7 @@
           <p:cNvPr id="3" name="Gerader Verbinder 2">
             <a:extLst>
               <a:ext uri="{FF2B5EF4-FFF2-40B4-BE49-F238E27FC236}">
-                <a16:creationId xmlns:a16="http://schemas.microsoft.com/office/drawing/2014/main" id="{1250052E-CE76-4C37-BCE4-97AD7A2559A4}"/>
+                <a16:creationId xmlns:a16="http://schemas.microsoft.com/office/drawing/2014/main" xmlns="" id="{1250052E-CE76-4C37-BCE4-97AD7A2559A4}"/>
               </a:ext>
             </a:extLst>
           </p:cNvPr>
@@ -6488,7 +6488,7 @@
           <p:cNvPr id="6" name="Textfeld 5">
             <a:extLst>
               <a:ext uri="{FF2B5EF4-FFF2-40B4-BE49-F238E27FC236}">
-                <a16:creationId xmlns:a16="http://schemas.microsoft.com/office/drawing/2014/main" id="{0485B196-4F97-402E-A841-7AE30AA7BFB6}"/>
+                <a16:creationId xmlns:a16="http://schemas.microsoft.com/office/drawing/2014/main" xmlns="" id="{0485B196-4F97-402E-A841-7AE30AA7BFB6}"/>
               </a:ext>
             </a:extLst>
           </p:cNvPr>
@@ -6531,7 +6531,7 @@
           <p:cNvPr id="7" name="Textfeld 6">
             <a:extLst>
               <a:ext uri="{FF2B5EF4-FFF2-40B4-BE49-F238E27FC236}">
-                <a16:creationId xmlns:a16="http://schemas.microsoft.com/office/drawing/2014/main" id="{AF80A6D4-7E54-46C5-A3C4-F3FED4910D79}"/>
+                <a16:creationId xmlns:a16="http://schemas.microsoft.com/office/drawing/2014/main" xmlns="" id="{AF80A6D4-7E54-46C5-A3C4-F3FED4910D79}"/>
               </a:ext>
             </a:extLst>
           </p:cNvPr>
@@ -6588,7 +6588,7 @@
           <p:cNvPr id="10" name="Textfeld 9">
             <a:extLst>
               <a:ext uri="{FF2B5EF4-FFF2-40B4-BE49-F238E27FC236}">
-                <a16:creationId xmlns:a16="http://schemas.microsoft.com/office/drawing/2014/main" id="{A34CE71D-182E-4919-9015-C26A760E9A73}"/>
+                <a16:creationId xmlns:a16="http://schemas.microsoft.com/office/drawing/2014/main" xmlns="" id="{A34CE71D-182E-4919-9015-C26A760E9A73}"/>
               </a:ext>
             </a:extLst>
           </p:cNvPr>
@@ -6631,7 +6631,7 @@
           <p:cNvPr id="11" name="Gerade Verbindung mit Pfeil 10">
             <a:extLst>
               <a:ext uri="{FF2B5EF4-FFF2-40B4-BE49-F238E27FC236}">
-                <a16:creationId xmlns:a16="http://schemas.microsoft.com/office/drawing/2014/main" id="{8027C559-094D-44C0-8A1C-A87E7BBB8F78}"/>
+                <a16:creationId xmlns:a16="http://schemas.microsoft.com/office/drawing/2014/main" xmlns="" id="{8027C559-094D-44C0-8A1C-A87E7BBB8F78}"/>
               </a:ext>
             </a:extLst>
           </p:cNvPr>
@@ -6673,7 +6673,7 @@
           <p:cNvPr id="12" name="Gerade Verbindung mit Pfeil 11">
             <a:extLst>
               <a:ext uri="{FF2B5EF4-FFF2-40B4-BE49-F238E27FC236}">
-                <a16:creationId xmlns:a16="http://schemas.microsoft.com/office/drawing/2014/main" id="{CEBFCD90-2926-490C-9CBE-662467F982CF}"/>
+                <a16:creationId xmlns:a16="http://schemas.microsoft.com/office/drawing/2014/main" xmlns="" id="{CEBFCD90-2926-490C-9CBE-662467F982CF}"/>
               </a:ext>
             </a:extLst>
           </p:cNvPr>
@@ -6715,7 +6715,7 @@
           <p:cNvPr id="13" name="Gerade Verbindung mit Pfeil 12">
             <a:extLst>
               <a:ext uri="{FF2B5EF4-FFF2-40B4-BE49-F238E27FC236}">
-                <a16:creationId xmlns:a16="http://schemas.microsoft.com/office/drawing/2014/main" id="{6D6F7A55-B3AC-4A6D-94D2-98A6E801C59A}"/>
+                <a16:creationId xmlns:a16="http://schemas.microsoft.com/office/drawing/2014/main" xmlns="" id="{6D6F7A55-B3AC-4A6D-94D2-98A6E801C59A}"/>
               </a:ext>
             </a:extLst>
           </p:cNvPr>
@@ -6757,7 +6757,7 @@
           <p:cNvPr id="14" name="Gerade Verbindung mit Pfeil 13">
             <a:extLst>
               <a:ext uri="{FF2B5EF4-FFF2-40B4-BE49-F238E27FC236}">
-                <a16:creationId xmlns:a16="http://schemas.microsoft.com/office/drawing/2014/main" id="{782C1408-D9EA-493E-9259-176FDF5163EC}"/>
+                <a16:creationId xmlns:a16="http://schemas.microsoft.com/office/drawing/2014/main" xmlns="" id="{782C1408-D9EA-493E-9259-176FDF5163EC}"/>
               </a:ext>
             </a:extLst>
           </p:cNvPr>
@@ -6799,7 +6799,7 @@
           <p:cNvPr id="19" name="Textfeld 18">
             <a:extLst>
               <a:ext uri="{FF2B5EF4-FFF2-40B4-BE49-F238E27FC236}">
-                <a16:creationId xmlns:a16="http://schemas.microsoft.com/office/drawing/2014/main" id="{117CFCC0-43CF-4716-8794-23A7922E2AA6}"/>
+                <a16:creationId xmlns:a16="http://schemas.microsoft.com/office/drawing/2014/main" xmlns="" id="{117CFCC0-43CF-4716-8794-23A7922E2AA6}"/>
               </a:ext>
             </a:extLst>
           </p:cNvPr>
@@ -6852,7 +6852,7 @@
           <p:cNvPr id="20" name="Textfeld 19">
             <a:extLst>
               <a:ext uri="{FF2B5EF4-FFF2-40B4-BE49-F238E27FC236}">
-                <a16:creationId xmlns:a16="http://schemas.microsoft.com/office/drawing/2014/main" id="{DEB576D0-C61B-40B3-9A2E-9E96AFACBF00}"/>
+                <a16:creationId xmlns:a16="http://schemas.microsoft.com/office/drawing/2014/main" xmlns="" id="{DEB576D0-C61B-40B3-9A2E-9E96AFACBF00}"/>
               </a:ext>
             </a:extLst>
           </p:cNvPr>
@@ -6905,7 +6905,7 @@
           <p:cNvPr id="21" name="Textfeld 20">
             <a:extLst>
               <a:ext uri="{FF2B5EF4-FFF2-40B4-BE49-F238E27FC236}">
-                <a16:creationId xmlns:a16="http://schemas.microsoft.com/office/drawing/2014/main" id="{86970C7E-C3C5-4F62-ABED-74FC8B5277E5}"/>
+                <a16:creationId xmlns:a16="http://schemas.microsoft.com/office/drawing/2014/main" xmlns="" id="{86970C7E-C3C5-4F62-ABED-74FC8B5277E5}"/>
               </a:ext>
             </a:extLst>
           </p:cNvPr>
@@ -6958,7 +6958,7 @@
           <p:cNvPr id="22" name="Textfeld 21">
             <a:extLst>
               <a:ext uri="{FF2B5EF4-FFF2-40B4-BE49-F238E27FC236}">
-                <a16:creationId xmlns:a16="http://schemas.microsoft.com/office/drawing/2014/main" id="{6A6A44E9-EF16-4E53-9EB2-C72D7C4D0168}"/>
+                <a16:creationId xmlns:a16="http://schemas.microsoft.com/office/drawing/2014/main" xmlns="" id="{6A6A44E9-EF16-4E53-9EB2-C72D7C4D0168}"/>
               </a:ext>
             </a:extLst>
           </p:cNvPr>
@@ -7011,7 +7011,7 @@
           <p:cNvPr id="2" name="Trapezoid 1">
             <a:extLst>
               <a:ext uri="{FF2B5EF4-FFF2-40B4-BE49-F238E27FC236}">
-                <a16:creationId xmlns:a16="http://schemas.microsoft.com/office/drawing/2014/main" id="{4F717245-6F2B-436C-B06F-B71C4C9B7378}"/>
+                <a16:creationId xmlns:a16="http://schemas.microsoft.com/office/drawing/2014/main" xmlns="" id="{4F717245-6F2B-436C-B06F-B71C4C9B7378}"/>
               </a:ext>
             </a:extLst>
           </p:cNvPr>
@@ -7065,7 +7065,7 @@
           <p:cNvPr id="9" name="Gerade Verbindung mit Pfeil 8">
             <a:extLst>
               <a:ext uri="{FF2B5EF4-FFF2-40B4-BE49-F238E27FC236}">
-                <a16:creationId xmlns:a16="http://schemas.microsoft.com/office/drawing/2014/main" id="{736B5B27-66CF-44DD-84A3-BD288082062C}"/>
+                <a16:creationId xmlns:a16="http://schemas.microsoft.com/office/drawing/2014/main" xmlns="" id="{736B5B27-66CF-44DD-84A3-BD288082062C}"/>
               </a:ext>
             </a:extLst>
           </p:cNvPr>
@@ -7105,7 +7105,7 @@
           <p:cNvPr id="16" name="Gerade Verbindung mit Pfeil 15">
             <a:extLst>
               <a:ext uri="{FF2B5EF4-FFF2-40B4-BE49-F238E27FC236}">
-                <a16:creationId xmlns:a16="http://schemas.microsoft.com/office/drawing/2014/main" id="{DABD9667-9DFD-4DB6-97F0-18387CAF0F38}"/>
+                <a16:creationId xmlns:a16="http://schemas.microsoft.com/office/drawing/2014/main" xmlns="" id="{DABD9667-9DFD-4DB6-97F0-18387CAF0F38}"/>
               </a:ext>
             </a:extLst>
           </p:cNvPr>
@@ -7148,7 +7148,7 @@
           <p:cNvPr id="23" name="Gerader Verbinder 22">
             <a:extLst>
               <a:ext uri="{FF2B5EF4-FFF2-40B4-BE49-F238E27FC236}">
-                <a16:creationId xmlns:a16="http://schemas.microsoft.com/office/drawing/2014/main" id="{BC0D837E-7A20-4C6C-B1AF-2C945E921F4B}"/>
+                <a16:creationId xmlns:a16="http://schemas.microsoft.com/office/drawing/2014/main" xmlns="" id="{BC0D837E-7A20-4C6C-B1AF-2C945E921F4B}"/>
               </a:ext>
             </a:extLst>
           </p:cNvPr>
@@ -7189,7 +7189,7 @@
           <p:cNvPr id="24" name="Textfeld 23">
             <a:extLst>
               <a:ext uri="{FF2B5EF4-FFF2-40B4-BE49-F238E27FC236}">
-                <a16:creationId xmlns:a16="http://schemas.microsoft.com/office/drawing/2014/main" id="{3D91693A-F571-4648-A721-AE0D77DF7B77}"/>
+                <a16:creationId xmlns:a16="http://schemas.microsoft.com/office/drawing/2014/main" xmlns="" id="{3D91693A-F571-4648-A721-AE0D77DF7B77}"/>
               </a:ext>
             </a:extLst>
           </p:cNvPr>
@@ -7198,8 +7198,8 @@
         </p:nvSpPr>
         <p:spPr>
           <a:xfrm>
-            <a:off x="5652165" y="3677638"/>
-            <a:ext cx="296777" cy="369323"/>
+            <a:off x="5580402" y="3677634"/>
+            <a:ext cx="637636" cy="369332"/>
           </a:xfrm>
           <a:prstGeom prst="rect">
             <a:avLst/>
@@ -7213,9 +7213,10 @@
           <a:lstStyle/>
           <a:p>
             <a:r>
-              <a:rPr lang="de-DE" dirty="0"/>
-              <a:t>1</a:t>
-            </a:r>
+              <a:rPr lang="de-DE" dirty="0" smtClean="0"/>
+              <a:t>0,5</a:t>
+            </a:r>
+            <a:endParaRPr lang="de-DE" dirty="0"/>
           </a:p>
         </p:txBody>
       </p:sp>
@@ -7224,7 +7225,7 @@
           <p:cNvPr id="25" name="Textfeld 24">
             <a:extLst>
               <a:ext uri="{FF2B5EF4-FFF2-40B4-BE49-F238E27FC236}">
-                <a16:creationId xmlns:a16="http://schemas.microsoft.com/office/drawing/2014/main" id="{9BE60142-237A-4092-9739-F5F8312D50B8}"/>
+                <a16:creationId xmlns:a16="http://schemas.microsoft.com/office/drawing/2014/main" xmlns="" id="{9BE60142-237A-4092-9739-F5F8312D50B8}"/>
               </a:ext>
             </a:extLst>
           </p:cNvPr>
@@ -7262,7 +7263,7 @@
           <p:cNvPr id="29" name="Gerader Verbinder 28">
             <a:extLst>
               <a:ext uri="{FF2B5EF4-FFF2-40B4-BE49-F238E27FC236}">
-                <a16:creationId xmlns:a16="http://schemas.microsoft.com/office/drawing/2014/main" id="{788316D7-337D-431C-A45A-EBA065B78F2F}"/>
+                <a16:creationId xmlns:a16="http://schemas.microsoft.com/office/drawing/2014/main" xmlns="" id="{788316D7-337D-431C-A45A-EBA065B78F2F}"/>
               </a:ext>
             </a:extLst>
           </p:cNvPr>
@@ -7303,7 +7304,7 @@
           <p:cNvPr id="30" name="Gerader Verbinder 29">
             <a:extLst>
               <a:ext uri="{FF2B5EF4-FFF2-40B4-BE49-F238E27FC236}">
-                <a16:creationId xmlns:a16="http://schemas.microsoft.com/office/drawing/2014/main" id="{F9B4F609-2AE1-4D44-AA52-2F5498C6D77E}"/>
+                <a16:creationId xmlns:a16="http://schemas.microsoft.com/office/drawing/2014/main" xmlns="" id="{F9B4F609-2AE1-4D44-AA52-2F5498C6D77E}"/>
               </a:ext>
             </a:extLst>
           </p:cNvPr>
@@ -7344,7 +7345,7 @@
           <p:cNvPr id="36" name="Gerade Verbindung mit Pfeil 35">
             <a:extLst>
               <a:ext uri="{FF2B5EF4-FFF2-40B4-BE49-F238E27FC236}">
-                <a16:creationId xmlns:a16="http://schemas.microsoft.com/office/drawing/2014/main" id="{9D32FDFD-A1DB-49AD-849D-CBD2A2539613}"/>
+                <a16:creationId xmlns:a16="http://schemas.microsoft.com/office/drawing/2014/main" xmlns="" id="{9D32FDFD-A1DB-49AD-849D-CBD2A2539613}"/>
               </a:ext>
             </a:extLst>
           </p:cNvPr>
@@ -7384,7 +7385,7 @@
           <p:cNvPr id="42" name="Textfeld 41">
             <a:extLst>
               <a:ext uri="{FF2B5EF4-FFF2-40B4-BE49-F238E27FC236}">
-                <a16:creationId xmlns:a16="http://schemas.microsoft.com/office/drawing/2014/main" id="{7493AC64-15BE-4EA6-8088-C0806EB9FD43}"/>
+                <a16:creationId xmlns:a16="http://schemas.microsoft.com/office/drawing/2014/main" xmlns="" id="{7493AC64-15BE-4EA6-8088-C0806EB9FD43}"/>
               </a:ext>
             </a:extLst>
           </p:cNvPr>
@@ -7415,6 +7416,123 @@
           </a:p>
         </p:txBody>
       </p:sp>
+      <p:sp>
+        <p:nvSpPr>
+          <p:cNvPr id="26" name="Textfeld 25">
+            <a:extLst>
+              <a:ext uri="{FF2B5EF4-FFF2-40B4-BE49-F238E27FC236}">
+                <a16:creationId xmlns:a16="http://schemas.microsoft.com/office/drawing/2014/main" xmlns="" id="{3D91693A-F571-4648-A721-AE0D77DF7B77}"/>
+              </a:ext>
+            </a:extLst>
+          </p:cNvPr>
+          <p:cNvSpPr txBox="1"/>
+          <p:nvPr/>
+        </p:nvSpPr>
+        <p:spPr>
+          <a:xfrm>
+            <a:off x="7353169" y="3677634"/>
+            <a:ext cx="637636" cy="369332"/>
+          </a:xfrm>
+          <a:prstGeom prst="rect">
+            <a:avLst/>
+          </a:prstGeom>
+          <a:noFill/>
+        </p:spPr>
+        <p:txBody>
+          <a:bodyPr wrap="square" rtlCol="0">
+            <a:spAutoFit/>
+          </a:bodyPr>
+          <a:lstStyle/>
+          <a:p>
+            <a:r>
+              <a:rPr lang="de-DE" dirty="0" smtClean="0"/>
+              <a:t>0,5</a:t>
+            </a:r>
+            <a:endParaRPr lang="de-DE" dirty="0"/>
+          </a:p>
+        </p:txBody>
+      </p:sp>
+      <p:cxnSp>
+        <p:nvCxnSpPr>
+          <p:cNvPr id="27" name="Gerade Verbindung mit Pfeil 26">
+            <a:extLst>
+              <a:ext uri="{FF2B5EF4-FFF2-40B4-BE49-F238E27FC236}">
+                <a16:creationId xmlns:a16="http://schemas.microsoft.com/office/drawing/2014/main" xmlns="" id="{736B5B27-66CF-44DD-84A3-BD288082062C}"/>
+              </a:ext>
+            </a:extLst>
+          </p:cNvPr>
+          <p:cNvCxnSpPr/>
+          <p:nvPr/>
+        </p:nvCxnSpPr>
+        <p:spPr>
+          <a:xfrm>
+            <a:off x="7353169" y="4002845"/>
+            <a:ext cx="426335" cy="0"/>
+          </a:xfrm>
+          <a:prstGeom prst="straightConnector1">
+            <a:avLst/>
+          </a:prstGeom>
+          <a:ln>
+            <a:headEnd type="triangle"/>
+            <a:tailEnd type="triangle"/>
+          </a:ln>
+        </p:spPr>
+        <p:style>
+          <a:lnRef idx="1">
+            <a:schemeClr val="accent1"/>
+          </a:lnRef>
+          <a:fillRef idx="0">
+            <a:schemeClr val="accent1"/>
+          </a:fillRef>
+          <a:effectRef idx="0">
+            <a:schemeClr val="accent1"/>
+          </a:effectRef>
+          <a:fontRef idx="minor">
+            <a:schemeClr val="tx1"/>
+          </a:fontRef>
+        </p:style>
+      </p:cxnSp>
+      <p:cxnSp>
+        <p:nvCxnSpPr>
+          <p:cNvPr id="28" name="Gerader Verbinder 27">
+            <a:extLst>
+              <a:ext uri="{FF2B5EF4-FFF2-40B4-BE49-F238E27FC236}">
+                <a16:creationId xmlns:a16="http://schemas.microsoft.com/office/drawing/2014/main" xmlns="" id="{788316D7-337D-431C-A45A-EBA065B78F2F}"/>
+              </a:ext>
+            </a:extLst>
+          </p:cNvPr>
+          <p:cNvCxnSpPr>
+            <a:cxnSpLocks/>
+          </p:cNvCxnSpPr>
+          <p:nvPr/>
+        </p:nvCxnSpPr>
+        <p:spPr>
+          <a:xfrm>
+            <a:off x="7353169" y="2004370"/>
+            <a:ext cx="0" cy="1717384"/>
+          </a:xfrm>
+          <a:prstGeom prst="line">
+            <a:avLst/>
+          </a:prstGeom>
+          <a:ln>
+            <a:prstDash val="dash"/>
+          </a:ln>
+        </p:spPr>
+        <p:style>
+          <a:lnRef idx="1">
+            <a:schemeClr val="accent1"/>
+          </a:lnRef>
+          <a:fillRef idx="0">
+            <a:schemeClr val="accent1"/>
+          </a:fillRef>
+          <a:effectRef idx="0">
+            <a:schemeClr val="accent1"/>
+          </a:effectRef>
+          <a:fontRef idx="minor">
+            <a:schemeClr val="tx1"/>
+          </a:fontRef>
+        </p:style>
+      </p:cxnSp>
     </p:spTree>
     <p:extLst>
       <p:ext uri="{BB962C8B-B14F-4D97-AF65-F5344CB8AC3E}">
@@ -7450,7 +7568,7 @@
           <p:cNvPr id="2" name="Grafik 1">
             <a:extLst>
               <a:ext uri="{FF2B5EF4-FFF2-40B4-BE49-F238E27FC236}">
-                <a16:creationId xmlns:a16="http://schemas.microsoft.com/office/drawing/2014/main" id="{9473062E-2E22-4948-8206-3652FD3AC673}"/>
+                <a16:creationId xmlns:a16="http://schemas.microsoft.com/office/drawing/2014/main" xmlns="" id="{9473062E-2E22-4948-8206-3652FD3AC673}"/>
               </a:ext>
             </a:extLst>
           </p:cNvPr>
@@ -7480,7 +7598,7 @@
           <p:cNvPr id="3" name="Textfeld 2">
             <a:extLst>
               <a:ext uri="{FF2B5EF4-FFF2-40B4-BE49-F238E27FC236}">
-                <a16:creationId xmlns:a16="http://schemas.microsoft.com/office/drawing/2014/main" id="{AB3EB1DE-D0DC-4EEE-B387-DE3332E3CAFB}"/>
+                <a16:creationId xmlns:a16="http://schemas.microsoft.com/office/drawing/2014/main" xmlns="" id="{AB3EB1DE-D0DC-4EEE-B387-DE3332E3CAFB}"/>
               </a:ext>
             </a:extLst>
           </p:cNvPr>
@@ -7519,7 +7637,7 @@
           <p:cNvPr id="4" name="Textfeld 3">
             <a:extLst>
               <a:ext uri="{FF2B5EF4-FFF2-40B4-BE49-F238E27FC236}">
-                <a16:creationId xmlns:a16="http://schemas.microsoft.com/office/drawing/2014/main" id="{C63819E1-C13F-48AC-B690-8E72BF943482}"/>
+                <a16:creationId xmlns:a16="http://schemas.microsoft.com/office/drawing/2014/main" xmlns="" id="{C63819E1-C13F-48AC-B690-8E72BF943482}"/>
               </a:ext>
             </a:extLst>
           </p:cNvPr>
@@ -7558,7 +7676,7 @@
           <p:cNvPr id="5" name="Textfeld 4">
             <a:extLst>
               <a:ext uri="{FF2B5EF4-FFF2-40B4-BE49-F238E27FC236}">
-                <a16:creationId xmlns:a16="http://schemas.microsoft.com/office/drawing/2014/main" id="{A8A013D5-1B4A-4368-AEFD-D7F753EB6A65}"/>
+                <a16:creationId xmlns:a16="http://schemas.microsoft.com/office/drawing/2014/main" xmlns="" id="{A8A013D5-1B4A-4368-AEFD-D7F753EB6A65}"/>
               </a:ext>
             </a:extLst>
           </p:cNvPr>
@@ -7597,7 +7715,7 @@
           <p:cNvPr id="6" name="Textfeld 5">
             <a:extLst>
               <a:ext uri="{FF2B5EF4-FFF2-40B4-BE49-F238E27FC236}">
-                <a16:creationId xmlns:a16="http://schemas.microsoft.com/office/drawing/2014/main" id="{281BDB18-2C18-4E49-AF4C-182F8C411AE9}"/>
+                <a16:creationId xmlns:a16="http://schemas.microsoft.com/office/drawing/2014/main" xmlns="" id="{281BDB18-2C18-4E49-AF4C-182F8C411AE9}"/>
               </a:ext>
             </a:extLst>
           </p:cNvPr>
@@ -7636,7 +7754,7 @@
           <p:cNvPr id="7" name="Textfeld 6">
             <a:extLst>
               <a:ext uri="{FF2B5EF4-FFF2-40B4-BE49-F238E27FC236}">
-                <a16:creationId xmlns:a16="http://schemas.microsoft.com/office/drawing/2014/main" id="{9897389D-EA2E-4CEF-B250-DC0A64F62AEB}"/>
+                <a16:creationId xmlns:a16="http://schemas.microsoft.com/office/drawing/2014/main" xmlns="" id="{9897389D-EA2E-4CEF-B250-DC0A64F62AEB}"/>
               </a:ext>
             </a:extLst>
           </p:cNvPr>
@@ -7675,7 +7793,7 @@
           <p:cNvPr id="8" name="Textfeld 7">
             <a:extLst>
               <a:ext uri="{FF2B5EF4-FFF2-40B4-BE49-F238E27FC236}">
-                <a16:creationId xmlns:a16="http://schemas.microsoft.com/office/drawing/2014/main" id="{EB32411D-4C6B-45CF-9AE8-B23AA21037C8}"/>
+                <a16:creationId xmlns:a16="http://schemas.microsoft.com/office/drawing/2014/main" xmlns="" id="{EB32411D-4C6B-45CF-9AE8-B23AA21037C8}"/>
               </a:ext>
             </a:extLst>
           </p:cNvPr>
@@ -7714,7 +7832,7 @@
           <p:cNvPr id="9" name="Textfeld 8">
             <a:extLst>
               <a:ext uri="{FF2B5EF4-FFF2-40B4-BE49-F238E27FC236}">
-                <a16:creationId xmlns:a16="http://schemas.microsoft.com/office/drawing/2014/main" id="{A958E9C8-D4BA-4BAB-A126-4065E1B83B17}"/>
+                <a16:creationId xmlns:a16="http://schemas.microsoft.com/office/drawing/2014/main" xmlns="" id="{A958E9C8-D4BA-4BAB-A126-4065E1B83B17}"/>
               </a:ext>
             </a:extLst>
           </p:cNvPr>
@@ -7753,7 +7871,7 @@
           <p:cNvPr id="10" name="Textfeld 9">
             <a:extLst>
               <a:ext uri="{FF2B5EF4-FFF2-40B4-BE49-F238E27FC236}">
-                <a16:creationId xmlns:a16="http://schemas.microsoft.com/office/drawing/2014/main" id="{56821859-5AED-4FA4-8511-37033E6B2DEE}"/>
+                <a16:creationId xmlns:a16="http://schemas.microsoft.com/office/drawing/2014/main" xmlns="" id="{56821859-5AED-4FA4-8511-37033E6B2DEE}"/>
               </a:ext>
             </a:extLst>
           </p:cNvPr>
@@ -7822,7 +7940,7 @@
           <p:cNvPr id="2" name="Ellipse 1">
             <a:extLst>
               <a:ext uri="{FF2B5EF4-FFF2-40B4-BE49-F238E27FC236}">
-                <a16:creationId xmlns:a16="http://schemas.microsoft.com/office/drawing/2014/main" id="{A3C97F0F-5EF9-443E-A98B-0F8166DDEC33}"/>
+                <a16:creationId xmlns:a16="http://schemas.microsoft.com/office/drawing/2014/main" xmlns="" id="{A3C97F0F-5EF9-443E-A98B-0F8166DDEC33}"/>
               </a:ext>
             </a:extLst>
           </p:cNvPr>
@@ -7875,7 +7993,7 @@
           <p:cNvPr id="4" name="Gerader Verbinder 3">
             <a:extLst>
               <a:ext uri="{FF2B5EF4-FFF2-40B4-BE49-F238E27FC236}">
-                <a16:creationId xmlns:a16="http://schemas.microsoft.com/office/drawing/2014/main" id="{792E453F-31B4-4912-AB8E-13BD6590C2F1}"/>
+                <a16:creationId xmlns:a16="http://schemas.microsoft.com/office/drawing/2014/main" xmlns="" id="{792E453F-31B4-4912-AB8E-13BD6590C2F1}"/>
               </a:ext>
             </a:extLst>
           </p:cNvPr>
@@ -7913,7 +8031,7 @@
           <p:cNvPr id="7" name="Gerade Verbindung mit Pfeil 6">
             <a:extLst>
               <a:ext uri="{FF2B5EF4-FFF2-40B4-BE49-F238E27FC236}">
-                <a16:creationId xmlns:a16="http://schemas.microsoft.com/office/drawing/2014/main" id="{8DB57880-291F-4FE4-8100-4473C538C41C}"/>
+                <a16:creationId xmlns:a16="http://schemas.microsoft.com/office/drawing/2014/main" xmlns="" id="{8DB57880-291F-4FE4-8100-4473C538C41C}"/>
               </a:ext>
             </a:extLst>
           </p:cNvPr>
@@ -7957,7 +8075,7 @@
           <p:cNvPr id="11" name="Gerader Verbinder 10">
             <a:extLst>
               <a:ext uri="{FF2B5EF4-FFF2-40B4-BE49-F238E27FC236}">
-                <a16:creationId xmlns:a16="http://schemas.microsoft.com/office/drawing/2014/main" id="{CE880E47-4248-406A-8E99-854F14807FF7}"/>
+                <a16:creationId xmlns:a16="http://schemas.microsoft.com/office/drawing/2014/main" xmlns="" id="{CE880E47-4248-406A-8E99-854F14807FF7}"/>
               </a:ext>
             </a:extLst>
           </p:cNvPr>
@@ -7995,7 +8113,7 @@
           <p:cNvPr id="18" name="Gerade Verbindung mit Pfeil 17">
             <a:extLst>
               <a:ext uri="{FF2B5EF4-FFF2-40B4-BE49-F238E27FC236}">
-                <a16:creationId xmlns:a16="http://schemas.microsoft.com/office/drawing/2014/main" id="{A0EA19DA-BC09-40E5-B0A8-52181B2C0C86}"/>
+                <a16:creationId xmlns:a16="http://schemas.microsoft.com/office/drawing/2014/main" xmlns="" id="{A0EA19DA-BC09-40E5-B0A8-52181B2C0C86}"/>
               </a:ext>
             </a:extLst>
           </p:cNvPr>
@@ -8035,7 +8153,7 @@
           <p:cNvPr id="19" name="Textfeld 18">
             <a:extLst>
               <a:ext uri="{FF2B5EF4-FFF2-40B4-BE49-F238E27FC236}">
-                <a16:creationId xmlns:a16="http://schemas.microsoft.com/office/drawing/2014/main" id="{E9B19354-B4AA-46F7-A1A7-1E3357F46439}"/>
+                <a16:creationId xmlns:a16="http://schemas.microsoft.com/office/drawing/2014/main" xmlns="" id="{E9B19354-B4AA-46F7-A1A7-1E3357F46439}"/>
               </a:ext>
             </a:extLst>
           </p:cNvPr>
@@ -8071,7 +8189,7 @@
           <p:cNvPr id="21" name="Gerade Verbindung mit Pfeil 20">
             <a:extLst>
               <a:ext uri="{FF2B5EF4-FFF2-40B4-BE49-F238E27FC236}">
-                <a16:creationId xmlns:a16="http://schemas.microsoft.com/office/drawing/2014/main" id="{76133FA3-49E5-4869-9E78-8C98E25DE382}"/>
+                <a16:creationId xmlns:a16="http://schemas.microsoft.com/office/drawing/2014/main" xmlns="" id="{76133FA3-49E5-4869-9E78-8C98E25DE382}"/>
               </a:ext>
             </a:extLst>
           </p:cNvPr>
@@ -8113,7 +8231,7 @@
           <p:cNvPr id="26" name="Textfeld 25">
             <a:extLst>
               <a:ext uri="{FF2B5EF4-FFF2-40B4-BE49-F238E27FC236}">
-                <a16:creationId xmlns:a16="http://schemas.microsoft.com/office/drawing/2014/main" id="{83F0955B-6758-40B3-84A3-CB4ABD7131AD}"/>
+                <a16:creationId xmlns:a16="http://schemas.microsoft.com/office/drawing/2014/main" xmlns="" id="{83F0955B-6758-40B3-84A3-CB4ABD7131AD}"/>
               </a:ext>
             </a:extLst>
           </p:cNvPr>
@@ -8148,7 +8266,7 @@
           <p:cNvPr id="27" name="Textfeld 26">
             <a:extLst>
               <a:ext uri="{FF2B5EF4-FFF2-40B4-BE49-F238E27FC236}">
-                <a16:creationId xmlns:a16="http://schemas.microsoft.com/office/drawing/2014/main" id="{053DF975-3AA2-4279-82D6-F8980B14928F}"/>
+                <a16:creationId xmlns:a16="http://schemas.microsoft.com/office/drawing/2014/main" xmlns="" id="{053DF975-3AA2-4279-82D6-F8980B14928F}"/>
               </a:ext>
             </a:extLst>
           </p:cNvPr>

--- a/Grafiken.pptx
+++ b/Grafiken.pptx
@@ -12,6 +12,10 @@
     <p:sldId id="260" r:id="rId6"/>
     <p:sldId id="261" r:id="rId7"/>
     <p:sldId id="262" r:id="rId8"/>
+    <p:sldId id="263" r:id="rId9"/>
+    <p:sldId id="264" r:id="rId10"/>
+    <p:sldId id="265" r:id="rId11"/>
+    <p:sldId id="266" r:id="rId12"/>
   </p:sldIdLst>
   <p:sldSz cx="12192000" cy="6858000"/>
   <p:notesSz cx="6858000" cy="9144000"/>
@@ -140,7 +144,7 @@
           <p:cNvPr id="2" name="Titel 1">
             <a:extLst>
               <a:ext uri="{FF2B5EF4-FFF2-40B4-BE49-F238E27FC236}">
-                <a16:creationId xmlns:a16="http://schemas.microsoft.com/office/drawing/2014/main" xmlns="" id="{D054F791-FDFE-45DB-A5DE-2DF1BE92F85B}"/>
+                <a16:creationId xmlns:a16="http://schemas.microsoft.com/office/drawing/2014/main" id="{D054F791-FDFE-45DB-A5DE-2DF1BE92F85B}"/>
               </a:ext>
             </a:extLst>
           </p:cNvPr>
@@ -177,7 +181,7 @@
           <p:cNvPr id="3" name="Untertitel 2">
             <a:extLst>
               <a:ext uri="{FF2B5EF4-FFF2-40B4-BE49-F238E27FC236}">
-                <a16:creationId xmlns:a16="http://schemas.microsoft.com/office/drawing/2014/main" xmlns="" id="{D9FC3CB6-D780-473A-92CE-B73F3B67D2C5}"/>
+                <a16:creationId xmlns:a16="http://schemas.microsoft.com/office/drawing/2014/main" id="{D9FC3CB6-D780-473A-92CE-B73F3B67D2C5}"/>
               </a:ext>
             </a:extLst>
           </p:cNvPr>
@@ -247,7 +251,7 @@
           <p:cNvPr id="4" name="Datumsplatzhalter 3">
             <a:extLst>
               <a:ext uri="{FF2B5EF4-FFF2-40B4-BE49-F238E27FC236}">
-                <a16:creationId xmlns:a16="http://schemas.microsoft.com/office/drawing/2014/main" xmlns="" id="{DA340506-398A-4D8D-BAA1-5A36402E7936}"/>
+                <a16:creationId xmlns:a16="http://schemas.microsoft.com/office/drawing/2014/main" id="{DA340506-398A-4D8D-BAA1-5A36402E7936}"/>
               </a:ext>
             </a:extLst>
           </p:cNvPr>
@@ -265,7 +269,7 @@
           <a:p>
             <a:fld id="{1A473A71-948F-4AE8-AF79-80443CCFF2D0}" type="datetimeFigureOut">
               <a:rPr lang="de-DE" smtClean="0"/>
-              <a:t>17.02.2020</a:t>
+              <a:t>26.02.2020</a:t>
             </a:fld>
             <a:endParaRPr lang="de-DE"/>
           </a:p>
@@ -276,7 +280,7 @@
           <p:cNvPr id="5" name="Fußzeilenplatzhalter 4">
             <a:extLst>
               <a:ext uri="{FF2B5EF4-FFF2-40B4-BE49-F238E27FC236}">
-                <a16:creationId xmlns:a16="http://schemas.microsoft.com/office/drawing/2014/main" xmlns="" id="{B089376D-1E61-4121-BCEF-8BA3EB26D315}"/>
+                <a16:creationId xmlns:a16="http://schemas.microsoft.com/office/drawing/2014/main" id="{B089376D-1E61-4121-BCEF-8BA3EB26D315}"/>
               </a:ext>
             </a:extLst>
           </p:cNvPr>
@@ -301,7 +305,7 @@
           <p:cNvPr id="6" name="Foliennummernplatzhalter 5">
             <a:extLst>
               <a:ext uri="{FF2B5EF4-FFF2-40B4-BE49-F238E27FC236}">
-                <a16:creationId xmlns:a16="http://schemas.microsoft.com/office/drawing/2014/main" xmlns="" id="{02DB40F9-3A50-466C-A042-FE8C85D5930A}"/>
+                <a16:creationId xmlns:a16="http://schemas.microsoft.com/office/drawing/2014/main" id="{02DB40F9-3A50-466C-A042-FE8C85D5930A}"/>
               </a:ext>
             </a:extLst>
           </p:cNvPr>
@@ -360,7 +364,7 @@
           <p:cNvPr id="2" name="Titel 1">
             <a:extLst>
               <a:ext uri="{FF2B5EF4-FFF2-40B4-BE49-F238E27FC236}">
-                <a16:creationId xmlns:a16="http://schemas.microsoft.com/office/drawing/2014/main" xmlns="" id="{75B0AD80-83E0-420E-A62C-6DFA28296E84}"/>
+                <a16:creationId xmlns:a16="http://schemas.microsoft.com/office/drawing/2014/main" id="{75B0AD80-83E0-420E-A62C-6DFA28296E84}"/>
               </a:ext>
             </a:extLst>
           </p:cNvPr>
@@ -388,7 +392,7 @@
           <p:cNvPr id="3" name="Vertikaler Textplatzhalter 2">
             <a:extLst>
               <a:ext uri="{FF2B5EF4-FFF2-40B4-BE49-F238E27FC236}">
-                <a16:creationId xmlns:a16="http://schemas.microsoft.com/office/drawing/2014/main" xmlns="" id="{90A2EC08-344C-424E-8783-267C36556823}"/>
+                <a16:creationId xmlns:a16="http://schemas.microsoft.com/office/drawing/2014/main" id="{90A2EC08-344C-424E-8783-267C36556823}"/>
               </a:ext>
             </a:extLst>
           </p:cNvPr>
@@ -445,7 +449,7 @@
           <p:cNvPr id="4" name="Datumsplatzhalter 3">
             <a:extLst>
               <a:ext uri="{FF2B5EF4-FFF2-40B4-BE49-F238E27FC236}">
-                <a16:creationId xmlns:a16="http://schemas.microsoft.com/office/drawing/2014/main" xmlns="" id="{128EC0FC-B775-4FA6-B4D8-9489D5BB93EC}"/>
+                <a16:creationId xmlns:a16="http://schemas.microsoft.com/office/drawing/2014/main" id="{128EC0FC-B775-4FA6-B4D8-9489D5BB93EC}"/>
               </a:ext>
             </a:extLst>
           </p:cNvPr>
@@ -463,7 +467,7 @@
           <a:p>
             <a:fld id="{1A473A71-948F-4AE8-AF79-80443CCFF2D0}" type="datetimeFigureOut">
               <a:rPr lang="de-DE" smtClean="0"/>
-              <a:t>17.02.2020</a:t>
+              <a:t>26.02.2020</a:t>
             </a:fld>
             <a:endParaRPr lang="de-DE"/>
           </a:p>
@@ -474,7 +478,7 @@
           <p:cNvPr id="5" name="Fußzeilenplatzhalter 4">
             <a:extLst>
               <a:ext uri="{FF2B5EF4-FFF2-40B4-BE49-F238E27FC236}">
-                <a16:creationId xmlns:a16="http://schemas.microsoft.com/office/drawing/2014/main" xmlns="" id="{412C3EAE-4FE4-4720-8D6E-F6816C8F304A}"/>
+                <a16:creationId xmlns:a16="http://schemas.microsoft.com/office/drawing/2014/main" id="{412C3EAE-4FE4-4720-8D6E-F6816C8F304A}"/>
               </a:ext>
             </a:extLst>
           </p:cNvPr>
@@ -499,7 +503,7 @@
           <p:cNvPr id="6" name="Foliennummernplatzhalter 5">
             <a:extLst>
               <a:ext uri="{FF2B5EF4-FFF2-40B4-BE49-F238E27FC236}">
-                <a16:creationId xmlns:a16="http://schemas.microsoft.com/office/drawing/2014/main" xmlns="" id="{6E23C3DA-410C-46C9-A48F-2F369138076C}"/>
+                <a16:creationId xmlns:a16="http://schemas.microsoft.com/office/drawing/2014/main" id="{6E23C3DA-410C-46C9-A48F-2F369138076C}"/>
               </a:ext>
             </a:extLst>
           </p:cNvPr>
@@ -558,7 +562,7 @@
           <p:cNvPr id="2" name="Vertikaler Titel 1">
             <a:extLst>
               <a:ext uri="{FF2B5EF4-FFF2-40B4-BE49-F238E27FC236}">
-                <a16:creationId xmlns:a16="http://schemas.microsoft.com/office/drawing/2014/main" xmlns="" id="{779DABB7-23CD-44DC-ADD7-FC700BA1902C}"/>
+                <a16:creationId xmlns:a16="http://schemas.microsoft.com/office/drawing/2014/main" id="{779DABB7-23CD-44DC-ADD7-FC700BA1902C}"/>
               </a:ext>
             </a:extLst>
           </p:cNvPr>
@@ -591,7 +595,7 @@
           <p:cNvPr id="3" name="Vertikaler Textplatzhalter 2">
             <a:extLst>
               <a:ext uri="{FF2B5EF4-FFF2-40B4-BE49-F238E27FC236}">
-                <a16:creationId xmlns:a16="http://schemas.microsoft.com/office/drawing/2014/main" xmlns="" id="{6C706723-6E5E-40B8-8F65-A3D2B7A8F634}"/>
+                <a16:creationId xmlns:a16="http://schemas.microsoft.com/office/drawing/2014/main" id="{6C706723-6E5E-40B8-8F65-A3D2B7A8F634}"/>
               </a:ext>
             </a:extLst>
           </p:cNvPr>
@@ -653,7 +657,7 @@
           <p:cNvPr id="4" name="Datumsplatzhalter 3">
             <a:extLst>
               <a:ext uri="{FF2B5EF4-FFF2-40B4-BE49-F238E27FC236}">
-                <a16:creationId xmlns:a16="http://schemas.microsoft.com/office/drawing/2014/main" xmlns="" id="{BC131E27-F41D-46A6-9C91-2D95E382E465}"/>
+                <a16:creationId xmlns:a16="http://schemas.microsoft.com/office/drawing/2014/main" id="{BC131E27-F41D-46A6-9C91-2D95E382E465}"/>
               </a:ext>
             </a:extLst>
           </p:cNvPr>
@@ -671,7 +675,7 @@
           <a:p>
             <a:fld id="{1A473A71-948F-4AE8-AF79-80443CCFF2D0}" type="datetimeFigureOut">
               <a:rPr lang="de-DE" smtClean="0"/>
-              <a:t>17.02.2020</a:t>
+              <a:t>26.02.2020</a:t>
             </a:fld>
             <a:endParaRPr lang="de-DE"/>
           </a:p>
@@ -682,7 +686,7 @@
           <p:cNvPr id="5" name="Fußzeilenplatzhalter 4">
             <a:extLst>
               <a:ext uri="{FF2B5EF4-FFF2-40B4-BE49-F238E27FC236}">
-                <a16:creationId xmlns:a16="http://schemas.microsoft.com/office/drawing/2014/main" xmlns="" id="{3EFC22C0-4A3F-48ED-AD9A-CCB249315EBC}"/>
+                <a16:creationId xmlns:a16="http://schemas.microsoft.com/office/drawing/2014/main" id="{3EFC22C0-4A3F-48ED-AD9A-CCB249315EBC}"/>
               </a:ext>
             </a:extLst>
           </p:cNvPr>
@@ -707,7 +711,7 @@
           <p:cNvPr id="6" name="Foliennummernplatzhalter 5">
             <a:extLst>
               <a:ext uri="{FF2B5EF4-FFF2-40B4-BE49-F238E27FC236}">
-                <a16:creationId xmlns:a16="http://schemas.microsoft.com/office/drawing/2014/main" xmlns="" id="{B154A3F9-67AB-4278-915D-7D40AD5497AB}"/>
+                <a16:creationId xmlns:a16="http://schemas.microsoft.com/office/drawing/2014/main" id="{B154A3F9-67AB-4278-915D-7D40AD5497AB}"/>
               </a:ext>
             </a:extLst>
           </p:cNvPr>
@@ -766,7 +770,7 @@
           <p:cNvPr id="2" name="Titel 1">
             <a:extLst>
               <a:ext uri="{FF2B5EF4-FFF2-40B4-BE49-F238E27FC236}">
-                <a16:creationId xmlns:a16="http://schemas.microsoft.com/office/drawing/2014/main" xmlns="" id="{194CD684-B8F5-462F-96F1-A1A2EAA93923}"/>
+                <a16:creationId xmlns:a16="http://schemas.microsoft.com/office/drawing/2014/main" id="{194CD684-B8F5-462F-96F1-A1A2EAA93923}"/>
               </a:ext>
             </a:extLst>
           </p:cNvPr>
@@ -794,7 +798,7 @@
           <p:cNvPr id="3" name="Inhaltsplatzhalter 2">
             <a:extLst>
               <a:ext uri="{FF2B5EF4-FFF2-40B4-BE49-F238E27FC236}">
-                <a16:creationId xmlns:a16="http://schemas.microsoft.com/office/drawing/2014/main" xmlns="" id="{2DE009A3-ADC6-4368-BF82-51F6A918072A}"/>
+                <a16:creationId xmlns:a16="http://schemas.microsoft.com/office/drawing/2014/main" id="{2DE009A3-ADC6-4368-BF82-51F6A918072A}"/>
               </a:ext>
             </a:extLst>
           </p:cNvPr>
@@ -851,7 +855,7 @@
           <p:cNvPr id="4" name="Datumsplatzhalter 3">
             <a:extLst>
               <a:ext uri="{FF2B5EF4-FFF2-40B4-BE49-F238E27FC236}">
-                <a16:creationId xmlns:a16="http://schemas.microsoft.com/office/drawing/2014/main" xmlns="" id="{EAA3C83C-1905-4AD8-9072-1E614DFF010C}"/>
+                <a16:creationId xmlns:a16="http://schemas.microsoft.com/office/drawing/2014/main" id="{EAA3C83C-1905-4AD8-9072-1E614DFF010C}"/>
               </a:ext>
             </a:extLst>
           </p:cNvPr>
@@ -869,7 +873,7 @@
           <a:p>
             <a:fld id="{1A473A71-948F-4AE8-AF79-80443CCFF2D0}" type="datetimeFigureOut">
               <a:rPr lang="de-DE" smtClean="0"/>
-              <a:t>17.02.2020</a:t>
+              <a:t>26.02.2020</a:t>
             </a:fld>
             <a:endParaRPr lang="de-DE"/>
           </a:p>
@@ -880,7 +884,7 @@
           <p:cNvPr id="5" name="Fußzeilenplatzhalter 4">
             <a:extLst>
               <a:ext uri="{FF2B5EF4-FFF2-40B4-BE49-F238E27FC236}">
-                <a16:creationId xmlns:a16="http://schemas.microsoft.com/office/drawing/2014/main" xmlns="" id="{74668DA4-1006-40BE-BF4B-64122EDAAEB2}"/>
+                <a16:creationId xmlns:a16="http://schemas.microsoft.com/office/drawing/2014/main" id="{74668DA4-1006-40BE-BF4B-64122EDAAEB2}"/>
               </a:ext>
             </a:extLst>
           </p:cNvPr>
@@ -905,7 +909,7 @@
           <p:cNvPr id="6" name="Foliennummernplatzhalter 5">
             <a:extLst>
               <a:ext uri="{FF2B5EF4-FFF2-40B4-BE49-F238E27FC236}">
-                <a16:creationId xmlns:a16="http://schemas.microsoft.com/office/drawing/2014/main" xmlns="" id="{77E97918-B9C7-48AF-B834-C298722702AD}"/>
+                <a16:creationId xmlns:a16="http://schemas.microsoft.com/office/drawing/2014/main" id="{77E97918-B9C7-48AF-B834-C298722702AD}"/>
               </a:ext>
             </a:extLst>
           </p:cNvPr>
@@ -964,7 +968,7 @@
           <p:cNvPr id="2" name="Titel 1">
             <a:extLst>
               <a:ext uri="{FF2B5EF4-FFF2-40B4-BE49-F238E27FC236}">
-                <a16:creationId xmlns:a16="http://schemas.microsoft.com/office/drawing/2014/main" xmlns="" id="{7BCE8A32-E9B6-4971-BA75-BC23D626AF9F}"/>
+                <a16:creationId xmlns:a16="http://schemas.microsoft.com/office/drawing/2014/main" id="{7BCE8A32-E9B6-4971-BA75-BC23D626AF9F}"/>
               </a:ext>
             </a:extLst>
           </p:cNvPr>
@@ -1001,7 +1005,7 @@
           <p:cNvPr id="3" name="Textplatzhalter 2">
             <a:extLst>
               <a:ext uri="{FF2B5EF4-FFF2-40B4-BE49-F238E27FC236}">
-                <a16:creationId xmlns:a16="http://schemas.microsoft.com/office/drawing/2014/main" xmlns="" id="{895911F2-3387-48CF-AF52-DE28FF068F6D}"/>
+                <a16:creationId xmlns:a16="http://schemas.microsoft.com/office/drawing/2014/main" id="{895911F2-3387-48CF-AF52-DE28FF068F6D}"/>
               </a:ext>
             </a:extLst>
           </p:cNvPr>
@@ -1126,7 +1130,7 @@
           <p:cNvPr id="4" name="Datumsplatzhalter 3">
             <a:extLst>
               <a:ext uri="{FF2B5EF4-FFF2-40B4-BE49-F238E27FC236}">
-                <a16:creationId xmlns:a16="http://schemas.microsoft.com/office/drawing/2014/main" xmlns="" id="{793E7EFC-478E-489A-88D5-2912B680477B}"/>
+                <a16:creationId xmlns:a16="http://schemas.microsoft.com/office/drawing/2014/main" id="{793E7EFC-478E-489A-88D5-2912B680477B}"/>
               </a:ext>
             </a:extLst>
           </p:cNvPr>
@@ -1144,7 +1148,7 @@
           <a:p>
             <a:fld id="{1A473A71-948F-4AE8-AF79-80443CCFF2D0}" type="datetimeFigureOut">
               <a:rPr lang="de-DE" smtClean="0"/>
-              <a:t>17.02.2020</a:t>
+              <a:t>26.02.2020</a:t>
             </a:fld>
             <a:endParaRPr lang="de-DE"/>
           </a:p>
@@ -1155,7 +1159,7 @@
           <p:cNvPr id="5" name="Fußzeilenplatzhalter 4">
             <a:extLst>
               <a:ext uri="{FF2B5EF4-FFF2-40B4-BE49-F238E27FC236}">
-                <a16:creationId xmlns:a16="http://schemas.microsoft.com/office/drawing/2014/main" xmlns="" id="{4201F9E8-FA45-4869-9C2C-20D7B1DA9711}"/>
+                <a16:creationId xmlns:a16="http://schemas.microsoft.com/office/drawing/2014/main" id="{4201F9E8-FA45-4869-9C2C-20D7B1DA9711}"/>
               </a:ext>
             </a:extLst>
           </p:cNvPr>
@@ -1180,7 +1184,7 @@
           <p:cNvPr id="6" name="Foliennummernplatzhalter 5">
             <a:extLst>
               <a:ext uri="{FF2B5EF4-FFF2-40B4-BE49-F238E27FC236}">
-                <a16:creationId xmlns:a16="http://schemas.microsoft.com/office/drawing/2014/main" xmlns="" id="{ECDB6699-79D1-4E45-A973-543AE972A0CB}"/>
+                <a16:creationId xmlns:a16="http://schemas.microsoft.com/office/drawing/2014/main" id="{ECDB6699-79D1-4E45-A973-543AE972A0CB}"/>
               </a:ext>
             </a:extLst>
           </p:cNvPr>
@@ -1239,7 +1243,7 @@
           <p:cNvPr id="2" name="Titel 1">
             <a:extLst>
               <a:ext uri="{FF2B5EF4-FFF2-40B4-BE49-F238E27FC236}">
-                <a16:creationId xmlns:a16="http://schemas.microsoft.com/office/drawing/2014/main" xmlns="" id="{5D1E23C8-25D1-4AD9-889E-C2CD479166C3}"/>
+                <a16:creationId xmlns:a16="http://schemas.microsoft.com/office/drawing/2014/main" id="{5D1E23C8-25D1-4AD9-889E-C2CD479166C3}"/>
               </a:ext>
             </a:extLst>
           </p:cNvPr>
@@ -1267,7 +1271,7 @@
           <p:cNvPr id="3" name="Inhaltsplatzhalter 2">
             <a:extLst>
               <a:ext uri="{FF2B5EF4-FFF2-40B4-BE49-F238E27FC236}">
-                <a16:creationId xmlns:a16="http://schemas.microsoft.com/office/drawing/2014/main" xmlns="" id="{7D059B41-7381-4263-9356-D85F4790208B}"/>
+                <a16:creationId xmlns:a16="http://schemas.microsoft.com/office/drawing/2014/main" id="{7D059B41-7381-4263-9356-D85F4790208B}"/>
               </a:ext>
             </a:extLst>
           </p:cNvPr>
@@ -1329,7 +1333,7 @@
           <p:cNvPr id="4" name="Inhaltsplatzhalter 3">
             <a:extLst>
               <a:ext uri="{FF2B5EF4-FFF2-40B4-BE49-F238E27FC236}">
-                <a16:creationId xmlns:a16="http://schemas.microsoft.com/office/drawing/2014/main" xmlns="" id="{FCF7CF5D-582B-45C7-9CF2-C0A89E49F53D}"/>
+                <a16:creationId xmlns:a16="http://schemas.microsoft.com/office/drawing/2014/main" id="{FCF7CF5D-582B-45C7-9CF2-C0A89E49F53D}"/>
               </a:ext>
             </a:extLst>
           </p:cNvPr>
@@ -1391,7 +1395,7 @@
           <p:cNvPr id="5" name="Datumsplatzhalter 4">
             <a:extLst>
               <a:ext uri="{FF2B5EF4-FFF2-40B4-BE49-F238E27FC236}">
-                <a16:creationId xmlns:a16="http://schemas.microsoft.com/office/drawing/2014/main" xmlns="" id="{0FCD61F8-DB42-4D35-A733-C809867FE96A}"/>
+                <a16:creationId xmlns:a16="http://schemas.microsoft.com/office/drawing/2014/main" id="{0FCD61F8-DB42-4D35-A733-C809867FE96A}"/>
               </a:ext>
             </a:extLst>
           </p:cNvPr>
@@ -1409,7 +1413,7 @@
           <a:p>
             <a:fld id="{1A473A71-948F-4AE8-AF79-80443CCFF2D0}" type="datetimeFigureOut">
               <a:rPr lang="de-DE" smtClean="0"/>
-              <a:t>17.02.2020</a:t>
+              <a:t>26.02.2020</a:t>
             </a:fld>
             <a:endParaRPr lang="de-DE"/>
           </a:p>
@@ -1420,7 +1424,7 @@
           <p:cNvPr id="6" name="Fußzeilenplatzhalter 5">
             <a:extLst>
               <a:ext uri="{FF2B5EF4-FFF2-40B4-BE49-F238E27FC236}">
-                <a16:creationId xmlns:a16="http://schemas.microsoft.com/office/drawing/2014/main" xmlns="" id="{75289BAC-A270-4992-89AF-C651CFF52F74}"/>
+                <a16:creationId xmlns:a16="http://schemas.microsoft.com/office/drawing/2014/main" id="{75289BAC-A270-4992-89AF-C651CFF52F74}"/>
               </a:ext>
             </a:extLst>
           </p:cNvPr>
@@ -1445,7 +1449,7 @@
           <p:cNvPr id="7" name="Foliennummernplatzhalter 6">
             <a:extLst>
               <a:ext uri="{FF2B5EF4-FFF2-40B4-BE49-F238E27FC236}">
-                <a16:creationId xmlns:a16="http://schemas.microsoft.com/office/drawing/2014/main" xmlns="" id="{76F233E0-21AA-4E86-AFF4-50FF420F34F9}"/>
+                <a16:creationId xmlns:a16="http://schemas.microsoft.com/office/drawing/2014/main" id="{76F233E0-21AA-4E86-AFF4-50FF420F34F9}"/>
               </a:ext>
             </a:extLst>
           </p:cNvPr>
@@ -1504,7 +1508,7 @@
           <p:cNvPr id="2" name="Titel 1">
             <a:extLst>
               <a:ext uri="{FF2B5EF4-FFF2-40B4-BE49-F238E27FC236}">
-                <a16:creationId xmlns:a16="http://schemas.microsoft.com/office/drawing/2014/main" xmlns="" id="{6B2AA633-88E7-4EE3-A2AB-512F8DA217E7}"/>
+                <a16:creationId xmlns:a16="http://schemas.microsoft.com/office/drawing/2014/main" id="{6B2AA633-88E7-4EE3-A2AB-512F8DA217E7}"/>
               </a:ext>
             </a:extLst>
           </p:cNvPr>
@@ -1537,7 +1541,7 @@
           <p:cNvPr id="3" name="Textplatzhalter 2">
             <a:extLst>
               <a:ext uri="{FF2B5EF4-FFF2-40B4-BE49-F238E27FC236}">
-                <a16:creationId xmlns:a16="http://schemas.microsoft.com/office/drawing/2014/main" xmlns="" id="{70C41C20-4431-40FE-B7B2-903A1E378899}"/>
+                <a16:creationId xmlns:a16="http://schemas.microsoft.com/office/drawing/2014/main" id="{70C41C20-4431-40FE-B7B2-903A1E378899}"/>
               </a:ext>
             </a:extLst>
           </p:cNvPr>
@@ -1608,7 +1612,7 @@
           <p:cNvPr id="4" name="Inhaltsplatzhalter 3">
             <a:extLst>
               <a:ext uri="{FF2B5EF4-FFF2-40B4-BE49-F238E27FC236}">
-                <a16:creationId xmlns:a16="http://schemas.microsoft.com/office/drawing/2014/main" xmlns="" id="{26EA8628-3D90-43BC-B92A-3EA8EE72F2A1}"/>
+                <a16:creationId xmlns:a16="http://schemas.microsoft.com/office/drawing/2014/main" id="{26EA8628-3D90-43BC-B92A-3EA8EE72F2A1}"/>
               </a:ext>
             </a:extLst>
           </p:cNvPr>
@@ -1670,7 +1674,7 @@
           <p:cNvPr id="5" name="Textplatzhalter 4">
             <a:extLst>
               <a:ext uri="{FF2B5EF4-FFF2-40B4-BE49-F238E27FC236}">
-                <a16:creationId xmlns:a16="http://schemas.microsoft.com/office/drawing/2014/main" xmlns="" id="{3D75AA0A-6638-41B2-9FE4-6928963B9230}"/>
+                <a16:creationId xmlns:a16="http://schemas.microsoft.com/office/drawing/2014/main" id="{3D75AA0A-6638-41B2-9FE4-6928963B9230}"/>
               </a:ext>
             </a:extLst>
           </p:cNvPr>
@@ -1741,7 +1745,7 @@
           <p:cNvPr id="6" name="Inhaltsplatzhalter 5">
             <a:extLst>
               <a:ext uri="{FF2B5EF4-FFF2-40B4-BE49-F238E27FC236}">
-                <a16:creationId xmlns:a16="http://schemas.microsoft.com/office/drawing/2014/main" xmlns="" id="{1C195763-A791-4A96-BEFD-614CD541D847}"/>
+                <a16:creationId xmlns:a16="http://schemas.microsoft.com/office/drawing/2014/main" id="{1C195763-A791-4A96-BEFD-614CD541D847}"/>
               </a:ext>
             </a:extLst>
           </p:cNvPr>
@@ -1803,7 +1807,7 @@
           <p:cNvPr id="7" name="Datumsplatzhalter 6">
             <a:extLst>
               <a:ext uri="{FF2B5EF4-FFF2-40B4-BE49-F238E27FC236}">
-                <a16:creationId xmlns:a16="http://schemas.microsoft.com/office/drawing/2014/main" xmlns="" id="{6BAF1489-546D-4A63-AD49-2BF65852FCE3}"/>
+                <a16:creationId xmlns:a16="http://schemas.microsoft.com/office/drawing/2014/main" id="{6BAF1489-546D-4A63-AD49-2BF65852FCE3}"/>
               </a:ext>
             </a:extLst>
           </p:cNvPr>
@@ -1821,7 +1825,7 @@
           <a:p>
             <a:fld id="{1A473A71-948F-4AE8-AF79-80443CCFF2D0}" type="datetimeFigureOut">
               <a:rPr lang="de-DE" smtClean="0"/>
-              <a:t>17.02.2020</a:t>
+              <a:t>26.02.2020</a:t>
             </a:fld>
             <a:endParaRPr lang="de-DE"/>
           </a:p>
@@ -1832,7 +1836,7 @@
           <p:cNvPr id="8" name="Fußzeilenplatzhalter 7">
             <a:extLst>
               <a:ext uri="{FF2B5EF4-FFF2-40B4-BE49-F238E27FC236}">
-                <a16:creationId xmlns:a16="http://schemas.microsoft.com/office/drawing/2014/main" xmlns="" id="{B899682B-977D-40D0-ACCB-728613E4AADF}"/>
+                <a16:creationId xmlns:a16="http://schemas.microsoft.com/office/drawing/2014/main" id="{B899682B-977D-40D0-ACCB-728613E4AADF}"/>
               </a:ext>
             </a:extLst>
           </p:cNvPr>
@@ -1857,7 +1861,7 @@
           <p:cNvPr id="9" name="Foliennummernplatzhalter 8">
             <a:extLst>
               <a:ext uri="{FF2B5EF4-FFF2-40B4-BE49-F238E27FC236}">
-                <a16:creationId xmlns:a16="http://schemas.microsoft.com/office/drawing/2014/main" xmlns="" id="{897B2334-EC81-46CD-ACE5-583C635F813E}"/>
+                <a16:creationId xmlns:a16="http://schemas.microsoft.com/office/drawing/2014/main" id="{897B2334-EC81-46CD-ACE5-583C635F813E}"/>
               </a:ext>
             </a:extLst>
           </p:cNvPr>
@@ -1916,7 +1920,7 @@
           <p:cNvPr id="2" name="Titel 1">
             <a:extLst>
               <a:ext uri="{FF2B5EF4-FFF2-40B4-BE49-F238E27FC236}">
-                <a16:creationId xmlns:a16="http://schemas.microsoft.com/office/drawing/2014/main" xmlns="" id="{60BFEE5B-1FFB-4DEE-9D07-BA63A5C16C1A}"/>
+                <a16:creationId xmlns:a16="http://schemas.microsoft.com/office/drawing/2014/main" id="{60BFEE5B-1FFB-4DEE-9D07-BA63A5C16C1A}"/>
               </a:ext>
             </a:extLst>
           </p:cNvPr>
@@ -1944,7 +1948,7 @@
           <p:cNvPr id="3" name="Datumsplatzhalter 2">
             <a:extLst>
               <a:ext uri="{FF2B5EF4-FFF2-40B4-BE49-F238E27FC236}">
-                <a16:creationId xmlns:a16="http://schemas.microsoft.com/office/drawing/2014/main" xmlns="" id="{D2AEF728-552C-4928-81E0-4F9AED16A550}"/>
+                <a16:creationId xmlns:a16="http://schemas.microsoft.com/office/drawing/2014/main" id="{D2AEF728-552C-4928-81E0-4F9AED16A550}"/>
               </a:ext>
             </a:extLst>
           </p:cNvPr>
@@ -1962,7 +1966,7 @@
           <a:p>
             <a:fld id="{1A473A71-948F-4AE8-AF79-80443CCFF2D0}" type="datetimeFigureOut">
               <a:rPr lang="de-DE" smtClean="0"/>
-              <a:t>17.02.2020</a:t>
+              <a:t>26.02.2020</a:t>
             </a:fld>
             <a:endParaRPr lang="de-DE"/>
           </a:p>
@@ -1973,7 +1977,7 @@
           <p:cNvPr id="4" name="Fußzeilenplatzhalter 3">
             <a:extLst>
               <a:ext uri="{FF2B5EF4-FFF2-40B4-BE49-F238E27FC236}">
-                <a16:creationId xmlns:a16="http://schemas.microsoft.com/office/drawing/2014/main" xmlns="" id="{F983B56B-F4E5-4E71-9029-520CE42309AB}"/>
+                <a16:creationId xmlns:a16="http://schemas.microsoft.com/office/drawing/2014/main" id="{F983B56B-F4E5-4E71-9029-520CE42309AB}"/>
               </a:ext>
             </a:extLst>
           </p:cNvPr>
@@ -1998,7 +2002,7 @@
           <p:cNvPr id="5" name="Foliennummernplatzhalter 4">
             <a:extLst>
               <a:ext uri="{FF2B5EF4-FFF2-40B4-BE49-F238E27FC236}">
-                <a16:creationId xmlns:a16="http://schemas.microsoft.com/office/drawing/2014/main" xmlns="" id="{81BCA93A-DF00-45A9-BE1A-84ABDAEAFF5A}"/>
+                <a16:creationId xmlns:a16="http://schemas.microsoft.com/office/drawing/2014/main" id="{81BCA93A-DF00-45A9-BE1A-84ABDAEAFF5A}"/>
               </a:ext>
             </a:extLst>
           </p:cNvPr>
@@ -2057,7 +2061,7 @@
           <p:cNvPr id="2" name="Datumsplatzhalter 1">
             <a:extLst>
               <a:ext uri="{FF2B5EF4-FFF2-40B4-BE49-F238E27FC236}">
-                <a16:creationId xmlns:a16="http://schemas.microsoft.com/office/drawing/2014/main" xmlns="" id="{0E104438-7910-4513-A4FD-9E4590306EC8}"/>
+                <a16:creationId xmlns:a16="http://schemas.microsoft.com/office/drawing/2014/main" id="{0E104438-7910-4513-A4FD-9E4590306EC8}"/>
               </a:ext>
             </a:extLst>
           </p:cNvPr>
@@ -2075,7 +2079,7 @@
           <a:p>
             <a:fld id="{1A473A71-948F-4AE8-AF79-80443CCFF2D0}" type="datetimeFigureOut">
               <a:rPr lang="de-DE" smtClean="0"/>
-              <a:t>17.02.2020</a:t>
+              <a:t>26.02.2020</a:t>
             </a:fld>
             <a:endParaRPr lang="de-DE"/>
           </a:p>
@@ -2086,7 +2090,7 @@
           <p:cNvPr id="3" name="Fußzeilenplatzhalter 2">
             <a:extLst>
               <a:ext uri="{FF2B5EF4-FFF2-40B4-BE49-F238E27FC236}">
-                <a16:creationId xmlns:a16="http://schemas.microsoft.com/office/drawing/2014/main" xmlns="" id="{17F14611-BAB9-4EB1-9A5B-3055FAB8B3B4}"/>
+                <a16:creationId xmlns:a16="http://schemas.microsoft.com/office/drawing/2014/main" id="{17F14611-BAB9-4EB1-9A5B-3055FAB8B3B4}"/>
               </a:ext>
             </a:extLst>
           </p:cNvPr>
@@ -2111,7 +2115,7 @@
           <p:cNvPr id="4" name="Foliennummernplatzhalter 3">
             <a:extLst>
               <a:ext uri="{FF2B5EF4-FFF2-40B4-BE49-F238E27FC236}">
-                <a16:creationId xmlns:a16="http://schemas.microsoft.com/office/drawing/2014/main" xmlns="" id="{D52F29C2-46A5-4346-9DBD-BBC114E53C7C}"/>
+                <a16:creationId xmlns:a16="http://schemas.microsoft.com/office/drawing/2014/main" id="{D52F29C2-46A5-4346-9DBD-BBC114E53C7C}"/>
               </a:ext>
             </a:extLst>
           </p:cNvPr>
@@ -2170,7 +2174,7 @@
           <p:cNvPr id="2" name="Titel 1">
             <a:extLst>
               <a:ext uri="{FF2B5EF4-FFF2-40B4-BE49-F238E27FC236}">
-                <a16:creationId xmlns:a16="http://schemas.microsoft.com/office/drawing/2014/main" xmlns="" id="{C1BBF63F-0A9F-4C8D-B39A-1FBF393077CB}"/>
+                <a16:creationId xmlns:a16="http://schemas.microsoft.com/office/drawing/2014/main" id="{C1BBF63F-0A9F-4C8D-B39A-1FBF393077CB}"/>
               </a:ext>
             </a:extLst>
           </p:cNvPr>
@@ -2207,7 +2211,7 @@
           <p:cNvPr id="3" name="Inhaltsplatzhalter 2">
             <a:extLst>
               <a:ext uri="{FF2B5EF4-FFF2-40B4-BE49-F238E27FC236}">
-                <a16:creationId xmlns:a16="http://schemas.microsoft.com/office/drawing/2014/main" xmlns="" id="{CC0BA02F-2358-4BE3-9263-12AFB01C7440}"/>
+                <a16:creationId xmlns:a16="http://schemas.microsoft.com/office/drawing/2014/main" id="{CC0BA02F-2358-4BE3-9263-12AFB01C7440}"/>
               </a:ext>
             </a:extLst>
           </p:cNvPr>
@@ -2297,7 +2301,7 @@
           <p:cNvPr id="4" name="Textplatzhalter 3">
             <a:extLst>
               <a:ext uri="{FF2B5EF4-FFF2-40B4-BE49-F238E27FC236}">
-                <a16:creationId xmlns:a16="http://schemas.microsoft.com/office/drawing/2014/main" xmlns="" id="{6BB9EA18-FEDB-4248-80B9-8137979A1979}"/>
+                <a16:creationId xmlns:a16="http://schemas.microsoft.com/office/drawing/2014/main" id="{6BB9EA18-FEDB-4248-80B9-8137979A1979}"/>
               </a:ext>
             </a:extLst>
           </p:cNvPr>
@@ -2368,7 +2372,7 @@
           <p:cNvPr id="5" name="Datumsplatzhalter 4">
             <a:extLst>
               <a:ext uri="{FF2B5EF4-FFF2-40B4-BE49-F238E27FC236}">
-                <a16:creationId xmlns:a16="http://schemas.microsoft.com/office/drawing/2014/main" xmlns="" id="{E7BEF15C-25A5-4075-B7B6-DDD9C635AB90}"/>
+                <a16:creationId xmlns:a16="http://schemas.microsoft.com/office/drawing/2014/main" id="{E7BEF15C-25A5-4075-B7B6-DDD9C635AB90}"/>
               </a:ext>
             </a:extLst>
           </p:cNvPr>
@@ -2386,7 +2390,7 @@
           <a:p>
             <a:fld id="{1A473A71-948F-4AE8-AF79-80443CCFF2D0}" type="datetimeFigureOut">
               <a:rPr lang="de-DE" smtClean="0"/>
-              <a:t>17.02.2020</a:t>
+              <a:t>26.02.2020</a:t>
             </a:fld>
             <a:endParaRPr lang="de-DE"/>
           </a:p>
@@ -2397,7 +2401,7 @@
           <p:cNvPr id="6" name="Fußzeilenplatzhalter 5">
             <a:extLst>
               <a:ext uri="{FF2B5EF4-FFF2-40B4-BE49-F238E27FC236}">
-                <a16:creationId xmlns:a16="http://schemas.microsoft.com/office/drawing/2014/main" xmlns="" id="{C7D0D9B6-96E0-470D-82E2-37080BACE716}"/>
+                <a16:creationId xmlns:a16="http://schemas.microsoft.com/office/drawing/2014/main" id="{C7D0D9B6-96E0-470D-82E2-37080BACE716}"/>
               </a:ext>
             </a:extLst>
           </p:cNvPr>
@@ -2422,7 +2426,7 @@
           <p:cNvPr id="7" name="Foliennummernplatzhalter 6">
             <a:extLst>
               <a:ext uri="{FF2B5EF4-FFF2-40B4-BE49-F238E27FC236}">
-                <a16:creationId xmlns:a16="http://schemas.microsoft.com/office/drawing/2014/main" xmlns="" id="{1E2AAA02-713E-4FAF-9DA2-D45BB22BDF5A}"/>
+                <a16:creationId xmlns:a16="http://schemas.microsoft.com/office/drawing/2014/main" id="{1E2AAA02-713E-4FAF-9DA2-D45BB22BDF5A}"/>
               </a:ext>
             </a:extLst>
           </p:cNvPr>
@@ -2481,7 +2485,7 @@
           <p:cNvPr id="2" name="Titel 1">
             <a:extLst>
               <a:ext uri="{FF2B5EF4-FFF2-40B4-BE49-F238E27FC236}">
-                <a16:creationId xmlns:a16="http://schemas.microsoft.com/office/drawing/2014/main" xmlns="" id="{5BFB5D39-2519-429E-BCE6-6431ECAB345B}"/>
+                <a16:creationId xmlns:a16="http://schemas.microsoft.com/office/drawing/2014/main" id="{5BFB5D39-2519-429E-BCE6-6431ECAB345B}"/>
               </a:ext>
             </a:extLst>
           </p:cNvPr>
@@ -2518,7 +2522,7 @@
           <p:cNvPr id="3" name="Bildplatzhalter 2">
             <a:extLst>
               <a:ext uri="{FF2B5EF4-FFF2-40B4-BE49-F238E27FC236}">
-                <a16:creationId xmlns:a16="http://schemas.microsoft.com/office/drawing/2014/main" xmlns="" id="{1FD63C97-E3C2-4D42-90CB-C724C06D50A3}"/>
+                <a16:creationId xmlns:a16="http://schemas.microsoft.com/office/drawing/2014/main" id="{1FD63C97-E3C2-4D42-90CB-C724C06D50A3}"/>
               </a:ext>
             </a:extLst>
           </p:cNvPr>
@@ -2585,7 +2589,7 @@
           <p:cNvPr id="4" name="Textplatzhalter 3">
             <a:extLst>
               <a:ext uri="{FF2B5EF4-FFF2-40B4-BE49-F238E27FC236}">
-                <a16:creationId xmlns:a16="http://schemas.microsoft.com/office/drawing/2014/main" xmlns="" id="{FD916F31-6E71-442A-9EBC-EE6BFB374565}"/>
+                <a16:creationId xmlns:a16="http://schemas.microsoft.com/office/drawing/2014/main" id="{FD916F31-6E71-442A-9EBC-EE6BFB374565}"/>
               </a:ext>
             </a:extLst>
           </p:cNvPr>
@@ -2656,7 +2660,7 @@
           <p:cNvPr id="5" name="Datumsplatzhalter 4">
             <a:extLst>
               <a:ext uri="{FF2B5EF4-FFF2-40B4-BE49-F238E27FC236}">
-                <a16:creationId xmlns:a16="http://schemas.microsoft.com/office/drawing/2014/main" xmlns="" id="{5DB9302E-5D7A-482C-B7F5-74F2C77D9D20}"/>
+                <a16:creationId xmlns:a16="http://schemas.microsoft.com/office/drawing/2014/main" id="{5DB9302E-5D7A-482C-B7F5-74F2C77D9D20}"/>
               </a:ext>
             </a:extLst>
           </p:cNvPr>
@@ -2674,7 +2678,7 @@
           <a:p>
             <a:fld id="{1A473A71-948F-4AE8-AF79-80443CCFF2D0}" type="datetimeFigureOut">
               <a:rPr lang="de-DE" smtClean="0"/>
-              <a:t>17.02.2020</a:t>
+              <a:t>26.02.2020</a:t>
             </a:fld>
             <a:endParaRPr lang="de-DE"/>
           </a:p>
@@ -2685,7 +2689,7 @@
           <p:cNvPr id="6" name="Fußzeilenplatzhalter 5">
             <a:extLst>
               <a:ext uri="{FF2B5EF4-FFF2-40B4-BE49-F238E27FC236}">
-                <a16:creationId xmlns:a16="http://schemas.microsoft.com/office/drawing/2014/main" xmlns="" id="{C150407C-9396-4D0B-8570-ED95DD30979A}"/>
+                <a16:creationId xmlns:a16="http://schemas.microsoft.com/office/drawing/2014/main" id="{C150407C-9396-4D0B-8570-ED95DD30979A}"/>
               </a:ext>
             </a:extLst>
           </p:cNvPr>
@@ -2710,7 +2714,7 @@
           <p:cNvPr id="7" name="Foliennummernplatzhalter 6">
             <a:extLst>
               <a:ext uri="{FF2B5EF4-FFF2-40B4-BE49-F238E27FC236}">
-                <a16:creationId xmlns:a16="http://schemas.microsoft.com/office/drawing/2014/main" xmlns="" id="{9448B357-7506-45AC-9B90-BA7CE7781D5A}"/>
+                <a16:creationId xmlns:a16="http://schemas.microsoft.com/office/drawing/2014/main" id="{9448B357-7506-45AC-9B90-BA7CE7781D5A}"/>
               </a:ext>
             </a:extLst>
           </p:cNvPr>
@@ -2774,7 +2778,7 @@
           <p:cNvPr id="2" name="Titelplatzhalter 1">
             <a:extLst>
               <a:ext uri="{FF2B5EF4-FFF2-40B4-BE49-F238E27FC236}">
-                <a16:creationId xmlns:a16="http://schemas.microsoft.com/office/drawing/2014/main" xmlns="" id="{9FA877A1-6E5C-4773-87C2-8ACD351CF551}"/>
+                <a16:creationId xmlns:a16="http://schemas.microsoft.com/office/drawing/2014/main" id="{9FA877A1-6E5C-4773-87C2-8ACD351CF551}"/>
               </a:ext>
             </a:extLst>
           </p:cNvPr>
@@ -2812,7 +2816,7 @@
           <p:cNvPr id="3" name="Textplatzhalter 2">
             <a:extLst>
               <a:ext uri="{FF2B5EF4-FFF2-40B4-BE49-F238E27FC236}">
-                <a16:creationId xmlns:a16="http://schemas.microsoft.com/office/drawing/2014/main" xmlns="" id="{C112C717-CE3E-4B70-9323-4EF3D016BE6E}"/>
+                <a16:creationId xmlns:a16="http://schemas.microsoft.com/office/drawing/2014/main" id="{C112C717-CE3E-4B70-9323-4EF3D016BE6E}"/>
               </a:ext>
             </a:extLst>
           </p:cNvPr>
@@ -2879,7 +2883,7 @@
           <p:cNvPr id="4" name="Datumsplatzhalter 3">
             <a:extLst>
               <a:ext uri="{FF2B5EF4-FFF2-40B4-BE49-F238E27FC236}">
-                <a16:creationId xmlns:a16="http://schemas.microsoft.com/office/drawing/2014/main" xmlns="" id="{A4A9F7DC-057C-461A-96C3-5E7DCD8A44AB}"/>
+                <a16:creationId xmlns:a16="http://schemas.microsoft.com/office/drawing/2014/main" id="{A4A9F7DC-057C-461A-96C3-5E7DCD8A44AB}"/>
               </a:ext>
             </a:extLst>
           </p:cNvPr>
@@ -2915,7 +2919,7 @@
           <a:p>
             <a:fld id="{1A473A71-948F-4AE8-AF79-80443CCFF2D0}" type="datetimeFigureOut">
               <a:rPr lang="de-DE" smtClean="0"/>
-              <a:t>17.02.2020</a:t>
+              <a:t>26.02.2020</a:t>
             </a:fld>
             <a:endParaRPr lang="de-DE"/>
           </a:p>
@@ -2926,7 +2930,7 @@
           <p:cNvPr id="5" name="Fußzeilenplatzhalter 4">
             <a:extLst>
               <a:ext uri="{FF2B5EF4-FFF2-40B4-BE49-F238E27FC236}">
-                <a16:creationId xmlns:a16="http://schemas.microsoft.com/office/drawing/2014/main" xmlns="" id="{8FCC5EDA-E7B3-4E4C-A67D-00B6563032AC}"/>
+                <a16:creationId xmlns:a16="http://schemas.microsoft.com/office/drawing/2014/main" id="{8FCC5EDA-E7B3-4E4C-A67D-00B6563032AC}"/>
               </a:ext>
             </a:extLst>
           </p:cNvPr>
@@ -2969,7 +2973,7 @@
           <p:cNvPr id="6" name="Foliennummernplatzhalter 5">
             <a:extLst>
               <a:ext uri="{FF2B5EF4-FFF2-40B4-BE49-F238E27FC236}">
-                <a16:creationId xmlns:a16="http://schemas.microsoft.com/office/drawing/2014/main" xmlns="" id="{3197C0FD-ED17-4341-8625-38DDB48F61B7}"/>
+                <a16:creationId xmlns:a16="http://schemas.microsoft.com/office/drawing/2014/main" id="{3197C0FD-ED17-4341-8625-38DDB48F61B7}"/>
               </a:ext>
             </a:extLst>
           </p:cNvPr>
@@ -3337,7 +3341,7 @@
           <p:cNvPr id="2" name="Titel 1">
             <a:extLst>
               <a:ext uri="{FF2B5EF4-FFF2-40B4-BE49-F238E27FC236}">
-                <a16:creationId xmlns:a16="http://schemas.microsoft.com/office/drawing/2014/main" xmlns="" id="{2121EE81-C787-40A4-9746-C94978F7F541}"/>
+                <a16:creationId xmlns:a16="http://schemas.microsoft.com/office/drawing/2014/main" id="{2121EE81-C787-40A4-9746-C94978F7F541}"/>
               </a:ext>
             </a:extLst>
           </p:cNvPr>
@@ -3362,7 +3366,7 @@
           <p:cNvPr id="3" name="Untertitel 2">
             <a:extLst>
               <a:ext uri="{FF2B5EF4-FFF2-40B4-BE49-F238E27FC236}">
-                <a16:creationId xmlns:a16="http://schemas.microsoft.com/office/drawing/2014/main" xmlns="" id="{01DE6B12-0540-4420-9A5E-70C062DEC222}"/>
+                <a16:creationId xmlns:a16="http://schemas.microsoft.com/office/drawing/2014/main" id="{01DE6B12-0540-4420-9A5E-70C062DEC222}"/>
               </a:ext>
             </a:extLst>
           </p:cNvPr>
@@ -3386,6 +3390,448 @@
     <p:extLst>
       <p:ext uri="{BB962C8B-B14F-4D97-AF65-F5344CB8AC3E}">
         <p14:creationId xmlns:p14="http://schemas.microsoft.com/office/powerpoint/2010/main" val="1852605205"/>
+      </p:ext>
+    </p:extLst>
+  </p:cSld>
+  <p:clrMapOvr>
+    <a:masterClrMapping/>
+  </p:clrMapOvr>
+</p:sld>
+</file>
+
+<file path=ppt/slides/slide10.xml><?xml version="1.0" encoding="utf-8"?>
+<p:sld xmlns:a="http://schemas.openxmlformats.org/drawingml/2006/main" xmlns:r="http://schemas.openxmlformats.org/officeDocument/2006/relationships" xmlns:p="http://schemas.openxmlformats.org/presentationml/2006/main">
+  <p:cSld>
+    <p:spTree>
+      <p:nvGrpSpPr>
+        <p:cNvPr id="1" name=""/>
+        <p:cNvGrpSpPr/>
+        <p:nvPr/>
+      </p:nvGrpSpPr>
+      <p:grpSpPr>
+        <a:xfrm>
+          <a:off x="0" y="0"/>
+          <a:ext cx="0" cy="0"/>
+          <a:chOff x="0" y="0"/>
+          <a:chExt cx="0" cy="0"/>
+        </a:xfrm>
+      </p:grpSpPr>
+      <p:pic>
+        <p:nvPicPr>
+          <p:cNvPr id="2" name="Grafik 1">
+            <a:extLst>
+              <a:ext uri="{FF2B5EF4-FFF2-40B4-BE49-F238E27FC236}">
+                <a16:creationId xmlns:a16="http://schemas.microsoft.com/office/drawing/2014/main" id="{FC8CBF91-B875-4604-8F2C-2D03D6A2EA0C}"/>
+              </a:ext>
+            </a:extLst>
+          </p:cNvPr>
+          <p:cNvPicPr>
+            <a:picLocks noChangeAspect="1"/>
+          </p:cNvPicPr>
+          <p:nvPr/>
+        </p:nvPicPr>
+        <p:blipFill>
+          <a:blip r:embed="rId2"/>
+          <a:stretch>
+            <a:fillRect/>
+          </a:stretch>
+        </p:blipFill>
+        <p:spPr>
+          <a:xfrm>
+            <a:off x="2755900" y="1654175"/>
+            <a:ext cx="5632450" cy="4304978"/>
+          </a:xfrm>
+          <a:prstGeom prst="rect">
+            <a:avLst/>
+          </a:prstGeom>
+        </p:spPr>
+      </p:pic>
+      <p:cxnSp>
+        <p:nvCxnSpPr>
+          <p:cNvPr id="4" name="Gerader Verbinder 3">
+            <a:extLst>
+              <a:ext uri="{FF2B5EF4-FFF2-40B4-BE49-F238E27FC236}">
+                <a16:creationId xmlns:a16="http://schemas.microsoft.com/office/drawing/2014/main" id="{4918D89D-8A84-4005-8942-19D44D8672E5}"/>
+              </a:ext>
+            </a:extLst>
+          </p:cNvPr>
+          <p:cNvCxnSpPr/>
+          <p:nvPr/>
+        </p:nvCxnSpPr>
+        <p:spPr>
+          <a:xfrm flipV="1">
+            <a:off x="4229100" y="3879850"/>
+            <a:ext cx="1092200" cy="654050"/>
+          </a:xfrm>
+          <a:prstGeom prst="line">
+            <a:avLst/>
+          </a:prstGeom>
+        </p:spPr>
+        <p:style>
+          <a:lnRef idx="1">
+            <a:schemeClr val="accent1"/>
+          </a:lnRef>
+          <a:fillRef idx="0">
+            <a:schemeClr val="accent1"/>
+          </a:fillRef>
+          <a:effectRef idx="0">
+            <a:schemeClr val="accent1"/>
+          </a:effectRef>
+          <a:fontRef idx="minor">
+            <a:schemeClr val="tx1"/>
+          </a:fontRef>
+        </p:style>
+      </p:cxnSp>
+      <p:cxnSp>
+        <p:nvCxnSpPr>
+          <p:cNvPr id="5" name="Gerader Verbinder 4">
+            <a:extLst>
+              <a:ext uri="{FF2B5EF4-FFF2-40B4-BE49-F238E27FC236}">
+                <a16:creationId xmlns:a16="http://schemas.microsoft.com/office/drawing/2014/main" id="{C9042339-EF32-4FE5-A096-E993F127193A}"/>
+              </a:ext>
+            </a:extLst>
+          </p:cNvPr>
+          <p:cNvCxnSpPr>
+            <a:cxnSpLocks/>
+          </p:cNvCxnSpPr>
+          <p:nvPr/>
+        </p:nvCxnSpPr>
+        <p:spPr>
+          <a:xfrm flipH="1" flipV="1">
+            <a:off x="5321300" y="3879850"/>
+            <a:ext cx="984250" cy="590550"/>
+          </a:xfrm>
+          <a:prstGeom prst="line">
+            <a:avLst/>
+          </a:prstGeom>
+          <a:ln w="19050">
+            <a:solidFill>
+              <a:schemeClr val="accent2"/>
+            </a:solidFill>
+          </a:ln>
+        </p:spPr>
+        <p:style>
+          <a:lnRef idx="1">
+            <a:schemeClr val="accent1"/>
+          </a:lnRef>
+          <a:fillRef idx="0">
+            <a:schemeClr val="accent1"/>
+          </a:fillRef>
+          <a:effectRef idx="0">
+            <a:schemeClr val="accent1"/>
+          </a:effectRef>
+          <a:fontRef idx="minor">
+            <a:schemeClr val="tx1"/>
+          </a:fontRef>
+        </p:style>
+      </p:cxnSp>
+      <p:cxnSp>
+        <p:nvCxnSpPr>
+          <p:cNvPr id="8" name="Gerader Verbinder 7">
+            <a:extLst>
+              <a:ext uri="{FF2B5EF4-FFF2-40B4-BE49-F238E27FC236}">
+                <a16:creationId xmlns:a16="http://schemas.microsoft.com/office/drawing/2014/main" id="{F3F59143-EA23-4188-AC8C-CCF88493674B}"/>
+              </a:ext>
+            </a:extLst>
+          </p:cNvPr>
+          <p:cNvCxnSpPr>
+            <a:cxnSpLocks/>
+          </p:cNvCxnSpPr>
+          <p:nvPr/>
+        </p:nvCxnSpPr>
+        <p:spPr>
+          <a:xfrm flipV="1">
+            <a:off x="4229100" y="3879850"/>
+            <a:ext cx="1092200" cy="654050"/>
+          </a:xfrm>
+          <a:prstGeom prst="line">
+            <a:avLst/>
+          </a:prstGeom>
+          <a:ln w="19050">
+            <a:solidFill>
+              <a:schemeClr val="accent2"/>
+            </a:solidFill>
+          </a:ln>
+        </p:spPr>
+        <p:style>
+          <a:lnRef idx="1">
+            <a:schemeClr val="accent1"/>
+          </a:lnRef>
+          <a:fillRef idx="0">
+            <a:schemeClr val="accent1"/>
+          </a:fillRef>
+          <a:effectRef idx="0">
+            <a:schemeClr val="accent1"/>
+          </a:effectRef>
+          <a:fontRef idx="minor">
+            <a:schemeClr val="tx1"/>
+          </a:fontRef>
+        </p:style>
+      </p:cxnSp>
+      <p:cxnSp>
+        <p:nvCxnSpPr>
+          <p:cNvPr id="11" name="Gerader Verbinder 10">
+            <a:extLst>
+              <a:ext uri="{FF2B5EF4-FFF2-40B4-BE49-F238E27FC236}">
+                <a16:creationId xmlns:a16="http://schemas.microsoft.com/office/drawing/2014/main" id="{B989A757-029C-4205-9F7F-A7D15D740D28}"/>
+              </a:ext>
+            </a:extLst>
+          </p:cNvPr>
+          <p:cNvCxnSpPr>
+            <a:cxnSpLocks/>
+          </p:cNvCxnSpPr>
+          <p:nvPr/>
+        </p:nvCxnSpPr>
+        <p:spPr>
+          <a:xfrm flipH="1" flipV="1">
+            <a:off x="7232650" y="3911601"/>
+            <a:ext cx="647700" cy="393699"/>
+          </a:xfrm>
+          <a:prstGeom prst="line">
+            <a:avLst/>
+          </a:prstGeom>
+          <a:ln w="19050">
+            <a:solidFill>
+              <a:schemeClr val="accent2"/>
+            </a:solidFill>
+          </a:ln>
+        </p:spPr>
+        <p:style>
+          <a:lnRef idx="1">
+            <a:schemeClr val="accent1"/>
+          </a:lnRef>
+          <a:fillRef idx="0">
+            <a:schemeClr val="accent1"/>
+          </a:fillRef>
+          <a:effectRef idx="0">
+            <a:schemeClr val="accent1"/>
+          </a:effectRef>
+          <a:fontRef idx="minor">
+            <a:schemeClr val="tx1"/>
+          </a:fontRef>
+        </p:style>
+      </p:cxnSp>
+      <p:cxnSp>
+        <p:nvCxnSpPr>
+          <p:cNvPr id="12" name="Gerader Verbinder 11">
+            <a:extLst>
+              <a:ext uri="{FF2B5EF4-FFF2-40B4-BE49-F238E27FC236}">
+                <a16:creationId xmlns:a16="http://schemas.microsoft.com/office/drawing/2014/main" id="{893FE61A-F077-4524-B453-054F6DCC129C}"/>
+              </a:ext>
+            </a:extLst>
+          </p:cNvPr>
+          <p:cNvCxnSpPr>
+            <a:cxnSpLocks/>
+          </p:cNvCxnSpPr>
+          <p:nvPr/>
+        </p:nvCxnSpPr>
+        <p:spPr>
+          <a:xfrm flipH="1">
+            <a:off x="6541294" y="3911600"/>
+            <a:ext cx="691356" cy="327025"/>
+          </a:xfrm>
+          <a:prstGeom prst="line">
+            <a:avLst/>
+          </a:prstGeom>
+          <a:ln w="19050">
+            <a:solidFill>
+              <a:schemeClr val="accent2"/>
+            </a:solidFill>
+          </a:ln>
+        </p:spPr>
+        <p:style>
+          <a:lnRef idx="1">
+            <a:schemeClr val="accent1"/>
+          </a:lnRef>
+          <a:fillRef idx="0">
+            <a:schemeClr val="accent1"/>
+          </a:fillRef>
+          <a:effectRef idx="0">
+            <a:schemeClr val="accent1"/>
+          </a:effectRef>
+          <a:fontRef idx="minor">
+            <a:schemeClr val="tx1"/>
+          </a:fontRef>
+        </p:style>
+      </p:cxnSp>
+    </p:spTree>
+    <p:extLst>
+      <p:ext uri="{BB962C8B-B14F-4D97-AF65-F5344CB8AC3E}">
+        <p14:creationId xmlns:p14="http://schemas.microsoft.com/office/powerpoint/2010/main" val="4131341549"/>
+      </p:ext>
+    </p:extLst>
+  </p:cSld>
+  <p:clrMapOvr>
+    <a:masterClrMapping/>
+  </p:clrMapOvr>
+</p:sld>
+</file>
+
+<file path=ppt/slides/slide11.xml><?xml version="1.0" encoding="utf-8"?>
+<p:sld xmlns:a="http://schemas.openxmlformats.org/drawingml/2006/main" xmlns:r="http://schemas.openxmlformats.org/officeDocument/2006/relationships" xmlns:p="http://schemas.openxmlformats.org/presentationml/2006/main">
+  <p:cSld>
+    <p:spTree>
+      <p:nvGrpSpPr>
+        <p:cNvPr id="1" name=""/>
+        <p:cNvGrpSpPr/>
+        <p:nvPr/>
+      </p:nvGrpSpPr>
+      <p:grpSpPr>
+        <a:xfrm>
+          <a:off x="0" y="0"/>
+          <a:ext cx="0" cy="0"/>
+          <a:chOff x="0" y="0"/>
+          <a:chExt cx="0" cy="0"/>
+        </a:xfrm>
+      </p:grpSpPr>
+      <p:pic>
+        <p:nvPicPr>
+          <p:cNvPr id="2" name="Grafik 1">
+            <a:extLst>
+              <a:ext uri="{FF2B5EF4-FFF2-40B4-BE49-F238E27FC236}">
+                <a16:creationId xmlns:a16="http://schemas.microsoft.com/office/drawing/2014/main" id="{8D9DDE59-ED13-4798-88ED-A0795DA4DCE4}"/>
+              </a:ext>
+            </a:extLst>
+          </p:cNvPr>
+          <p:cNvPicPr>
+            <a:picLocks noChangeAspect="1"/>
+          </p:cNvPicPr>
+          <p:nvPr/>
+        </p:nvPicPr>
+        <p:blipFill>
+          <a:blip r:embed="rId2"/>
+          <a:stretch>
+            <a:fillRect/>
+          </a:stretch>
+        </p:blipFill>
+        <p:spPr>
+          <a:xfrm>
+            <a:off x="3558540" y="1623060"/>
+            <a:ext cx="4724400" cy="3352800"/>
+          </a:xfrm>
+          <a:prstGeom prst="rect">
+            <a:avLst/>
+          </a:prstGeom>
+        </p:spPr>
+      </p:pic>
+      <p:cxnSp>
+        <p:nvCxnSpPr>
+          <p:cNvPr id="4" name="Verbinder: gewinkelt 3">
+            <a:extLst>
+              <a:ext uri="{FF2B5EF4-FFF2-40B4-BE49-F238E27FC236}">
+                <a16:creationId xmlns:a16="http://schemas.microsoft.com/office/drawing/2014/main" id="{532502E7-6C1D-4429-AE68-BC6EACA67A30}"/>
+              </a:ext>
+            </a:extLst>
+          </p:cNvPr>
+          <p:cNvCxnSpPr>
+            <a:cxnSpLocks/>
+          </p:cNvCxnSpPr>
+          <p:nvPr/>
+        </p:nvCxnSpPr>
+        <p:spPr>
+          <a:xfrm>
+            <a:off x="6797040" y="3078480"/>
+            <a:ext cx="777240" cy="449580"/>
+          </a:xfrm>
+          <a:prstGeom prst="bentConnector3">
+            <a:avLst/>
+          </a:prstGeom>
+          <a:ln w="28575">
+            <a:solidFill>
+              <a:srgbClr val="00B0F0"/>
+            </a:solidFill>
+            <a:tailEnd type="triangle"/>
+          </a:ln>
+        </p:spPr>
+        <p:style>
+          <a:lnRef idx="1">
+            <a:schemeClr val="accent1"/>
+          </a:lnRef>
+          <a:fillRef idx="0">
+            <a:schemeClr val="accent1"/>
+          </a:fillRef>
+          <a:effectRef idx="0">
+            <a:schemeClr val="accent1"/>
+          </a:effectRef>
+          <a:fontRef idx="minor">
+            <a:schemeClr val="tx1"/>
+          </a:fontRef>
+        </p:style>
+      </p:cxnSp>
+      <p:pic>
+        <p:nvPicPr>
+          <p:cNvPr id="6" name="Grafik 5">
+            <a:extLst>
+              <a:ext uri="{FF2B5EF4-FFF2-40B4-BE49-F238E27FC236}">
+                <a16:creationId xmlns:a16="http://schemas.microsoft.com/office/drawing/2014/main" id="{9401D6F7-B41F-412A-AC7E-1189782CB387}"/>
+              </a:ext>
+            </a:extLst>
+          </p:cNvPr>
+          <p:cNvPicPr/>
+          <p:nvPr/>
+        </p:nvPicPr>
+        <p:blipFill>
+          <a:blip r:embed="rId3"/>
+          <a:stretch>
+            <a:fillRect/>
+          </a:stretch>
+        </p:blipFill>
+        <p:spPr>
+          <a:xfrm>
+            <a:off x="260985" y="1558290"/>
+            <a:ext cx="3211830" cy="3482340"/>
+          </a:xfrm>
+          <a:prstGeom prst="rect">
+            <a:avLst/>
+          </a:prstGeom>
+        </p:spPr>
+      </p:pic>
+      <p:cxnSp>
+        <p:nvCxnSpPr>
+          <p:cNvPr id="8" name="Gerade Verbindung mit Pfeil 7">
+            <a:extLst>
+              <a:ext uri="{FF2B5EF4-FFF2-40B4-BE49-F238E27FC236}">
+                <a16:creationId xmlns:a16="http://schemas.microsoft.com/office/drawing/2014/main" id="{20CDE711-DCFB-4A41-B990-0924E7279CFB}"/>
+              </a:ext>
+            </a:extLst>
+          </p:cNvPr>
+          <p:cNvCxnSpPr/>
+          <p:nvPr/>
+        </p:nvCxnSpPr>
+        <p:spPr>
+          <a:xfrm>
+            <a:off x="1247775" y="4267200"/>
+            <a:ext cx="938213" cy="304800"/>
+          </a:xfrm>
+          <a:prstGeom prst="straightConnector1">
+            <a:avLst/>
+          </a:prstGeom>
+          <a:ln w="28575">
+            <a:solidFill>
+              <a:srgbClr val="00B0F0"/>
+            </a:solidFill>
+            <a:tailEnd type="triangle"/>
+          </a:ln>
+        </p:spPr>
+        <p:style>
+          <a:lnRef idx="1">
+            <a:schemeClr val="accent1"/>
+          </a:lnRef>
+          <a:fillRef idx="0">
+            <a:schemeClr val="accent1"/>
+          </a:fillRef>
+          <a:effectRef idx="0">
+            <a:schemeClr val="accent1"/>
+          </a:effectRef>
+          <a:fontRef idx="minor">
+            <a:schemeClr val="tx1"/>
+          </a:fontRef>
+        </p:style>
+      </p:cxnSp>
+    </p:spTree>
+    <p:extLst>
+      <p:ext uri="{BB962C8B-B14F-4D97-AF65-F5344CB8AC3E}">
+        <p14:creationId xmlns:p14="http://schemas.microsoft.com/office/powerpoint/2010/main" val="2552476434"/>
       </p:ext>
     </p:extLst>
   </p:cSld>
@@ -3417,7 +3863,7 @@
           <p:cNvPr id="2" name="Rechteck 1">
             <a:extLst>
               <a:ext uri="{FF2B5EF4-FFF2-40B4-BE49-F238E27FC236}">
-                <a16:creationId xmlns:a16="http://schemas.microsoft.com/office/drawing/2014/main" xmlns="" id="{D144D94C-2289-4013-A9D0-E50B76235F78}"/>
+                <a16:creationId xmlns:a16="http://schemas.microsoft.com/office/drawing/2014/main" id="{D144D94C-2289-4013-A9D0-E50B76235F78}"/>
               </a:ext>
             </a:extLst>
           </p:cNvPr>
@@ -3469,7 +3915,7 @@
           <p:cNvPr id="4" name="Gerade Verbindung mit Pfeil 3">
             <a:extLst>
               <a:ext uri="{FF2B5EF4-FFF2-40B4-BE49-F238E27FC236}">
-                <a16:creationId xmlns:a16="http://schemas.microsoft.com/office/drawing/2014/main" xmlns="" id="{4505AB64-DC1C-4AEE-AD57-F2CA0E3FA2E9}"/>
+                <a16:creationId xmlns:a16="http://schemas.microsoft.com/office/drawing/2014/main" id="{4505AB64-DC1C-4AEE-AD57-F2CA0E3FA2E9}"/>
               </a:ext>
             </a:extLst>
           </p:cNvPr>
@@ -3513,7 +3959,7 @@
           <p:cNvPr id="8" name="Gerade Verbindung mit Pfeil 7">
             <a:extLst>
               <a:ext uri="{FF2B5EF4-FFF2-40B4-BE49-F238E27FC236}">
-                <a16:creationId xmlns:a16="http://schemas.microsoft.com/office/drawing/2014/main" xmlns="" id="{B5B15429-6E3F-4F11-BD32-07D58259D622}"/>
+                <a16:creationId xmlns:a16="http://schemas.microsoft.com/office/drawing/2014/main" id="{B5B15429-6E3F-4F11-BD32-07D58259D622}"/>
               </a:ext>
             </a:extLst>
           </p:cNvPr>
@@ -3557,7 +4003,7 @@
           <p:cNvPr id="16" name="Gerade Verbindung mit Pfeil 15">
             <a:extLst>
               <a:ext uri="{FF2B5EF4-FFF2-40B4-BE49-F238E27FC236}">
-                <a16:creationId xmlns:a16="http://schemas.microsoft.com/office/drawing/2014/main" xmlns="" id="{B1487A4C-D5C8-449F-A12B-5A5CAA93DE59}"/>
+                <a16:creationId xmlns:a16="http://schemas.microsoft.com/office/drawing/2014/main" id="{B1487A4C-D5C8-449F-A12B-5A5CAA93DE59}"/>
               </a:ext>
             </a:extLst>
           </p:cNvPr>
@@ -3599,7 +4045,7 @@
           <p:cNvPr id="18" name="Gerade Verbindung mit Pfeil 17">
             <a:extLst>
               <a:ext uri="{FF2B5EF4-FFF2-40B4-BE49-F238E27FC236}">
-                <a16:creationId xmlns:a16="http://schemas.microsoft.com/office/drawing/2014/main" xmlns="" id="{EFAA1BE7-4B70-4DAF-802D-BCB4141E7E5F}"/>
+                <a16:creationId xmlns:a16="http://schemas.microsoft.com/office/drawing/2014/main" id="{EFAA1BE7-4B70-4DAF-802D-BCB4141E7E5F}"/>
               </a:ext>
             </a:extLst>
           </p:cNvPr>
@@ -3641,7 +4087,7 @@
           <p:cNvPr id="20" name="Gerade Verbindung mit Pfeil 19">
             <a:extLst>
               <a:ext uri="{FF2B5EF4-FFF2-40B4-BE49-F238E27FC236}">
-                <a16:creationId xmlns:a16="http://schemas.microsoft.com/office/drawing/2014/main" xmlns="" id="{7ACA4C1C-ECE5-44D0-9F38-2282B9102AF8}"/>
+                <a16:creationId xmlns:a16="http://schemas.microsoft.com/office/drawing/2014/main" id="{7ACA4C1C-ECE5-44D0-9F38-2282B9102AF8}"/>
               </a:ext>
             </a:extLst>
           </p:cNvPr>
@@ -3683,7 +4129,7 @@
           <p:cNvPr id="5" name="Gruppieren 4">
             <a:extLst>
               <a:ext uri="{FF2B5EF4-FFF2-40B4-BE49-F238E27FC236}">
-                <a16:creationId xmlns:a16="http://schemas.microsoft.com/office/drawing/2014/main" xmlns="" id="{BCFB85C1-C4B1-4E5E-A3BB-FA9706001FA8}"/>
+                <a16:creationId xmlns:a16="http://schemas.microsoft.com/office/drawing/2014/main" id="{BCFB85C1-C4B1-4E5E-A3BB-FA9706001FA8}"/>
               </a:ext>
             </a:extLst>
           </p:cNvPr>
@@ -3703,7 +4149,7 @@
             <p:cNvPr id="3" name="Gruppieren 2">
               <a:extLst>
                 <a:ext uri="{FF2B5EF4-FFF2-40B4-BE49-F238E27FC236}">
-                  <a16:creationId xmlns:a16="http://schemas.microsoft.com/office/drawing/2014/main" xmlns="" id="{154378B4-0281-4001-908D-1C186E31E567}"/>
+                  <a16:creationId xmlns:a16="http://schemas.microsoft.com/office/drawing/2014/main" id="{154378B4-0281-4001-908D-1C186E31E567}"/>
                 </a:ext>
               </a:extLst>
             </p:cNvPr>
@@ -3723,7 +4169,7 @@
               <p:cNvPr id="24" name="Gerade Verbindung mit Pfeil 23">
                 <a:extLst>
                   <a:ext uri="{FF2B5EF4-FFF2-40B4-BE49-F238E27FC236}">
-                    <a16:creationId xmlns:a16="http://schemas.microsoft.com/office/drawing/2014/main" xmlns="" id="{310442C6-9E91-4C86-A911-88EF52519BA8}"/>
+                    <a16:creationId xmlns:a16="http://schemas.microsoft.com/office/drawing/2014/main" id="{310442C6-9E91-4C86-A911-88EF52519BA8}"/>
                   </a:ext>
                 </a:extLst>
               </p:cNvPr>
@@ -3762,7 +4208,7 @@
               <p:cNvPr id="26" name="Gerade Verbindung mit Pfeil 25">
                 <a:extLst>
                   <a:ext uri="{FF2B5EF4-FFF2-40B4-BE49-F238E27FC236}">
-                    <a16:creationId xmlns:a16="http://schemas.microsoft.com/office/drawing/2014/main" xmlns="" id="{410FEC98-82F4-4707-84F3-E2A3A8FD521B}"/>
+                    <a16:creationId xmlns:a16="http://schemas.microsoft.com/office/drawing/2014/main" id="{410FEC98-82F4-4707-84F3-E2A3A8FD521B}"/>
                   </a:ext>
                 </a:extLst>
               </p:cNvPr>
@@ -3803,7 +4249,7 @@
               <p:cNvPr id="28" name="Textfeld 27">
                 <a:extLst>
                   <a:ext uri="{FF2B5EF4-FFF2-40B4-BE49-F238E27FC236}">
-                    <a16:creationId xmlns:a16="http://schemas.microsoft.com/office/drawing/2014/main" xmlns="" id="{18DD6999-5CFE-4405-B945-25C14D02FEF5}"/>
+                    <a16:creationId xmlns:a16="http://schemas.microsoft.com/office/drawing/2014/main" id="{18DD6999-5CFE-4405-B945-25C14D02FEF5}"/>
                   </a:ext>
                 </a:extLst>
               </p:cNvPr>
@@ -3839,7 +4285,7 @@
             <p:cNvPr id="29" name="Textfeld 28">
               <a:extLst>
                 <a:ext uri="{FF2B5EF4-FFF2-40B4-BE49-F238E27FC236}">
-                  <a16:creationId xmlns:a16="http://schemas.microsoft.com/office/drawing/2014/main" xmlns="" id="{72E3181E-BA35-4B43-8E82-5492F61E06FB}"/>
+                  <a16:creationId xmlns:a16="http://schemas.microsoft.com/office/drawing/2014/main" id="{72E3181E-BA35-4B43-8E82-5492F61E06FB}"/>
                 </a:ext>
               </a:extLst>
             </p:cNvPr>
@@ -3875,7 +4321,7 @@
           <p:cNvPr id="30" name="Textfeld 29">
             <a:extLst>
               <a:ext uri="{FF2B5EF4-FFF2-40B4-BE49-F238E27FC236}">
-                <a16:creationId xmlns:a16="http://schemas.microsoft.com/office/drawing/2014/main" xmlns="" id="{9B4D3990-7E7B-4EAE-ABDF-87D303B99CB3}"/>
+                <a16:creationId xmlns:a16="http://schemas.microsoft.com/office/drawing/2014/main" id="{9B4D3990-7E7B-4EAE-ABDF-87D303B99CB3}"/>
               </a:ext>
             </a:extLst>
           </p:cNvPr>
@@ -3914,7 +4360,7 @@
           <p:cNvPr id="31" name="Textfeld 30">
             <a:extLst>
               <a:ext uri="{FF2B5EF4-FFF2-40B4-BE49-F238E27FC236}">
-                <a16:creationId xmlns:a16="http://schemas.microsoft.com/office/drawing/2014/main" xmlns="" id="{0E3472A2-C2A7-48F3-A218-B7D8ECF2FE50}"/>
+                <a16:creationId xmlns:a16="http://schemas.microsoft.com/office/drawing/2014/main" id="{0E3472A2-C2A7-48F3-A218-B7D8ECF2FE50}"/>
               </a:ext>
             </a:extLst>
           </p:cNvPr>
@@ -3953,7 +4399,7 @@
           <p:cNvPr id="32" name="Textfeld 31">
             <a:extLst>
               <a:ext uri="{FF2B5EF4-FFF2-40B4-BE49-F238E27FC236}">
-                <a16:creationId xmlns:a16="http://schemas.microsoft.com/office/drawing/2014/main" xmlns="" id="{6FB5C9B1-05AD-42F6-8D07-F962E1DBBC09}"/>
+                <a16:creationId xmlns:a16="http://schemas.microsoft.com/office/drawing/2014/main" id="{6FB5C9B1-05AD-42F6-8D07-F962E1DBBC09}"/>
               </a:ext>
             </a:extLst>
           </p:cNvPr>
@@ -3992,7 +4438,7 @@
           <p:cNvPr id="34" name="Textfeld 33">
             <a:extLst>
               <a:ext uri="{FF2B5EF4-FFF2-40B4-BE49-F238E27FC236}">
-                <a16:creationId xmlns:a16="http://schemas.microsoft.com/office/drawing/2014/main" xmlns="" id="{BF4B2FAD-B656-4F08-B9E4-344801DB9BC4}"/>
+                <a16:creationId xmlns:a16="http://schemas.microsoft.com/office/drawing/2014/main" id="{BF4B2FAD-B656-4F08-B9E4-344801DB9BC4}"/>
               </a:ext>
             </a:extLst>
           </p:cNvPr>
@@ -4041,7 +4487,7 @@
           <p:cNvPr id="35" name="Textfeld 34">
             <a:extLst>
               <a:ext uri="{FF2B5EF4-FFF2-40B4-BE49-F238E27FC236}">
-                <a16:creationId xmlns:a16="http://schemas.microsoft.com/office/drawing/2014/main" xmlns="" id="{865E304E-5C43-45D5-9D95-071105971C78}"/>
+                <a16:creationId xmlns:a16="http://schemas.microsoft.com/office/drawing/2014/main" id="{865E304E-5C43-45D5-9D95-071105971C78}"/>
               </a:ext>
             </a:extLst>
           </p:cNvPr>
@@ -4086,7 +4532,7 @@
           <p:cNvPr id="10" name="Gerade Verbindung mit Pfeil 9">
             <a:extLst>
               <a:ext uri="{FF2B5EF4-FFF2-40B4-BE49-F238E27FC236}">
-                <a16:creationId xmlns:a16="http://schemas.microsoft.com/office/drawing/2014/main" xmlns="" id="{096441BA-10BC-4E6B-A8CE-7C308E190311}"/>
+                <a16:creationId xmlns:a16="http://schemas.microsoft.com/office/drawing/2014/main" id="{096441BA-10BC-4E6B-A8CE-7C308E190311}"/>
               </a:ext>
             </a:extLst>
           </p:cNvPr>
@@ -4130,7 +4576,7 @@
           <p:cNvPr id="37" name="Textfeld 36">
             <a:extLst>
               <a:ext uri="{FF2B5EF4-FFF2-40B4-BE49-F238E27FC236}">
-                <a16:creationId xmlns:a16="http://schemas.microsoft.com/office/drawing/2014/main" xmlns="" id="{7E1C5C5F-9B91-48A4-93FF-0F95B1D00285}"/>
+                <a16:creationId xmlns:a16="http://schemas.microsoft.com/office/drawing/2014/main" id="{7E1C5C5F-9B91-48A4-93FF-0F95B1D00285}"/>
               </a:ext>
             </a:extLst>
           </p:cNvPr>
@@ -4175,7 +4621,7 @@
           <p:cNvPr id="11" name="Gerade Verbindung mit Pfeil 10">
             <a:extLst>
               <a:ext uri="{FF2B5EF4-FFF2-40B4-BE49-F238E27FC236}">
-                <a16:creationId xmlns:a16="http://schemas.microsoft.com/office/drawing/2014/main" xmlns="" id="{D44F33DC-7A48-45C8-BFAD-B0E912C6822E}"/>
+                <a16:creationId xmlns:a16="http://schemas.microsoft.com/office/drawing/2014/main" id="{D44F33DC-7A48-45C8-BFAD-B0E912C6822E}"/>
               </a:ext>
             </a:extLst>
           </p:cNvPr>
@@ -4219,7 +4665,7 @@
           <p:cNvPr id="38" name="Textfeld 37">
             <a:extLst>
               <a:ext uri="{FF2B5EF4-FFF2-40B4-BE49-F238E27FC236}">
-                <a16:creationId xmlns:a16="http://schemas.microsoft.com/office/drawing/2014/main" xmlns="" id="{C1555B31-4C6F-4514-9994-54536E4FE13B}"/>
+                <a16:creationId xmlns:a16="http://schemas.microsoft.com/office/drawing/2014/main" id="{C1555B31-4C6F-4514-9994-54536E4FE13B}"/>
               </a:ext>
             </a:extLst>
           </p:cNvPr>
@@ -4268,7 +4714,7 @@
           <p:cNvPr id="40" name="Gerader Verbinder 39">
             <a:extLst>
               <a:ext uri="{FF2B5EF4-FFF2-40B4-BE49-F238E27FC236}">
-                <a16:creationId xmlns:a16="http://schemas.microsoft.com/office/drawing/2014/main" xmlns="" id="{8EF695A0-2CBC-4393-A369-3119AB7B7113}"/>
+                <a16:creationId xmlns:a16="http://schemas.microsoft.com/office/drawing/2014/main" id="{8EF695A0-2CBC-4393-A369-3119AB7B7113}"/>
               </a:ext>
             </a:extLst>
           </p:cNvPr>
@@ -4339,7 +4785,7 @@
           <p:cNvPr id="2" name="Ellipse 1">
             <a:extLst>
               <a:ext uri="{FF2B5EF4-FFF2-40B4-BE49-F238E27FC236}">
-                <a16:creationId xmlns:a16="http://schemas.microsoft.com/office/drawing/2014/main" xmlns="" id="{2B3ACD3A-7C75-4673-944A-464045A0E9AF}"/>
+                <a16:creationId xmlns:a16="http://schemas.microsoft.com/office/drawing/2014/main" id="{2B3ACD3A-7C75-4673-944A-464045A0E9AF}"/>
               </a:ext>
             </a:extLst>
           </p:cNvPr>
@@ -4391,7 +4837,7 @@
           <p:cNvPr id="3" name="Ellipse 2">
             <a:extLst>
               <a:ext uri="{FF2B5EF4-FFF2-40B4-BE49-F238E27FC236}">
-                <a16:creationId xmlns:a16="http://schemas.microsoft.com/office/drawing/2014/main" xmlns="" id="{53536759-76CE-456C-8E16-C111C37F543C}"/>
+                <a16:creationId xmlns:a16="http://schemas.microsoft.com/office/drawing/2014/main" id="{53536759-76CE-456C-8E16-C111C37F543C}"/>
               </a:ext>
             </a:extLst>
           </p:cNvPr>
@@ -4443,7 +4889,7 @@
           <p:cNvPr id="5" name="Gerade Verbindung mit Pfeil 4">
             <a:extLst>
               <a:ext uri="{FF2B5EF4-FFF2-40B4-BE49-F238E27FC236}">
-                <a16:creationId xmlns:a16="http://schemas.microsoft.com/office/drawing/2014/main" xmlns="" id="{47DE6D7F-60A5-4A28-A8CA-E13D0B9C2E93}"/>
+                <a16:creationId xmlns:a16="http://schemas.microsoft.com/office/drawing/2014/main" id="{47DE6D7F-60A5-4A28-A8CA-E13D0B9C2E93}"/>
               </a:ext>
             </a:extLst>
           </p:cNvPr>
@@ -4487,7 +4933,7 @@
           <p:cNvPr id="6" name="Gerade Verbindung mit Pfeil 5">
             <a:extLst>
               <a:ext uri="{FF2B5EF4-FFF2-40B4-BE49-F238E27FC236}">
-                <a16:creationId xmlns:a16="http://schemas.microsoft.com/office/drawing/2014/main" xmlns="" id="{E56190AA-57A3-466B-ABA5-709E934C055F}"/>
+                <a16:creationId xmlns:a16="http://schemas.microsoft.com/office/drawing/2014/main" id="{E56190AA-57A3-466B-ABA5-709E934C055F}"/>
               </a:ext>
             </a:extLst>
           </p:cNvPr>
@@ -4531,7 +4977,7 @@
           <p:cNvPr id="8" name="Gerade Verbindung mit Pfeil 7">
             <a:extLst>
               <a:ext uri="{FF2B5EF4-FFF2-40B4-BE49-F238E27FC236}">
-                <a16:creationId xmlns:a16="http://schemas.microsoft.com/office/drawing/2014/main" xmlns="" id="{D0AD2803-AA4F-431C-893E-AB6D0ECAAAED}"/>
+                <a16:creationId xmlns:a16="http://schemas.microsoft.com/office/drawing/2014/main" id="{D0AD2803-AA4F-431C-893E-AB6D0ECAAAED}"/>
               </a:ext>
             </a:extLst>
           </p:cNvPr>
@@ -4576,7 +5022,7 @@
           <p:cNvPr id="12" name="Gerader Verbinder 11">
             <a:extLst>
               <a:ext uri="{FF2B5EF4-FFF2-40B4-BE49-F238E27FC236}">
-                <a16:creationId xmlns:a16="http://schemas.microsoft.com/office/drawing/2014/main" xmlns="" id="{E42A6C69-946F-4FFD-942F-6C5F21981703}"/>
+                <a16:creationId xmlns:a16="http://schemas.microsoft.com/office/drawing/2014/main" id="{E42A6C69-946F-4FFD-942F-6C5F21981703}"/>
               </a:ext>
             </a:extLst>
           </p:cNvPr>
@@ -4617,7 +5063,7 @@
           <p:cNvPr id="13" name="Gerader Verbinder 12">
             <a:extLst>
               <a:ext uri="{FF2B5EF4-FFF2-40B4-BE49-F238E27FC236}">
-                <a16:creationId xmlns:a16="http://schemas.microsoft.com/office/drawing/2014/main" xmlns="" id="{71EC7A47-248B-4A5E-A452-1D16387AE183}"/>
+                <a16:creationId xmlns:a16="http://schemas.microsoft.com/office/drawing/2014/main" id="{71EC7A47-248B-4A5E-A452-1D16387AE183}"/>
               </a:ext>
             </a:extLst>
           </p:cNvPr>
@@ -4660,7 +5106,7 @@
           <p:cNvPr id="15" name="Gerade Verbindung mit Pfeil 14">
             <a:extLst>
               <a:ext uri="{FF2B5EF4-FFF2-40B4-BE49-F238E27FC236}">
-                <a16:creationId xmlns:a16="http://schemas.microsoft.com/office/drawing/2014/main" xmlns="" id="{3DAEC6A3-86E3-4BC5-830E-8D3330CB90A6}"/>
+                <a16:creationId xmlns:a16="http://schemas.microsoft.com/office/drawing/2014/main" id="{3DAEC6A3-86E3-4BC5-830E-8D3330CB90A6}"/>
               </a:ext>
             </a:extLst>
           </p:cNvPr>
@@ -4703,7 +5149,7 @@
           <p:cNvPr id="16" name="Gerade Verbindung mit Pfeil 15">
             <a:extLst>
               <a:ext uri="{FF2B5EF4-FFF2-40B4-BE49-F238E27FC236}">
-                <a16:creationId xmlns:a16="http://schemas.microsoft.com/office/drawing/2014/main" xmlns="" id="{4FECAB05-93A6-4FAD-B0D7-3708DE4F1397}"/>
+                <a16:creationId xmlns:a16="http://schemas.microsoft.com/office/drawing/2014/main" id="{4FECAB05-93A6-4FAD-B0D7-3708DE4F1397}"/>
               </a:ext>
             </a:extLst>
           </p:cNvPr>
@@ -4746,7 +5192,7 @@
           <p:cNvPr id="21" name="Textfeld 20">
             <a:extLst>
               <a:ext uri="{FF2B5EF4-FFF2-40B4-BE49-F238E27FC236}">
-                <a16:creationId xmlns:a16="http://schemas.microsoft.com/office/drawing/2014/main" xmlns="" id="{90D1998D-B975-45E4-A3D8-67E1E223A28E}"/>
+                <a16:creationId xmlns:a16="http://schemas.microsoft.com/office/drawing/2014/main" id="{90D1998D-B975-45E4-A3D8-67E1E223A28E}"/>
               </a:ext>
             </a:extLst>
           </p:cNvPr>
@@ -4791,7 +5237,7 @@
           <p:cNvPr id="22" name="Textfeld 21">
             <a:extLst>
               <a:ext uri="{FF2B5EF4-FFF2-40B4-BE49-F238E27FC236}">
-                <a16:creationId xmlns:a16="http://schemas.microsoft.com/office/drawing/2014/main" xmlns="" id="{A527E15E-7A50-4642-A23F-988D1703218F}"/>
+                <a16:creationId xmlns:a16="http://schemas.microsoft.com/office/drawing/2014/main" id="{A527E15E-7A50-4642-A23F-988D1703218F}"/>
               </a:ext>
             </a:extLst>
           </p:cNvPr>
@@ -4836,7 +5282,7 @@
           <p:cNvPr id="23" name="Textfeld 22">
             <a:extLst>
               <a:ext uri="{FF2B5EF4-FFF2-40B4-BE49-F238E27FC236}">
-                <a16:creationId xmlns:a16="http://schemas.microsoft.com/office/drawing/2014/main" xmlns="" id="{A1E35C4E-9E89-4A1F-80E8-48F080D11BD8}"/>
+                <a16:creationId xmlns:a16="http://schemas.microsoft.com/office/drawing/2014/main" id="{A1E35C4E-9E89-4A1F-80E8-48F080D11BD8}"/>
               </a:ext>
             </a:extLst>
           </p:cNvPr>
@@ -4881,7 +5327,7 @@
           <p:cNvPr id="28" name="Gruppieren 27">
             <a:extLst>
               <a:ext uri="{FF2B5EF4-FFF2-40B4-BE49-F238E27FC236}">
-                <a16:creationId xmlns:a16="http://schemas.microsoft.com/office/drawing/2014/main" xmlns="" id="{627D707D-EE17-4959-9DE0-EDA36C99C0F0}"/>
+                <a16:creationId xmlns:a16="http://schemas.microsoft.com/office/drawing/2014/main" id="{627D707D-EE17-4959-9DE0-EDA36C99C0F0}"/>
               </a:ext>
             </a:extLst>
           </p:cNvPr>
@@ -4901,7 +5347,7 @@
             <p:cNvPr id="29" name="Gruppieren 28">
               <a:extLst>
                 <a:ext uri="{FF2B5EF4-FFF2-40B4-BE49-F238E27FC236}">
-                  <a16:creationId xmlns:a16="http://schemas.microsoft.com/office/drawing/2014/main" xmlns="" id="{F10D999F-9D1B-4971-BF1E-F303864FBA23}"/>
+                  <a16:creationId xmlns:a16="http://schemas.microsoft.com/office/drawing/2014/main" id="{F10D999F-9D1B-4971-BF1E-F303864FBA23}"/>
                 </a:ext>
               </a:extLst>
             </p:cNvPr>
@@ -4921,7 +5367,7 @@
               <p:cNvPr id="31" name="Gerade Verbindung mit Pfeil 30">
                 <a:extLst>
                   <a:ext uri="{FF2B5EF4-FFF2-40B4-BE49-F238E27FC236}">
-                    <a16:creationId xmlns:a16="http://schemas.microsoft.com/office/drawing/2014/main" xmlns="" id="{0CA818D9-7792-44C7-B6BA-A8E9C6A59404}"/>
+                    <a16:creationId xmlns:a16="http://schemas.microsoft.com/office/drawing/2014/main" id="{0CA818D9-7792-44C7-B6BA-A8E9C6A59404}"/>
                   </a:ext>
                 </a:extLst>
               </p:cNvPr>
@@ -4960,7 +5406,7 @@
               <p:cNvPr id="32" name="Gerade Verbindung mit Pfeil 31">
                 <a:extLst>
                   <a:ext uri="{FF2B5EF4-FFF2-40B4-BE49-F238E27FC236}">
-                    <a16:creationId xmlns:a16="http://schemas.microsoft.com/office/drawing/2014/main" xmlns="" id="{591FF2FB-363C-43E2-B972-B00AFB655C94}"/>
+                    <a16:creationId xmlns:a16="http://schemas.microsoft.com/office/drawing/2014/main" id="{591FF2FB-363C-43E2-B972-B00AFB655C94}"/>
                   </a:ext>
                 </a:extLst>
               </p:cNvPr>
@@ -5001,7 +5447,7 @@
               <p:cNvPr id="33" name="Textfeld 32">
                 <a:extLst>
                   <a:ext uri="{FF2B5EF4-FFF2-40B4-BE49-F238E27FC236}">
-                    <a16:creationId xmlns:a16="http://schemas.microsoft.com/office/drawing/2014/main" xmlns="" id="{BFD13965-230B-47AB-A7BB-FB4677A5F30F}"/>
+                    <a16:creationId xmlns:a16="http://schemas.microsoft.com/office/drawing/2014/main" id="{BFD13965-230B-47AB-A7BB-FB4677A5F30F}"/>
                   </a:ext>
                 </a:extLst>
               </p:cNvPr>
@@ -5037,7 +5483,7 @@
             <p:cNvPr id="30" name="Textfeld 29">
               <a:extLst>
                 <a:ext uri="{FF2B5EF4-FFF2-40B4-BE49-F238E27FC236}">
-                  <a16:creationId xmlns:a16="http://schemas.microsoft.com/office/drawing/2014/main" xmlns="" id="{FDEA4E00-D078-48D8-B9EF-559DCA3C9643}"/>
+                  <a16:creationId xmlns:a16="http://schemas.microsoft.com/office/drawing/2014/main" id="{FDEA4E00-D078-48D8-B9EF-559DCA3C9643}"/>
                 </a:ext>
               </a:extLst>
             </p:cNvPr>
@@ -5073,7 +5519,7 @@
           <p:cNvPr id="34" name="Textfeld 33">
             <a:extLst>
               <a:ext uri="{FF2B5EF4-FFF2-40B4-BE49-F238E27FC236}">
-                <a16:creationId xmlns:a16="http://schemas.microsoft.com/office/drawing/2014/main" xmlns="" id="{743DA5BB-4582-4BDE-B8F0-C6CB03A17BE2}"/>
+                <a16:creationId xmlns:a16="http://schemas.microsoft.com/office/drawing/2014/main" id="{743DA5BB-4582-4BDE-B8F0-C6CB03A17BE2}"/>
               </a:ext>
             </a:extLst>
           </p:cNvPr>
@@ -5111,7 +5557,7 @@
           <p:cNvPr id="35" name="Textfeld 34">
             <a:extLst>
               <a:ext uri="{FF2B5EF4-FFF2-40B4-BE49-F238E27FC236}">
-                <a16:creationId xmlns:a16="http://schemas.microsoft.com/office/drawing/2014/main" xmlns="" id="{04715C11-605F-4B8F-81A6-8B5B738C3050}"/>
+                <a16:creationId xmlns:a16="http://schemas.microsoft.com/office/drawing/2014/main" id="{04715C11-605F-4B8F-81A6-8B5B738C3050}"/>
               </a:ext>
             </a:extLst>
           </p:cNvPr>
@@ -5179,7 +5625,7 @@
           <p:cNvPr id="2" name="Rechteck 1">
             <a:extLst>
               <a:ext uri="{FF2B5EF4-FFF2-40B4-BE49-F238E27FC236}">
-                <a16:creationId xmlns:a16="http://schemas.microsoft.com/office/drawing/2014/main" xmlns="" id="{D144D94C-2289-4013-A9D0-E50B76235F78}"/>
+                <a16:creationId xmlns:a16="http://schemas.microsoft.com/office/drawing/2014/main" id="{D144D94C-2289-4013-A9D0-E50B76235F78}"/>
               </a:ext>
             </a:extLst>
           </p:cNvPr>
@@ -5231,7 +5677,7 @@
           <p:cNvPr id="4" name="Gerade Verbindung mit Pfeil 3">
             <a:extLst>
               <a:ext uri="{FF2B5EF4-FFF2-40B4-BE49-F238E27FC236}">
-                <a16:creationId xmlns:a16="http://schemas.microsoft.com/office/drawing/2014/main" xmlns="" id="{4505AB64-DC1C-4AEE-AD57-F2CA0E3FA2E9}"/>
+                <a16:creationId xmlns:a16="http://schemas.microsoft.com/office/drawing/2014/main" id="{4505AB64-DC1C-4AEE-AD57-F2CA0E3FA2E9}"/>
               </a:ext>
             </a:extLst>
           </p:cNvPr>
@@ -5276,7 +5722,7 @@
           <p:cNvPr id="8" name="Gerade Verbindung mit Pfeil 7">
             <a:extLst>
               <a:ext uri="{FF2B5EF4-FFF2-40B4-BE49-F238E27FC236}">
-                <a16:creationId xmlns:a16="http://schemas.microsoft.com/office/drawing/2014/main" xmlns="" id="{B5B15429-6E3F-4F11-BD32-07D58259D622}"/>
+                <a16:creationId xmlns:a16="http://schemas.microsoft.com/office/drawing/2014/main" id="{B5B15429-6E3F-4F11-BD32-07D58259D622}"/>
               </a:ext>
             </a:extLst>
           </p:cNvPr>
@@ -5320,7 +5766,7 @@
           <p:cNvPr id="9" name="Gerade Verbindung mit Pfeil 8">
             <a:extLst>
               <a:ext uri="{FF2B5EF4-FFF2-40B4-BE49-F238E27FC236}">
-                <a16:creationId xmlns:a16="http://schemas.microsoft.com/office/drawing/2014/main" xmlns="" id="{B66E2304-7E01-46A7-919B-5153ACF897CB}"/>
+                <a16:creationId xmlns:a16="http://schemas.microsoft.com/office/drawing/2014/main" id="{B66E2304-7E01-46A7-919B-5153ACF897CB}"/>
               </a:ext>
             </a:extLst>
           </p:cNvPr>
@@ -5364,7 +5810,7 @@
           <p:cNvPr id="5" name="Gruppieren 4">
             <a:extLst>
               <a:ext uri="{FF2B5EF4-FFF2-40B4-BE49-F238E27FC236}">
-                <a16:creationId xmlns:a16="http://schemas.microsoft.com/office/drawing/2014/main" xmlns="" id="{BCFB85C1-C4B1-4E5E-A3BB-FA9706001FA8}"/>
+                <a16:creationId xmlns:a16="http://schemas.microsoft.com/office/drawing/2014/main" id="{BCFB85C1-C4B1-4E5E-A3BB-FA9706001FA8}"/>
               </a:ext>
             </a:extLst>
           </p:cNvPr>
@@ -5384,7 +5830,7 @@
             <p:cNvPr id="3" name="Gruppieren 2">
               <a:extLst>
                 <a:ext uri="{FF2B5EF4-FFF2-40B4-BE49-F238E27FC236}">
-                  <a16:creationId xmlns:a16="http://schemas.microsoft.com/office/drawing/2014/main" xmlns="" id="{154378B4-0281-4001-908D-1C186E31E567}"/>
+                  <a16:creationId xmlns:a16="http://schemas.microsoft.com/office/drawing/2014/main" id="{154378B4-0281-4001-908D-1C186E31E567}"/>
                 </a:ext>
               </a:extLst>
             </p:cNvPr>
@@ -5404,7 +5850,7 @@
               <p:cNvPr id="24" name="Gerade Verbindung mit Pfeil 23">
                 <a:extLst>
                   <a:ext uri="{FF2B5EF4-FFF2-40B4-BE49-F238E27FC236}">
-                    <a16:creationId xmlns:a16="http://schemas.microsoft.com/office/drawing/2014/main" xmlns="" id="{310442C6-9E91-4C86-A911-88EF52519BA8}"/>
+                    <a16:creationId xmlns:a16="http://schemas.microsoft.com/office/drawing/2014/main" id="{310442C6-9E91-4C86-A911-88EF52519BA8}"/>
                   </a:ext>
                 </a:extLst>
               </p:cNvPr>
@@ -5443,7 +5889,7 @@
               <p:cNvPr id="26" name="Gerade Verbindung mit Pfeil 25">
                 <a:extLst>
                   <a:ext uri="{FF2B5EF4-FFF2-40B4-BE49-F238E27FC236}">
-                    <a16:creationId xmlns:a16="http://schemas.microsoft.com/office/drawing/2014/main" xmlns="" id="{410FEC98-82F4-4707-84F3-E2A3A8FD521B}"/>
+                    <a16:creationId xmlns:a16="http://schemas.microsoft.com/office/drawing/2014/main" id="{410FEC98-82F4-4707-84F3-E2A3A8FD521B}"/>
                   </a:ext>
                 </a:extLst>
               </p:cNvPr>
@@ -5484,7 +5930,7 @@
               <p:cNvPr id="28" name="Textfeld 27">
                 <a:extLst>
                   <a:ext uri="{FF2B5EF4-FFF2-40B4-BE49-F238E27FC236}">
-                    <a16:creationId xmlns:a16="http://schemas.microsoft.com/office/drawing/2014/main" xmlns="" id="{18DD6999-5CFE-4405-B945-25C14D02FEF5}"/>
+                    <a16:creationId xmlns:a16="http://schemas.microsoft.com/office/drawing/2014/main" id="{18DD6999-5CFE-4405-B945-25C14D02FEF5}"/>
                   </a:ext>
                 </a:extLst>
               </p:cNvPr>
@@ -5520,7 +5966,7 @@
             <p:cNvPr id="29" name="Textfeld 28">
               <a:extLst>
                 <a:ext uri="{FF2B5EF4-FFF2-40B4-BE49-F238E27FC236}">
-                  <a16:creationId xmlns:a16="http://schemas.microsoft.com/office/drawing/2014/main" xmlns="" id="{72E3181E-BA35-4B43-8E82-5492F61E06FB}"/>
+                  <a16:creationId xmlns:a16="http://schemas.microsoft.com/office/drawing/2014/main" id="{72E3181E-BA35-4B43-8E82-5492F61E06FB}"/>
                 </a:ext>
               </a:extLst>
             </p:cNvPr>
@@ -5556,7 +6002,7 @@
           <p:cNvPr id="6" name="Gruppieren 5">
             <a:extLst>
               <a:ext uri="{FF2B5EF4-FFF2-40B4-BE49-F238E27FC236}">
-                <a16:creationId xmlns:a16="http://schemas.microsoft.com/office/drawing/2014/main" xmlns="" id="{9B98FCCE-B2CE-47C2-BBB0-D6E9EC907671}"/>
+                <a16:creationId xmlns:a16="http://schemas.microsoft.com/office/drawing/2014/main" id="{9B98FCCE-B2CE-47C2-BBB0-D6E9EC907671}"/>
               </a:ext>
             </a:extLst>
           </p:cNvPr>
@@ -5576,7 +6022,7 @@
             <p:cNvPr id="16" name="Gerade Verbindung mit Pfeil 15">
               <a:extLst>
                 <a:ext uri="{FF2B5EF4-FFF2-40B4-BE49-F238E27FC236}">
-                  <a16:creationId xmlns:a16="http://schemas.microsoft.com/office/drawing/2014/main" xmlns="" id="{B1487A4C-D5C8-449F-A12B-5A5CAA93DE59}"/>
+                  <a16:creationId xmlns:a16="http://schemas.microsoft.com/office/drawing/2014/main" id="{B1487A4C-D5C8-449F-A12B-5A5CAA93DE59}"/>
                 </a:ext>
               </a:extLst>
             </p:cNvPr>
@@ -5618,7 +6064,7 @@
             <p:cNvPr id="18" name="Gerade Verbindung mit Pfeil 17">
               <a:extLst>
                 <a:ext uri="{FF2B5EF4-FFF2-40B4-BE49-F238E27FC236}">
-                  <a16:creationId xmlns:a16="http://schemas.microsoft.com/office/drawing/2014/main" xmlns="" id="{EFAA1BE7-4B70-4DAF-802D-BCB4141E7E5F}"/>
+                  <a16:creationId xmlns:a16="http://schemas.microsoft.com/office/drawing/2014/main" id="{EFAA1BE7-4B70-4DAF-802D-BCB4141E7E5F}"/>
                 </a:ext>
               </a:extLst>
             </p:cNvPr>
@@ -5660,7 +6106,7 @@
             <p:cNvPr id="20" name="Gerade Verbindung mit Pfeil 19">
               <a:extLst>
                 <a:ext uri="{FF2B5EF4-FFF2-40B4-BE49-F238E27FC236}">
-                  <a16:creationId xmlns:a16="http://schemas.microsoft.com/office/drawing/2014/main" xmlns="" id="{7ACA4C1C-ECE5-44D0-9F38-2282B9102AF8}"/>
+                  <a16:creationId xmlns:a16="http://schemas.microsoft.com/office/drawing/2014/main" id="{7ACA4C1C-ECE5-44D0-9F38-2282B9102AF8}"/>
                 </a:ext>
               </a:extLst>
             </p:cNvPr>
@@ -5702,7 +6148,7 @@
             <p:cNvPr id="22" name="Gerade Verbindung mit Pfeil 21">
               <a:extLst>
                 <a:ext uri="{FF2B5EF4-FFF2-40B4-BE49-F238E27FC236}">
-                  <a16:creationId xmlns:a16="http://schemas.microsoft.com/office/drawing/2014/main" xmlns="" id="{44927AA6-8F0D-4DAA-B895-0D7093E28BA1}"/>
+                  <a16:creationId xmlns:a16="http://schemas.microsoft.com/office/drawing/2014/main" id="{44927AA6-8F0D-4DAA-B895-0D7093E28BA1}"/>
                 </a:ext>
               </a:extLst>
             </p:cNvPr>
@@ -5744,7 +6190,7 @@
             <p:cNvPr id="30" name="Textfeld 29">
               <a:extLst>
                 <a:ext uri="{FF2B5EF4-FFF2-40B4-BE49-F238E27FC236}">
-                  <a16:creationId xmlns:a16="http://schemas.microsoft.com/office/drawing/2014/main" xmlns="" id="{9B4D3990-7E7B-4EAE-ABDF-87D303B99CB3}"/>
+                  <a16:creationId xmlns:a16="http://schemas.microsoft.com/office/drawing/2014/main" id="{9B4D3990-7E7B-4EAE-ABDF-87D303B99CB3}"/>
                 </a:ext>
               </a:extLst>
             </p:cNvPr>
@@ -5797,7 +6243,7 @@
             <p:cNvPr id="31" name="Textfeld 30">
               <a:extLst>
                 <a:ext uri="{FF2B5EF4-FFF2-40B4-BE49-F238E27FC236}">
-                  <a16:creationId xmlns:a16="http://schemas.microsoft.com/office/drawing/2014/main" xmlns="" id="{0E3472A2-C2A7-48F3-A218-B7D8ECF2FE50}"/>
+                  <a16:creationId xmlns:a16="http://schemas.microsoft.com/office/drawing/2014/main" id="{0E3472A2-C2A7-48F3-A218-B7D8ECF2FE50}"/>
                 </a:ext>
               </a:extLst>
             </p:cNvPr>
@@ -5850,7 +6296,7 @@
             <p:cNvPr id="32" name="Textfeld 31">
               <a:extLst>
                 <a:ext uri="{FF2B5EF4-FFF2-40B4-BE49-F238E27FC236}">
-                  <a16:creationId xmlns:a16="http://schemas.microsoft.com/office/drawing/2014/main" xmlns="" id="{6FB5C9B1-05AD-42F6-8D07-F962E1DBBC09}"/>
+                  <a16:creationId xmlns:a16="http://schemas.microsoft.com/office/drawing/2014/main" id="{6FB5C9B1-05AD-42F6-8D07-F962E1DBBC09}"/>
                 </a:ext>
               </a:extLst>
             </p:cNvPr>
@@ -5903,7 +6349,7 @@
             <p:cNvPr id="33" name="Textfeld 32">
               <a:extLst>
                 <a:ext uri="{FF2B5EF4-FFF2-40B4-BE49-F238E27FC236}">
-                  <a16:creationId xmlns:a16="http://schemas.microsoft.com/office/drawing/2014/main" xmlns="" id="{7FB2C589-995B-4555-A338-BF1B946E0D56}"/>
+                  <a16:creationId xmlns:a16="http://schemas.microsoft.com/office/drawing/2014/main" id="{7FB2C589-995B-4555-A338-BF1B946E0D56}"/>
                 </a:ext>
               </a:extLst>
             </p:cNvPr>
@@ -5957,7 +6403,7 @@
           <p:cNvPr id="34" name="Textfeld 33">
             <a:extLst>
               <a:ext uri="{FF2B5EF4-FFF2-40B4-BE49-F238E27FC236}">
-                <a16:creationId xmlns:a16="http://schemas.microsoft.com/office/drawing/2014/main" xmlns="" id="{BF4B2FAD-B656-4F08-B9E4-344801DB9BC4}"/>
+                <a16:creationId xmlns:a16="http://schemas.microsoft.com/office/drawing/2014/main" id="{BF4B2FAD-B656-4F08-B9E4-344801DB9BC4}"/>
               </a:ext>
             </a:extLst>
           </p:cNvPr>
@@ -6002,7 +6448,7 @@
           <p:cNvPr id="35" name="Textfeld 34">
             <a:extLst>
               <a:ext uri="{FF2B5EF4-FFF2-40B4-BE49-F238E27FC236}">
-                <a16:creationId xmlns:a16="http://schemas.microsoft.com/office/drawing/2014/main" xmlns="" id="{865E304E-5C43-45D5-9D95-071105971C78}"/>
+                <a16:creationId xmlns:a16="http://schemas.microsoft.com/office/drawing/2014/main" id="{865E304E-5C43-45D5-9D95-071105971C78}"/>
               </a:ext>
             </a:extLst>
           </p:cNvPr>
@@ -6047,7 +6493,7 @@
           <p:cNvPr id="36" name="Textfeld 35">
             <a:extLst>
               <a:ext uri="{FF2B5EF4-FFF2-40B4-BE49-F238E27FC236}">
-                <a16:creationId xmlns:a16="http://schemas.microsoft.com/office/drawing/2014/main" xmlns="" id="{607D972F-1A74-4A52-8A88-9EDC83AFC9B4}"/>
+                <a16:creationId xmlns:a16="http://schemas.microsoft.com/office/drawing/2014/main" id="{607D972F-1A74-4A52-8A88-9EDC83AFC9B4}"/>
               </a:ext>
             </a:extLst>
           </p:cNvPr>
@@ -6092,7 +6538,7 @@
           <p:cNvPr id="40" name="Gerader Verbinder 39">
             <a:extLst>
               <a:ext uri="{FF2B5EF4-FFF2-40B4-BE49-F238E27FC236}">
-                <a16:creationId xmlns:a16="http://schemas.microsoft.com/office/drawing/2014/main" xmlns="" id="{8EF695A0-2CBC-4393-A369-3119AB7B7113}"/>
+                <a16:creationId xmlns:a16="http://schemas.microsoft.com/office/drawing/2014/main" id="{8EF695A0-2CBC-4393-A369-3119AB7B7113}"/>
               </a:ext>
             </a:extLst>
           </p:cNvPr>
@@ -6133,7 +6579,7 @@
           <p:cNvPr id="27" name="Gerade Verbindung mit Pfeil 26">
             <a:extLst>
               <a:ext uri="{FF2B5EF4-FFF2-40B4-BE49-F238E27FC236}">
-                <a16:creationId xmlns:a16="http://schemas.microsoft.com/office/drawing/2014/main" xmlns="" id="{7F8DBCB3-B451-46CA-8138-8426D9998553}"/>
+                <a16:creationId xmlns:a16="http://schemas.microsoft.com/office/drawing/2014/main" id="{7F8DBCB3-B451-46CA-8138-8426D9998553}"/>
               </a:ext>
             </a:extLst>
           </p:cNvPr>
@@ -6176,7 +6622,7 @@
           <p:cNvPr id="37" name="Textfeld 36">
             <a:extLst>
               <a:ext uri="{FF2B5EF4-FFF2-40B4-BE49-F238E27FC236}">
-                <a16:creationId xmlns:a16="http://schemas.microsoft.com/office/drawing/2014/main" xmlns="" id="{9AD966CB-9CBB-4348-9AD4-A41690F519C8}"/>
+                <a16:creationId xmlns:a16="http://schemas.microsoft.com/office/drawing/2014/main" id="{9AD966CB-9CBB-4348-9AD4-A41690F519C8}"/>
               </a:ext>
             </a:extLst>
           </p:cNvPr>
@@ -6221,7 +6667,7 @@
           <p:cNvPr id="38" name="Gerade Verbindung mit Pfeil 37">
             <a:extLst>
               <a:ext uri="{FF2B5EF4-FFF2-40B4-BE49-F238E27FC236}">
-                <a16:creationId xmlns:a16="http://schemas.microsoft.com/office/drawing/2014/main" xmlns="" id="{A97DFDB0-59DD-4EED-96A1-79BD36493742}"/>
+                <a16:creationId xmlns:a16="http://schemas.microsoft.com/office/drawing/2014/main" id="{A97DFDB0-59DD-4EED-96A1-79BD36493742}"/>
               </a:ext>
             </a:extLst>
           </p:cNvPr>
@@ -6264,7 +6710,7 @@
           <p:cNvPr id="41" name="Textfeld 40">
             <a:extLst>
               <a:ext uri="{FF2B5EF4-FFF2-40B4-BE49-F238E27FC236}">
-                <a16:creationId xmlns:a16="http://schemas.microsoft.com/office/drawing/2014/main" xmlns="" id="{7F86DFD9-7A7E-41F0-9C26-CD77C1974F97}"/>
+                <a16:creationId xmlns:a16="http://schemas.microsoft.com/office/drawing/2014/main" id="{7F86DFD9-7A7E-41F0-9C26-CD77C1974F97}"/>
               </a:ext>
             </a:extLst>
           </p:cNvPr>
@@ -6339,7 +6785,7 @@
           <p:cNvPr id="5" name="Rechteck 4">
             <a:extLst>
               <a:ext uri="{FF2B5EF4-FFF2-40B4-BE49-F238E27FC236}">
-                <a16:creationId xmlns:a16="http://schemas.microsoft.com/office/drawing/2014/main" xmlns="" id="{DED36884-F986-4734-9114-90B3726D3911}"/>
+                <a16:creationId xmlns:a16="http://schemas.microsoft.com/office/drawing/2014/main" id="{DED36884-F986-4734-9114-90B3726D3911}"/>
               </a:ext>
             </a:extLst>
           </p:cNvPr>
@@ -6393,7 +6839,7 @@
           <p:cNvPr id="4" name="Rechteck 3">
             <a:extLst>
               <a:ext uri="{FF2B5EF4-FFF2-40B4-BE49-F238E27FC236}">
-                <a16:creationId xmlns:a16="http://schemas.microsoft.com/office/drawing/2014/main" xmlns="" id="{D79D1553-633E-457F-BE19-3966945D0A8F}"/>
+                <a16:creationId xmlns:a16="http://schemas.microsoft.com/office/drawing/2014/main" id="{D79D1553-633E-457F-BE19-3966945D0A8F}"/>
               </a:ext>
             </a:extLst>
           </p:cNvPr>
@@ -6447,7 +6893,7 @@
           <p:cNvPr id="3" name="Gerader Verbinder 2">
             <a:extLst>
               <a:ext uri="{FF2B5EF4-FFF2-40B4-BE49-F238E27FC236}">
-                <a16:creationId xmlns:a16="http://schemas.microsoft.com/office/drawing/2014/main" xmlns="" id="{1250052E-CE76-4C37-BCE4-97AD7A2559A4}"/>
+                <a16:creationId xmlns:a16="http://schemas.microsoft.com/office/drawing/2014/main" id="{1250052E-CE76-4C37-BCE4-97AD7A2559A4}"/>
               </a:ext>
             </a:extLst>
           </p:cNvPr>
@@ -6488,7 +6934,7 @@
           <p:cNvPr id="6" name="Textfeld 5">
             <a:extLst>
               <a:ext uri="{FF2B5EF4-FFF2-40B4-BE49-F238E27FC236}">
-                <a16:creationId xmlns:a16="http://schemas.microsoft.com/office/drawing/2014/main" xmlns="" id="{0485B196-4F97-402E-A841-7AE30AA7BFB6}"/>
+                <a16:creationId xmlns:a16="http://schemas.microsoft.com/office/drawing/2014/main" id="{0485B196-4F97-402E-A841-7AE30AA7BFB6}"/>
               </a:ext>
             </a:extLst>
           </p:cNvPr>
@@ -6531,7 +6977,7 @@
           <p:cNvPr id="7" name="Textfeld 6">
             <a:extLst>
               <a:ext uri="{FF2B5EF4-FFF2-40B4-BE49-F238E27FC236}">
-                <a16:creationId xmlns:a16="http://schemas.microsoft.com/office/drawing/2014/main" xmlns="" id="{AF80A6D4-7E54-46C5-A3C4-F3FED4910D79}"/>
+                <a16:creationId xmlns:a16="http://schemas.microsoft.com/office/drawing/2014/main" id="{AF80A6D4-7E54-46C5-A3C4-F3FED4910D79}"/>
               </a:ext>
             </a:extLst>
           </p:cNvPr>
@@ -6588,7 +7034,7 @@
           <p:cNvPr id="10" name="Textfeld 9">
             <a:extLst>
               <a:ext uri="{FF2B5EF4-FFF2-40B4-BE49-F238E27FC236}">
-                <a16:creationId xmlns:a16="http://schemas.microsoft.com/office/drawing/2014/main" xmlns="" id="{A34CE71D-182E-4919-9015-C26A760E9A73}"/>
+                <a16:creationId xmlns:a16="http://schemas.microsoft.com/office/drawing/2014/main" id="{A34CE71D-182E-4919-9015-C26A760E9A73}"/>
               </a:ext>
             </a:extLst>
           </p:cNvPr>
@@ -6631,7 +7077,7 @@
           <p:cNvPr id="11" name="Gerade Verbindung mit Pfeil 10">
             <a:extLst>
               <a:ext uri="{FF2B5EF4-FFF2-40B4-BE49-F238E27FC236}">
-                <a16:creationId xmlns:a16="http://schemas.microsoft.com/office/drawing/2014/main" xmlns="" id="{8027C559-094D-44C0-8A1C-A87E7BBB8F78}"/>
+                <a16:creationId xmlns:a16="http://schemas.microsoft.com/office/drawing/2014/main" id="{8027C559-094D-44C0-8A1C-A87E7BBB8F78}"/>
               </a:ext>
             </a:extLst>
           </p:cNvPr>
@@ -6673,7 +7119,7 @@
           <p:cNvPr id="12" name="Gerade Verbindung mit Pfeil 11">
             <a:extLst>
               <a:ext uri="{FF2B5EF4-FFF2-40B4-BE49-F238E27FC236}">
-                <a16:creationId xmlns:a16="http://schemas.microsoft.com/office/drawing/2014/main" xmlns="" id="{CEBFCD90-2926-490C-9CBE-662467F982CF}"/>
+                <a16:creationId xmlns:a16="http://schemas.microsoft.com/office/drawing/2014/main" id="{CEBFCD90-2926-490C-9CBE-662467F982CF}"/>
               </a:ext>
             </a:extLst>
           </p:cNvPr>
@@ -6715,7 +7161,7 @@
           <p:cNvPr id="13" name="Gerade Verbindung mit Pfeil 12">
             <a:extLst>
               <a:ext uri="{FF2B5EF4-FFF2-40B4-BE49-F238E27FC236}">
-                <a16:creationId xmlns:a16="http://schemas.microsoft.com/office/drawing/2014/main" xmlns="" id="{6D6F7A55-B3AC-4A6D-94D2-98A6E801C59A}"/>
+                <a16:creationId xmlns:a16="http://schemas.microsoft.com/office/drawing/2014/main" id="{6D6F7A55-B3AC-4A6D-94D2-98A6E801C59A}"/>
               </a:ext>
             </a:extLst>
           </p:cNvPr>
@@ -6757,7 +7203,7 @@
           <p:cNvPr id="14" name="Gerade Verbindung mit Pfeil 13">
             <a:extLst>
               <a:ext uri="{FF2B5EF4-FFF2-40B4-BE49-F238E27FC236}">
-                <a16:creationId xmlns:a16="http://schemas.microsoft.com/office/drawing/2014/main" xmlns="" id="{782C1408-D9EA-493E-9259-176FDF5163EC}"/>
+                <a16:creationId xmlns:a16="http://schemas.microsoft.com/office/drawing/2014/main" id="{782C1408-D9EA-493E-9259-176FDF5163EC}"/>
               </a:ext>
             </a:extLst>
           </p:cNvPr>
@@ -6799,7 +7245,7 @@
           <p:cNvPr id="19" name="Textfeld 18">
             <a:extLst>
               <a:ext uri="{FF2B5EF4-FFF2-40B4-BE49-F238E27FC236}">
-                <a16:creationId xmlns:a16="http://schemas.microsoft.com/office/drawing/2014/main" xmlns="" id="{117CFCC0-43CF-4716-8794-23A7922E2AA6}"/>
+                <a16:creationId xmlns:a16="http://schemas.microsoft.com/office/drawing/2014/main" id="{117CFCC0-43CF-4716-8794-23A7922E2AA6}"/>
               </a:ext>
             </a:extLst>
           </p:cNvPr>
@@ -6852,7 +7298,7 @@
           <p:cNvPr id="20" name="Textfeld 19">
             <a:extLst>
               <a:ext uri="{FF2B5EF4-FFF2-40B4-BE49-F238E27FC236}">
-                <a16:creationId xmlns:a16="http://schemas.microsoft.com/office/drawing/2014/main" xmlns="" id="{DEB576D0-C61B-40B3-9A2E-9E96AFACBF00}"/>
+                <a16:creationId xmlns:a16="http://schemas.microsoft.com/office/drawing/2014/main" id="{DEB576D0-C61B-40B3-9A2E-9E96AFACBF00}"/>
               </a:ext>
             </a:extLst>
           </p:cNvPr>
@@ -6905,7 +7351,7 @@
           <p:cNvPr id="21" name="Textfeld 20">
             <a:extLst>
               <a:ext uri="{FF2B5EF4-FFF2-40B4-BE49-F238E27FC236}">
-                <a16:creationId xmlns:a16="http://schemas.microsoft.com/office/drawing/2014/main" xmlns="" id="{86970C7E-C3C5-4F62-ABED-74FC8B5277E5}"/>
+                <a16:creationId xmlns:a16="http://schemas.microsoft.com/office/drawing/2014/main" id="{86970C7E-C3C5-4F62-ABED-74FC8B5277E5}"/>
               </a:ext>
             </a:extLst>
           </p:cNvPr>
@@ -6958,7 +7404,7 @@
           <p:cNvPr id="22" name="Textfeld 21">
             <a:extLst>
               <a:ext uri="{FF2B5EF4-FFF2-40B4-BE49-F238E27FC236}">
-                <a16:creationId xmlns:a16="http://schemas.microsoft.com/office/drawing/2014/main" xmlns="" id="{6A6A44E9-EF16-4E53-9EB2-C72D7C4D0168}"/>
+                <a16:creationId xmlns:a16="http://schemas.microsoft.com/office/drawing/2014/main" id="{6A6A44E9-EF16-4E53-9EB2-C72D7C4D0168}"/>
               </a:ext>
             </a:extLst>
           </p:cNvPr>
@@ -7011,7 +7457,7 @@
           <p:cNvPr id="2" name="Trapezoid 1">
             <a:extLst>
               <a:ext uri="{FF2B5EF4-FFF2-40B4-BE49-F238E27FC236}">
-                <a16:creationId xmlns:a16="http://schemas.microsoft.com/office/drawing/2014/main" xmlns="" id="{4F717245-6F2B-436C-B06F-B71C4C9B7378}"/>
+                <a16:creationId xmlns:a16="http://schemas.microsoft.com/office/drawing/2014/main" id="{4F717245-6F2B-436C-B06F-B71C4C9B7378}"/>
               </a:ext>
             </a:extLst>
           </p:cNvPr>
@@ -7065,7 +7511,7 @@
           <p:cNvPr id="9" name="Gerade Verbindung mit Pfeil 8">
             <a:extLst>
               <a:ext uri="{FF2B5EF4-FFF2-40B4-BE49-F238E27FC236}">
-                <a16:creationId xmlns:a16="http://schemas.microsoft.com/office/drawing/2014/main" xmlns="" id="{736B5B27-66CF-44DD-84A3-BD288082062C}"/>
+                <a16:creationId xmlns:a16="http://schemas.microsoft.com/office/drawing/2014/main" id="{736B5B27-66CF-44DD-84A3-BD288082062C}"/>
               </a:ext>
             </a:extLst>
           </p:cNvPr>
@@ -7105,7 +7551,7 @@
           <p:cNvPr id="16" name="Gerade Verbindung mit Pfeil 15">
             <a:extLst>
               <a:ext uri="{FF2B5EF4-FFF2-40B4-BE49-F238E27FC236}">
-                <a16:creationId xmlns:a16="http://schemas.microsoft.com/office/drawing/2014/main" xmlns="" id="{DABD9667-9DFD-4DB6-97F0-18387CAF0F38}"/>
+                <a16:creationId xmlns:a16="http://schemas.microsoft.com/office/drawing/2014/main" id="{DABD9667-9DFD-4DB6-97F0-18387CAF0F38}"/>
               </a:ext>
             </a:extLst>
           </p:cNvPr>
@@ -7148,7 +7594,7 @@
           <p:cNvPr id="23" name="Gerader Verbinder 22">
             <a:extLst>
               <a:ext uri="{FF2B5EF4-FFF2-40B4-BE49-F238E27FC236}">
-                <a16:creationId xmlns:a16="http://schemas.microsoft.com/office/drawing/2014/main" xmlns="" id="{BC0D837E-7A20-4C6C-B1AF-2C945E921F4B}"/>
+                <a16:creationId xmlns:a16="http://schemas.microsoft.com/office/drawing/2014/main" id="{BC0D837E-7A20-4C6C-B1AF-2C945E921F4B}"/>
               </a:ext>
             </a:extLst>
           </p:cNvPr>
@@ -7189,7 +7635,7 @@
           <p:cNvPr id="24" name="Textfeld 23">
             <a:extLst>
               <a:ext uri="{FF2B5EF4-FFF2-40B4-BE49-F238E27FC236}">
-                <a16:creationId xmlns:a16="http://schemas.microsoft.com/office/drawing/2014/main" xmlns="" id="{3D91693A-F571-4648-A721-AE0D77DF7B77}"/>
+                <a16:creationId xmlns:a16="http://schemas.microsoft.com/office/drawing/2014/main" id="{3D91693A-F571-4648-A721-AE0D77DF7B77}"/>
               </a:ext>
             </a:extLst>
           </p:cNvPr>
@@ -7213,10 +7659,9 @@
           <a:lstStyle/>
           <a:p>
             <a:r>
-              <a:rPr lang="de-DE" dirty="0" smtClean="0"/>
+              <a:rPr lang="de-DE" dirty="0"/>
               <a:t>0,5</a:t>
             </a:r>
-            <a:endParaRPr lang="de-DE" dirty="0"/>
           </a:p>
         </p:txBody>
       </p:sp>
@@ -7225,7 +7670,7 @@
           <p:cNvPr id="25" name="Textfeld 24">
             <a:extLst>
               <a:ext uri="{FF2B5EF4-FFF2-40B4-BE49-F238E27FC236}">
-                <a16:creationId xmlns:a16="http://schemas.microsoft.com/office/drawing/2014/main" xmlns="" id="{9BE60142-237A-4092-9739-F5F8312D50B8}"/>
+                <a16:creationId xmlns:a16="http://schemas.microsoft.com/office/drawing/2014/main" id="{9BE60142-237A-4092-9739-F5F8312D50B8}"/>
               </a:ext>
             </a:extLst>
           </p:cNvPr>
@@ -7263,7 +7708,7 @@
           <p:cNvPr id="29" name="Gerader Verbinder 28">
             <a:extLst>
               <a:ext uri="{FF2B5EF4-FFF2-40B4-BE49-F238E27FC236}">
-                <a16:creationId xmlns:a16="http://schemas.microsoft.com/office/drawing/2014/main" xmlns="" id="{788316D7-337D-431C-A45A-EBA065B78F2F}"/>
+                <a16:creationId xmlns:a16="http://schemas.microsoft.com/office/drawing/2014/main" id="{788316D7-337D-431C-A45A-EBA065B78F2F}"/>
               </a:ext>
             </a:extLst>
           </p:cNvPr>
@@ -7304,7 +7749,7 @@
           <p:cNvPr id="30" name="Gerader Verbinder 29">
             <a:extLst>
               <a:ext uri="{FF2B5EF4-FFF2-40B4-BE49-F238E27FC236}">
-                <a16:creationId xmlns:a16="http://schemas.microsoft.com/office/drawing/2014/main" xmlns="" id="{F9B4F609-2AE1-4D44-AA52-2F5498C6D77E}"/>
+                <a16:creationId xmlns:a16="http://schemas.microsoft.com/office/drawing/2014/main" id="{F9B4F609-2AE1-4D44-AA52-2F5498C6D77E}"/>
               </a:ext>
             </a:extLst>
           </p:cNvPr>
@@ -7345,7 +7790,7 @@
           <p:cNvPr id="36" name="Gerade Verbindung mit Pfeil 35">
             <a:extLst>
               <a:ext uri="{FF2B5EF4-FFF2-40B4-BE49-F238E27FC236}">
-                <a16:creationId xmlns:a16="http://schemas.microsoft.com/office/drawing/2014/main" xmlns="" id="{9D32FDFD-A1DB-49AD-849D-CBD2A2539613}"/>
+                <a16:creationId xmlns:a16="http://schemas.microsoft.com/office/drawing/2014/main" id="{9D32FDFD-A1DB-49AD-849D-CBD2A2539613}"/>
               </a:ext>
             </a:extLst>
           </p:cNvPr>
@@ -7385,7 +7830,7 @@
           <p:cNvPr id="42" name="Textfeld 41">
             <a:extLst>
               <a:ext uri="{FF2B5EF4-FFF2-40B4-BE49-F238E27FC236}">
-                <a16:creationId xmlns:a16="http://schemas.microsoft.com/office/drawing/2014/main" xmlns="" id="{7493AC64-15BE-4EA6-8088-C0806EB9FD43}"/>
+                <a16:creationId xmlns:a16="http://schemas.microsoft.com/office/drawing/2014/main" id="{7493AC64-15BE-4EA6-8088-C0806EB9FD43}"/>
               </a:ext>
             </a:extLst>
           </p:cNvPr>
@@ -7421,7 +7866,7 @@
           <p:cNvPr id="26" name="Textfeld 25">
             <a:extLst>
               <a:ext uri="{FF2B5EF4-FFF2-40B4-BE49-F238E27FC236}">
-                <a16:creationId xmlns:a16="http://schemas.microsoft.com/office/drawing/2014/main" xmlns="" id="{3D91693A-F571-4648-A721-AE0D77DF7B77}"/>
+                <a16:creationId xmlns:a16="http://schemas.microsoft.com/office/drawing/2014/main" id="{3D91693A-F571-4648-A721-AE0D77DF7B77}"/>
               </a:ext>
             </a:extLst>
           </p:cNvPr>
@@ -7445,10 +7890,9 @@
           <a:lstStyle/>
           <a:p>
             <a:r>
-              <a:rPr lang="de-DE" dirty="0" smtClean="0"/>
+              <a:rPr lang="de-DE" dirty="0"/>
               <a:t>0,5</a:t>
             </a:r>
-            <a:endParaRPr lang="de-DE" dirty="0"/>
           </a:p>
         </p:txBody>
       </p:sp>
@@ -7457,7 +7901,7 @@
           <p:cNvPr id="27" name="Gerade Verbindung mit Pfeil 26">
             <a:extLst>
               <a:ext uri="{FF2B5EF4-FFF2-40B4-BE49-F238E27FC236}">
-                <a16:creationId xmlns:a16="http://schemas.microsoft.com/office/drawing/2014/main" xmlns="" id="{736B5B27-66CF-44DD-84A3-BD288082062C}"/>
+                <a16:creationId xmlns:a16="http://schemas.microsoft.com/office/drawing/2014/main" id="{736B5B27-66CF-44DD-84A3-BD288082062C}"/>
               </a:ext>
             </a:extLst>
           </p:cNvPr>
@@ -7497,7 +7941,7 @@
           <p:cNvPr id="28" name="Gerader Verbinder 27">
             <a:extLst>
               <a:ext uri="{FF2B5EF4-FFF2-40B4-BE49-F238E27FC236}">
-                <a16:creationId xmlns:a16="http://schemas.microsoft.com/office/drawing/2014/main" xmlns="" id="{788316D7-337D-431C-A45A-EBA065B78F2F}"/>
+                <a16:creationId xmlns:a16="http://schemas.microsoft.com/office/drawing/2014/main" id="{788316D7-337D-431C-A45A-EBA065B78F2F}"/>
               </a:ext>
             </a:extLst>
           </p:cNvPr>
@@ -7568,7 +8012,7 @@
           <p:cNvPr id="2" name="Grafik 1">
             <a:extLst>
               <a:ext uri="{FF2B5EF4-FFF2-40B4-BE49-F238E27FC236}">
-                <a16:creationId xmlns:a16="http://schemas.microsoft.com/office/drawing/2014/main" xmlns="" id="{9473062E-2E22-4948-8206-3652FD3AC673}"/>
+                <a16:creationId xmlns:a16="http://schemas.microsoft.com/office/drawing/2014/main" id="{9473062E-2E22-4948-8206-3652FD3AC673}"/>
               </a:ext>
             </a:extLst>
           </p:cNvPr>
@@ -7598,7 +8042,7 @@
           <p:cNvPr id="3" name="Textfeld 2">
             <a:extLst>
               <a:ext uri="{FF2B5EF4-FFF2-40B4-BE49-F238E27FC236}">
-                <a16:creationId xmlns:a16="http://schemas.microsoft.com/office/drawing/2014/main" xmlns="" id="{AB3EB1DE-D0DC-4EEE-B387-DE3332E3CAFB}"/>
+                <a16:creationId xmlns:a16="http://schemas.microsoft.com/office/drawing/2014/main" id="{AB3EB1DE-D0DC-4EEE-B387-DE3332E3CAFB}"/>
               </a:ext>
             </a:extLst>
           </p:cNvPr>
@@ -7637,7 +8081,7 @@
           <p:cNvPr id="4" name="Textfeld 3">
             <a:extLst>
               <a:ext uri="{FF2B5EF4-FFF2-40B4-BE49-F238E27FC236}">
-                <a16:creationId xmlns:a16="http://schemas.microsoft.com/office/drawing/2014/main" xmlns="" id="{C63819E1-C13F-48AC-B690-8E72BF943482}"/>
+                <a16:creationId xmlns:a16="http://schemas.microsoft.com/office/drawing/2014/main" id="{C63819E1-C13F-48AC-B690-8E72BF943482}"/>
               </a:ext>
             </a:extLst>
           </p:cNvPr>
@@ -7676,7 +8120,7 @@
           <p:cNvPr id="5" name="Textfeld 4">
             <a:extLst>
               <a:ext uri="{FF2B5EF4-FFF2-40B4-BE49-F238E27FC236}">
-                <a16:creationId xmlns:a16="http://schemas.microsoft.com/office/drawing/2014/main" xmlns="" id="{A8A013D5-1B4A-4368-AEFD-D7F753EB6A65}"/>
+                <a16:creationId xmlns:a16="http://schemas.microsoft.com/office/drawing/2014/main" id="{A8A013D5-1B4A-4368-AEFD-D7F753EB6A65}"/>
               </a:ext>
             </a:extLst>
           </p:cNvPr>
@@ -7715,7 +8159,7 @@
           <p:cNvPr id="6" name="Textfeld 5">
             <a:extLst>
               <a:ext uri="{FF2B5EF4-FFF2-40B4-BE49-F238E27FC236}">
-                <a16:creationId xmlns:a16="http://schemas.microsoft.com/office/drawing/2014/main" xmlns="" id="{281BDB18-2C18-4E49-AF4C-182F8C411AE9}"/>
+                <a16:creationId xmlns:a16="http://schemas.microsoft.com/office/drawing/2014/main" id="{281BDB18-2C18-4E49-AF4C-182F8C411AE9}"/>
               </a:ext>
             </a:extLst>
           </p:cNvPr>
@@ -7754,7 +8198,7 @@
           <p:cNvPr id="7" name="Textfeld 6">
             <a:extLst>
               <a:ext uri="{FF2B5EF4-FFF2-40B4-BE49-F238E27FC236}">
-                <a16:creationId xmlns:a16="http://schemas.microsoft.com/office/drawing/2014/main" xmlns="" id="{9897389D-EA2E-4CEF-B250-DC0A64F62AEB}"/>
+                <a16:creationId xmlns:a16="http://schemas.microsoft.com/office/drawing/2014/main" id="{9897389D-EA2E-4CEF-B250-DC0A64F62AEB}"/>
               </a:ext>
             </a:extLst>
           </p:cNvPr>
@@ -7793,7 +8237,7 @@
           <p:cNvPr id="8" name="Textfeld 7">
             <a:extLst>
               <a:ext uri="{FF2B5EF4-FFF2-40B4-BE49-F238E27FC236}">
-                <a16:creationId xmlns:a16="http://schemas.microsoft.com/office/drawing/2014/main" xmlns="" id="{EB32411D-4C6B-45CF-9AE8-B23AA21037C8}"/>
+                <a16:creationId xmlns:a16="http://schemas.microsoft.com/office/drawing/2014/main" id="{EB32411D-4C6B-45CF-9AE8-B23AA21037C8}"/>
               </a:ext>
             </a:extLst>
           </p:cNvPr>
@@ -7832,7 +8276,7 @@
           <p:cNvPr id="9" name="Textfeld 8">
             <a:extLst>
               <a:ext uri="{FF2B5EF4-FFF2-40B4-BE49-F238E27FC236}">
-                <a16:creationId xmlns:a16="http://schemas.microsoft.com/office/drawing/2014/main" xmlns="" id="{A958E9C8-D4BA-4BAB-A126-4065E1B83B17}"/>
+                <a16:creationId xmlns:a16="http://schemas.microsoft.com/office/drawing/2014/main" id="{A958E9C8-D4BA-4BAB-A126-4065E1B83B17}"/>
               </a:ext>
             </a:extLst>
           </p:cNvPr>
@@ -7871,7 +8315,7 @@
           <p:cNvPr id="10" name="Textfeld 9">
             <a:extLst>
               <a:ext uri="{FF2B5EF4-FFF2-40B4-BE49-F238E27FC236}">
-                <a16:creationId xmlns:a16="http://schemas.microsoft.com/office/drawing/2014/main" xmlns="" id="{56821859-5AED-4FA4-8511-37033E6B2DEE}"/>
+                <a16:creationId xmlns:a16="http://schemas.microsoft.com/office/drawing/2014/main" id="{56821859-5AED-4FA4-8511-37033E6B2DEE}"/>
               </a:ext>
             </a:extLst>
           </p:cNvPr>
@@ -7940,7 +8384,7 @@
           <p:cNvPr id="2" name="Ellipse 1">
             <a:extLst>
               <a:ext uri="{FF2B5EF4-FFF2-40B4-BE49-F238E27FC236}">
-                <a16:creationId xmlns:a16="http://schemas.microsoft.com/office/drawing/2014/main" xmlns="" id="{A3C97F0F-5EF9-443E-A98B-0F8166DDEC33}"/>
+                <a16:creationId xmlns:a16="http://schemas.microsoft.com/office/drawing/2014/main" id="{A3C97F0F-5EF9-443E-A98B-0F8166DDEC33}"/>
               </a:ext>
             </a:extLst>
           </p:cNvPr>
@@ -7993,7 +8437,7 @@
           <p:cNvPr id="4" name="Gerader Verbinder 3">
             <a:extLst>
               <a:ext uri="{FF2B5EF4-FFF2-40B4-BE49-F238E27FC236}">
-                <a16:creationId xmlns:a16="http://schemas.microsoft.com/office/drawing/2014/main" xmlns="" id="{792E453F-31B4-4912-AB8E-13BD6590C2F1}"/>
+                <a16:creationId xmlns:a16="http://schemas.microsoft.com/office/drawing/2014/main" id="{792E453F-31B4-4912-AB8E-13BD6590C2F1}"/>
               </a:ext>
             </a:extLst>
           </p:cNvPr>
@@ -8031,7 +8475,7 @@
           <p:cNvPr id="7" name="Gerade Verbindung mit Pfeil 6">
             <a:extLst>
               <a:ext uri="{FF2B5EF4-FFF2-40B4-BE49-F238E27FC236}">
-                <a16:creationId xmlns:a16="http://schemas.microsoft.com/office/drawing/2014/main" xmlns="" id="{8DB57880-291F-4FE4-8100-4473C538C41C}"/>
+                <a16:creationId xmlns:a16="http://schemas.microsoft.com/office/drawing/2014/main" id="{8DB57880-291F-4FE4-8100-4473C538C41C}"/>
               </a:ext>
             </a:extLst>
           </p:cNvPr>
@@ -8075,7 +8519,7 @@
           <p:cNvPr id="11" name="Gerader Verbinder 10">
             <a:extLst>
               <a:ext uri="{FF2B5EF4-FFF2-40B4-BE49-F238E27FC236}">
-                <a16:creationId xmlns:a16="http://schemas.microsoft.com/office/drawing/2014/main" xmlns="" id="{CE880E47-4248-406A-8E99-854F14807FF7}"/>
+                <a16:creationId xmlns:a16="http://schemas.microsoft.com/office/drawing/2014/main" id="{CE880E47-4248-406A-8E99-854F14807FF7}"/>
               </a:ext>
             </a:extLst>
           </p:cNvPr>
@@ -8113,7 +8557,7 @@
           <p:cNvPr id="18" name="Gerade Verbindung mit Pfeil 17">
             <a:extLst>
               <a:ext uri="{FF2B5EF4-FFF2-40B4-BE49-F238E27FC236}">
-                <a16:creationId xmlns:a16="http://schemas.microsoft.com/office/drawing/2014/main" xmlns="" id="{A0EA19DA-BC09-40E5-B0A8-52181B2C0C86}"/>
+                <a16:creationId xmlns:a16="http://schemas.microsoft.com/office/drawing/2014/main" id="{A0EA19DA-BC09-40E5-B0A8-52181B2C0C86}"/>
               </a:ext>
             </a:extLst>
           </p:cNvPr>
@@ -8153,7 +8597,7 @@
           <p:cNvPr id="19" name="Textfeld 18">
             <a:extLst>
               <a:ext uri="{FF2B5EF4-FFF2-40B4-BE49-F238E27FC236}">
-                <a16:creationId xmlns:a16="http://schemas.microsoft.com/office/drawing/2014/main" xmlns="" id="{E9B19354-B4AA-46F7-A1A7-1E3357F46439}"/>
+                <a16:creationId xmlns:a16="http://schemas.microsoft.com/office/drawing/2014/main" id="{E9B19354-B4AA-46F7-A1A7-1E3357F46439}"/>
               </a:ext>
             </a:extLst>
           </p:cNvPr>
@@ -8189,7 +8633,7 @@
           <p:cNvPr id="21" name="Gerade Verbindung mit Pfeil 20">
             <a:extLst>
               <a:ext uri="{FF2B5EF4-FFF2-40B4-BE49-F238E27FC236}">
-                <a16:creationId xmlns:a16="http://schemas.microsoft.com/office/drawing/2014/main" xmlns="" id="{76133FA3-49E5-4869-9E78-8C98E25DE382}"/>
+                <a16:creationId xmlns:a16="http://schemas.microsoft.com/office/drawing/2014/main" id="{76133FA3-49E5-4869-9E78-8C98E25DE382}"/>
               </a:ext>
             </a:extLst>
           </p:cNvPr>
@@ -8231,7 +8675,7 @@
           <p:cNvPr id="26" name="Textfeld 25">
             <a:extLst>
               <a:ext uri="{FF2B5EF4-FFF2-40B4-BE49-F238E27FC236}">
-                <a16:creationId xmlns:a16="http://schemas.microsoft.com/office/drawing/2014/main" xmlns="" id="{83F0955B-6758-40B3-84A3-CB4ABD7131AD}"/>
+                <a16:creationId xmlns:a16="http://schemas.microsoft.com/office/drawing/2014/main" id="{83F0955B-6758-40B3-84A3-CB4ABD7131AD}"/>
               </a:ext>
             </a:extLst>
           </p:cNvPr>
@@ -8266,7 +8710,7 @@
           <p:cNvPr id="27" name="Textfeld 26">
             <a:extLst>
               <a:ext uri="{FF2B5EF4-FFF2-40B4-BE49-F238E27FC236}">
-                <a16:creationId xmlns:a16="http://schemas.microsoft.com/office/drawing/2014/main" xmlns="" id="{053DF975-3AA2-4279-82D6-F8980B14928F}"/>
+                <a16:creationId xmlns:a16="http://schemas.microsoft.com/office/drawing/2014/main" id="{053DF975-3AA2-4279-82D6-F8980B14928F}"/>
               </a:ext>
             </a:extLst>
           </p:cNvPr>
@@ -8300,6 +8744,429 @@
     <p:extLst>
       <p:ext uri="{BB962C8B-B14F-4D97-AF65-F5344CB8AC3E}">
         <p14:creationId xmlns:p14="http://schemas.microsoft.com/office/powerpoint/2010/main" val="2268241247"/>
+      </p:ext>
+    </p:extLst>
+  </p:cSld>
+  <p:clrMapOvr>
+    <a:masterClrMapping/>
+  </p:clrMapOvr>
+</p:sld>
+</file>
+
+<file path=ppt/slides/slide8.xml><?xml version="1.0" encoding="utf-8"?>
+<p:sld xmlns:a="http://schemas.openxmlformats.org/drawingml/2006/main" xmlns:r="http://schemas.openxmlformats.org/officeDocument/2006/relationships" xmlns:p="http://schemas.openxmlformats.org/presentationml/2006/main">
+  <p:cSld>
+    <p:spTree>
+      <p:nvGrpSpPr>
+        <p:cNvPr id="1" name=""/>
+        <p:cNvGrpSpPr/>
+        <p:nvPr/>
+      </p:nvGrpSpPr>
+      <p:grpSpPr>
+        <a:xfrm>
+          <a:off x="0" y="0"/>
+          <a:ext cx="0" cy="0"/>
+          <a:chOff x="0" y="0"/>
+          <a:chExt cx="0" cy="0"/>
+        </a:xfrm>
+      </p:grpSpPr>
+      <p:pic>
+        <p:nvPicPr>
+          <p:cNvPr id="2" name="Grafik 1">
+            <a:extLst>
+              <a:ext uri="{FF2B5EF4-FFF2-40B4-BE49-F238E27FC236}">
+                <a16:creationId xmlns:a16="http://schemas.microsoft.com/office/drawing/2014/main" id="{A8D9BB83-151A-4A96-A6B5-B1AB3A349949}"/>
+              </a:ext>
+            </a:extLst>
+          </p:cNvPr>
+          <p:cNvPicPr/>
+          <p:nvPr/>
+        </p:nvPicPr>
+        <p:blipFill>
+          <a:blip r:embed="rId2"/>
+          <a:stretch>
+            <a:fillRect/>
+          </a:stretch>
+        </p:blipFill>
+        <p:spPr>
+          <a:xfrm>
+            <a:off x="4223385" y="1914525"/>
+            <a:ext cx="3745230" cy="3028950"/>
+          </a:xfrm>
+          <a:prstGeom prst="rect">
+            <a:avLst/>
+          </a:prstGeom>
+        </p:spPr>
+      </p:pic>
+      <p:cxnSp>
+        <p:nvCxnSpPr>
+          <p:cNvPr id="6" name="Verbinder: gewinkelt 5">
+            <a:extLst>
+              <a:ext uri="{FF2B5EF4-FFF2-40B4-BE49-F238E27FC236}">
+                <a16:creationId xmlns:a16="http://schemas.microsoft.com/office/drawing/2014/main" id="{90837F39-359E-47AF-BD43-FF1AD2FE2D5D}"/>
+              </a:ext>
+            </a:extLst>
+          </p:cNvPr>
+          <p:cNvCxnSpPr/>
+          <p:nvPr/>
+        </p:nvCxnSpPr>
+        <p:spPr>
+          <a:xfrm>
+            <a:off x="4403558" y="2213811"/>
+            <a:ext cx="978568" cy="521368"/>
+          </a:xfrm>
+          <a:prstGeom prst="bentConnector3">
+            <a:avLst/>
+          </a:prstGeom>
+          <a:ln w="28575">
+            <a:solidFill>
+              <a:schemeClr val="accent2"/>
+            </a:solidFill>
+            <a:tailEnd type="triangle"/>
+          </a:ln>
+        </p:spPr>
+        <p:style>
+          <a:lnRef idx="1">
+            <a:schemeClr val="accent1"/>
+          </a:lnRef>
+          <a:fillRef idx="0">
+            <a:schemeClr val="accent1"/>
+          </a:fillRef>
+          <a:effectRef idx="0">
+            <a:schemeClr val="accent1"/>
+          </a:effectRef>
+          <a:fontRef idx="minor">
+            <a:schemeClr val="tx1"/>
+          </a:fontRef>
+        </p:style>
+      </p:cxnSp>
+      <p:cxnSp>
+        <p:nvCxnSpPr>
+          <p:cNvPr id="16" name="Gerade Verbindung mit Pfeil 15">
+            <a:extLst>
+              <a:ext uri="{FF2B5EF4-FFF2-40B4-BE49-F238E27FC236}">
+                <a16:creationId xmlns:a16="http://schemas.microsoft.com/office/drawing/2014/main" id="{9AE7F8C0-CF58-44A7-961F-0D679E210150}"/>
+              </a:ext>
+            </a:extLst>
+          </p:cNvPr>
+          <p:cNvCxnSpPr/>
+          <p:nvPr/>
+        </p:nvCxnSpPr>
+        <p:spPr>
+          <a:xfrm>
+            <a:off x="6160168" y="2839453"/>
+            <a:ext cx="0" cy="938464"/>
+          </a:xfrm>
+          <a:prstGeom prst="straightConnector1">
+            <a:avLst/>
+          </a:prstGeom>
+          <a:ln w="28575">
+            <a:solidFill>
+              <a:schemeClr val="accent2"/>
+            </a:solidFill>
+            <a:tailEnd type="triangle"/>
+          </a:ln>
+        </p:spPr>
+        <p:style>
+          <a:lnRef idx="1">
+            <a:schemeClr val="accent1"/>
+          </a:lnRef>
+          <a:fillRef idx="0">
+            <a:schemeClr val="accent1"/>
+          </a:fillRef>
+          <a:effectRef idx="0">
+            <a:schemeClr val="accent1"/>
+          </a:effectRef>
+          <a:fontRef idx="minor">
+            <a:schemeClr val="tx1"/>
+          </a:fontRef>
+        </p:style>
+      </p:cxnSp>
+      <p:cxnSp>
+        <p:nvCxnSpPr>
+          <p:cNvPr id="20" name="Verbinder: gekrümmt 19">
+            <a:extLst>
+              <a:ext uri="{FF2B5EF4-FFF2-40B4-BE49-F238E27FC236}">
+                <a16:creationId xmlns:a16="http://schemas.microsoft.com/office/drawing/2014/main" id="{FE431A38-97A9-4BE3-A14A-7FF16CEACC0F}"/>
+              </a:ext>
+            </a:extLst>
+          </p:cNvPr>
+          <p:cNvCxnSpPr>
+            <a:cxnSpLocks/>
+          </p:cNvCxnSpPr>
+          <p:nvPr/>
+        </p:nvCxnSpPr>
+        <p:spPr>
+          <a:xfrm rot="5400000">
+            <a:off x="5550568" y="4069184"/>
+            <a:ext cx="753979" cy="336884"/>
+          </a:xfrm>
+          <a:prstGeom prst="curvedConnector3">
+            <a:avLst>
+              <a:gd name="adj1" fmla="val -54255"/>
+            </a:avLst>
+          </a:prstGeom>
+          <a:ln w="28575">
+            <a:solidFill>
+              <a:schemeClr val="accent2"/>
+            </a:solidFill>
+            <a:tailEnd type="triangle"/>
+          </a:ln>
+        </p:spPr>
+        <p:style>
+          <a:lnRef idx="1">
+            <a:schemeClr val="accent1"/>
+          </a:lnRef>
+          <a:fillRef idx="0">
+            <a:schemeClr val="accent1"/>
+          </a:fillRef>
+          <a:effectRef idx="0">
+            <a:schemeClr val="accent1"/>
+          </a:effectRef>
+          <a:fontRef idx="minor">
+            <a:schemeClr val="tx1"/>
+          </a:fontRef>
+        </p:style>
+      </p:cxnSp>
+      <p:cxnSp>
+        <p:nvCxnSpPr>
+          <p:cNvPr id="24" name="Gerade Verbindung mit Pfeil 23">
+            <a:extLst>
+              <a:ext uri="{FF2B5EF4-FFF2-40B4-BE49-F238E27FC236}">
+                <a16:creationId xmlns:a16="http://schemas.microsoft.com/office/drawing/2014/main" id="{D5D68826-89A9-4ECF-9840-663E671CEC33}"/>
+              </a:ext>
+            </a:extLst>
+          </p:cNvPr>
+          <p:cNvCxnSpPr>
+            <a:cxnSpLocks/>
+          </p:cNvCxnSpPr>
+          <p:nvPr/>
+        </p:nvCxnSpPr>
+        <p:spPr>
+          <a:xfrm flipH="1" flipV="1">
+            <a:off x="4403558" y="3561347"/>
+            <a:ext cx="1277503" cy="462465"/>
+          </a:xfrm>
+          <a:prstGeom prst="straightConnector1">
+            <a:avLst/>
+          </a:prstGeom>
+          <a:ln w="28575">
+            <a:solidFill>
+              <a:schemeClr val="accent2"/>
+            </a:solidFill>
+            <a:tailEnd type="triangle"/>
+          </a:ln>
+        </p:spPr>
+        <p:style>
+          <a:lnRef idx="1">
+            <a:schemeClr val="accent1"/>
+          </a:lnRef>
+          <a:fillRef idx="0">
+            <a:schemeClr val="accent1"/>
+          </a:fillRef>
+          <a:effectRef idx="0">
+            <a:schemeClr val="accent1"/>
+          </a:effectRef>
+          <a:fontRef idx="minor">
+            <a:schemeClr val="tx1"/>
+          </a:fontRef>
+        </p:style>
+      </p:cxnSp>
+    </p:spTree>
+    <p:extLst>
+      <p:ext uri="{BB962C8B-B14F-4D97-AF65-F5344CB8AC3E}">
+        <p14:creationId xmlns:p14="http://schemas.microsoft.com/office/powerpoint/2010/main" val="2341952544"/>
+      </p:ext>
+    </p:extLst>
+  </p:cSld>
+  <p:clrMapOvr>
+    <a:masterClrMapping/>
+  </p:clrMapOvr>
+</p:sld>
+</file>
+
+<file path=ppt/slides/slide9.xml><?xml version="1.0" encoding="utf-8"?>
+<p:sld xmlns:a="http://schemas.openxmlformats.org/drawingml/2006/main" xmlns:r="http://schemas.openxmlformats.org/officeDocument/2006/relationships" xmlns:p="http://schemas.openxmlformats.org/presentationml/2006/main">
+  <p:cSld>
+    <p:spTree>
+      <p:nvGrpSpPr>
+        <p:cNvPr id="1" name=""/>
+        <p:cNvGrpSpPr/>
+        <p:nvPr/>
+      </p:nvGrpSpPr>
+      <p:grpSpPr>
+        <a:xfrm>
+          <a:off x="0" y="0"/>
+          <a:ext cx="0" cy="0"/>
+          <a:chOff x="0" y="0"/>
+          <a:chExt cx="0" cy="0"/>
+        </a:xfrm>
+      </p:grpSpPr>
+      <p:pic>
+        <p:nvPicPr>
+          <p:cNvPr id="2" name="Grafik 1">
+            <a:extLst>
+              <a:ext uri="{FF2B5EF4-FFF2-40B4-BE49-F238E27FC236}">
+                <a16:creationId xmlns:a16="http://schemas.microsoft.com/office/drawing/2014/main" id="{BBEC0AEB-FFB6-42CF-8928-BE76BBA4B706}"/>
+              </a:ext>
+            </a:extLst>
+          </p:cNvPr>
+          <p:cNvPicPr>
+            <a:picLocks noChangeAspect="1"/>
+          </p:cNvPicPr>
+          <p:nvPr/>
+        </p:nvPicPr>
+        <p:blipFill>
+          <a:blip r:embed="rId2"/>
+          <a:stretch>
+            <a:fillRect/>
+          </a:stretch>
+        </p:blipFill>
+        <p:spPr>
+          <a:xfrm>
+            <a:off x="3309938" y="1262062"/>
+            <a:ext cx="5064042" cy="3938699"/>
+          </a:xfrm>
+          <a:prstGeom prst="rect">
+            <a:avLst/>
+          </a:prstGeom>
+        </p:spPr>
+      </p:pic>
+      <p:cxnSp>
+        <p:nvCxnSpPr>
+          <p:cNvPr id="4" name="Gerade Verbindung mit Pfeil 3">
+            <a:extLst>
+              <a:ext uri="{FF2B5EF4-FFF2-40B4-BE49-F238E27FC236}">
+                <a16:creationId xmlns:a16="http://schemas.microsoft.com/office/drawing/2014/main" id="{26C9B11A-3CF1-4512-96CB-DA9401AF5C54}"/>
+              </a:ext>
+            </a:extLst>
+          </p:cNvPr>
+          <p:cNvCxnSpPr>
+            <a:cxnSpLocks/>
+          </p:cNvCxnSpPr>
+          <p:nvPr/>
+        </p:nvCxnSpPr>
+        <p:spPr>
+          <a:xfrm flipH="1">
+            <a:off x="3874168" y="4018547"/>
+            <a:ext cx="1203158" cy="0"/>
+          </a:xfrm>
+          <a:prstGeom prst="straightConnector1">
+            <a:avLst/>
+          </a:prstGeom>
+          <a:ln w="28575">
+            <a:solidFill>
+              <a:schemeClr val="accent2"/>
+            </a:solidFill>
+            <a:tailEnd type="triangle"/>
+          </a:ln>
+        </p:spPr>
+        <p:style>
+          <a:lnRef idx="1">
+            <a:schemeClr val="accent1"/>
+          </a:lnRef>
+          <a:fillRef idx="0">
+            <a:schemeClr val="accent1"/>
+          </a:fillRef>
+          <a:effectRef idx="0">
+            <a:schemeClr val="accent1"/>
+          </a:effectRef>
+          <a:fontRef idx="minor">
+            <a:schemeClr val="tx1"/>
+          </a:fontRef>
+        </p:style>
+      </p:cxnSp>
+      <p:cxnSp>
+        <p:nvCxnSpPr>
+          <p:cNvPr id="8" name="Verbinder: gewinkelt 7">
+            <a:extLst>
+              <a:ext uri="{FF2B5EF4-FFF2-40B4-BE49-F238E27FC236}">
+                <a16:creationId xmlns:a16="http://schemas.microsoft.com/office/drawing/2014/main" id="{AA0688D5-CD6C-4189-8B6B-D1BCB6C1E49D}"/>
+              </a:ext>
+            </a:extLst>
+          </p:cNvPr>
+          <p:cNvCxnSpPr>
+            <a:cxnSpLocks/>
+          </p:cNvCxnSpPr>
+          <p:nvPr/>
+        </p:nvCxnSpPr>
+        <p:spPr>
+          <a:xfrm rot="10800000" flipV="1">
+            <a:off x="6096000" y="3246380"/>
+            <a:ext cx="721895" cy="706925"/>
+          </a:xfrm>
+          <a:prstGeom prst="bentConnector3">
+            <a:avLst>
+              <a:gd name="adj1" fmla="val 50000"/>
+            </a:avLst>
+          </a:prstGeom>
+          <a:ln w="28575">
+            <a:solidFill>
+              <a:schemeClr val="accent2"/>
+            </a:solidFill>
+            <a:tailEnd type="triangle"/>
+          </a:ln>
+        </p:spPr>
+        <p:style>
+          <a:lnRef idx="1">
+            <a:schemeClr val="accent1"/>
+          </a:lnRef>
+          <a:fillRef idx="0">
+            <a:schemeClr val="accent1"/>
+          </a:fillRef>
+          <a:effectRef idx="0">
+            <a:schemeClr val="accent1"/>
+          </a:effectRef>
+          <a:fontRef idx="minor">
+            <a:schemeClr val="tx1"/>
+          </a:fontRef>
+        </p:style>
+      </p:cxnSp>
+      <p:cxnSp>
+        <p:nvCxnSpPr>
+          <p:cNvPr id="14" name="Verbinder: gekrümmt 13">
+            <a:extLst>
+              <a:ext uri="{FF2B5EF4-FFF2-40B4-BE49-F238E27FC236}">
+                <a16:creationId xmlns:a16="http://schemas.microsoft.com/office/drawing/2014/main" id="{23558915-06CD-4805-BD39-BE3741D72870}"/>
+              </a:ext>
+            </a:extLst>
+          </p:cNvPr>
+          <p:cNvCxnSpPr/>
+          <p:nvPr/>
+        </p:nvCxnSpPr>
+        <p:spPr>
+          <a:xfrm rot="16200000" flipH="1">
+            <a:off x="5783178" y="1574883"/>
+            <a:ext cx="1147011" cy="521369"/>
+          </a:xfrm>
+          <a:prstGeom prst="curvedConnector3">
+            <a:avLst>
+              <a:gd name="adj1" fmla="val 129720"/>
+            </a:avLst>
+          </a:prstGeom>
+          <a:ln w="28575">
+            <a:tailEnd type="triangle"/>
+          </a:ln>
+        </p:spPr>
+        <p:style>
+          <a:lnRef idx="1">
+            <a:schemeClr val="accent2"/>
+          </a:lnRef>
+          <a:fillRef idx="0">
+            <a:schemeClr val="accent2"/>
+          </a:fillRef>
+          <a:effectRef idx="0">
+            <a:schemeClr val="accent2"/>
+          </a:effectRef>
+          <a:fontRef idx="minor">
+            <a:schemeClr val="tx1"/>
+          </a:fontRef>
+        </p:style>
+      </p:cxnSp>
+    </p:spTree>
+    <p:extLst>
+      <p:ext uri="{BB962C8B-B14F-4D97-AF65-F5344CB8AC3E}">
+        <p14:creationId xmlns:p14="http://schemas.microsoft.com/office/powerpoint/2010/main" val="4142741809"/>
       </p:ext>
     </p:extLst>
   </p:cSld>

--- a/Grafiken.pptx
+++ b/Grafiken.pptx
@@ -16,6 +16,8 @@
     <p:sldId id="264" r:id="rId10"/>
     <p:sldId id="265" r:id="rId11"/>
     <p:sldId id="266" r:id="rId12"/>
+    <p:sldId id="267" r:id="rId13"/>
+    <p:sldId id="268" r:id="rId14"/>
   </p:sldIdLst>
   <p:sldSz cx="12192000" cy="6858000"/>
   <p:notesSz cx="6858000" cy="9144000"/>
@@ -269,7 +271,7 @@
           <a:p>
             <a:fld id="{1A473A71-948F-4AE8-AF79-80443CCFF2D0}" type="datetimeFigureOut">
               <a:rPr lang="de-DE" smtClean="0"/>
-              <a:t>26.02.2020</a:t>
+              <a:t>05.03.2020</a:t>
             </a:fld>
             <a:endParaRPr lang="de-DE"/>
           </a:p>
@@ -467,7 +469,7 @@
           <a:p>
             <a:fld id="{1A473A71-948F-4AE8-AF79-80443CCFF2D0}" type="datetimeFigureOut">
               <a:rPr lang="de-DE" smtClean="0"/>
-              <a:t>26.02.2020</a:t>
+              <a:t>05.03.2020</a:t>
             </a:fld>
             <a:endParaRPr lang="de-DE"/>
           </a:p>
@@ -675,7 +677,7 @@
           <a:p>
             <a:fld id="{1A473A71-948F-4AE8-AF79-80443CCFF2D0}" type="datetimeFigureOut">
               <a:rPr lang="de-DE" smtClean="0"/>
-              <a:t>26.02.2020</a:t>
+              <a:t>05.03.2020</a:t>
             </a:fld>
             <a:endParaRPr lang="de-DE"/>
           </a:p>
@@ -873,7 +875,7 @@
           <a:p>
             <a:fld id="{1A473A71-948F-4AE8-AF79-80443CCFF2D0}" type="datetimeFigureOut">
               <a:rPr lang="de-DE" smtClean="0"/>
-              <a:t>26.02.2020</a:t>
+              <a:t>05.03.2020</a:t>
             </a:fld>
             <a:endParaRPr lang="de-DE"/>
           </a:p>
@@ -1148,7 +1150,7 @@
           <a:p>
             <a:fld id="{1A473A71-948F-4AE8-AF79-80443CCFF2D0}" type="datetimeFigureOut">
               <a:rPr lang="de-DE" smtClean="0"/>
-              <a:t>26.02.2020</a:t>
+              <a:t>05.03.2020</a:t>
             </a:fld>
             <a:endParaRPr lang="de-DE"/>
           </a:p>
@@ -1413,7 +1415,7 @@
           <a:p>
             <a:fld id="{1A473A71-948F-4AE8-AF79-80443CCFF2D0}" type="datetimeFigureOut">
               <a:rPr lang="de-DE" smtClean="0"/>
-              <a:t>26.02.2020</a:t>
+              <a:t>05.03.2020</a:t>
             </a:fld>
             <a:endParaRPr lang="de-DE"/>
           </a:p>
@@ -1825,7 +1827,7 @@
           <a:p>
             <a:fld id="{1A473A71-948F-4AE8-AF79-80443CCFF2D0}" type="datetimeFigureOut">
               <a:rPr lang="de-DE" smtClean="0"/>
-              <a:t>26.02.2020</a:t>
+              <a:t>05.03.2020</a:t>
             </a:fld>
             <a:endParaRPr lang="de-DE"/>
           </a:p>
@@ -1966,7 +1968,7 @@
           <a:p>
             <a:fld id="{1A473A71-948F-4AE8-AF79-80443CCFF2D0}" type="datetimeFigureOut">
               <a:rPr lang="de-DE" smtClean="0"/>
-              <a:t>26.02.2020</a:t>
+              <a:t>05.03.2020</a:t>
             </a:fld>
             <a:endParaRPr lang="de-DE"/>
           </a:p>
@@ -2079,7 +2081,7 @@
           <a:p>
             <a:fld id="{1A473A71-948F-4AE8-AF79-80443CCFF2D0}" type="datetimeFigureOut">
               <a:rPr lang="de-DE" smtClean="0"/>
-              <a:t>26.02.2020</a:t>
+              <a:t>05.03.2020</a:t>
             </a:fld>
             <a:endParaRPr lang="de-DE"/>
           </a:p>
@@ -2390,7 +2392,7 @@
           <a:p>
             <a:fld id="{1A473A71-948F-4AE8-AF79-80443CCFF2D0}" type="datetimeFigureOut">
               <a:rPr lang="de-DE" smtClean="0"/>
-              <a:t>26.02.2020</a:t>
+              <a:t>05.03.2020</a:t>
             </a:fld>
             <a:endParaRPr lang="de-DE"/>
           </a:p>
@@ -2678,7 +2680,7 @@
           <a:p>
             <a:fld id="{1A473A71-948F-4AE8-AF79-80443CCFF2D0}" type="datetimeFigureOut">
               <a:rPr lang="de-DE" smtClean="0"/>
-              <a:t>26.02.2020</a:t>
+              <a:t>05.03.2020</a:t>
             </a:fld>
             <a:endParaRPr lang="de-DE"/>
           </a:p>
@@ -2919,7 +2921,7 @@
           <a:p>
             <a:fld id="{1A473A71-948F-4AE8-AF79-80443CCFF2D0}" type="datetimeFigureOut">
               <a:rPr lang="de-DE" smtClean="0"/>
-              <a:t>26.02.2020</a:t>
+              <a:t>05.03.2020</a:t>
             </a:fld>
             <a:endParaRPr lang="de-DE"/>
           </a:p>
@@ -3832,6 +3834,777 @@
     <p:extLst>
       <p:ext uri="{BB962C8B-B14F-4D97-AF65-F5344CB8AC3E}">
         <p14:creationId xmlns:p14="http://schemas.microsoft.com/office/powerpoint/2010/main" val="2552476434"/>
+      </p:ext>
+    </p:extLst>
+  </p:cSld>
+  <p:clrMapOvr>
+    <a:masterClrMapping/>
+  </p:clrMapOvr>
+</p:sld>
+</file>
+
+<file path=ppt/slides/slide12.xml><?xml version="1.0" encoding="utf-8"?>
+<p:sld xmlns:a="http://schemas.openxmlformats.org/drawingml/2006/main" xmlns:r="http://schemas.openxmlformats.org/officeDocument/2006/relationships" xmlns:p="http://schemas.openxmlformats.org/presentationml/2006/main">
+  <p:cSld>
+    <p:spTree>
+      <p:nvGrpSpPr>
+        <p:cNvPr id="1" name=""/>
+        <p:cNvGrpSpPr/>
+        <p:nvPr/>
+      </p:nvGrpSpPr>
+      <p:grpSpPr>
+        <a:xfrm>
+          <a:off x="0" y="0"/>
+          <a:ext cx="0" cy="0"/>
+          <a:chOff x="0" y="0"/>
+          <a:chExt cx="0" cy="0"/>
+        </a:xfrm>
+      </p:grpSpPr>
+      <p:pic>
+        <p:nvPicPr>
+          <p:cNvPr id="2" name="Grafik 1">
+            <a:extLst>
+              <a:ext uri="{FF2B5EF4-FFF2-40B4-BE49-F238E27FC236}">
+                <a16:creationId xmlns:a16="http://schemas.microsoft.com/office/drawing/2014/main" id="{19FFE53B-7A4D-4455-8764-DAFD44530654}"/>
+              </a:ext>
+            </a:extLst>
+          </p:cNvPr>
+          <p:cNvPicPr>
+            <a:picLocks noChangeAspect="1"/>
+          </p:cNvPicPr>
+          <p:nvPr/>
+        </p:nvPicPr>
+        <p:blipFill rotWithShape="1">
+          <a:blip r:embed="rId2"/>
+          <a:srcRect l="24781" t="22924" r="14401" b="8889"/>
+          <a:stretch/>
+        </p:blipFill>
+        <p:spPr>
+          <a:xfrm>
+            <a:off x="3174583" y="1190375"/>
+            <a:ext cx="6673517" cy="4676274"/>
+          </a:xfrm>
+          <a:prstGeom prst="rect">
+            <a:avLst/>
+          </a:prstGeom>
+        </p:spPr>
+      </p:pic>
+      <p:sp>
+        <p:nvSpPr>
+          <p:cNvPr id="3" name="Ellipse 2">
+            <a:extLst>
+              <a:ext uri="{FF2B5EF4-FFF2-40B4-BE49-F238E27FC236}">
+                <a16:creationId xmlns:a16="http://schemas.microsoft.com/office/drawing/2014/main" id="{4DF4B24D-8731-433B-BB25-02C4BF797EB8}"/>
+              </a:ext>
+            </a:extLst>
+          </p:cNvPr>
+          <p:cNvSpPr/>
+          <p:nvPr/>
+        </p:nvSpPr>
+        <p:spPr>
+          <a:xfrm>
+            <a:off x="7562850" y="3045316"/>
+            <a:ext cx="1006641" cy="1008000"/>
+          </a:xfrm>
+          <a:prstGeom prst="ellipse">
+            <a:avLst/>
+          </a:prstGeom>
+        </p:spPr>
+        <p:style>
+          <a:lnRef idx="2">
+            <a:schemeClr val="accent1">
+              <a:shade val="50000"/>
+            </a:schemeClr>
+          </a:lnRef>
+          <a:fillRef idx="1">
+            <a:schemeClr val="accent1"/>
+          </a:fillRef>
+          <a:effectRef idx="0">
+            <a:schemeClr val="accent1"/>
+          </a:effectRef>
+          <a:fontRef idx="minor">
+            <a:schemeClr val="lt1"/>
+          </a:fontRef>
+        </p:style>
+        <p:txBody>
+          <a:bodyPr rtlCol="0" anchor="ctr"/>
+          <a:lstStyle/>
+          <a:p>
+            <a:pPr algn="ctr"/>
+            <a:endParaRPr lang="de-DE"/>
+          </a:p>
+        </p:txBody>
+      </p:sp>
+      <p:sp>
+        <p:nvSpPr>
+          <p:cNvPr id="4" name="Ellipse 3">
+            <a:extLst>
+              <a:ext uri="{FF2B5EF4-FFF2-40B4-BE49-F238E27FC236}">
+                <a16:creationId xmlns:a16="http://schemas.microsoft.com/office/drawing/2014/main" id="{B2D5D523-02B6-4EA5-96E6-C4894249E109}"/>
+              </a:ext>
+            </a:extLst>
+          </p:cNvPr>
+          <p:cNvSpPr/>
+          <p:nvPr/>
+        </p:nvSpPr>
+        <p:spPr>
+          <a:xfrm>
+            <a:off x="7839578" y="3049327"/>
+            <a:ext cx="1006641" cy="1008000"/>
+          </a:xfrm>
+          <a:prstGeom prst="ellipse">
+            <a:avLst/>
+          </a:prstGeom>
+        </p:spPr>
+        <p:style>
+          <a:lnRef idx="2">
+            <a:schemeClr val="accent6">
+              <a:shade val="50000"/>
+            </a:schemeClr>
+          </a:lnRef>
+          <a:fillRef idx="1">
+            <a:schemeClr val="accent6"/>
+          </a:fillRef>
+          <a:effectRef idx="0">
+            <a:schemeClr val="accent6"/>
+          </a:effectRef>
+          <a:fontRef idx="minor">
+            <a:schemeClr val="lt1"/>
+          </a:fontRef>
+        </p:style>
+        <p:txBody>
+          <a:bodyPr rtlCol="0" anchor="ctr"/>
+          <a:lstStyle/>
+          <a:p>
+            <a:pPr algn="ctr"/>
+            <a:endParaRPr lang="de-DE"/>
+          </a:p>
+        </p:txBody>
+      </p:sp>
+      <p:sp>
+        <p:nvSpPr>
+          <p:cNvPr id="5" name="Ellipse 4">
+            <a:extLst>
+              <a:ext uri="{FF2B5EF4-FFF2-40B4-BE49-F238E27FC236}">
+                <a16:creationId xmlns:a16="http://schemas.microsoft.com/office/drawing/2014/main" id="{9487F51E-BB8A-4E91-BB24-3828217DD1E0}"/>
+              </a:ext>
+            </a:extLst>
+          </p:cNvPr>
+          <p:cNvSpPr/>
+          <p:nvPr/>
+        </p:nvSpPr>
+        <p:spPr>
+          <a:xfrm>
+            <a:off x="8116306" y="3053338"/>
+            <a:ext cx="1006641" cy="1008000"/>
+          </a:xfrm>
+          <a:prstGeom prst="ellipse">
+            <a:avLst/>
+          </a:prstGeom>
+        </p:spPr>
+        <p:style>
+          <a:lnRef idx="2">
+            <a:schemeClr val="accent2">
+              <a:shade val="50000"/>
+            </a:schemeClr>
+          </a:lnRef>
+          <a:fillRef idx="1">
+            <a:schemeClr val="accent2"/>
+          </a:fillRef>
+          <a:effectRef idx="0">
+            <a:schemeClr val="accent2"/>
+          </a:effectRef>
+          <a:fontRef idx="minor">
+            <a:schemeClr val="lt1"/>
+          </a:fontRef>
+        </p:style>
+        <p:txBody>
+          <a:bodyPr rtlCol="0" anchor="ctr"/>
+          <a:lstStyle/>
+          <a:p>
+            <a:pPr algn="ctr"/>
+            <a:endParaRPr lang="de-DE"/>
+          </a:p>
+        </p:txBody>
+      </p:sp>
+      <p:sp>
+        <p:nvSpPr>
+          <p:cNvPr id="6" name="Ellipse 5">
+            <a:extLst>
+              <a:ext uri="{FF2B5EF4-FFF2-40B4-BE49-F238E27FC236}">
+                <a16:creationId xmlns:a16="http://schemas.microsoft.com/office/drawing/2014/main" id="{40DE3F95-476E-4D80-AF9D-18772514A494}"/>
+              </a:ext>
+            </a:extLst>
+          </p:cNvPr>
+          <p:cNvSpPr/>
+          <p:nvPr/>
+        </p:nvSpPr>
+        <p:spPr>
+          <a:xfrm>
+            <a:off x="7486650" y="2815389"/>
+            <a:ext cx="1705476" cy="1483895"/>
+          </a:xfrm>
+          <a:prstGeom prst="ellipse">
+            <a:avLst/>
+          </a:prstGeom>
+          <a:noFill/>
+          <a:ln>
+            <a:solidFill>
+              <a:srgbClr val="C00000"/>
+            </a:solidFill>
+          </a:ln>
+        </p:spPr>
+        <p:style>
+          <a:lnRef idx="2">
+            <a:schemeClr val="accent1">
+              <a:shade val="50000"/>
+            </a:schemeClr>
+          </a:lnRef>
+          <a:fillRef idx="1">
+            <a:schemeClr val="accent1"/>
+          </a:fillRef>
+          <a:effectRef idx="0">
+            <a:schemeClr val="accent1"/>
+          </a:effectRef>
+          <a:fontRef idx="minor">
+            <a:schemeClr val="lt1"/>
+          </a:fontRef>
+        </p:style>
+        <p:txBody>
+          <a:bodyPr rtlCol="0" anchor="ctr"/>
+          <a:lstStyle/>
+          <a:p>
+            <a:pPr algn="ctr"/>
+            <a:endParaRPr lang="de-DE" dirty="0"/>
+          </a:p>
+        </p:txBody>
+      </p:sp>
+      <p:cxnSp>
+        <p:nvCxnSpPr>
+          <p:cNvPr id="8" name="Gerade Verbindung mit Pfeil 7">
+            <a:extLst>
+              <a:ext uri="{FF2B5EF4-FFF2-40B4-BE49-F238E27FC236}">
+                <a16:creationId xmlns:a16="http://schemas.microsoft.com/office/drawing/2014/main" id="{09F4948C-02E2-4388-9430-F9F91DB87739}"/>
+              </a:ext>
+            </a:extLst>
+          </p:cNvPr>
+          <p:cNvCxnSpPr>
+            <a:stCxn id="4" idx="2"/>
+            <a:endCxn id="5" idx="2"/>
+          </p:cNvCxnSpPr>
+          <p:nvPr/>
+        </p:nvCxnSpPr>
+        <p:spPr>
+          <a:xfrm>
+            <a:off x="7839578" y="3553327"/>
+            <a:ext cx="276728" cy="4011"/>
+          </a:xfrm>
+          <a:prstGeom prst="straightConnector1">
+            <a:avLst/>
+          </a:prstGeom>
+          <a:ln>
+            <a:headEnd type="triangle"/>
+            <a:tailEnd type="triangle"/>
+          </a:ln>
+        </p:spPr>
+        <p:style>
+          <a:lnRef idx="1">
+            <a:schemeClr val="dk1"/>
+          </a:lnRef>
+          <a:fillRef idx="0">
+            <a:schemeClr val="dk1"/>
+          </a:fillRef>
+          <a:effectRef idx="0">
+            <a:schemeClr val="dk1"/>
+          </a:effectRef>
+          <a:fontRef idx="minor">
+            <a:schemeClr val="tx1"/>
+          </a:fontRef>
+        </p:style>
+      </p:cxnSp>
+      <p:cxnSp>
+        <p:nvCxnSpPr>
+          <p:cNvPr id="9" name="Gerade Verbindung mit Pfeil 8">
+            <a:extLst>
+              <a:ext uri="{FF2B5EF4-FFF2-40B4-BE49-F238E27FC236}">
+                <a16:creationId xmlns:a16="http://schemas.microsoft.com/office/drawing/2014/main" id="{C924700B-0DD9-4349-AA8E-D7E6803D34BB}"/>
+              </a:ext>
+            </a:extLst>
+          </p:cNvPr>
+          <p:cNvCxnSpPr/>
+          <p:nvPr/>
+        </p:nvCxnSpPr>
+        <p:spPr>
+          <a:xfrm>
+            <a:off x="7562850" y="3549316"/>
+            <a:ext cx="276728" cy="4011"/>
+          </a:xfrm>
+          <a:prstGeom prst="straightConnector1">
+            <a:avLst/>
+          </a:prstGeom>
+          <a:ln>
+            <a:headEnd type="triangle"/>
+            <a:tailEnd type="triangle"/>
+          </a:ln>
+        </p:spPr>
+        <p:style>
+          <a:lnRef idx="1">
+            <a:schemeClr val="dk1"/>
+          </a:lnRef>
+          <a:fillRef idx="0">
+            <a:schemeClr val="dk1"/>
+          </a:fillRef>
+          <a:effectRef idx="0">
+            <a:schemeClr val="dk1"/>
+          </a:effectRef>
+          <a:fontRef idx="minor">
+            <a:schemeClr val="tx1"/>
+          </a:fontRef>
+        </p:style>
+      </p:cxnSp>
+      <p:sp>
+        <p:nvSpPr>
+          <p:cNvPr id="10" name="Textfeld 9">
+            <a:extLst>
+              <a:ext uri="{FF2B5EF4-FFF2-40B4-BE49-F238E27FC236}">
+                <a16:creationId xmlns:a16="http://schemas.microsoft.com/office/drawing/2014/main" id="{BCAFA0D6-40F4-414B-BCE7-109A4D969CC3}"/>
+              </a:ext>
+            </a:extLst>
+          </p:cNvPr>
+          <p:cNvSpPr txBox="1"/>
+          <p:nvPr/>
+        </p:nvSpPr>
+        <p:spPr>
+          <a:xfrm>
+            <a:off x="7522240" y="3275111"/>
+            <a:ext cx="433477" cy="307777"/>
+          </a:xfrm>
+          <a:prstGeom prst="rect">
+            <a:avLst/>
+          </a:prstGeom>
+          <a:noFill/>
+        </p:spPr>
+        <p:txBody>
+          <a:bodyPr wrap="square" rtlCol="0">
+            <a:spAutoFit/>
+          </a:bodyPr>
+          <a:lstStyle/>
+          <a:p>
+            <a:r>
+              <a:rPr lang="de-DE" sz="1400" dirty="0"/>
+              <a:t>10</a:t>
+            </a:r>
+          </a:p>
+        </p:txBody>
+      </p:sp>
+      <p:sp>
+        <p:nvSpPr>
+          <p:cNvPr id="11" name="Textfeld 10">
+            <a:extLst>
+              <a:ext uri="{FF2B5EF4-FFF2-40B4-BE49-F238E27FC236}">
+                <a16:creationId xmlns:a16="http://schemas.microsoft.com/office/drawing/2014/main" id="{21BBCC6B-D44E-4665-A7BC-36758D081D51}"/>
+              </a:ext>
+            </a:extLst>
+          </p:cNvPr>
+          <p:cNvSpPr txBox="1"/>
+          <p:nvPr/>
+        </p:nvSpPr>
+        <p:spPr>
+          <a:xfrm>
+            <a:off x="7797715" y="3275111"/>
+            <a:ext cx="433477" cy="307777"/>
+          </a:xfrm>
+          <a:prstGeom prst="rect">
+            <a:avLst/>
+          </a:prstGeom>
+          <a:noFill/>
+        </p:spPr>
+        <p:txBody>
+          <a:bodyPr wrap="square" rtlCol="0">
+            <a:spAutoFit/>
+          </a:bodyPr>
+          <a:lstStyle/>
+          <a:p>
+            <a:r>
+              <a:rPr lang="de-DE" sz="1400" dirty="0"/>
+              <a:t>10</a:t>
+            </a:r>
+          </a:p>
+        </p:txBody>
+      </p:sp>
+    </p:spTree>
+    <p:extLst>
+      <p:ext uri="{BB962C8B-B14F-4D97-AF65-F5344CB8AC3E}">
+        <p14:creationId xmlns:p14="http://schemas.microsoft.com/office/powerpoint/2010/main" val="1712495513"/>
+      </p:ext>
+    </p:extLst>
+  </p:cSld>
+  <p:clrMapOvr>
+    <a:masterClrMapping/>
+  </p:clrMapOvr>
+</p:sld>
+</file>
+
+<file path=ppt/slides/slide13.xml><?xml version="1.0" encoding="utf-8"?>
+<p:sld xmlns:a="http://schemas.openxmlformats.org/drawingml/2006/main" xmlns:r="http://schemas.openxmlformats.org/officeDocument/2006/relationships" xmlns:p="http://schemas.openxmlformats.org/presentationml/2006/main">
+  <p:cSld>
+    <p:spTree>
+      <p:nvGrpSpPr>
+        <p:cNvPr id="1" name=""/>
+        <p:cNvGrpSpPr/>
+        <p:nvPr/>
+      </p:nvGrpSpPr>
+      <p:grpSpPr>
+        <a:xfrm>
+          <a:off x="0" y="0"/>
+          <a:ext cx="0" cy="0"/>
+          <a:chOff x="0" y="0"/>
+          <a:chExt cx="0" cy="0"/>
+        </a:xfrm>
+      </p:grpSpPr>
+      <p:pic>
+        <p:nvPicPr>
+          <p:cNvPr id="2" name="Grafik 1">
+            <a:extLst>
+              <a:ext uri="{FF2B5EF4-FFF2-40B4-BE49-F238E27FC236}">
+                <a16:creationId xmlns:a16="http://schemas.microsoft.com/office/drawing/2014/main" id="{B4AE4394-6B0A-4468-AF1A-E9B4104D3DCB}"/>
+              </a:ext>
+            </a:extLst>
+          </p:cNvPr>
+          <p:cNvPicPr>
+            <a:picLocks noChangeAspect="1"/>
+          </p:cNvPicPr>
+          <p:nvPr/>
+        </p:nvPicPr>
+        <p:blipFill>
+          <a:blip r:embed="rId2"/>
+          <a:stretch>
+            <a:fillRect/>
+          </a:stretch>
+        </p:blipFill>
+        <p:spPr>
+          <a:xfrm>
+            <a:off x="2800350" y="1695450"/>
+            <a:ext cx="6591300" cy="3467100"/>
+          </a:xfrm>
+          <a:prstGeom prst="rect">
+            <a:avLst/>
+          </a:prstGeom>
+        </p:spPr>
+      </p:pic>
+      <p:cxnSp>
+        <p:nvCxnSpPr>
+          <p:cNvPr id="4" name="Gerader Verbinder 3">
+            <a:extLst>
+              <a:ext uri="{FF2B5EF4-FFF2-40B4-BE49-F238E27FC236}">
+                <a16:creationId xmlns:a16="http://schemas.microsoft.com/office/drawing/2014/main" id="{97E40FD7-5500-4134-8AF0-3F8F5C611ADF}"/>
+              </a:ext>
+            </a:extLst>
+          </p:cNvPr>
+          <p:cNvCxnSpPr>
+            <a:cxnSpLocks/>
+          </p:cNvCxnSpPr>
+          <p:nvPr/>
+        </p:nvCxnSpPr>
+        <p:spPr>
+          <a:xfrm>
+            <a:off x="5937250" y="1695450"/>
+            <a:ext cx="0" cy="3467100"/>
+          </a:xfrm>
+          <a:prstGeom prst="line">
+            <a:avLst/>
+          </a:prstGeom>
+          <a:ln w="19050">
+            <a:prstDash val="dashDot"/>
+          </a:ln>
+        </p:spPr>
+        <p:style>
+          <a:lnRef idx="1">
+            <a:schemeClr val="accent1"/>
+          </a:lnRef>
+          <a:fillRef idx="0">
+            <a:schemeClr val="accent1"/>
+          </a:fillRef>
+          <a:effectRef idx="0">
+            <a:schemeClr val="accent1"/>
+          </a:effectRef>
+          <a:fontRef idx="minor">
+            <a:schemeClr val="tx1"/>
+          </a:fontRef>
+        </p:style>
+      </p:cxnSp>
+      <p:cxnSp>
+        <p:nvCxnSpPr>
+          <p:cNvPr id="6" name="Gerade Verbindung mit Pfeil 5">
+            <a:extLst>
+              <a:ext uri="{FF2B5EF4-FFF2-40B4-BE49-F238E27FC236}">
+                <a16:creationId xmlns:a16="http://schemas.microsoft.com/office/drawing/2014/main" id="{AC5D6E0E-E252-45CB-ACC5-69A08E833DB8}"/>
+              </a:ext>
+            </a:extLst>
+          </p:cNvPr>
+          <p:cNvCxnSpPr/>
+          <p:nvPr/>
+        </p:nvCxnSpPr>
+        <p:spPr>
+          <a:xfrm>
+            <a:off x="5251450" y="3060700"/>
+            <a:ext cx="1377950" cy="0"/>
+          </a:xfrm>
+          <a:prstGeom prst="straightConnector1">
+            <a:avLst/>
+          </a:prstGeom>
+          <a:ln>
+            <a:headEnd type="triangle"/>
+            <a:tailEnd type="triangle"/>
+          </a:ln>
+        </p:spPr>
+        <p:style>
+          <a:lnRef idx="1">
+            <a:schemeClr val="dk1"/>
+          </a:lnRef>
+          <a:fillRef idx="0">
+            <a:schemeClr val="dk1"/>
+          </a:fillRef>
+          <a:effectRef idx="0">
+            <a:schemeClr val="dk1"/>
+          </a:effectRef>
+          <a:fontRef idx="minor">
+            <a:schemeClr val="tx1"/>
+          </a:fontRef>
+        </p:style>
+      </p:cxnSp>
+      <p:sp>
+        <p:nvSpPr>
+          <p:cNvPr id="7" name="Textfeld 6">
+            <a:extLst>
+              <a:ext uri="{FF2B5EF4-FFF2-40B4-BE49-F238E27FC236}">
+                <a16:creationId xmlns:a16="http://schemas.microsoft.com/office/drawing/2014/main" id="{879E7FC5-7DBC-4819-B75E-2A0A39710BA2}"/>
+              </a:ext>
+            </a:extLst>
+          </p:cNvPr>
+          <p:cNvSpPr txBox="1"/>
+          <p:nvPr/>
+        </p:nvSpPr>
+        <p:spPr>
+          <a:xfrm>
+            <a:off x="5445125" y="2691368"/>
+            <a:ext cx="984250" cy="369332"/>
+          </a:xfrm>
+          <a:prstGeom prst="rect">
+            <a:avLst/>
+          </a:prstGeom>
+          <a:solidFill>
+            <a:srgbClr val="A3B6BB"/>
+          </a:solidFill>
+        </p:spPr>
+        <p:txBody>
+          <a:bodyPr wrap="square" rtlCol="0">
+            <a:spAutoFit/>
+          </a:bodyPr>
+          <a:lstStyle/>
+          <a:p>
+            <a:r>
+              <a:rPr lang="de-DE" dirty="0"/>
+              <a:t>max. 80</a:t>
+            </a:r>
+          </a:p>
+        </p:txBody>
+      </p:sp>
+      <p:cxnSp>
+        <p:nvCxnSpPr>
+          <p:cNvPr id="9" name="Gerade Verbindung mit Pfeil 8">
+            <a:extLst>
+              <a:ext uri="{FF2B5EF4-FFF2-40B4-BE49-F238E27FC236}">
+                <a16:creationId xmlns:a16="http://schemas.microsoft.com/office/drawing/2014/main" id="{81C65700-ACEF-4401-B0B9-831BF796B16D}"/>
+              </a:ext>
+            </a:extLst>
+          </p:cNvPr>
+          <p:cNvCxnSpPr/>
+          <p:nvPr/>
+        </p:nvCxnSpPr>
+        <p:spPr>
+          <a:xfrm flipV="1">
+            <a:off x="7181850" y="2324100"/>
+            <a:ext cx="0" cy="2838450"/>
+          </a:xfrm>
+          <a:prstGeom prst="straightConnector1">
+            <a:avLst/>
+          </a:prstGeom>
+          <a:ln>
+            <a:tailEnd type="triangle"/>
+          </a:ln>
+        </p:spPr>
+        <p:style>
+          <a:lnRef idx="1">
+            <a:schemeClr val="dk1"/>
+          </a:lnRef>
+          <a:fillRef idx="0">
+            <a:schemeClr val="dk1"/>
+          </a:fillRef>
+          <a:effectRef idx="0">
+            <a:schemeClr val="dk1"/>
+          </a:effectRef>
+          <a:fontRef idx="minor">
+            <a:schemeClr val="tx1"/>
+          </a:fontRef>
+        </p:style>
+      </p:cxnSp>
+      <p:sp>
+        <p:nvSpPr>
+          <p:cNvPr id="11" name="Textfeld 10">
+            <a:extLst>
+              <a:ext uri="{FF2B5EF4-FFF2-40B4-BE49-F238E27FC236}">
+                <a16:creationId xmlns:a16="http://schemas.microsoft.com/office/drawing/2014/main" id="{E19D294B-4715-45F8-8F21-D6CF0802C61E}"/>
+              </a:ext>
+            </a:extLst>
+          </p:cNvPr>
+          <p:cNvSpPr txBox="1"/>
+          <p:nvPr/>
+        </p:nvSpPr>
+        <p:spPr>
+          <a:xfrm>
+            <a:off x="6673851" y="3248025"/>
+            <a:ext cx="461665" cy="1258325"/>
+          </a:xfrm>
+          <a:prstGeom prst="rect">
+            <a:avLst/>
+          </a:prstGeom>
+          <a:solidFill>
+            <a:srgbClr val="3E4547"/>
+          </a:solidFill>
+        </p:spPr>
+        <p:txBody>
+          <a:bodyPr vert="vert270" wrap="square" rtlCol="0">
+            <a:spAutoFit/>
+          </a:bodyPr>
+          <a:lstStyle/>
+          <a:p>
+            <a:r>
+              <a:rPr lang="de-DE" dirty="0"/>
+              <a:t>max. Ø 619</a:t>
+            </a:r>
+          </a:p>
+        </p:txBody>
+      </p:sp>
+      <p:cxnSp>
+        <p:nvCxnSpPr>
+          <p:cNvPr id="15" name="Gerade Verbindung mit Pfeil 14">
+            <a:extLst>
+              <a:ext uri="{FF2B5EF4-FFF2-40B4-BE49-F238E27FC236}">
+                <a16:creationId xmlns:a16="http://schemas.microsoft.com/office/drawing/2014/main" id="{19210659-0C69-4FFD-9846-421D5EEFF6DA}"/>
+              </a:ext>
+            </a:extLst>
+          </p:cNvPr>
+          <p:cNvCxnSpPr/>
+          <p:nvPr/>
+        </p:nvCxnSpPr>
+        <p:spPr>
+          <a:xfrm flipV="1">
+            <a:off x="6556375" y="2324100"/>
+            <a:ext cx="0" cy="158750"/>
+          </a:xfrm>
+          <a:prstGeom prst="straightConnector1">
+            <a:avLst/>
+          </a:prstGeom>
+          <a:ln>
+            <a:tailEnd type="triangle"/>
+          </a:ln>
+        </p:spPr>
+        <p:style>
+          <a:lnRef idx="1">
+            <a:schemeClr val="dk1"/>
+          </a:lnRef>
+          <a:fillRef idx="0">
+            <a:schemeClr val="dk1"/>
+          </a:fillRef>
+          <a:effectRef idx="0">
+            <a:schemeClr val="dk1"/>
+          </a:effectRef>
+          <a:fontRef idx="minor">
+            <a:schemeClr val="tx1"/>
+          </a:fontRef>
+        </p:style>
+      </p:cxnSp>
+      <p:cxnSp>
+        <p:nvCxnSpPr>
+          <p:cNvPr id="17" name="Gerade Verbindung mit Pfeil 16">
+            <a:extLst>
+              <a:ext uri="{FF2B5EF4-FFF2-40B4-BE49-F238E27FC236}">
+                <a16:creationId xmlns:a16="http://schemas.microsoft.com/office/drawing/2014/main" id="{A7F50003-F7AB-4460-8744-A1A514C780ED}"/>
+              </a:ext>
+            </a:extLst>
+          </p:cNvPr>
+          <p:cNvCxnSpPr>
+            <a:cxnSpLocks/>
+          </p:cNvCxnSpPr>
+          <p:nvPr/>
+        </p:nvCxnSpPr>
+        <p:spPr>
+          <a:xfrm>
+            <a:off x="6550025" y="1746250"/>
+            <a:ext cx="0" cy="476250"/>
+          </a:xfrm>
+          <a:prstGeom prst="straightConnector1">
+            <a:avLst/>
+          </a:prstGeom>
+          <a:ln>
+            <a:tailEnd type="triangle"/>
+          </a:ln>
+        </p:spPr>
+        <p:style>
+          <a:lnRef idx="1">
+            <a:schemeClr val="dk1"/>
+          </a:lnRef>
+          <a:fillRef idx="0">
+            <a:schemeClr val="dk1"/>
+          </a:fillRef>
+          <a:effectRef idx="0">
+            <a:schemeClr val="dk1"/>
+          </a:effectRef>
+          <a:fontRef idx="minor">
+            <a:schemeClr val="tx1"/>
+          </a:fontRef>
+        </p:style>
+      </p:cxnSp>
+      <p:sp>
+        <p:nvSpPr>
+          <p:cNvPr id="19" name="Textfeld 18">
+            <a:extLst>
+              <a:ext uri="{FF2B5EF4-FFF2-40B4-BE49-F238E27FC236}">
+                <a16:creationId xmlns:a16="http://schemas.microsoft.com/office/drawing/2014/main" id="{31117B71-04BB-4E1F-BDF5-EA12B76FEF46}"/>
+              </a:ext>
+            </a:extLst>
+          </p:cNvPr>
+          <p:cNvSpPr txBox="1"/>
+          <p:nvPr/>
+        </p:nvSpPr>
+        <p:spPr>
+          <a:xfrm>
+            <a:off x="6198542" y="1676919"/>
+            <a:ext cx="461665" cy="369332"/>
+          </a:xfrm>
+          <a:prstGeom prst="rect">
+            <a:avLst/>
+          </a:prstGeom>
+          <a:noFill/>
+        </p:spPr>
+        <p:txBody>
+          <a:bodyPr vert="vert270" wrap="square" rtlCol="0">
+            <a:spAutoFit/>
+          </a:bodyPr>
+          <a:lstStyle/>
+          <a:p>
+            <a:r>
+              <a:rPr lang="de-DE" dirty="0"/>
+              <a:t>5</a:t>
+            </a:r>
+          </a:p>
+        </p:txBody>
+      </p:sp>
+    </p:spTree>
+    <p:extLst>
+      <p:ext uri="{BB962C8B-B14F-4D97-AF65-F5344CB8AC3E}">
+        <p14:creationId xmlns:p14="http://schemas.microsoft.com/office/powerpoint/2010/main" val="3863845191"/>
       </p:ext>
     </p:extLst>
   </p:cSld>

--- a/Grafiken.pptx
+++ b/Grafiken.pptx
@@ -18,6 +18,11 @@
     <p:sldId id="266" r:id="rId12"/>
     <p:sldId id="267" r:id="rId13"/>
     <p:sldId id="268" r:id="rId14"/>
+    <p:sldId id="269" r:id="rId15"/>
+    <p:sldId id="270" r:id="rId16"/>
+    <p:sldId id="271" r:id="rId17"/>
+    <p:sldId id="272" r:id="rId18"/>
+    <p:sldId id="273" r:id="rId19"/>
   </p:sldIdLst>
   <p:sldSz cx="12192000" cy="6858000"/>
   <p:notesSz cx="6858000" cy="9144000"/>
@@ -4605,6 +4610,2023 @@
     <p:extLst>
       <p:ext uri="{BB962C8B-B14F-4D97-AF65-F5344CB8AC3E}">
         <p14:creationId xmlns:p14="http://schemas.microsoft.com/office/powerpoint/2010/main" val="3863845191"/>
+      </p:ext>
+    </p:extLst>
+  </p:cSld>
+  <p:clrMapOvr>
+    <a:masterClrMapping/>
+  </p:clrMapOvr>
+</p:sld>
+</file>
+
+<file path=ppt/slides/slide14.xml><?xml version="1.0" encoding="utf-8"?>
+<p:sld xmlns:a="http://schemas.openxmlformats.org/drawingml/2006/main" xmlns:r="http://schemas.openxmlformats.org/officeDocument/2006/relationships" xmlns:p="http://schemas.openxmlformats.org/presentationml/2006/main">
+  <p:cSld>
+    <p:spTree>
+      <p:nvGrpSpPr>
+        <p:cNvPr id="1" name=""/>
+        <p:cNvGrpSpPr/>
+        <p:nvPr/>
+      </p:nvGrpSpPr>
+      <p:grpSpPr>
+        <a:xfrm>
+          <a:off x="0" y="0"/>
+          <a:ext cx="0" cy="0"/>
+          <a:chOff x="0" y="0"/>
+          <a:chExt cx="0" cy="0"/>
+        </a:xfrm>
+      </p:grpSpPr>
+      <p:pic>
+        <p:nvPicPr>
+          <p:cNvPr id="2" name="Grafik 1">
+            <a:extLst>
+              <a:ext uri="{FF2B5EF4-FFF2-40B4-BE49-F238E27FC236}">
+                <a16:creationId xmlns:a16="http://schemas.microsoft.com/office/drawing/2014/main" id="{D8EA32D7-5651-4273-A0A7-FBFA371C9BEB}"/>
+              </a:ext>
+            </a:extLst>
+          </p:cNvPr>
+          <p:cNvPicPr>
+            <a:picLocks noChangeAspect="1"/>
+          </p:cNvPicPr>
+          <p:nvPr/>
+        </p:nvPicPr>
+        <p:blipFill>
+          <a:blip r:embed="rId2"/>
+          <a:stretch>
+            <a:fillRect/>
+          </a:stretch>
+        </p:blipFill>
+        <p:spPr>
+          <a:xfrm>
+            <a:off x="3600450" y="1671637"/>
+            <a:ext cx="4991100" cy="3514725"/>
+          </a:xfrm>
+          <a:prstGeom prst="rect">
+            <a:avLst/>
+          </a:prstGeom>
+        </p:spPr>
+      </p:pic>
+      <p:sp>
+        <p:nvSpPr>
+          <p:cNvPr id="3" name="Freihandform: Form 2">
+            <a:extLst>
+              <a:ext uri="{FF2B5EF4-FFF2-40B4-BE49-F238E27FC236}">
+                <a16:creationId xmlns:a16="http://schemas.microsoft.com/office/drawing/2014/main" id="{6BDC55A3-2E24-4D3D-A1A5-8FAB42B83FC4}"/>
+              </a:ext>
+            </a:extLst>
+          </p:cNvPr>
+          <p:cNvSpPr/>
+          <p:nvPr/>
+        </p:nvSpPr>
+        <p:spPr>
+          <a:xfrm>
+            <a:off x="5191125" y="2814583"/>
+            <a:ext cx="100013" cy="35383"/>
+          </a:xfrm>
+          <a:custGeom>
+            <a:avLst/>
+            <a:gdLst>
+              <a:gd name="connsiteX0" fmla="*/ 42863 w 100013"/>
+              <a:gd name="connsiteY0" fmla="*/ 9580 h 35383"/>
+              <a:gd name="connsiteX1" fmla="*/ 66675 w 100013"/>
+              <a:gd name="connsiteY1" fmla="*/ 14342 h 35383"/>
+              <a:gd name="connsiteX2" fmla="*/ 85725 w 100013"/>
+              <a:gd name="connsiteY2" fmla="*/ 23867 h 35383"/>
+              <a:gd name="connsiteX3" fmla="*/ 61913 w 100013"/>
+              <a:gd name="connsiteY3" fmla="*/ 19105 h 35383"/>
+              <a:gd name="connsiteX4" fmla="*/ 0 w 100013"/>
+              <a:gd name="connsiteY4" fmla="*/ 14342 h 35383"/>
+              <a:gd name="connsiteX5" fmla="*/ 71438 w 100013"/>
+              <a:gd name="connsiteY5" fmla="*/ 14342 h 35383"/>
+              <a:gd name="connsiteX6" fmla="*/ 66675 w 100013"/>
+              <a:gd name="connsiteY6" fmla="*/ 33392 h 35383"/>
+              <a:gd name="connsiteX7" fmla="*/ 28575 w 100013"/>
+              <a:gd name="connsiteY7" fmla="*/ 28630 h 35383"/>
+              <a:gd name="connsiteX8" fmla="*/ 66675 w 100013"/>
+              <a:gd name="connsiteY8" fmla="*/ 19105 h 35383"/>
+              <a:gd name="connsiteX9" fmla="*/ 0 w 100013"/>
+              <a:gd name="connsiteY9" fmla="*/ 4817 h 35383"/>
+              <a:gd name="connsiteX10" fmla="*/ 14288 w 100013"/>
+              <a:gd name="connsiteY10" fmla="*/ 55 h 35383"/>
+              <a:gd name="connsiteX11" fmla="*/ 42863 w 100013"/>
+              <a:gd name="connsiteY11" fmla="*/ 9580 h 35383"/>
+              <a:gd name="connsiteX12" fmla="*/ 100013 w 100013"/>
+              <a:gd name="connsiteY12" fmla="*/ 4817 h 35383"/>
+            </a:gdLst>
+            <a:ahLst/>
+            <a:cxnLst>
+              <a:cxn ang="0">
+                <a:pos x="connsiteX0" y="connsiteY0"/>
+              </a:cxn>
+              <a:cxn ang="0">
+                <a:pos x="connsiteX1" y="connsiteY1"/>
+              </a:cxn>
+              <a:cxn ang="0">
+                <a:pos x="connsiteX2" y="connsiteY2"/>
+              </a:cxn>
+              <a:cxn ang="0">
+                <a:pos x="connsiteX3" y="connsiteY3"/>
+              </a:cxn>
+              <a:cxn ang="0">
+                <a:pos x="connsiteX4" y="connsiteY4"/>
+              </a:cxn>
+              <a:cxn ang="0">
+                <a:pos x="connsiteX5" y="connsiteY5"/>
+              </a:cxn>
+              <a:cxn ang="0">
+                <a:pos x="connsiteX6" y="connsiteY6"/>
+              </a:cxn>
+              <a:cxn ang="0">
+                <a:pos x="connsiteX7" y="connsiteY7"/>
+              </a:cxn>
+              <a:cxn ang="0">
+                <a:pos x="connsiteX8" y="connsiteY8"/>
+              </a:cxn>
+              <a:cxn ang="0">
+                <a:pos x="connsiteX9" y="connsiteY9"/>
+              </a:cxn>
+              <a:cxn ang="0">
+                <a:pos x="connsiteX10" y="connsiteY10"/>
+              </a:cxn>
+              <a:cxn ang="0">
+                <a:pos x="connsiteX11" y="connsiteY11"/>
+              </a:cxn>
+              <a:cxn ang="0">
+                <a:pos x="connsiteX12" y="connsiteY12"/>
+              </a:cxn>
+            </a:cxnLst>
+            <a:rect l="l" t="t" r="r" b="b"/>
+            <a:pathLst>
+              <a:path w="100013" h="35383">
+                <a:moveTo>
+                  <a:pt x="42863" y="9580"/>
+                </a:moveTo>
+                <a:cubicBezTo>
+                  <a:pt x="50800" y="11167"/>
+                  <a:pt x="58996" y="11782"/>
+                  <a:pt x="66675" y="14342"/>
+                </a:cubicBezTo>
+                <a:cubicBezTo>
+                  <a:pt x="73410" y="16587"/>
+                  <a:pt x="90745" y="18846"/>
+                  <a:pt x="85725" y="23867"/>
+                </a:cubicBezTo>
+                <a:cubicBezTo>
+                  <a:pt x="80002" y="29591"/>
+                  <a:pt x="69958" y="19999"/>
+                  <a:pt x="61913" y="19105"/>
+                </a:cubicBezTo>
+                <a:cubicBezTo>
+                  <a:pt x="41341" y="16819"/>
+                  <a:pt x="20638" y="15930"/>
+                  <a:pt x="0" y="14342"/>
+                </a:cubicBezTo>
+                <a:cubicBezTo>
+                  <a:pt x="24732" y="6099"/>
+                  <a:pt x="38571" y="-597"/>
+                  <a:pt x="71438" y="14342"/>
+                </a:cubicBezTo>
+                <a:cubicBezTo>
+                  <a:pt x="77397" y="17051"/>
+                  <a:pt x="68263" y="27042"/>
+                  <a:pt x="66675" y="33392"/>
+                </a:cubicBezTo>
+                <a:cubicBezTo>
+                  <a:pt x="53975" y="31805"/>
+                  <a:pt x="28575" y="41429"/>
+                  <a:pt x="28575" y="28630"/>
+                </a:cubicBezTo>
+                <a:cubicBezTo>
+                  <a:pt x="28575" y="15539"/>
+                  <a:pt x="66675" y="19105"/>
+                  <a:pt x="66675" y="19105"/>
+                </a:cubicBezTo>
+                <a:cubicBezTo>
+                  <a:pt x="25958" y="5533"/>
+                  <a:pt x="48063" y="10825"/>
+                  <a:pt x="0" y="4817"/>
+                </a:cubicBezTo>
+                <a:cubicBezTo>
+                  <a:pt x="4763" y="3230"/>
+                  <a:pt x="9298" y="-499"/>
+                  <a:pt x="14288" y="55"/>
+                </a:cubicBezTo>
+                <a:cubicBezTo>
+                  <a:pt x="24267" y="1164"/>
+                  <a:pt x="42863" y="9580"/>
+                  <a:pt x="42863" y="9580"/>
+                </a:cubicBezTo>
+                <a:lnTo>
+                  <a:pt x="100013" y="4817"/>
+                </a:lnTo>
+              </a:path>
+            </a:pathLst>
+          </a:custGeom>
+          <a:solidFill>
+            <a:srgbClr val="A3B6BB"/>
+          </a:solidFill>
+          <a:ln>
+            <a:solidFill>
+              <a:srgbClr val="A3B6BB"/>
+            </a:solidFill>
+          </a:ln>
+        </p:spPr>
+        <p:style>
+          <a:lnRef idx="2">
+            <a:schemeClr val="accent1">
+              <a:shade val="50000"/>
+            </a:schemeClr>
+          </a:lnRef>
+          <a:fillRef idx="1">
+            <a:schemeClr val="accent1"/>
+          </a:fillRef>
+          <a:effectRef idx="0">
+            <a:schemeClr val="accent1"/>
+          </a:effectRef>
+          <a:fontRef idx="minor">
+            <a:schemeClr val="lt1"/>
+          </a:fontRef>
+        </p:style>
+        <p:txBody>
+          <a:bodyPr rtlCol="0" anchor="ctr"/>
+          <a:lstStyle/>
+          <a:p>
+            <a:pPr algn="ctr"/>
+            <a:endParaRPr lang="de-DE"/>
+          </a:p>
+        </p:txBody>
+      </p:sp>
+      <p:sp>
+        <p:nvSpPr>
+          <p:cNvPr id="5" name="Freihandform: Form 4">
+            <a:extLst>
+              <a:ext uri="{FF2B5EF4-FFF2-40B4-BE49-F238E27FC236}">
+                <a16:creationId xmlns:a16="http://schemas.microsoft.com/office/drawing/2014/main" id="{D1A091B6-B400-4056-A753-BBBE427F1533}"/>
+              </a:ext>
+            </a:extLst>
+          </p:cNvPr>
+          <p:cNvSpPr/>
+          <p:nvPr/>
+        </p:nvSpPr>
+        <p:spPr>
+          <a:xfrm>
+            <a:off x="5214938" y="2536852"/>
+            <a:ext cx="66675" cy="104231"/>
+          </a:xfrm>
+          <a:custGeom>
+            <a:avLst/>
+            <a:gdLst>
+              <a:gd name="connsiteX0" fmla="*/ 38100 w 66675"/>
+              <a:gd name="connsiteY0" fmla="*/ 11086 h 104231"/>
+              <a:gd name="connsiteX1" fmla="*/ 19050 w 66675"/>
+              <a:gd name="connsiteY1" fmla="*/ 34898 h 104231"/>
+              <a:gd name="connsiteX2" fmla="*/ 23812 w 66675"/>
+              <a:gd name="connsiteY2" fmla="*/ 20611 h 104231"/>
+              <a:gd name="connsiteX3" fmla="*/ 38100 w 66675"/>
+              <a:gd name="connsiteY3" fmla="*/ 1561 h 104231"/>
+              <a:gd name="connsiteX4" fmla="*/ 23812 w 66675"/>
+              <a:gd name="connsiteY4" fmla="*/ 11086 h 104231"/>
+              <a:gd name="connsiteX5" fmla="*/ 9525 w 66675"/>
+              <a:gd name="connsiteY5" fmla="*/ 25373 h 104231"/>
+              <a:gd name="connsiteX6" fmla="*/ 28575 w 66675"/>
+              <a:gd name="connsiteY6" fmla="*/ 30136 h 104231"/>
+              <a:gd name="connsiteX7" fmla="*/ 52387 w 66675"/>
+              <a:gd name="connsiteY7" fmla="*/ 20611 h 104231"/>
+              <a:gd name="connsiteX8" fmla="*/ 66675 w 66675"/>
+              <a:gd name="connsiteY8" fmla="*/ 15848 h 104231"/>
+              <a:gd name="connsiteX9" fmla="*/ 47625 w 66675"/>
+              <a:gd name="connsiteY9" fmla="*/ 34898 h 104231"/>
+              <a:gd name="connsiteX10" fmla="*/ 19050 w 66675"/>
+              <a:gd name="connsiteY10" fmla="*/ 53948 h 104231"/>
+              <a:gd name="connsiteX11" fmla="*/ 23812 w 66675"/>
+              <a:gd name="connsiteY11" fmla="*/ 30136 h 104231"/>
+              <a:gd name="connsiteX12" fmla="*/ 33337 w 66675"/>
+              <a:gd name="connsiteY12" fmla="*/ 15848 h 104231"/>
+              <a:gd name="connsiteX13" fmla="*/ 9525 w 66675"/>
+              <a:gd name="connsiteY13" fmla="*/ 58711 h 104231"/>
+              <a:gd name="connsiteX14" fmla="*/ 19050 w 66675"/>
+              <a:gd name="connsiteY14" fmla="*/ 72998 h 104231"/>
+              <a:gd name="connsiteX15" fmla="*/ 38100 w 66675"/>
+              <a:gd name="connsiteY15" fmla="*/ 44423 h 104231"/>
+              <a:gd name="connsiteX16" fmla="*/ 52387 w 66675"/>
+              <a:gd name="connsiteY16" fmla="*/ 25373 h 104231"/>
+              <a:gd name="connsiteX17" fmla="*/ 57150 w 66675"/>
+              <a:gd name="connsiteY17" fmla="*/ 6323 h 104231"/>
+              <a:gd name="connsiteX18" fmla="*/ 57150 w 66675"/>
+              <a:gd name="connsiteY18" fmla="*/ 44423 h 104231"/>
+              <a:gd name="connsiteX19" fmla="*/ 38100 w 66675"/>
+              <a:gd name="connsiteY19" fmla="*/ 53948 h 104231"/>
+              <a:gd name="connsiteX20" fmla="*/ 23812 w 66675"/>
+              <a:gd name="connsiteY20" fmla="*/ 68236 h 104231"/>
+              <a:gd name="connsiteX21" fmla="*/ 28575 w 66675"/>
+              <a:gd name="connsiteY21" fmla="*/ 82523 h 104231"/>
+              <a:gd name="connsiteX22" fmla="*/ 19050 w 66675"/>
+              <a:gd name="connsiteY22" fmla="*/ 87286 h 104231"/>
+              <a:gd name="connsiteX23" fmla="*/ 23812 w 66675"/>
+              <a:gd name="connsiteY23" fmla="*/ 63473 h 104231"/>
+              <a:gd name="connsiteX24" fmla="*/ 52387 w 66675"/>
+              <a:gd name="connsiteY24" fmla="*/ 44423 h 104231"/>
+              <a:gd name="connsiteX25" fmla="*/ 47625 w 66675"/>
+              <a:gd name="connsiteY25" fmla="*/ 68236 h 104231"/>
+              <a:gd name="connsiteX26" fmla="*/ 19050 w 66675"/>
+              <a:gd name="connsiteY26" fmla="*/ 87286 h 104231"/>
+              <a:gd name="connsiteX27" fmla="*/ 14287 w 66675"/>
+              <a:gd name="connsiteY27" fmla="*/ 68236 h 104231"/>
+              <a:gd name="connsiteX28" fmla="*/ 23812 w 66675"/>
+              <a:gd name="connsiteY28" fmla="*/ 63473 h 104231"/>
+              <a:gd name="connsiteX29" fmla="*/ 19050 w 66675"/>
+              <a:gd name="connsiteY29" fmla="*/ 77761 h 104231"/>
+              <a:gd name="connsiteX30" fmla="*/ 14287 w 66675"/>
+              <a:gd name="connsiteY30" fmla="*/ 63473 h 104231"/>
+              <a:gd name="connsiteX31" fmla="*/ 19050 w 66675"/>
+              <a:gd name="connsiteY31" fmla="*/ 25373 h 104231"/>
+              <a:gd name="connsiteX32" fmla="*/ 19050 w 66675"/>
+              <a:gd name="connsiteY32" fmla="*/ 82523 h 104231"/>
+              <a:gd name="connsiteX33" fmla="*/ 14287 w 66675"/>
+              <a:gd name="connsiteY33" fmla="*/ 96811 h 104231"/>
+              <a:gd name="connsiteX34" fmla="*/ 0 w 66675"/>
+              <a:gd name="connsiteY34" fmla="*/ 101573 h 104231"/>
+              <a:gd name="connsiteX35" fmla="*/ 4762 w 66675"/>
+              <a:gd name="connsiteY35" fmla="*/ 53948 h 104231"/>
+              <a:gd name="connsiteX36" fmla="*/ 23812 w 66675"/>
+              <a:gd name="connsiteY36" fmla="*/ 58711 h 104231"/>
+              <a:gd name="connsiteX37" fmla="*/ 14287 w 66675"/>
+              <a:gd name="connsiteY37" fmla="*/ 87286 h 104231"/>
+              <a:gd name="connsiteX38" fmla="*/ 14287 w 66675"/>
+              <a:gd name="connsiteY38" fmla="*/ 30136 h 104231"/>
+              <a:gd name="connsiteX39" fmla="*/ 33337 w 66675"/>
+              <a:gd name="connsiteY39" fmla="*/ 25373 h 104231"/>
+              <a:gd name="connsiteX40" fmla="*/ 47625 w 66675"/>
+              <a:gd name="connsiteY40" fmla="*/ 30136 h 104231"/>
+              <a:gd name="connsiteX41" fmla="*/ 47625 w 66675"/>
+              <a:gd name="connsiteY41" fmla="*/ 82523 h 104231"/>
+              <a:gd name="connsiteX42" fmla="*/ 33337 w 66675"/>
+              <a:gd name="connsiteY42" fmla="*/ 87286 h 104231"/>
+              <a:gd name="connsiteX43" fmla="*/ 19050 w 66675"/>
+              <a:gd name="connsiteY43" fmla="*/ 82523 h 104231"/>
+              <a:gd name="connsiteX44" fmla="*/ 38100 w 66675"/>
+              <a:gd name="connsiteY44" fmla="*/ 15848 h 104231"/>
+              <a:gd name="connsiteX45" fmla="*/ 38100 w 66675"/>
+              <a:gd name="connsiteY45" fmla="*/ 11086 h 104231"/>
+            </a:gdLst>
+            <a:ahLst/>
+            <a:cxnLst>
+              <a:cxn ang="0">
+                <a:pos x="connsiteX0" y="connsiteY0"/>
+              </a:cxn>
+              <a:cxn ang="0">
+                <a:pos x="connsiteX1" y="connsiteY1"/>
+              </a:cxn>
+              <a:cxn ang="0">
+                <a:pos x="connsiteX2" y="connsiteY2"/>
+              </a:cxn>
+              <a:cxn ang="0">
+                <a:pos x="connsiteX3" y="connsiteY3"/>
+              </a:cxn>
+              <a:cxn ang="0">
+                <a:pos x="connsiteX4" y="connsiteY4"/>
+              </a:cxn>
+              <a:cxn ang="0">
+                <a:pos x="connsiteX5" y="connsiteY5"/>
+              </a:cxn>
+              <a:cxn ang="0">
+                <a:pos x="connsiteX6" y="connsiteY6"/>
+              </a:cxn>
+              <a:cxn ang="0">
+                <a:pos x="connsiteX7" y="connsiteY7"/>
+              </a:cxn>
+              <a:cxn ang="0">
+                <a:pos x="connsiteX8" y="connsiteY8"/>
+              </a:cxn>
+              <a:cxn ang="0">
+                <a:pos x="connsiteX9" y="connsiteY9"/>
+              </a:cxn>
+              <a:cxn ang="0">
+                <a:pos x="connsiteX10" y="connsiteY10"/>
+              </a:cxn>
+              <a:cxn ang="0">
+                <a:pos x="connsiteX11" y="connsiteY11"/>
+              </a:cxn>
+              <a:cxn ang="0">
+                <a:pos x="connsiteX12" y="connsiteY12"/>
+              </a:cxn>
+              <a:cxn ang="0">
+                <a:pos x="connsiteX13" y="connsiteY13"/>
+              </a:cxn>
+              <a:cxn ang="0">
+                <a:pos x="connsiteX14" y="connsiteY14"/>
+              </a:cxn>
+              <a:cxn ang="0">
+                <a:pos x="connsiteX15" y="connsiteY15"/>
+              </a:cxn>
+              <a:cxn ang="0">
+                <a:pos x="connsiteX16" y="connsiteY16"/>
+              </a:cxn>
+              <a:cxn ang="0">
+                <a:pos x="connsiteX17" y="connsiteY17"/>
+              </a:cxn>
+              <a:cxn ang="0">
+                <a:pos x="connsiteX18" y="connsiteY18"/>
+              </a:cxn>
+              <a:cxn ang="0">
+                <a:pos x="connsiteX19" y="connsiteY19"/>
+              </a:cxn>
+              <a:cxn ang="0">
+                <a:pos x="connsiteX20" y="connsiteY20"/>
+              </a:cxn>
+              <a:cxn ang="0">
+                <a:pos x="connsiteX21" y="connsiteY21"/>
+              </a:cxn>
+              <a:cxn ang="0">
+                <a:pos x="connsiteX22" y="connsiteY22"/>
+              </a:cxn>
+              <a:cxn ang="0">
+                <a:pos x="connsiteX23" y="connsiteY23"/>
+              </a:cxn>
+              <a:cxn ang="0">
+                <a:pos x="connsiteX24" y="connsiteY24"/>
+              </a:cxn>
+              <a:cxn ang="0">
+                <a:pos x="connsiteX25" y="connsiteY25"/>
+              </a:cxn>
+              <a:cxn ang="0">
+                <a:pos x="connsiteX26" y="connsiteY26"/>
+              </a:cxn>
+              <a:cxn ang="0">
+                <a:pos x="connsiteX27" y="connsiteY27"/>
+              </a:cxn>
+              <a:cxn ang="0">
+                <a:pos x="connsiteX28" y="connsiteY28"/>
+              </a:cxn>
+              <a:cxn ang="0">
+                <a:pos x="connsiteX29" y="connsiteY29"/>
+              </a:cxn>
+              <a:cxn ang="0">
+                <a:pos x="connsiteX30" y="connsiteY30"/>
+              </a:cxn>
+              <a:cxn ang="0">
+                <a:pos x="connsiteX31" y="connsiteY31"/>
+              </a:cxn>
+              <a:cxn ang="0">
+                <a:pos x="connsiteX32" y="connsiteY32"/>
+              </a:cxn>
+              <a:cxn ang="0">
+                <a:pos x="connsiteX33" y="connsiteY33"/>
+              </a:cxn>
+              <a:cxn ang="0">
+                <a:pos x="connsiteX34" y="connsiteY34"/>
+              </a:cxn>
+              <a:cxn ang="0">
+                <a:pos x="connsiteX35" y="connsiteY35"/>
+              </a:cxn>
+              <a:cxn ang="0">
+                <a:pos x="connsiteX36" y="connsiteY36"/>
+              </a:cxn>
+              <a:cxn ang="0">
+                <a:pos x="connsiteX37" y="connsiteY37"/>
+              </a:cxn>
+              <a:cxn ang="0">
+                <a:pos x="connsiteX38" y="connsiteY38"/>
+              </a:cxn>
+              <a:cxn ang="0">
+                <a:pos x="connsiteX39" y="connsiteY39"/>
+              </a:cxn>
+              <a:cxn ang="0">
+                <a:pos x="connsiteX40" y="connsiteY40"/>
+              </a:cxn>
+              <a:cxn ang="0">
+                <a:pos x="connsiteX41" y="connsiteY41"/>
+              </a:cxn>
+              <a:cxn ang="0">
+                <a:pos x="connsiteX42" y="connsiteY42"/>
+              </a:cxn>
+              <a:cxn ang="0">
+                <a:pos x="connsiteX43" y="connsiteY43"/>
+              </a:cxn>
+              <a:cxn ang="0">
+                <a:pos x="connsiteX44" y="connsiteY44"/>
+              </a:cxn>
+              <a:cxn ang="0">
+                <a:pos x="connsiteX45" y="connsiteY45"/>
+              </a:cxn>
+            </a:cxnLst>
+            <a:rect l="l" t="t" r="r" b="b"/>
+            <a:pathLst>
+              <a:path w="66675" h="104231">
+                <a:moveTo>
+                  <a:pt x="38100" y="11086"/>
+                </a:moveTo>
+                <a:cubicBezTo>
+                  <a:pt x="34925" y="14261"/>
+                  <a:pt x="35847" y="18101"/>
+                  <a:pt x="19050" y="34898"/>
+                </a:cubicBezTo>
+                <a:cubicBezTo>
+                  <a:pt x="20637" y="30136"/>
+                  <a:pt x="21321" y="24969"/>
+                  <a:pt x="23812" y="20611"/>
+                </a:cubicBezTo>
+                <a:cubicBezTo>
+                  <a:pt x="27750" y="13719"/>
+                  <a:pt x="38100" y="9499"/>
+                  <a:pt x="38100" y="1561"/>
+                </a:cubicBezTo>
+                <a:cubicBezTo>
+                  <a:pt x="38100" y="-4163"/>
+                  <a:pt x="28209" y="7422"/>
+                  <a:pt x="23812" y="11086"/>
+                </a:cubicBezTo>
+                <a:cubicBezTo>
+                  <a:pt x="18638" y="15398"/>
+                  <a:pt x="14287" y="20611"/>
+                  <a:pt x="9525" y="25373"/>
+                </a:cubicBezTo>
+                <a:cubicBezTo>
+                  <a:pt x="15875" y="26961"/>
+                  <a:pt x="22070" y="30859"/>
+                  <a:pt x="28575" y="30136"/>
+                </a:cubicBezTo>
+                <a:cubicBezTo>
+                  <a:pt x="37072" y="29192"/>
+                  <a:pt x="44383" y="23613"/>
+                  <a:pt x="52387" y="20611"/>
+                </a:cubicBezTo>
+                <a:cubicBezTo>
+                  <a:pt x="57088" y="18848"/>
+                  <a:pt x="61912" y="17436"/>
+                  <a:pt x="66675" y="15848"/>
+                </a:cubicBezTo>
+                <a:cubicBezTo>
+                  <a:pt x="58592" y="40095"/>
+                  <a:pt x="68407" y="23353"/>
+                  <a:pt x="47625" y="34898"/>
+                </a:cubicBezTo>
+                <a:cubicBezTo>
+                  <a:pt x="37618" y="40457"/>
+                  <a:pt x="19050" y="53948"/>
+                  <a:pt x="19050" y="53948"/>
+                </a:cubicBezTo>
+                <a:cubicBezTo>
+                  <a:pt x="20637" y="46011"/>
+                  <a:pt x="20970" y="37715"/>
+                  <a:pt x="23812" y="30136"/>
+                </a:cubicBezTo>
+                <a:cubicBezTo>
+                  <a:pt x="25822" y="24776"/>
+                  <a:pt x="33337" y="10124"/>
+                  <a:pt x="33337" y="15848"/>
+                </a:cubicBezTo>
+                <a:cubicBezTo>
+                  <a:pt x="33337" y="30400"/>
+                  <a:pt x="17361" y="48263"/>
+                  <a:pt x="9525" y="58711"/>
+                </a:cubicBezTo>
+                <a:cubicBezTo>
+                  <a:pt x="12700" y="63473"/>
+                  <a:pt x="13931" y="75558"/>
+                  <a:pt x="19050" y="72998"/>
+                </a:cubicBezTo>
+                <a:cubicBezTo>
+                  <a:pt x="29289" y="67878"/>
+                  <a:pt x="31535" y="53801"/>
+                  <a:pt x="38100" y="44423"/>
+                </a:cubicBezTo>
+                <a:cubicBezTo>
+                  <a:pt x="42652" y="37920"/>
+                  <a:pt x="47625" y="31723"/>
+                  <a:pt x="52387" y="25373"/>
+                </a:cubicBezTo>
+                <a:cubicBezTo>
+                  <a:pt x="53975" y="19023"/>
+                  <a:pt x="50605" y="6323"/>
+                  <a:pt x="57150" y="6323"/>
+                </a:cubicBezTo>
+                <a:cubicBezTo>
+                  <a:pt x="69849" y="6323"/>
+                  <a:pt x="57150" y="44423"/>
+                  <a:pt x="57150" y="44423"/>
+                </a:cubicBezTo>
+                <a:cubicBezTo>
+                  <a:pt x="52605" y="49877"/>
+                  <a:pt x="44450" y="50773"/>
+                  <a:pt x="38100" y="53948"/>
+                </a:cubicBezTo>
+                <a:cubicBezTo>
+                  <a:pt x="16265" y="86700"/>
+                  <a:pt x="15430" y="93383"/>
+                  <a:pt x="23812" y="68236"/>
+                </a:cubicBezTo>
+                <a:cubicBezTo>
+                  <a:pt x="25400" y="72998"/>
+                  <a:pt x="28575" y="77503"/>
+                  <a:pt x="28575" y="82523"/>
+                </a:cubicBezTo>
+                <a:cubicBezTo>
+                  <a:pt x="28575" y="124386"/>
+                  <a:pt x="21295" y="94022"/>
+                  <a:pt x="19050" y="87286"/>
+                </a:cubicBezTo>
+                <a:cubicBezTo>
+                  <a:pt x="20637" y="79348"/>
+                  <a:pt x="18842" y="69863"/>
+                  <a:pt x="23812" y="63473"/>
+                </a:cubicBezTo>
+                <a:cubicBezTo>
+                  <a:pt x="30840" y="54437"/>
+                  <a:pt x="52387" y="44423"/>
+                  <a:pt x="52387" y="44423"/>
+                </a:cubicBezTo>
+                <a:cubicBezTo>
+                  <a:pt x="50800" y="52361"/>
+                  <a:pt x="51245" y="60996"/>
+                  <a:pt x="47625" y="68236"/>
+                </a:cubicBezTo>
+                <a:cubicBezTo>
+                  <a:pt x="40491" y="82504"/>
+                  <a:pt x="31749" y="83053"/>
+                  <a:pt x="19050" y="87286"/>
+                </a:cubicBezTo>
+                <a:cubicBezTo>
+                  <a:pt x="17462" y="80936"/>
+                  <a:pt x="14287" y="74781"/>
+                  <a:pt x="14287" y="68236"/>
+                </a:cubicBezTo>
+                <a:cubicBezTo>
+                  <a:pt x="14287" y="13815"/>
+                  <a:pt x="21976" y="56129"/>
+                  <a:pt x="23812" y="63473"/>
+                </a:cubicBezTo>
+                <a:cubicBezTo>
+                  <a:pt x="22225" y="68236"/>
+                  <a:pt x="24070" y="77761"/>
+                  <a:pt x="19050" y="77761"/>
+                </a:cubicBezTo>
+                <a:cubicBezTo>
+                  <a:pt x="14030" y="77761"/>
+                  <a:pt x="14287" y="68493"/>
+                  <a:pt x="14287" y="63473"/>
+                </a:cubicBezTo>
+                <a:cubicBezTo>
+                  <a:pt x="14287" y="50674"/>
+                  <a:pt x="17462" y="38073"/>
+                  <a:pt x="19050" y="25373"/>
+                </a:cubicBezTo>
+                <a:cubicBezTo>
+                  <a:pt x="27738" y="51441"/>
+                  <a:pt x="26139" y="39990"/>
+                  <a:pt x="19050" y="82523"/>
+                </a:cubicBezTo>
+                <a:cubicBezTo>
+                  <a:pt x="18225" y="87475"/>
+                  <a:pt x="17837" y="93261"/>
+                  <a:pt x="14287" y="96811"/>
+                </a:cubicBezTo>
+                <a:cubicBezTo>
+                  <a:pt x="10737" y="100361"/>
+                  <a:pt x="4762" y="99986"/>
+                  <a:pt x="0" y="101573"/>
+                </a:cubicBezTo>
+                <a:cubicBezTo>
+                  <a:pt x="1587" y="85698"/>
+                  <a:pt x="-2986" y="67894"/>
+                  <a:pt x="4762" y="53948"/>
+                </a:cubicBezTo>
+                <a:cubicBezTo>
+                  <a:pt x="7941" y="48226"/>
+                  <a:pt x="22014" y="52417"/>
+                  <a:pt x="23812" y="58711"/>
+                </a:cubicBezTo>
+                <a:cubicBezTo>
+                  <a:pt x="26570" y="68365"/>
+                  <a:pt x="17462" y="77761"/>
+                  <a:pt x="14287" y="87286"/>
+                </a:cubicBezTo>
+                <a:cubicBezTo>
+                  <a:pt x="9468" y="68009"/>
+                  <a:pt x="2755" y="50895"/>
+                  <a:pt x="14287" y="30136"/>
+                </a:cubicBezTo>
+                <a:cubicBezTo>
+                  <a:pt x="17466" y="24414"/>
+                  <a:pt x="26987" y="26961"/>
+                  <a:pt x="33337" y="25373"/>
+                </a:cubicBezTo>
+                <a:cubicBezTo>
+                  <a:pt x="38100" y="26961"/>
+                  <a:pt x="44075" y="26586"/>
+                  <a:pt x="47625" y="30136"/>
+                </a:cubicBezTo>
+                <a:cubicBezTo>
+                  <a:pt x="58119" y="40630"/>
+                  <a:pt x="48715" y="80071"/>
+                  <a:pt x="47625" y="82523"/>
+                </a:cubicBezTo>
+                <a:cubicBezTo>
+                  <a:pt x="45586" y="87111"/>
+                  <a:pt x="38100" y="85698"/>
+                  <a:pt x="33337" y="87286"/>
+                </a:cubicBezTo>
+                <a:cubicBezTo>
+                  <a:pt x="28575" y="85698"/>
+                  <a:pt x="19760" y="87493"/>
+                  <a:pt x="19050" y="82523"/>
+                </a:cubicBezTo>
+                <a:cubicBezTo>
+                  <a:pt x="10159" y="20285"/>
+                  <a:pt x="7581" y="26022"/>
+                  <a:pt x="38100" y="15848"/>
+                </a:cubicBezTo>
+                <a:cubicBezTo>
+                  <a:pt x="61423" y="23623"/>
+                  <a:pt x="41275" y="7911"/>
+                  <a:pt x="38100" y="11086"/>
+                </a:cubicBezTo>
+                <a:close/>
+              </a:path>
+            </a:pathLst>
+          </a:custGeom>
+          <a:ln>
+            <a:solidFill>
+              <a:srgbClr val="A3B6BB"/>
+            </a:solidFill>
+          </a:ln>
+        </p:spPr>
+        <p:style>
+          <a:lnRef idx="2">
+            <a:schemeClr val="accent1">
+              <a:shade val="50000"/>
+            </a:schemeClr>
+          </a:lnRef>
+          <a:fillRef idx="1">
+            <a:schemeClr val="accent1"/>
+          </a:fillRef>
+          <a:effectRef idx="0">
+            <a:schemeClr val="accent1"/>
+          </a:effectRef>
+          <a:fontRef idx="minor">
+            <a:schemeClr val="lt1"/>
+          </a:fontRef>
+        </p:style>
+        <p:txBody>
+          <a:bodyPr rtlCol="0" anchor="ctr"/>
+          <a:lstStyle/>
+          <a:p>
+            <a:pPr algn="ctr"/>
+            <a:endParaRPr lang="de-DE"/>
+          </a:p>
+        </p:txBody>
+      </p:sp>
+      <p:sp>
+        <p:nvSpPr>
+          <p:cNvPr id="8" name="Freihandform: Form 7">
+            <a:extLst>
+              <a:ext uri="{FF2B5EF4-FFF2-40B4-BE49-F238E27FC236}">
+                <a16:creationId xmlns:a16="http://schemas.microsoft.com/office/drawing/2014/main" id="{32E900CE-EF73-42BA-B948-CAB426ABE93D}"/>
+              </a:ext>
+            </a:extLst>
+          </p:cNvPr>
+          <p:cNvSpPr/>
+          <p:nvPr/>
+        </p:nvSpPr>
+        <p:spPr>
+          <a:xfrm>
+            <a:off x="5238750" y="2671763"/>
+            <a:ext cx="29488" cy="109537"/>
+          </a:xfrm>
+          <a:custGeom>
+            <a:avLst/>
+            <a:gdLst>
+              <a:gd name="connsiteX0" fmla="*/ 0 w 29488"/>
+              <a:gd name="connsiteY0" fmla="*/ 80962 h 109537"/>
+              <a:gd name="connsiteX1" fmla="*/ 4763 w 29488"/>
+              <a:gd name="connsiteY1" fmla="*/ 52387 h 109537"/>
+              <a:gd name="connsiteX2" fmla="*/ 9525 w 29488"/>
+              <a:gd name="connsiteY2" fmla="*/ 66675 h 109537"/>
+              <a:gd name="connsiteX3" fmla="*/ 14288 w 29488"/>
+              <a:gd name="connsiteY3" fmla="*/ 19050 h 109537"/>
+              <a:gd name="connsiteX4" fmla="*/ 14288 w 29488"/>
+              <a:gd name="connsiteY4" fmla="*/ 71437 h 109537"/>
+              <a:gd name="connsiteX5" fmla="*/ 19050 w 29488"/>
+              <a:gd name="connsiteY5" fmla="*/ 109537 h 109537"/>
+              <a:gd name="connsiteX6" fmla="*/ 28575 w 29488"/>
+              <a:gd name="connsiteY6" fmla="*/ 95250 h 109537"/>
+              <a:gd name="connsiteX7" fmla="*/ 19050 w 29488"/>
+              <a:gd name="connsiteY7" fmla="*/ 0 h 109537"/>
+              <a:gd name="connsiteX8" fmla="*/ 14288 w 29488"/>
+              <a:gd name="connsiteY8" fmla="*/ 57150 h 109537"/>
+              <a:gd name="connsiteX9" fmla="*/ 23813 w 29488"/>
+              <a:gd name="connsiteY9" fmla="*/ 85725 h 109537"/>
+              <a:gd name="connsiteX10" fmla="*/ 0 w 29488"/>
+              <a:gd name="connsiteY10" fmla="*/ 80962 h 109537"/>
+            </a:gdLst>
+            <a:ahLst/>
+            <a:cxnLst>
+              <a:cxn ang="0">
+                <a:pos x="connsiteX0" y="connsiteY0"/>
+              </a:cxn>
+              <a:cxn ang="0">
+                <a:pos x="connsiteX1" y="connsiteY1"/>
+              </a:cxn>
+              <a:cxn ang="0">
+                <a:pos x="connsiteX2" y="connsiteY2"/>
+              </a:cxn>
+              <a:cxn ang="0">
+                <a:pos x="connsiteX3" y="connsiteY3"/>
+              </a:cxn>
+              <a:cxn ang="0">
+                <a:pos x="connsiteX4" y="connsiteY4"/>
+              </a:cxn>
+              <a:cxn ang="0">
+                <a:pos x="connsiteX5" y="connsiteY5"/>
+              </a:cxn>
+              <a:cxn ang="0">
+                <a:pos x="connsiteX6" y="connsiteY6"/>
+              </a:cxn>
+              <a:cxn ang="0">
+                <a:pos x="connsiteX7" y="connsiteY7"/>
+              </a:cxn>
+              <a:cxn ang="0">
+                <a:pos x="connsiteX8" y="connsiteY8"/>
+              </a:cxn>
+              <a:cxn ang="0">
+                <a:pos x="connsiteX9" y="connsiteY9"/>
+              </a:cxn>
+              <a:cxn ang="0">
+                <a:pos x="connsiteX10" y="connsiteY10"/>
+              </a:cxn>
+            </a:cxnLst>
+            <a:rect l="l" t="t" r="r" b="b"/>
+            <a:pathLst>
+              <a:path w="29488" h="109537">
+                <a:moveTo>
+                  <a:pt x="0" y="80962"/>
+                </a:moveTo>
+                <a:cubicBezTo>
+                  <a:pt x="1588" y="71437"/>
+                  <a:pt x="-594" y="60422"/>
+                  <a:pt x="4763" y="52387"/>
+                </a:cubicBezTo>
+                <a:cubicBezTo>
+                  <a:pt x="7548" y="48210"/>
+                  <a:pt x="8146" y="71502"/>
+                  <a:pt x="9525" y="66675"/>
+                </a:cubicBezTo>
+                <a:cubicBezTo>
+                  <a:pt x="13908" y="51335"/>
+                  <a:pt x="12700" y="34925"/>
+                  <a:pt x="14288" y="19050"/>
+                </a:cubicBezTo>
+                <a:cubicBezTo>
+                  <a:pt x="2911" y="-15079"/>
+                  <a:pt x="7248" y="-6003"/>
+                  <a:pt x="14288" y="71437"/>
+                </a:cubicBezTo>
+                <a:cubicBezTo>
+                  <a:pt x="15447" y="84183"/>
+                  <a:pt x="17463" y="96837"/>
+                  <a:pt x="19050" y="109537"/>
+                </a:cubicBezTo>
+                <a:cubicBezTo>
+                  <a:pt x="22225" y="104775"/>
+                  <a:pt x="28274" y="100966"/>
+                  <a:pt x="28575" y="95250"/>
+                </a:cubicBezTo>
+                <a:cubicBezTo>
+                  <a:pt x="31273" y="43988"/>
+                  <a:pt x="27962" y="35645"/>
+                  <a:pt x="19050" y="0"/>
+                </a:cubicBezTo>
+                <a:cubicBezTo>
+                  <a:pt x="5366" y="27368"/>
+                  <a:pt x="5823" y="17648"/>
+                  <a:pt x="14288" y="57150"/>
+                </a:cubicBezTo>
+                <a:cubicBezTo>
+                  <a:pt x="16392" y="66967"/>
+                  <a:pt x="23813" y="85725"/>
+                  <a:pt x="23813" y="85725"/>
+                </a:cubicBezTo>
+                <a:lnTo>
+                  <a:pt x="0" y="80962"/>
+                </a:lnTo>
+                <a:close/>
+              </a:path>
+            </a:pathLst>
+          </a:custGeom>
+          <a:ln>
+            <a:solidFill>
+              <a:srgbClr val="A3B6BB"/>
+            </a:solidFill>
+          </a:ln>
+        </p:spPr>
+        <p:style>
+          <a:lnRef idx="2">
+            <a:schemeClr val="accent1">
+              <a:shade val="50000"/>
+            </a:schemeClr>
+          </a:lnRef>
+          <a:fillRef idx="1">
+            <a:schemeClr val="accent1"/>
+          </a:fillRef>
+          <a:effectRef idx="0">
+            <a:schemeClr val="accent1"/>
+          </a:effectRef>
+          <a:fontRef idx="minor">
+            <a:schemeClr val="lt1"/>
+          </a:fontRef>
+        </p:style>
+        <p:txBody>
+          <a:bodyPr rtlCol="0" anchor="ctr"/>
+          <a:lstStyle/>
+          <a:p>
+            <a:pPr algn="ctr"/>
+            <a:endParaRPr lang="de-DE"/>
+          </a:p>
+        </p:txBody>
+      </p:sp>
+      <p:cxnSp>
+        <p:nvCxnSpPr>
+          <p:cNvPr id="9" name="Gerade Verbindung mit Pfeil 8">
+            <a:extLst>
+              <a:ext uri="{FF2B5EF4-FFF2-40B4-BE49-F238E27FC236}">
+                <a16:creationId xmlns:a16="http://schemas.microsoft.com/office/drawing/2014/main" id="{F582561A-4109-4218-BCDE-078576A1C6EC}"/>
+              </a:ext>
+            </a:extLst>
+          </p:cNvPr>
+          <p:cNvCxnSpPr>
+            <a:cxnSpLocks/>
+          </p:cNvCxnSpPr>
+          <p:nvPr/>
+        </p:nvCxnSpPr>
+        <p:spPr>
+          <a:xfrm>
+            <a:off x="5241925" y="4446587"/>
+            <a:ext cx="1125538" cy="0"/>
+          </a:xfrm>
+          <a:prstGeom prst="straightConnector1">
+            <a:avLst/>
+          </a:prstGeom>
+          <a:ln>
+            <a:headEnd type="triangle"/>
+            <a:tailEnd type="triangle"/>
+          </a:ln>
+        </p:spPr>
+        <p:style>
+          <a:lnRef idx="1">
+            <a:schemeClr val="dk1"/>
+          </a:lnRef>
+          <a:fillRef idx="0">
+            <a:schemeClr val="dk1"/>
+          </a:fillRef>
+          <a:effectRef idx="0">
+            <a:schemeClr val="dk1"/>
+          </a:effectRef>
+          <a:fontRef idx="minor">
+            <a:schemeClr val="tx1"/>
+          </a:fontRef>
+        </p:style>
+      </p:cxnSp>
+      <p:cxnSp>
+        <p:nvCxnSpPr>
+          <p:cNvPr id="12" name="Gerade Verbindung mit Pfeil 11">
+            <a:extLst>
+              <a:ext uri="{FF2B5EF4-FFF2-40B4-BE49-F238E27FC236}">
+                <a16:creationId xmlns:a16="http://schemas.microsoft.com/office/drawing/2014/main" id="{B8AF3027-C8EC-4F9C-B065-B194546EAA87}"/>
+              </a:ext>
+            </a:extLst>
+          </p:cNvPr>
+          <p:cNvCxnSpPr>
+            <a:cxnSpLocks/>
+          </p:cNvCxnSpPr>
+          <p:nvPr/>
+        </p:nvCxnSpPr>
+        <p:spPr>
+          <a:xfrm>
+            <a:off x="6767511" y="1671637"/>
+            <a:ext cx="0" cy="3076576"/>
+          </a:xfrm>
+          <a:prstGeom prst="straightConnector1">
+            <a:avLst/>
+          </a:prstGeom>
+          <a:ln>
+            <a:tailEnd type="triangle"/>
+          </a:ln>
+        </p:spPr>
+        <p:style>
+          <a:lnRef idx="1">
+            <a:schemeClr val="dk1"/>
+          </a:lnRef>
+          <a:fillRef idx="0">
+            <a:schemeClr val="dk1"/>
+          </a:fillRef>
+          <a:effectRef idx="0">
+            <a:schemeClr val="dk1"/>
+          </a:effectRef>
+          <a:fontRef idx="minor">
+            <a:schemeClr val="tx1"/>
+          </a:fontRef>
+        </p:style>
+      </p:cxnSp>
+      <p:sp>
+        <p:nvSpPr>
+          <p:cNvPr id="13" name="Textfeld 12">
+            <a:extLst>
+              <a:ext uri="{FF2B5EF4-FFF2-40B4-BE49-F238E27FC236}">
+                <a16:creationId xmlns:a16="http://schemas.microsoft.com/office/drawing/2014/main" id="{FDB55C08-39D3-498D-9F86-690CD32411CE}"/>
+              </a:ext>
+            </a:extLst>
+          </p:cNvPr>
+          <p:cNvSpPr txBox="1"/>
+          <p:nvPr/>
+        </p:nvSpPr>
+        <p:spPr>
+          <a:xfrm>
+            <a:off x="6411236" y="2392363"/>
+            <a:ext cx="349702" cy="1258325"/>
+          </a:xfrm>
+          <a:prstGeom prst="rect">
+            <a:avLst/>
+          </a:prstGeom>
+          <a:solidFill>
+            <a:srgbClr val="A3B6BB"/>
+          </a:solidFill>
+        </p:spPr>
+        <p:txBody>
+          <a:bodyPr vert="vert270" wrap="square" lIns="36000" tIns="0" rIns="36000" rtlCol="0">
+            <a:spAutoFit/>
+          </a:bodyPr>
+          <a:lstStyle/>
+          <a:p>
+            <a:r>
+              <a:rPr lang="de-DE" dirty="0"/>
+              <a:t>max. Ø 619</a:t>
+            </a:r>
+          </a:p>
+        </p:txBody>
+      </p:sp>
+      <p:cxnSp>
+        <p:nvCxnSpPr>
+          <p:cNvPr id="16" name="Gerade Verbindung mit Pfeil 15">
+            <a:extLst>
+              <a:ext uri="{FF2B5EF4-FFF2-40B4-BE49-F238E27FC236}">
+                <a16:creationId xmlns:a16="http://schemas.microsoft.com/office/drawing/2014/main" id="{3E4B7528-4A46-4C60-B799-9EBCAD663AC7}"/>
+              </a:ext>
+            </a:extLst>
+          </p:cNvPr>
+          <p:cNvCxnSpPr>
+            <a:cxnSpLocks/>
+          </p:cNvCxnSpPr>
+          <p:nvPr/>
+        </p:nvCxnSpPr>
+        <p:spPr>
+          <a:xfrm flipV="1">
+            <a:off x="5572771" y="4805363"/>
+            <a:ext cx="0" cy="380999"/>
+          </a:xfrm>
+          <a:prstGeom prst="straightConnector1">
+            <a:avLst/>
+          </a:prstGeom>
+          <a:ln>
+            <a:tailEnd type="triangle"/>
+          </a:ln>
+        </p:spPr>
+        <p:style>
+          <a:lnRef idx="1">
+            <a:schemeClr val="dk1"/>
+          </a:lnRef>
+          <a:fillRef idx="0">
+            <a:schemeClr val="dk1"/>
+          </a:fillRef>
+          <a:effectRef idx="0">
+            <a:schemeClr val="dk1"/>
+          </a:effectRef>
+          <a:fontRef idx="minor">
+            <a:schemeClr val="tx1"/>
+          </a:fontRef>
+        </p:style>
+      </p:cxnSp>
+      <p:cxnSp>
+        <p:nvCxnSpPr>
+          <p:cNvPr id="17" name="Gerade Verbindung mit Pfeil 16">
+            <a:extLst>
+              <a:ext uri="{FF2B5EF4-FFF2-40B4-BE49-F238E27FC236}">
+                <a16:creationId xmlns:a16="http://schemas.microsoft.com/office/drawing/2014/main" id="{546952EA-A92D-4DEF-BEBF-ABF67FA9FE8F}"/>
+              </a:ext>
+            </a:extLst>
+          </p:cNvPr>
+          <p:cNvCxnSpPr>
+            <a:cxnSpLocks/>
+          </p:cNvCxnSpPr>
+          <p:nvPr/>
+        </p:nvCxnSpPr>
+        <p:spPr>
+          <a:xfrm>
+            <a:off x="5572771" y="4548188"/>
+            <a:ext cx="0" cy="189983"/>
+          </a:xfrm>
+          <a:prstGeom prst="straightConnector1">
+            <a:avLst/>
+          </a:prstGeom>
+          <a:ln>
+            <a:tailEnd type="triangle"/>
+          </a:ln>
+        </p:spPr>
+        <p:style>
+          <a:lnRef idx="1">
+            <a:schemeClr val="dk1"/>
+          </a:lnRef>
+          <a:fillRef idx="0">
+            <a:schemeClr val="dk1"/>
+          </a:fillRef>
+          <a:effectRef idx="0">
+            <a:schemeClr val="dk1"/>
+          </a:effectRef>
+          <a:fontRef idx="minor">
+            <a:schemeClr val="tx1"/>
+          </a:fontRef>
+        </p:style>
+      </p:cxnSp>
+      <p:sp>
+        <p:nvSpPr>
+          <p:cNvPr id="18" name="Textfeld 17">
+            <a:extLst>
+              <a:ext uri="{FF2B5EF4-FFF2-40B4-BE49-F238E27FC236}">
+                <a16:creationId xmlns:a16="http://schemas.microsoft.com/office/drawing/2014/main" id="{8E6C6C13-1971-4E97-8025-34E6BA853537}"/>
+              </a:ext>
+            </a:extLst>
+          </p:cNvPr>
+          <p:cNvSpPr txBox="1"/>
+          <p:nvPr/>
+        </p:nvSpPr>
+        <p:spPr>
+          <a:xfrm>
+            <a:off x="5208190" y="4784765"/>
+            <a:ext cx="461665" cy="369332"/>
+          </a:xfrm>
+          <a:prstGeom prst="rect">
+            <a:avLst/>
+          </a:prstGeom>
+          <a:noFill/>
+        </p:spPr>
+        <p:txBody>
+          <a:bodyPr vert="vert270" wrap="square" rtlCol="0">
+            <a:spAutoFit/>
+          </a:bodyPr>
+          <a:lstStyle/>
+          <a:p>
+            <a:r>
+              <a:rPr lang="de-DE" dirty="0"/>
+              <a:t>5</a:t>
+            </a:r>
+          </a:p>
+        </p:txBody>
+      </p:sp>
+      <p:cxnSp>
+        <p:nvCxnSpPr>
+          <p:cNvPr id="22" name="Gerader Verbinder 21">
+            <a:extLst>
+              <a:ext uri="{FF2B5EF4-FFF2-40B4-BE49-F238E27FC236}">
+                <a16:creationId xmlns:a16="http://schemas.microsoft.com/office/drawing/2014/main" id="{2B079EF9-A390-48AC-839A-53152A843506}"/>
+              </a:ext>
+            </a:extLst>
+          </p:cNvPr>
+          <p:cNvCxnSpPr>
+            <a:cxnSpLocks/>
+          </p:cNvCxnSpPr>
+          <p:nvPr/>
+        </p:nvCxnSpPr>
+        <p:spPr>
+          <a:xfrm>
+            <a:off x="5822950" y="1671637"/>
+            <a:ext cx="0" cy="3467100"/>
+          </a:xfrm>
+          <a:prstGeom prst="line">
+            <a:avLst/>
+          </a:prstGeom>
+          <a:ln w="19050">
+            <a:prstDash val="dashDot"/>
+          </a:ln>
+        </p:spPr>
+        <p:style>
+          <a:lnRef idx="1">
+            <a:schemeClr val="accent1"/>
+          </a:lnRef>
+          <a:fillRef idx="0">
+            <a:schemeClr val="accent1"/>
+          </a:fillRef>
+          <a:effectRef idx="0">
+            <a:schemeClr val="accent1"/>
+          </a:effectRef>
+          <a:fontRef idx="minor">
+            <a:schemeClr val="tx1"/>
+          </a:fontRef>
+        </p:style>
+      </p:cxnSp>
+      <p:sp>
+        <p:nvSpPr>
+          <p:cNvPr id="10" name="Textfeld 9">
+            <a:extLst>
+              <a:ext uri="{FF2B5EF4-FFF2-40B4-BE49-F238E27FC236}">
+                <a16:creationId xmlns:a16="http://schemas.microsoft.com/office/drawing/2014/main" id="{441100A7-337E-4462-9B37-54777B2B9C75}"/>
+              </a:ext>
+            </a:extLst>
+          </p:cNvPr>
+          <p:cNvSpPr txBox="1"/>
+          <p:nvPr/>
+        </p:nvSpPr>
+        <p:spPr>
+          <a:xfrm>
+            <a:off x="5327253" y="4066956"/>
+            <a:ext cx="954881" cy="369332"/>
+          </a:xfrm>
+          <a:prstGeom prst="rect">
+            <a:avLst/>
+          </a:prstGeom>
+          <a:solidFill>
+            <a:srgbClr val="A3B6BB"/>
+          </a:solidFill>
+        </p:spPr>
+        <p:txBody>
+          <a:bodyPr wrap="square" rtlCol="0">
+            <a:spAutoFit/>
+          </a:bodyPr>
+          <a:lstStyle/>
+          <a:p>
+            <a:r>
+              <a:rPr lang="de-DE" dirty="0"/>
+              <a:t>max. 80</a:t>
+            </a:r>
+          </a:p>
+        </p:txBody>
+      </p:sp>
+    </p:spTree>
+    <p:extLst>
+      <p:ext uri="{BB962C8B-B14F-4D97-AF65-F5344CB8AC3E}">
+        <p14:creationId xmlns:p14="http://schemas.microsoft.com/office/powerpoint/2010/main" val="222624671"/>
+      </p:ext>
+    </p:extLst>
+  </p:cSld>
+  <p:clrMapOvr>
+    <a:masterClrMapping/>
+  </p:clrMapOvr>
+</p:sld>
+</file>
+
+<file path=ppt/slides/slide15.xml><?xml version="1.0" encoding="utf-8"?>
+<p:sld xmlns:a="http://schemas.openxmlformats.org/drawingml/2006/main" xmlns:r="http://schemas.openxmlformats.org/officeDocument/2006/relationships" xmlns:p="http://schemas.openxmlformats.org/presentationml/2006/main">
+  <p:cSld>
+    <p:spTree>
+      <p:nvGrpSpPr>
+        <p:cNvPr id="1" name=""/>
+        <p:cNvGrpSpPr/>
+        <p:nvPr/>
+      </p:nvGrpSpPr>
+      <p:grpSpPr>
+        <a:xfrm>
+          <a:off x="0" y="0"/>
+          <a:ext cx="0" cy="0"/>
+          <a:chOff x="0" y="0"/>
+          <a:chExt cx="0" cy="0"/>
+        </a:xfrm>
+      </p:grpSpPr>
+      <p:pic>
+        <p:nvPicPr>
+          <p:cNvPr id="2" name="Grafik 1">
+            <a:extLst>
+              <a:ext uri="{FF2B5EF4-FFF2-40B4-BE49-F238E27FC236}">
+                <a16:creationId xmlns:a16="http://schemas.microsoft.com/office/drawing/2014/main" id="{448AA5B5-CAE2-4089-978F-E8DB13D1E32B}"/>
+              </a:ext>
+            </a:extLst>
+          </p:cNvPr>
+          <p:cNvPicPr>
+            <a:picLocks noChangeAspect="1"/>
+          </p:cNvPicPr>
+          <p:nvPr/>
+        </p:nvPicPr>
+        <p:blipFill>
+          <a:blip r:embed="rId2"/>
+          <a:stretch>
+            <a:fillRect/>
+          </a:stretch>
+        </p:blipFill>
+        <p:spPr>
+          <a:xfrm>
+            <a:off x="2833687" y="557212"/>
+            <a:ext cx="6524625" cy="5743575"/>
+          </a:xfrm>
+          <a:prstGeom prst="rect">
+            <a:avLst/>
+          </a:prstGeom>
+        </p:spPr>
+      </p:pic>
+      <p:cxnSp>
+        <p:nvCxnSpPr>
+          <p:cNvPr id="4" name="Gerader Verbinder 3">
+            <a:extLst>
+              <a:ext uri="{FF2B5EF4-FFF2-40B4-BE49-F238E27FC236}">
+                <a16:creationId xmlns:a16="http://schemas.microsoft.com/office/drawing/2014/main" id="{CFEDAF74-37BD-4F40-8A97-193D33CEE15A}"/>
+              </a:ext>
+            </a:extLst>
+          </p:cNvPr>
+          <p:cNvCxnSpPr>
+            <a:cxnSpLocks/>
+          </p:cNvCxnSpPr>
+          <p:nvPr/>
+        </p:nvCxnSpPr>
+        <p:spPr>
+          <a:xfrm>
+            <a:off x="3333750" y="3549650"/>
+            <a:ext cx="5829300" cy="0"/>
+          </a:xfrm>
+          <a:prstGeom prst="line">
+            <a:avLst/>
+          </a:prstGeom>
+          <a:ln w="19050">
+            <a:prstDash val="dashDot"/>
+          </a:ln>
+        </p:spPr>
+        <p:style>
+          <a:lnRef idx="1">
+            <a:schemeClr val="accent1"/>
+          </a:lnRef>
+          <a:fillRef idx="0">
+            <a:schemeClr val="accent1"/>
+          </a:fillRef>
+          <a:effectRef idx="0">
+            <a:schemeClr val="accent1"/>
+          </a:effectRef>
+          <a:fontRef idx="minor">
+            <a:schemeClr val="tx1"/>
+          </a:fontRef>
+        </p:style>
+      </p:cxnSp>
+      <p:cxnSp>
+        <p:nvCxnSpPr>
+          <p:cNvPr id="7" name="Gerade Verbindung mit Pfeil 6">
+            <a:extLst>
+              <a:ext uri="{FF2B5EF4-FFF2-40B4-BE49-F238E27FC236}">
+                <a16:creationId xmlns:a16="http://schemas.microsoft.com/office/drawing/2014/main" id="{8D9FF875-E587-4738-85CD-819F2583A0A5}"/>
+              </a:ext>
+            </a:extLst>
+          </p:cNvPr>
+          <p:cNvCxnSpPr/>
+          <p:nvPr/>
+        </p:nvCxnSpPr>
+        <p:spPr>
+          <a:xfrm>
+            <a:off x="5842000" y="2222500"/>
+            <a:ext cx="0" cy="2654300"/>
+          </a:xfrm>
+          <a:prstGeom prst="straightConnector1">
+            <a:avLst/>
+          </a:prstGeom>
+          <a:ln>
+            <a:headEnd type="triangle"/>
+            <a:tailEnd type="triangle"/>
+          </a:ln>
+        </p:spPr>
+        <p:style>
+          <a:lnRef idx="1">
+            <a:schemeClr val="dk1"/>
+          </a:lnRef>
+          <a:fillRef idx="0">
+            <a:schemeClr val="dk1"/>
+          </a:fillRef>
+          <a:effectRef idx="0">
+            <a:schemeClr val="dk1"/>
+          </a:effectRef>
+          <a:fontRef idx="minor">
+            <a:schemeClr val="tx1"/>
+          </a:fontRef>
+        </p:style>
+      </p:cxnSp>
+      <p:sp>
+        <p:nvSpPr>
+          <p:cNvPr id="8" name="Textfeld 7">
+            <a:extLst>
+              <a:ext uri="{FF2B5EF4-FFF2-40B4-BE49-F238E27FC236}">
+                <a16:creationId xmlns:a16="http://schemas.microsoft.com/office/drawing/2014/main" id="{9B484E24-74D0-4087-B81B-148147732428}"/>
+              </a:ext>
+            </a:extLst>
+          </p:cNvPr>
+          <p:cNvSpPr txBox="1"/>
+          <p:nvPr/>
+        </p:nvSpPr>
+        <p:spPr>
+          <a:xfrm>
+            <a:off x="5380335" y="2631561"/>
+            <a:ext cx="461665" cy="1467877"/>
+          </a:xfrm>
+          <a:prstGeom prst="rect">
+            <a:avLst/>
+          </a:prstGeom>
+          <a:solidFill>
+            <a:srgbClr val="A3B6BB"/>
+          </a:solidFill>
+        </p:spPr>
+        <p:txBody>
+          <a:bodyPr vert="vert270" wrap="square" rtlCol="0">
+            <a:spAutoFit/>
+          </a:bodyPr>
+          <a:lstStyle/>
+          <a:p>
+            <a:r>
+              <a:rPr lang="de-DE" dirty="0"/>
+              <a:t>max. Ø 127</a:t>
+            </a:r>
+          </a:p>
+        </p:txBody>
+      </p:sp>
+      <p:cxnSp>
+        <p:nvCxnSpPr>
+          <p:cNvPr id="10" name="Gerade Verbindung mit Pfeil 9">
+            <a:extLst>
+              <a:ext uri="{FF2B5EF4-FFF2-40B4-BE49-F238E27FC236}">
+                <a16:creationId xmlns:a16="http://schemas.microsoft.com/office/drawing/2014/main" id="{08A0EF59-5238-4FE0-BA81-CC593EB4C235}"/>
+              </a:ext>
+            </a:extLst>
+          </p:cNvPr>
+          <p:cNvCxnSpPr/>
+          <p:nvPr/>
+        </p:nvCxnSpPr>
+        <p:spPr>
+          <a:xfrm>
+            <a:off x="5105400" y="5238750"/>
+            <a:ext cx="1797050" cy="0"/>
+          </a:xfrm>
+          <a:prstGeom prst="straightConnector1">
+            <a:avLst/>
+          </a:prstGeom>
+          <a:ln>
+            <a:headEnd type="triangle"/>
+            <a:tailEnd type="triangle"/>
+          </a:ln>
+        </p:spPr>
+        <p:style>
+          <a:lnRef idx="1">
+            <a:schemeClr val="dk1"/>
+          </a:lnRef>
+          <a:fillRef idx="0">
+            <a:schemeClr val="dk1"/>
+          </a:fillRef>
+          <a:effectRef idx="0">
+            <a:schemeClr val="dk1"/>
+          </a:effectRef>
+          <a:fontRef idx="minor">
+            <a:schemeClr val="tx1"/>
+          </a:fontRef>
+        </p:style>
+      </p:cxnSp>
+      <p:cxnSp>
+        <p:nvCxnSpPr>
+          <p:cNvPr id="14" name="Gerader Verbinder 13">
+            <a:extLst>
+              <a:ext uri="{FF2B5EF4-FFF2-40B4-BE49-F238E27FC236}">
+                <a16:creationId xmlns:a16="http://schemas.microsoft.com/office/drawing/2014/main" id="{D5BD3550-FF78-414F-B2EF-BC3865957793}"/>
+              </a:ext>
+            </a:extLst>
+          </p:cNvPr>
+          <p:cNvCxnSpPr>
+            <a:cxnSpLocks/>
+          </p:cNvCxnSpPr>
+          <p:nvPr/>
+        </p:nvCxnSpPr>
+        <p:spPr>
+          <a:xfrm>
+            <a:off x="5984875" y="838200"/>
+            <a:ext cx="0" cy="5456237"/>
+          </a:xfrm>
+          <a:prstGeom prst="line">
+            <a:avLst/>
+          </a:prstGeom>
+          <a:ln w="19050">
+            <a:prstDash val="dashDot"/>
+          </a:ln>
+        </p:spPr>
+        <p:style>
+          <a:lnRef idx="1">
+            <a:schemeClr val="accent1"/>
+          </a:lnRef>
+          <a:fillRef idx="0">
+            <a:schemeClr val="accent1"/>
+          </a:fillRef>
+          <a:effectRef idx="0">
+            <a:schemeClr val="accent1"/>
+          </a:effectRef>
+          <a:fontRef idx="minor">
+            <a:schemeClr val="tx1"/>
+          </a:fontRef>
+        </p:style>
+      </p:cxnSp>
+      <p:sp>
+        <p:nvSpPr>
+          <p:cNvPr id="11" name="Textfeld 10">
+            <a:extLst>
+              <a:ext uri="{FF2B5EF4-FFF2-40B4-BE49-F238E27FC236}">
+                <a16:creationId xmlns:a16="http://schemas.microsoft.com/office/drawing/2014/main" id="{B8ECFC33-CE29-422A-95DE-F2C4CBD13457}"/>
+              </a:ext>
+            </a:extLst>
+          </p:cNvPr>
+          <p:cNvSpPr txBox="1"/>
+          <p:nvPr/>
+        </p:nvSpPr>
+        <p:spPr>
+          <a:xfrm>
+            <a:off x="5611167" y="4930301"/>
+            <a:ext cx="1073494" cy="276999"/>
+          </a:xfrm>
+          <a:prstGeom prst="rect">
+            <a:avLst/>
+          </a:prstGeom>
+          <a:solidFill>
+            <a:srgbClr val="CAE2E9"/>
+          </a:solidFill>
+        </p:spPr>
+        <p:txBody>
+          <a:bodyPr wrap="square" lIns="108000" tIns="0" bIns="0" rtlCol="0">
+            <a:spAutoFit/>
+          </a:bodyPr>
+          <a:lstStyle/>
+          <a:p>
+            <a:r>
+              <a:rPr lang="de-DE" dirty="0"/>
+              <a:t>max. 82</a:t>
+            </a:r>
+          </a:p>
+        </p:txBody>
+      </p:sp>
+    </p:spTree>
+    <p:extLst>
+      <p:ext uri="{BB962C8B-B14F-4D97-AF65-F5344CB8AC3E}">
+        <p14:creationId xmlns:p14="http://schemas.microsoft.com/office/powerpoint/2010/main" val="1278691194"/>
+      </p:ext>
+    </p:extLst>
+  </p:cSld>
+  <p:clrMapOvr>
+    <a:masterClrMapping/>
+  </p:clrMapOvr>
+</p:sld>
+</file>
+
+<file path=ppt/slides/slide16.xml><?xml version="1.0" encoding="utf-8"?>
+<p:sld xmlns:a="http://schemas.openxmlformats.org/drawingml/2006/main" xmlns:r="http://schemas.openxmlformats.org/officeDocument/2006/relationships" xmlns:p="http://schemas.openxmlformats.org/presentationml/2006/main">
+  <p:cSld>
+    <p:spTree>
+      <p:nvGrpSpPr>
+        <p:cNvPr id="1" name=""/>
+        <p:cNvGrpSpPr/>
+        <p:nvPr/>
+      </p:nvGrpSpPr>
+      <p:grpSpPr>
+        <a:xfrm>
+          <a:off x="0" y="0"/>
+          <a:ext cx="0" cy="0"/>
+          <a:chOff x="0" y="0"/>
+          <a:chExt cx="0" cy="0"/>
+        </a:xfrm>
+      </p:grpSpPr>
+      <p:pic>
+        <p:nvPicPr>
+          <p:cNvPr id="2" name="Grafik 1">
+            <a:extLst>
+              <a:ext uri="{FF2B5EF4-FFF2-40B4-BE49-F238E27FC236}">
+                <a16:creationId xmlns:a16="http://schemas.microsoft.com/office/drawing/2014/main" id="{89E79D9B-8FEC-400C-B1E0-F860046D05C9}"/>
+              </a:ext>
+            </a:extLst>
+          </p:cNvPr>
+          <p:cNvPicPr>
+            <a:picLocks noChangeAspect="1"/>
+          </p:cNvPicPr>
+          <p:nvPr/>
+        </p:nvPicPr>
+        <p:blipFill>
+          <a:blip r:embed="rId2"/>
+          <a:stretch>
+            <a:fillRect/>
+          </a:stretch>
+        </p:blipFill>
+        <p:spPr>
+          <a:xfrm>
+            <a:off x="2400300" y="57150"/>
+            <a:ext cx="7391400" cy="6743700"/>
+          </a:xfrm>
+          <a:prstGeom prst="rect">
+            <a:avLst/>
+          </a:prstGeom>
+        </p:spPr>
+      </p:pic>
+    </p:spTree>
+    <p:extLst>
+      <p:ext uri="{BB962C8B-B14F-4D97-AF65-F5344CB8AC3E}">
+        <p14:creationId xmlns:p14="http://schemas.microsoft.com/office/powerpoint/2010/main" val="1010176793"/>
+      </p:ext>
+    </p:extLst>
+  </p:cSld>
+  <p:clrMapOvr>
+    <a:masterClrMapping/>
+  </p:clrMapOvr>
+</p:sld>
+</file>
+
+<file path=ppt/slides/slide17.xml><?xml version="1.0" encoding="utf-8"?>
+<p:sld xmlns:a="http://schemas.openxmlformats.org/drawingml/2006/main" xmlns:r="http://schemas.openxmlformats.org/officeDocument/2006/relationships" xmlns:p="http://schemas.openxmlformats.org/presentationml/2006/main">
+  <p:cSld>
+    <p:spTree>
+      <p:nvGrpSpPr>
+        <p:cNvPr id="1" name=""/>
+        <p:cNvGrpSpPr/>
+        <p:nvPr/>
+      </p:nvGrpSpPr>
+      <p:grpSpPr>
+        <a:xfrm>
+          <a:off x="0" y="0"/>
+          <a:ext cx="0" cy="0"/>
+          <a:chOff x="0" y="0"/>
+          <a:chExt cx="0" cy="0"/>
+        </a:xfrm>
+      </p:grpSpPr>
+      <p:pic>
+        <p:nvPicPr>
+          <p:cNvPr id="2" name="Grafik 1">
+            <a:extLst>
+              <a:ext uri="{FF2B5EF4-FFF2-40B4-BE49-F238E27FC236}">
+                <a16:creationId xmlns:a16="http://schemas.microsoft.com/office/drawing/2014/main" id="{9F3B7CDC-E3AB-49D2-9C6C-9FB62EE6BD47}"/>
+              </a:ext>
+            </a:extLst>
+          </p:cNvPr>
+          <p:cNvPicPr>
+            <a:picLocks noChangeAspect="1"/>
+          </p:cNvPicPr>
+          <p:nvPr/>
+        </p:nvPicPr>
+        <p:blipFill>
+          <a:blip r:embed="rId2"/>
+          <a:stretch>
+            <a:fillRect/>
+          </a:stretch>
+        </p:blipFill>
+        <p:spPr>
+          <a:xfrm>
+            <a:off x="1596200" y="0"/>
+            <a:ext cx="8847199" cy="6858000"/>
+          </a:xfrm>
+          <a:prstGeom prst="rect">
+            <a:avLst/>
+          </a:prstGeom>
+        </p:spPr>
+      </p:pic>
+      <p:sp>
+        <p:nvSpPr>
+          <p:cNvPr id="4" name="Textfeld 3">
+            <a:extLst>
+              <a:ext uri="{FF2B5EF4-FFF2-40B4-BE49-F238E27FC236}">
+                <a16:creationId xmlns:a16="http://schemas.microsoft.com/office/drawing/2014/main" id="{66BA9ACA-642D-4FA6-95E6-7188E38DD7D6}"/>
+              </a:ext>
+            </a:extLst>
+          </p:cNvPr>
+          <p:cNvSpPr txBox="1"/>
+          <p:nvPr/>
+        </p:nvSpPr>
+        <p:spPr>
+          <a:xfrm>
+            <a:off x="1733550" y="3672840"/>
+            <a:ext cx="307777" cy="765572"/>
+          </a:xfrm>
+          <a:prstGeom prst="rect">
+            <a:avLst/>
+          </a:prstGeom>
+          <a:solidFill>
+            <a:schemeClr val="bg1"/>
+          </a:solidFill>
+        </p:spPr>
+        <p:txBody>
+          <a:bodyPr vert="vert270" wrap="square" rIns="0" rtlCol="0">
+            <a:spAutoFit/>
+          </a:bodyPr>
+          <a:lstStyle/>
+          <a:p>
+            <a:r>
+              <a:rPr lang="de-DE" sz="1400" dirty="0"/>
+              <a:t>Ø 770</a:t>
+            </a:r>
+          </a:p>
+        </p:txBody>
+      </p:sp>
+      <p:sp>
+        <p:nvSpPr>
+          <p:cNvPr id="5" name="Textfeld 4">
+            <a:extLst>
+              <a:ext uri="{FF2B5EF4-FFF2-40B4-BE49-F238E27FC236}">
+                <a16:creationId xmlns:a16="http://schemas.microsoft.com/office/drawing/2014/main" id="{FBF263C7-C38F-49DE-AE2C-9453A804AD32}"/>
+              </a:ext>
+            </a:extLst>
+          </p:cNvPr>
+          <p:cNvSpPr txBox="1"/>
+          <p:nvPr/>
+        </p:nvSpPr>
+        <p:spPr>
+          <a:xfrm>
+            <a:off x="2284095" y="4899660"/>
+            <a:ext cx="307777" cy="613172"/>
+          </a:xfrm>
+          <a:prstGeom prst="rect">
+            <a:avLst/>
+          </a:prstGeom>
+          <a:solidFill>
+            <a:schemeClr val="bg1"/>
+          </a:solidFill>
+        </p:spPr>
+        <p:txBody>
+          <a:bodyPr vert="vert270" wrap="square" rIns="0" rtlCol="0">
+            <a:spAutoFit/>
+          </a:bodyPr>
+          <a:lstStyle/>
+          <a:p>
+            <a:r>
+              <a:rPr lang="de-DE" sz="1400" dirty="0"/>
+              <a:t>385</a:t>
+            </a:r>
+          </a:p>
+        </p:txBody>
+      </p:sp>
+      <p:sp>
+        <p:nvSpPr>
+          <p:cNvPr id="6" name="Textfeld 5">
+            <a:extLst>
+              <a:ext uri="{FF2B5EF4-FFF2-40B4-BE49-F238E27FC236}">
+                <a16:creationId xmlns:a16="http://schemas.microsoft.com/office/drawing/2014/main" id="{3D787434-9AF8-4585-B74C-9DDD9467549E}"/>
+              </a:ext>
+            </a:extLst>
+          </p:cNvPr>
+          <p:cNvSpPr txBox="1"/>
+          <p:nvPr/>
+        </p:nvSpPr>
+        <p:spPr>
+          <a:xfrm>
+            <a:off x="2838450" y="4832985"/>
+            <a:ext cx="307777" cy="765572"/>
+          </a:xfrm>
+          <a:prstGeom prst="rect">
+            <a:avLst/>
+          </a:prstGeom>
+          <a:solidFill>
+            <a:schemeClr val="bg1"/>
+          </a:solidFill>
+        </p:spPr>
+        <p:txBody>
+          <a:bodyPr vert="vert270" wrap="square" rIns="0" rtlCol="0">
+            <a:spAutoFit/>
+          </a:bodyPr>
+          <a:lstStyle/>
+          <a:p>
+            <a:r>
+              <a:rPr lang="de-DE" sz="1400" dirty="0"/>
+              <a:t>322,5</a:t>
+            </a:r>
+          </a:p>
+        </p:txBody>
+      </p:sp>
+      <p:sp>
+        <p:nvSpPr>
+          <p:cNvPr id="8" name="Rechteck 7">
+            <a:extLst>
+              <a:ext uri="{FF2B5EF4-FFF2-40B4-BE49-F238E27FC236}">
+                <a16:creationId xmlns:a16="http://schemas.microsoft.com/office/drawing/2014/main" id="{3577D2CE-4D04-4810-B72A-AAB4B9245CDD}"/>
+              </a:ext>
+            </a:extLst>
+          </p:cNvPr>
+          <p:cNvSpPr/>
+          <p:nvPr/>
+        </p:nvSpPr>
+        <p:spPr>
+          <a:xfrm>
+            <a:off x="2717362" y="6157911"/>
+            <a:ext cx="426839" cy="211097"/>
+          </a:xfrm>
+          <a:prstGeom prst="rect">
+            <a:avLst/>
+          </a:prstGeom>
+          <a:solidFill>
+            <a:schemeClr val="bg1"/>
+          </a:solidFill>
+          <a:ln>
+            <a:solidFill>
+              <a:schemeClr val="bg1"/>
+            </a:solidFill>
+          </a:ln>
+        </p:spPr>
+        <p:style>
+          <a:lnRef idx="2">
+            <a:schemeClr val="accent1">
+              <a:shade val="50000"/>
+            </a:schemeClr>
+          </a:lnRef>
+          <a:fillRef idx="1">
+            <a:schemeClr val="accent1"/>
+          </a:fillRef>
+          <a:effectRef idx="0">
+            <a:schemeClr val="accent1"/>
+          </a:effectRef>
+          <a:fontRef idx="minor">
+            <a:schemeClr val="lt1"/>
+          </a:fontRef>
+        </p:style>
+        <p:txBody>
+          <a:bodyPr rtlCol="0" anchor="ctr"/>
+          <a:lstStyle/>
+          <a:p>
+            <a:pPr algn="ctr"/>
+            <a:endParaRPr lang="de-DE"/>
+          </a:p>
+        </p:txBody>
+      </p:sp>
+      <p:sp>
+        <p:nvSpPr>
+          <p:cNvPr id="7" name="Textfeld 6">
+            <a:extLst>
+              <a:ext uri="{FF2B5EF4-FFF2-40B4-BE49-F238E27FC236}">
+                <a16:creationId xmlns:a16="http://schemas.microsoft.com/office/drawing/2014/main" id="{3E598941-AD98-40D9-8D3F-62894D2D1160}"/>
+              </a:ext>
+            </a:extLst>
+          </p:cNvPr>
+          <p:cNvSpPr txBox="1"/>
+          <p:nvPr/>
+        </p:nvSpPr>
+        <p:spPr>
+          <a:xfrm>
+            <a:off x="2928757" y="6100763"/>
+            <a:ext cx="215444" cy="330157"/>
+          </a:xfrm>
+          <a:prstGeom prst="rect">
+            <a:avLst/>
+          </a:prstGeom>
+          <a:noFill/>
+        </p:spPr>
+        <p:txBody>
+          <a:bodyPr vert="vert270" wrap="square" lIns="0" tIns="0" rIns="0" bIns="0" rtlCol="0">
+            <a:spAutoFit/>
+          </a:bodyPr>
+          <a:lstStyle/>
+          <a:p>
+            <a:r>
+              <a:rPr lang="de-DE" sz="1400" dirty="0"/>
+              <a:t>62,5</a:t>
+            </a:r>
+          </a:p>
+        </p:txBody>
+      </p:sp>
+    </p:spTree>
+    <p:extLst>
+      <p:ext uri="{BB962C8B-B14F-4D97-AF65-F5344CB8AC3E}">
+        <p14:creationId xmlns:p14="http://schemas.microsoft.com/office/powerpoint/2010/main" val="624870374"/>
+      </p:ext>
+    </p:extLst>
+  </p:cSld>
+  <p:clrMapOvr>
+    <a:masterClrMapping/>
+  </p:clrMapOvr>
+</p:sld>
+</file>
+
+<file path=ppt/slides/slide18.xml><?xml version="1.0" encoding="utf-8"?>
+<p:sld xmlns:a="http://schemas.openxmlformats.org/drawingml/2006/main" xmlns:r="http://schemas.openxmlformats.org/officeDocument/2006/relationships" xmlns:p="http://schemas.openxmlformats.org/presentationml/2006/main">
+  <p:cSld>
+    <p:spTree>
+      <p:nvGrpSpPr>
+        <p:cNvPr id="1" name=""/>
+        <p:cNvGrpSpPr/>
+        <p:nvPr/>
+      </p:nvGrpSpPr>
+      <p:grpSpPr>
+        <a:xfrm>
+          <a:off x="0" y="0"/>
+          <a:ext cx="0" cy="0"/>
+          <a:chOff x="0" y="0"/>
+          <a:chExt cx="0" cy="0"/>
+        </a:xfrm>
+      </p:grpSpPr>
+      <p:pic>
+        <p:nvPicPr>
+          <p:cNvPr id="2" name="Grafik 1">
+            <a:extLst>
+              <a:ext uri="{FF2B5EF4-FFF2-40B4-BE49-F238E27FC236}">
+                <a16:creationId xmlns:a16="http://schemas.microsoft.com/office/drawing/2014/main" id="{D7B3BB5C-C892-404D-883E-721ACC2791ED}"/>
+              </a:ext>
+            </a:extLst>
+          </p:cNvPr>
+          <p:cNvPicPr>
+            <a:picLocks noChangeAspect="1"/>
+          </p:cNvPicPr>
+          <p:nvPr/>
+        </p:nvPicPr>
+        <p:blipFill>
+          <a:blip r:embed="rId2"/>
+          <a:stretch>
+            <a:fillRect/>
+          </a:stretch>
+        </p:blipFill>
+        <p:spPr>
+          <a:xfrm>
+            <a:off x="2419350" y="836977"/>
+            <a:ext cx="7543192" cy="5420948"/>
+          </a:xfrm>
+          <a:prstGeom prst="rect">
+            <a:avLst/>
+          </a:prstGeom>
+        </p:spPr>
+      </p:pic>
+      <p:cxnSp>
+        <p:nvCxnSpPr>
+          <p:cNvPr id="4" name="Gerade Verbindung mit Pfeil 3">
+            <a:extLst>
+              <a:ext uri="{FF2B5EF4-FFF2-40B4-BE49-F238E27FC236}">
+                <a16:creationId xmlns:a16="http://schemas.microsoft.com/office/drawing/2014/main" id="{637B79C9-AAA1-4C44-97DC-CA6860A1393B}"/>
+              </a:ext>
+            </a:extLst>
+          </p:cNvPr>
+          <p:cNvCxnSpPr>
+            <a:cxnSpLocks/>
+          </p:cNvCxnSpPr>
+          <p:nvPr/>
+        </p:nvCxnSpPr>
+        <p:spPr>
+          <a:xfrm flipH="1">
+            <a:off x="8572501" y="2305050"/>
+            <a:ext cx="200024" cy="752475"/>
+          </a:xfrm>
+          <a:prstGeom prst="straightConnector1">
+            <a:avLst/>
+          </a:prstGeom>
+          <a:ln w="76200">
+            <a:solidFill>
+              <a:srgbClr val="C00000"/>
+            </a:solidFill>
+            <a:tailEnd type="triangle"/>
+          </a:ln>
+        </p:spPr>
+        <p:style>
+          <a:lnRef idx="1">
+            <a:schemeClr val="accent1"/>
+          </a:lnRef>
+          <a:fillRef idx="0">
+            <a:schemeClr val="accent1"/>
+          </a:fillRef>
+          <a:effectRef idx="0">
+            <a:schemeClr val="accent1"/>
+          </a:effectRef>
+          <a:fontRef idx="minor">
+            <a:schemeClr val="tx1"/>
+          </a:fontRef>
+        </p:style>
+      </p:cxnSp>
+      <p:cxnSp>
+        <p:nvCxnSpPr>
+          <p:cNvPr id="7" name="Gerade Verbindung mit Pfeil 6">
+            <a:extLst>
+              <a:ext uri="{FF2B5EF4-FFF2-40B4-BE49-F238E27FC236}">
+                <a16:creationId xmlns:a16="http://schemas.microsoft.com/office/drawing/2014/main" id="{A20C0621-D615-4FE4-AB77-BD4F6FBD127E}"/>
+              </a:ext>
+            </a:extLst>
+          </p:cNvPr>
+          <p:cNvCxnSpPr>
+            <a:cxnSpLocks/>
+          </p:cNvCxnSpPr>
+          <p:nvPr/>
+        </p:nvCxnSpPr>
+        <p:spPr>
+          <a:xfrm>
+            <a:off x="3562350" y="5463810"/>
+            <a:ext cx="838201" cy="0"/>
+          </a:xfrm>
+          <a:prstGeom prst="straightConnector1">
+            <a:avLst/>
+          </a:prstGeom>
+          <a:ln w="76200">
+            <a:solidFill>
+              <a:srgbClr val="C00000"/>
+            </a:solidFill>
+            <a:tailEnd type="triangle"/>
+          </a:ln>
+        </p:spPr>
+        <p:style>
+          <a:lnRef idx="1">
+            <a:schemeClr val="accent1"/>
+          </a:lnRef>
+          <a:fillRef idx="0">
+            <a:schemeClr val="accent1"/>
+          </a:fillRef>
+          <a:effectRef idx="0">
+            <a:schemeClr val="accent1"/>
+          </a:effectRef>
+          <a:fontRef idx="minor">
+            <a:schemeClr val="tx1"/>
+          </a:fontRef>
+        </p:style>
+      </p:cxnSp>
+    </p:spTree>
+    <p:extLst>
+      <p:ext uri="{BB962C8B-B14F-4D97-AF65-F5344CB8AC3E}">
+        <p14:creationId xmlns:p14="http://schemas.microsoft.com/office/powerpoint/2010/main" val="1856869607"/>
       </p:ext>
     </p:extLst>
   </p:cSld>

--- a/Grafiken.pptx
+++ b/Grafiken.pptx
@@ -11585,7 +11585,7 @@
         </p:blipFill>
         <p:spPr>
           <a:xfrm>
-            <a:off x="4223385" y="1914525"/>
+            <a:off x="742249" y="703346"/>
             <a:ext cx="3745230" cy="3028950"/>
           </a:xfrm>
           <a:prstGeom prst="rect">
@@ -11607,7 +11607,7 @@
         </p:nvCxnSpPr>
         <p:spPr>
           <a:xfrm>
-            <a:off x="4403558" y="2213811"/>
+            <a:off x="922422" y="1002632"/>
             <a:ext cx="978568" cy="521368"/>
           </a:xfrm>
           <a:prstGeom prst="bentConnector3">
@@ -11649,7 +11649,7 @@
         </p:nvCxnSpPr>
         <p:spPr>
           <a:xfrm>
-            <a:off x="6160168" y="2839453"/>
+            <a:off x="2679032" y="1628274"/>
             <a:ext cx="0" cy="938464"/>
           </a:xfrm>
           <a:prstGeom prst="straightConnector1">
@@ -11693,7 +11693,7 @@
         </p:nvCxnSpPr>
         <p:spPr>
           <a:xfrm rot="5400000">
-            <a:off x="5550568" y="4069184"/>
+            <a:off x="2069432" y="2858005"/>
             <a:ext cx="753979" cy="336884"/>
           </a:xfrm>
           <a:prstGeom prst="curvedConnector3">
@@ -11739,11 +11739,217 @@
         </p:nvCxnSpPr>
         <p:spPr>
           <a:xfrm flipH="1" flipV="1">
-            <a:off x="4403558" y="3561347"/>
+            <a:off x="922422" y="2350168"/>
             <a:ext cx="1277503" cy="462465"/>
           </a:xfrm>
           <a:prstGeom prst="straightConnector1">
             <a:avLst/>
+          </a:prstGeom>
+          <a:ln w="28575">
+            <a:solidFill>
+              <a:schemeClr val="accent2"/>
+            </a:solidFill>
+            <a:tailEnd type="triangle"/>
+          </a:ln>
+        </p:spPr>
+        <p:style>
+          <a:lnRef idx="1">
+            <a:schemeClr val="accent1"/>
+          </a:lnRef>
+          <a:fillRef idx="0">
+            <a:schemeClr val="accent1"/>
+          </a:fillRef>
+          <a:effectRef idx="0">
+            <a:schemeClr val="accent1"/>
+          </a:effectRef>
+          <a:fontRef idx="minor">
+            <a:schemeClr val="tx1"/>
+          </a:fontRef>
+        </p:style>
+      </p:cxnSp>
+      <p:pic>
+        <p:nvPicPr>
+          <p:cNvPr id="7" name="Grafik 6">
+            <a:extLst>
+              <a:ext uri="{FF2B5EF4-FFF2-40B4-BE49-F238E27FC236}">
+                <a16:creationId xmlns:a16="http://schemas.microsoft.com/office/drawing/2014/main" id="{A4E99ED2-5F59-4961-B299-DBE44E765706}"/>
+              </a:ext>
+            </a:extLst>
+          </p:cNvPr>
+          <p:cNvPicPr/>
+          <p:nvPr/>
+        </p:nvPicPr>
+        <p:blipFill>
+          <a:blip r:embed="rId3"/>
+          <a:stretch>
+            <a:fillRect/>
+          </a:stretch>
+        </p:blipFill>
+        <p:spPr>
+          <a:xfrm>
+            <a:off x="5349875" y="1628274"/>
+            <a:ext cx="5759450" cy="3099435"/>
+          </a:xfrm>
+          <a:prstGeom prst="rect">
+            <a:avLst/>
+          </a:prstGeom>
+        </p:spPr>
+      </p:pic>
+      <p:cxnSp>
+        <p:nvCxnSpPr>
+          <p:cNvPr id="8" name="Verbinder: gewinkelt 7">
+            <a:extLst>
+              <a:ext uri="{FF2B5EF4-FFF2-40B4-BE49-F238E27FC236}">
+                <a16:creationId xmlns:a16="http://schemas.microsoft.com/office/drawing/2014/main" id="{81BD5C16-5EA7-4AA9-987F-1AC9A0C7B4EA}"/>
+              </a:ext>
+            </a:extLst>
+          </p:cNvPr>
+          <p:cNvCxnSpPr/>
+          <p:nvPr/>
+        </p:nvCxnSpPr>
+        <p:spPr>
+          <a:xfrm>
+            <a:off x="8606590" y="2835317"/>
+            <a:ext cx="978568" cy="521368"/>
+          </a:xfrm>
+          <a:prstGeom prst="bentConnector3">
+            <a:avLst/>
+          </a:prstGeom>
+          <a:ln w="28575">
+            <a:solidFill>
+              <a:schemeClr val="accent2"/>
+            </a:solidFill>
+            <a:tailEnd type="triangle"/>
+          </a:ln>
+        </p:spPr>
+        <p:style>
+          <a:lnRef idx="1">
+            <a:schemeClr val="accent1"/>
+          </a:lnRef>
+          <a:fillRef idx="0">
+            <a:schemeClr val="accent1"/>
+          </a:fillRef>
+          <a:effectRef idx="0">
+            <a:schemeClr val="accent1"/>
+          </a:effectRef>
+          <a:fontRef idx="minor">
+            <a:schemeClr val="tx1"/>
+          </a:fontRef>
+        </p:style>
+      </p:cxnSp>
+      <p:cxnSp>
+        <p:nvCxnSpPr>
+          <p:cNvPr id="9" name="Verbinder: gekrümmt 8">
+            <a:extLst>
+              <a:ext uri="{FF2B5EF4-FFF2-40B4-BE49-F238E27FC236}">
+                <a16:creationId xmlns:a16="http://schemas.microsoft.com/office/drawing/2014/main" id="{74275E65-8B7A-4DFA-AC54-3F6797354979}"/>
+              </a:ext>
+            </a:extLst>
+          </p:cNvPr>
+          <p:cNvCxnSpPr>
+            <a:cxnSpLocks/>
+          </p:cNvCxnSpPr>
+          <p:nvPr/>
+        </p:nvCxnSpPr>
+        <p:spPr>
+          <a:xfrm rot="5400000">
+            <a:off x="9119939" y="4128639"/>
+            <a:ext cx="753979" cy="336884"/>
+          </a:xfrm>
+          <a:prstGeom prst="curvedConnector3">
+            <a:avLst>
+              <a:gd name="adj1" fmla="val -54255"/>
+            </a:avLst>
+          </a:prstGeom>
+          <a:ln w="28575">
+            <a:solidFill>
+              <a:schemeClr val="accent2"/>
+            </a:solidFill>
+            <a:tailEnd type="triangle"/>
+          </a:ln>
+        </p:spPr>
+        <p:style>
+          <a:lnRef idx="1">
+            <a:schemeClr val="accent1"/>
+          </a:lnRef>
+          <a:fillRef idx="0">
+            <a:schemeClr val="accent1"/>
+          </a:fillRef>
+          <a:effectRef idx="0">
+            <a:schemeClr val="accent1"/>
+          </a:effectRef>
+          <a:fontRef idx="minor">
+            <a:schemeClr val="tx1"/>
+          </a:fontRef>
+        </p:style>
+      </p:cxnSp>
+      <p:cxnSp>
+        <p:nvCxnSpPr>
+          <p:cNvPr id="10" name="Verbinder: gewinkelt 9">
+            <a:extLst>
+              <a:ext uri="{FF2B5EF4-FFF2-40B4-BE49-F238E27FC236}">
+                <a16:creationId xmlns:a16="http://schemas.microsoft.com/office/drawing/2014/main" id="{20911909-FB34-48A2-B326-54CAB4BAEAFC}"/>
+              </a:ext>
+            </a:extLst>
+          </p:cNvPr>
+          <p:cNvCxnSpPr>
+            <a:cxnSpLocks/>
+          </p:cNvCxnSpPr>
+          <p:nvPr/>
+        </p:nvCxnSpPr>
+        <p:spPr>
+          <a:xfrm rot="10800000" flipV="1">
+            <a:off x="6914148" y="2835317"/>
+            <a:ext cx="537411" cy="521368"/>
+          </a:xfrm>
+          <a:prstGeom prst="bentConnector3">
+            <a:avLst/>
+          </a:prstGeom>
+          <a:ln w="28575">
+            <a:solidFill>
+              <a:schemeClr val="accent2"/>
+            </a:solidFill>
+            <a:tailEnd type="triangle"/>
+          </a:ln>
+        </p:spPr>
+        <p:style>
+          <a:lnRef idx="1">
+            <a:schemeClr val="accent1"/>
+          </a:lnRef>
+          <a:fillRef idx="0">
+            <a:schemeClr val="accent1"/>
+          </a:fillRef>
+          <a:effectRef idx="0">
+            <a:schemeClr val="accent1"/>
+          </a:effectRef>
+          <a:fontRef idx="minor">
+            <a:schemeClr val="tx1"/>
+          </a:fontRef>
+        </p:style>
+      </p:cxnSp>
+      <p:cxnSp>
+        <p:nvCxnSpPr>
+          <p:cNvPr id="12" name="Verbinder: gekrümmt 11">
+            <a:extLst>
+              <a:ext uri="{FF2B5EF4-FFF2-40B4-BE49-F238E27FC236}">
+                <a16:creationId xmlns:a16="http://schemas.microsoft.com/office/drawing/2014/main" id="{8028C162-6F7C-47B8-8CCA-F9128A46DFFC}"/>
+              </a:ext>
+            </a:extLst>
+          </p:cNvPr>
+          <p:cNvCxnSpPr>
+            <a:cxnSpLocks/>
+          </p:cNvCxnSpPr>
+          <p:nvPr/>
+        </p:nvCxnSpPr>
+        <p:spPr>
+          <a:xfrm rot="5400000">
+            <a:off x="5791202" y="3970725"/>
+            <a:ext cx="753979" cy="336884"/>
+          </a:xfrm>
+          <a:prstGeom prst="curvedConnector3">
+            <a:avLst>
+              <a:gd name="adj1" fmla="val -54255"/>
+            </a:avLst>
           </a:prstGeom>
           <a:ln w="28575">
             <a:solidFill>

--- a/Grafiken.pptx
+++ b/Grafiken.pptx
@@ -22,7 +22,10 @@
     <p:sldId id="270" r:id="rId16"/>
     <p:sldId id="271" r:id="rId17"/>
     <p:sldId id="272" r:id="rId18"/>
-    <p:sldId id="273" r:id="rId19"/>
+    <p:sldId id="275" r:id="rId19"/>
+    <p:sldId id="273" r:id="rId20"/>
+    <p:sldId id="274" r:id="rId21"/>
+    <p:sldId id="276" r:id="rId22"/>
   </p:sldIdLst>
   <p:sldSz cx="12192000" cy="6858000"/>
   <p:notesSz cx="6858000" cy="9144000"/>
@@ -276,7 +279,7 @@
           <a:p>
             <a:fld id="{1A473A71-948F-4AE8-AF79-80443CCFF2D0}" type="datetimeFigureOut">
               <a:rPr lang="de-DE" smtClean="0"/>
-              <a:t>05.03.2020</a:t>
+              <a:t>07.03.2020</a:t>
             </a:fld>
             <a:endParaRPr lang="de-DE"/>
           </a:p>
@@ -474,7 +477,7 @@
           <a:p>
             <a:fld id="{1A473A71-948F-4AE8-AF79-80443CCFF2D0}" type="datetimeFigureOut">
               <a:rPr lang="de-DE" smtClean="0"/>
-              <a:t>05.03.2020</a:t>
+              <a:t>07.03.2020</a:t>
             </a:fld>
             <a:endParaRPr lang="de-DE"/>
           </a:p>
@@ -682,7 +685,7 @@
           <a:p>
             <a:fld id="{1A473A71-948F-4AE8-AF79-80443CCFF2D0}" type="datetimeFigureOut">
               <a:rPr lang="de-DE" smtClean="0"/>
-              <a:t>05.03.2020</a:t>
+              <a:t>07.03.2020</a:t>
             </a:fld>
             <a:endParaRPr lang="de-DE"/>
           </a:p>
@@ -880,7 +883,7 @@
           <a:p>
             <a:fld id="{1A473A71-948F-4AE8-AF79-80443CCFF2D0}" type="datetimeFigureOut">
               <a:rPr lang="de-DE" smtClean="0"/>
-              <a:t>05.03.2020</a:t>
+              <a:t>07.03.2020</a:t>
             </a:fld>
             <a:endParaRPr lang="de-DE"/>
           </a:p>
@@ -1155,7 +1158,7 @@
           <a:p>
             <a:fld id="{1A473A71-948F-4AE8-AF79-80443CCFF2D0}" type="datetimeFigureOut">
               <a:rPr lang="de-DE" smtClean="0"/>
-              <a:t>05.03.2020</a:t>
+              <a:t>07.03.2020</a:t>
             </a:fld>
             <a:endParaRPr lang="de-DE"/>
           </a:p>
@@ -1420,7 +1423,7 @@
           <a:p>
             <a:fld id="{1A473A71-948F-4AE8-AF79-80443CCFF2D0}" type="datetimeFigureOut">
               <a:rPr lang="de-DE" smtClean="0"/>
-              <a:t>05.03.2020</a:t>
+              <a:t>07.03.2020</a:t>
             </a:fld>
             <a:endParaRPr lang="de-DE"/>
           </a:p>
@@ -1832,7 +1835,7 @@
           <a:p>
             <a:fld id="{1A473A71-948F-4AE8-AF79-80443CCFF2D0}" type="datetimeFigureOut">
               <a:rPr lang="de-DE" smtClean="0"/>
-              <a:t>05.03.2020</a:t>
+              <a:t>07.03.2020</a:t>
             </a:fld>
             <a:endParaRPr lang="de-DE"/>
           </a:p>
@@ -1973,7 +1976,7 @@
           <a:p>
             <a:fld id="{1A473A71-948F-4AE8-AF79-80443CCFF2D0}" type="datetimeFigureOut">
               <a:rPr lang="de-DE" smtClean="0"/>
-              <a:t>05.03.2020</a:t>
+              <a:t>07.03.2020</a:t>
             </a:fld>
             <a:endParaRPr lang="de-DE"/>
           </a:p>
@@ -2086,7 +2089,7 @@
           <a:p>
             <a:fld id="{1A473A71-948F-4AE8-AF79-80443CCFF2D0}" type="datetimeFigureOut">
               <a:rPr lang="de-DE" smtClean="0"/>
-              <a:t>05.03.2020</a:t>
+              <a:t>07.03.2020</a:t>
             </a:fld>
             <a:endParaRPr lang="de-DE"/>
           </a:p>
@@ -2397,7 +2400,7 @@
           <a:p>
             <a:fld id="{1A473A71-948F-4AE8-AF79-80443CCFF2D0}" type="datetimeFigureOut">
               <a:rPr lang="de-DE" smtClean="0"/>
-              <a:t>05.03.2020</a:t>
+              <a:t>07.03.2020</a:t>
             </a:fld>
             <a:endParaRPr lang="de-DE"/>
           </a:p>
@@ -2685,7 +2688,7 @@
           <a:p>
             <a:fld id="{1A473A71-948F-4AE8-AF79-80443CCFF2D0}" type="datetimeFigureOut">
               <a:rPr lang="de-DE" smtClean="0"/>
-              <a:t>05.03.2020</a:t>
+              <a:t>07.03.2020</a:t>
             </a:fld>
             <a:endParaRPr lang="de-DE"/>
           </a:p>
@@ -2926,7 +2929,7 @@
           <a:p>
             <a:fld id="{1A473A71-948F-4AE8-AF79-80443CCFF2D0}" type="datetimeFigureOut">
               <a:rPr lang="de-DE" smtClean="0"/>
-              <a:t>05.03.2020</a:t>
+              <a:t>07.03.2020</a:t>
             </a:fld>
             <a:endParaRPr lang="de-DE"/>
           </a:p>
@@ -6510,6 +6513,336 @@
           <p:cNvPr id="2" name="Grafik 1">
             <a:extLst>
               <a:ext uri="{FF2B5EF4-FFF2-40B4-BE49-F238E27FC236}">
+                <a16:creationId xmlns:a16="http://schemas.microsoft.com/office/drawing/2014/main" id="{9F3B7CDC-E3AB-49D2-9C6C-9FB62EE6BD47}"/>
+              </a:ext>
+            </a:extLst>
+          </p:cNvPr>
+          <p:cNvPicPr>
+            <a:picLocks noChangeAspect="1"/>
+          </p:cNvPicPr>
+          <p:nvPr/>
+        </p:nvPicPr>
+        <p:blipFill>
+          <a:blip r:embed="rId2"/>
+          <a:stretch>
+            <a:fillRect/>
+          </a:stretch>
+        </p:blipFill>
+        <p:spPr>
+          <a:xfrm>
+            <a:off x="1596200" y="0"/>
+            <a:ext cx="8847199" cy="6858000"/>
+          </a:xfrm>
+          <a:prstGeom prst="rect">
+            <a:avLst/>
+          </a:prstGeom>
+        </p:spPr>
+      </p:pic>
+      <p:sp>
+        <p:nvSpPr>
+          <p:cNvPr id="4" name="Textfeld 3">
+            <a:extLst>
+              <a:ext uri="{FF2B5EF4-FFF2-40B4-BE49-F238E27FC236}">
+                <a16:creationId xmlns:a16="http://schemas.microsoft.com/office/drawing/2014/main" id="{66BA9ACA-642D-4FA6-95E6-7188E38DD7D6}"/>
+              </a:ext>
+            </a:extLst>
+          </p:cNvPr>
+          <p:cNvSpPr txBox="1"/>
+          <p:nvPr/>
+        </p:nvSpPr>
+        <p:spPr>
+          <a:xfrm>
+            <a:off x="1733550" y="3672840"/>
+            <a:ext cx="307777" cy="765572"/>
+          </a:xfrm>
+          <a:prstGeom prst="rect">
+            <a:avLst/>
+          </a:prstGeom>
+          <a:solidFill>
+            <a:schemeClr val="bg1"/>
+          </a:solidFill>
+        </p:spPr>
+        <p:txBody>
+          <a:bodyPr vert="vert270" wrap="square" rIns="0" rtlCol="0">
+            <a:spAutoFit/>
+          </a:bodyPr>
+          <a:lstStyle/>
+          <a:p>
+            <a:r>
+              <a:rPr lang="de-DE" sz="1400" dirty="0"/>
+              <a:t>Ø 770</a:t>
+            </a:r>
+          </a:p>
+        </p:txBody>
+      </p:sp>
+      <p:sp>
+        <p:nvSpPr>
+          <p:cNvPr id="5" name="Textfeld 4">
+            <a:extLst>
+              <a:ext uri="{FF2B5EF4-FFF2-40B4-BE49-F238E27FC236}">
+                <a16:creationId xmlns:a16="http://schemas.microsoft.com/office/drawing/2014/main" id="{FBF263C7-C38F-49DE-AE2C-9453A804AD32}"/>
+              </a:ext>
+            </a:extLst>
+          </p:cNvPr>
+          <p:cNvSpPr txBox="1"/>
+          <p:nvPr/>
+        </p:nvSpPr>
+        <p:spPr>
+          <a:xfrm>
+            <a:off x="2284095" y="4899660"/>
+            <a:ext cx="307777" cy="613172"/>
+          </a:xfrm>
+          <a:prstGeom prst="rect">
+            <a:avLst/>
+          </a:prstGeom>
+          <a:solidFill>
+            <a:schemeClr val="bg1"/>
+          </a:solidFill>
+        </p:spPr>
+        <p:txBody>
+          <a:bodyPr vert="vert270" wrap="square" rIns="0" rtlCol="0">
+            <a:spAutoFit/>
+          </a:bodyPr>
+          <a:lstStyle/>
+          <a:p>
+            <a:r>
+              <a:rPr lang="de-DE" sz="1400" dirty="0"/>
+              <a:t>385</a:t>
+            </a:r>
+          </a:p>
+        </p:txBody>
+      </p:sp>
+      <p:sp>
+        <p:nvSpPr>
+          <p:cNvPr id="6" name="Textfeld 5">
+            <a:extLst>
+              <a:ext uri="{FF2B5EF4-FFF2-40B4-BE49-F238E27FC236}">
+                <a16:creationId xmlns:a16="http://schemas.microsoft.com/office/drawing/2014/main" id="{3D787434-9AF8-4585-B74C-9DDD9467549E}"/>
+              </a:ext>
+            </a:extLst>
+          </p:cNvPr>
+          <p:cNvSpPr txBox="1"/>
+          <p:nvPr/>
+        </p:nvSpPr>
+        <p:spPr>
+          <a:xfrm>
+            <a:off x="2838450" y="4832985"/>
+            <a:ext cx="307777" cy="765572"/>
+          </a:xfrm>
+          <a:prstGeom prst="rect">
+            <a:avLst/>
+          </a:prstGeom>
+          <a:solidFill>
+            <a:schemeClr val="bg1"/>
+          </a:solidFill>
+        </p:spPr>
+        <p:txBody>
+          <a:bodyPr vert="vert270" wrap="square" rIns="0" rtlCol="0">
+            <a:spAutoFit/>
+          </a:bodyPr>
+          <a:lstStyle/>
+          <a:p>
+            <a:r>
+              <a:rPr lang="de-DE" sz="1400" dirty="0"/>
+              <a:t>322,5</a:t>
+            </a:r>
+          </a:p>
+        </p:txBody>
+      </p:sp>
+      <p:sp>
+        <p:nvSpPr>
+          <p:cNvPr id="8" name="Rechteck 7">
+            <a:extLst>
+              <a:ext uri="{FF2B5EF4-FFF2-40B4-BE49-F238E27FC236}">
+                <a16:creationId xmlns:a16="http://schemas.microsoft.com/office/drawing/2014/main" id="{3577D2CE-4D04-4810-B72A-AAB4B9245CDD}"/>
+              </a:ext>
+            </a:extLst>
+          </p:cNvPr>
+          <p:cNvSpPr/>
+          <p:nvPr/>
+        </p:nvSpPr>
+        <p:spPr>
+          <a:xfrm>
+            <a:off x="2717362" y="6157911"/>
+            <a:ext cx="426839" cy="211097"/>
+          </a:xfrm>
+          <a:prstGeom prst="rect">
+            <a:avLst/>
+          </a:prstGeom>
+          <a:solidFill>
+            <a:schemeClr val="bg1"/>
+          </a:solidFill>
+          <a:ln>
+            <a:solidFill>
+              <a:schemeClr val="bg1"/>
+            </a:solidFill>
+          </a:ln>
+        </p:spPr>
+        <p:style>
+          <a:lnRef idx="2">
+            <a:schemeClr val="accent1">
+              <a:shade val="50000"/>
+            </a:schemeClr>
+          </a:lnRef>
+          <a:fillRef idx="1">
+            <a:schemeClr val="accent1"/>
+          </a:fillRef>
+          <a:effectRef idx="0">
+            <a:schemeClr val="accent1"/>
+          </a:effectRef>
+          <a:fontRef idx="minor">
+            <a:schemeClr val="lt1"/>
+          </a:fontRef>
+        </p:style>
+        <p:txBody>
+          <a:bodyPr rtlCol="0" anchor="ctr"/>
+          <a:lstStyle/>
+          <a:p>
+            <a:pPr algn="ctr"/>
+            <a:endParaRPr lang="de-DE"/>
+          </a:p>
+        </p:txBody>
+      </p:sp>
+      <p:sp>
+        <p:nvSpPr>
+          <p:cNvPr id="7" name="Textfeld 6">
+            <a:extLst>
+              <a:ext uri="{FF2B5EF4-FFF2-40B4-BE49-F238E27FC236}">
+                <a16:creationId xmlns:a16="http://schemas.microsoft.com/office/drawing/2014/main" id="{3E598941-AD98-40D9-8D3F-62894D2D1160}"/>
+              </a:ext>
+            </a:extLst>
+          </p:cNvPr>
+          <p:cNvSpPr txBox="1"/>
+          <p:nvPr/>
+        </p:nvSpPr>
+        <p:spPr>
+          <a:xfrm>
+            <a:off x="2928757" y="6100763"/>
+            <a:ext cx="215444" cy="330157"/>
+          </a:xfrm>
+          <a:prstGeom prst="rect">
+            <a:avLst/>
+          </a:prstGeom>
+          <a:noFill/>
+        </p:spPr>
+        <p:txBody>
+          <a:bodyPr vert="vert270" wrap="square" lIns="0" tIns="0" rIns="0" bIns="0" rtlCol="0">
+            <a:spAutoFit/>
+          </a:bodyPr>
+          <a:lstStyle/>
+          <a:p>
+            <a:r>
+              <a:rPr lang="de-DE" sz="1400" dirty="0"/>
+              <a:t>62,5</a:t>
+            </a:r>
+          </a:p>
+        </p:txBody>
+      </p:sp>
+      <p:sp>
+        <p:nvSpPr>
+          <p:cNvPr id="3" name="Textfeld 2">
+            <a:extLst>
+              <a:ext uri="{FF2B5EF4-FFF2-40B4-BE49-F238E27FC236}">
+                <a16:creationId xmlns:a16="http://schemas.microsoft.com/office/drawing/2014/main" id="{9D9E13ED-6E26-4E9C-9F1D-61B192315D95}"/>
+              </a:ext>
+            </a:extLst>
+          </p:cNvPr>
+          <p:cNvSpPr txBox="1"/>
+          <p:nvPr/>
+        </p:nvSpPr>
+        <p:spPr>
+          <a:xfrm>
+            <a:off x="7600427" y="6100763"/>
+            <a:ext cx="1979802" cy="369332"/>
+          </a:xfrm>
+          <a:prstGeom prst="rect">
+            <a:avLst/>
+          </a:prstGeom>
+          <a:noFill/>
+        </p:spPr>
+        <p:txBody>
+          <a:bodyPr wrap="square" rtlCol="0">
+            <a:spAutoFit/>
+          </a:bodyPr>
+          <a:lstStyle/>
+          <a:p>
+            <a:r>
+              <a:rPr lang="de-DE" dirty="0"/>
+              <a:t>Schienenoberkante</a:t>
+            </a:r>
+          </a:p>
+        </p:txBody>
+      </p:sp>
+      <p:sp>
+        <p:nvSpPr>
+          <p:cNvPr id="9" name="Textfeld 8">
+            <a:extLst>
+              <a:ext uri="{FF2B5EF4-FFF2-40B4-BE49-F238E27FC236}">
+                <a16:creationId xmlns:a16="http://schemas.microsoft.com/office/drawing/2014/main" id="{1FDFA633-C2D4-45C5-B7DF-8AE98B79B956}"/>
+              </a:ext>
+            </a:extLst>
+          </p:cNvPr>
+          <p:cNvSpPr txBox="1"/>
+          <p:nvPr/>
+        </p:nvSpPr>
+        <p:spPr>
+          <a:xfrm>
+            <a:off x="4035105" y="1661020"/>
+            <a:ext cx="1082180" cy="369332"/>
+          </a:xfrm>
+          <a:prstGeom prst="rect">
+            <a:avLst/>
+          </a:prstGeom>
+          <a:noFill/>
+        </p:spPr>
+        <p:txBody>
+          <a:bodyPr wrap="square" rtlCol="0">
+            <a:spAutoFit/>
+          </a:bodyPr>
+          <a:lstStyle/>
+          <a:p>
+            <a:r>
+              <a:rPr lang="de-DE" dirty="0"/>
+              <a:t>Laufrad</a:t>
+            </a:r>
+          </a:p>
+        </p:txBody>
+      </p:sp>
+    </p:spTree>
+    <p:extLst>
+      <p:ext uri="{BB962C8B-B14F-4D97-AF65-F5344CB8AC3E}">
+        <p14:creationId xmlns:p14="http://schemas.microsoft.com/office/powerpoint/2010/main" val="484038559"/>
+      </p:ext>
+    </p:extLst>
+  </p:cSld>
+  <p:clrMapOvr>
+    <a:masterClrMapping/>
+  </p:clrMapOvr>
+</p:sld>
+</file>
+
+<file path=ppt/slides/slide19.xml><?xml version="1.0" encoding="utf-8"?>
+<p:sld xmlns:a="http://schemas.openxmlformats.org/drawingml/2006/main" xmlns:r="http://schemas.openxmlformats.org/officeDocument/2006/relationships" xmlns:p="http://schemas.openxmlformats.org/presentationml/2006/main">
+  <p:cSld>
+    <p:spTree>
+      <p:nvGrpSpPr>
+        <p:cNvPr id="1" name=""/>
+        <p:cNvGrpSpPr/>
+        <p:nvPr/>
+      </p:nvGrpSpPr>
+      <p:grpSpPr>
+        <a:xfrm>
+          <a:off x="0" y="0"/>
+          <a:ext cx="0" cy="0"/>
+          <a:chOff x="0" y="0"/>
+          <a:chExt cx="0" cy="0"/>
+        </a:xfrm>
+      </p:grpSpPr>
+      <p:pic>
+        <p:nvPicPr>
+          <p:cNvPr id="2" name="Grafik 1">
+            <a:extLst>
+              <a:ext uri="{FF2B5EF4-FFF2-40B4-BE49-F238E27FC236}">
                 <a16:creationId xmlns:a16="http://schemas.microsoft.com/office/drawing/2014/main" id="{D7B3BB5C-C892-404D-883E-721ACC2791ED}"/>
               </a:ext>
             </a:extLst>
@@ -7549,6 +7882,266 @@
     <p:extLst>
       <p:ext uri="{BB962C8B-B14F-4D97-AF65-F5344CB8AC3E}">
         <p14:creationId xmlns:p14="http://schemas.microsoft.com/office/powerpoint/2010/main" val="1064748203"/>
+      </p:ext>
+    </p:extLst>
+  </p:cSld>
+  <p:clrMapOvr>
+    <a:masterClrMapping/>
+  </p:clrMapOvr>
+</p:sld>
+</file>
+
+<file path=ppt/slides/slide20.xml><?xml version="1.0" encoding="utf-8"?>
+<p:sld xmlns:a="http://schemas.openxmlformats.org/drawingml/2006/main" xmlns:r="http://schemas.openxmlformats.org/officeDocument/2006/relationships" xmlns:p="http://schemas.openxmlformats.org/presentationml/2006/main">
+  <p:cSld>
+    <p:spTree>
+      <p:nvGrpSpPr>
+        <p:cNvPr id="1" name=""/>
+        <p:cNvGrpSpPr/>
+        <p:nvPr/>
+      </p:nvGrpSpPr>
+      <p:grpSpPr>
+        <a:xfrm>
+          <a:off x="0" y="0"/>
+          <a:ext cx="0" cy="0"/>
+          <a:chOff x="0" y="0"/>
+          <a:chExt cx="0" cy="0"/>
+        </a:xfrm>
+      </p:grpSpPr>
+      <p:pic>
+        <p:nvPicPr>
+          <p:cNvPr id="2" name="Grafik 1">
+            <a:extLst>
+              <a:ext uri="{FF2B5EF4-FFF2-40B4-BE49-F238E27FC236}">
+                <a16:creationId xmlns:a16="http://schemas.microsoft.com/office/drawing/2014/main" id="{04D9AE76-C98F-4241-9DAD-54417979EADF}"/>
+              </a:ext>
+            </a:extLst>
+          </p:cNvPr>
+          <p:cNvPicPr/>
+          <p:nvPr/>
+        </p:nvPicPr>
+        <p:blipFill>
+          <a:blip r:embed="rId2"/>
+          <a:stretch>
+            <a:fillRect/>
+          </a:stretch>
+        </p:blipFill>
+        <p:spPr>
+          <a:xfrm>
+            <a:off x="3328987" y="455930"/>
+            <a:ext cx="5534025" cy="5946140"/>
+          </a:xfrm>
+          <a:prstGeom prst="rect">
+            <a:avLst/>
+          </a:prstGeom>
+        </p:spPr>
+      </p:pic>
+      <p:cxnSp>
+        <p:nvCxnSpPr>
+          <p:cNvPr id="4" name="Gerade Verbindung mit Pfeil 3">
+            <a:extLst>
+              <a:ext uri="{FF2B5EF4-FFF2-40B4-BE49-F238E27FC236}">
+                <a16:creationId xmlns:a16="http://schemas.microsoft.com/office/drawing/2014/main" id="{8D5B2ACF-269F-4145-974C-1F69F1E7E3C8}"/>
+              </a:ext>
+            </a:extLst>
+          </p:cNvPr>
+          <p:cNvCxnSpPr>
+            <a:cxnSpLocks/>
+          </p:cNvCxnSpPr>
+          <p:nvPr/>
+        </p:nvCxnSpPr>
+        <p:spPr>
+          <a:xfrm>
+            <a:off x="5108895" y="2474753"/>
+            <a:ext cx="1174458" cy="0"/>
+          </a:xfrm>
+          <a:prstGeom prst="straightConnector1">
+            <a:avLst/>
+          </a:prstGeom>
+          <a:ln w="57150">
+            <a:solidFill>
+              <a:srgbClr val="C00000"/>
+            </a:solidFill>
+            <a:tailEnd type="triangle"/>
+          </a:ln>
+        </p:spPr>
+        <p:style>
+          <a:lnRef idx="1">
+            <a:schemeClr val="accent1"/>
+          </a:lnRef>
+          <a:fillRef idx="0">
+            <a:schemeClr val="accent1"/>
+          </a:fillRef>
+          <a:effectRef idx="0">
+            <a:schemeClr val="accent1"/>
+          </a:effectRef>
+          <a:fontRef idx="minor">
+            <a:schemeClr val="tx1"/>
+          </a:fontRef>
+        </p:style>
+      </p:cxnSp>
+      <p:cxnSp>
+        <p:nvCxnSpPr>
+          <p:cNvPr id="8" name="Gerade Verbindung mit Pfeil 7">
+            <a:extLst>
+              <a:ext uri="{FF2B5EF4-FFF2-40B4-BE49-F238E27FC236}">
+                <a16:creationId xmlns:a16="http://schemas.microsoft.com/office/drawing/2014/main" id="{33B9ACE4-90F9-4C05-9291-ADC479C8AB65}"/>
+              </a:ext>
+            </a:extLst>
+          </p:cNvPr>
+          <p:cNvCxnSpPr>
+            <a:cxnSpLocks/>
+          </p:cNvCxnSpPr>
+          <p:nvPr/>
+        </p:nvCxnSpPr>
+        <p:spPr>
+          <a:xfrm flipV="1">
+            <a:off x="6776097" y="2528562"/>
+            <a:ext cx="0" cy="900438"/>
+          </a:xfrm>
+          <a:prstGeom prst="straightConnector1">
+            <a:avLst/>
+          </a:prstGeom>
+          <a:ln w="57150">
+            <a:solidFill>
+              <a:srgbClr val="C00000"/>
+            </a:solidFill>
+            <a:tailEnd type="triangle"/>
+          </a:ln>
+        </p:spPr>
+        <p:style>
+          <a:lnRef idx="1">
+            <a:schemeClr val="accent1"/>
+          </a:lnRef>
+          <a:fillRef idx="0">
+            <a:schemeClr val="accent1"/>
+          </a:fillRef>
+          <a:effectRef idx="0">
+            <a:schemeClr val="accent1"/>
+          </a:effectRef>
+          <a:fontRef idx="minor">
+            <a:schemeClr val="tx1"/>
+          </a:fontRef>
+        </p:style>
+      </p:cxnSp>
+    </p:spTree>
+    <p:extLst>
+      <p:ext uri="{BB962C8B-B14F-4D97-AF65-F5344CB8AC3E}">
+        <p14:creationId xmlns:p14="http://schemas.microsoft.com/office/powerpoint/2010/main" val="1055293932"/>
+      </p:ext>
+    </p:extLst>
+  </p:cSld>
+  <p:clrMapOvr>
+    <a:masterClrMapping/>
+  </p:clrMapOvr>
+</p:sld>
+</file>
+
+<file path=ppt/slides/slide21.xml><?xml version="1.0" encoding="utf-8"?>
+<p:sld xmlns:a="http://schemas.openxmlformats.org/drawingml/2006/main" xmlns:r="http://schemas.openxmlformats.org/officeDocument/2006/relationships" xmlns:p="http://schemas.openxmlformats.org/presentationml/2006/main">
+  <p:cSld>
+    <p:spTree>
+      <p:nvGrpSpPr>
+        <p:cNvPr id="1" name=""/>
+        <p:cNvGrpSpPr/>
+        <p:nvPr/>
+      </p:nvGrpSpPr>
+      <p:grpSpPr>
+        <a:xfrm>
+          <a:off x="0" y="0"/>
+          <a:ext cx="0" cy="0"/>
+          <a:chOff x="0" y="0"/>
+          <a:chExt cx="0" cy="0"/>
+        </a:xfrm>
+      </p:grpSpPr>
+      <p:pic>
+        <p:nvPicPr>
+          <p:cNvPr id="2" name="Grafik 1">
+            <a:extLst>
+              <a:ext uri="{FF2B5EF4-FFF2-40B4-BE49-F238E27FC236}">
+                <a16:creationId xmlns:a16="http://schemas.microsoft.com/office/drawing/2014/main" id="{6425691D-36BE-4725-868E-5F63D3609E61}"/>
+              </a:ext>
+            </a:extLst>
+          </p:cNvPr>
+          <p:cNvPicPr>
+            <a:picLocks noChangeAspect="1"/>
+          </p:cNvPicPr>
+          <p:nvPr/>
+        </p:nvPicPr>
+        <p:blipFill>
+          <a:blip r:embed="rId2"/>
+          <a:stretch>
+            <a:fillRect/>
+          </a:stretch>
+        </p:blipFill>
+        <p:spPr>
+          <a:xfrm>
+            <a:off x="1908306" y="0"/>
+            <a:ext cx="8375388" cy="6858000"/>
+          </a:xfrm>
+          <a:prstGeom prst="rect">
+            <a:avLst/>
+          </a:prstGeom>
+        </p:spPr>
+      </p:pic>
+      <p:sp>
+        <p:nvSpPr>
+          <p:cNvPr id="3" name="Rechteck 2">
+            <a:extLst>
+              <a:ext uri="{FF2B5EF4-FFF2-40B4-BE49-F238E27FC236}">
+                <a16:creationId xmlns:a16="http://schemas.microsoft.com/office/drawing/2014/main" id="{6AA90B53-EC7C-4579-9F9B-2AAED3734BA7}"/>
+              </a:ext>
+            </a:extLst>
+          </p:cNvPr>
+          <p:cNvSpPr/>
+          <p:nvPr/>
+        </p:nvSpPr>
+        <p:spPr>
+          <a:xfrm>
+            <a:off x="8942664" y="6425967"/>
+            <a:ext cx="1577130" cy="432033"/>
+          </a:xfrm>
+          <a:prstGeom prst="rect">
+            <a:avLst/>
+          </a:prstGeom>
+          <a:solidFill>
+            <a:schemeClr val="bg1"/>
+          </a:solidFill>
+          <a:ln>
+            <a:solidFill>
+              <a:schemeClr val="bg1"/>
+            </a:solidFill>
+          </a:ln>
+        </p:spPr>
+        <p:style>
+          <a:lnRef idx="2">
+            <a:schemeClr val="accent1">
+              <a:shade val="50000"/>
+            </a:schemeClr>
+          </a:lnRef>
+          <a:fillRef idx="1">
+            <a:schemeClr val="accent1"/>
+          </a:fillRef>
+          <a:effectRef idx="0">
+            <a:schemeClr val="accent1"/>
+          </a:effectRef>
+          <a:fontRef idx="minor">
+            <a:schemeClr val="lt1"/>
+          </a:fontRef>
+        </p:style>
+        <p:txBody>
+          <a:bodyPr rtlCol="0" anchor="ctr"/>
+          <a:lstStyle/>
+          <a:p>
+            <a:pPr algn="ctr"/>
+            <a:endParaRPr lang="de-DE"/>
+          </a:p>
+        </p:txBody>
+      </p:sp>
+    </p:spTree>
+    <p:extLst>
+      <p:ext uri="{BB962C8B-B14F-4D97-AF65-F5344CB8AC3E}">
+        <p14:creationId xmlns:p14="http://schemas.microsoft.com/office/powerpoint/2010/main" val="1272185363"/>
       </p:ext>
     </p:extLst>
   </p:cSld>
